--- a/pptx/figures.pptx
+++ b/pptx/figures.pptx
@@ -7,6 +7,7 @@
   <p:sldIdLst>
     <p:sldId id="271" r:id="rId2"/>
     <p:sldId id="272" r:id="rId3"/>
+    <p:sldId id="273" r:id="rId4"/>
   </p:sldIdLst>
   <p:sldSz cx="12192000" cy="6858000"/>
   <p:notesSz cx="6858000" cy="9144000"/>
@@ -271,7 +272,7 @@
           <a:p>
             <a:fld id="{8B6844D7-9723-4963-9A7A-AA67393D1570}" type="datetimeFigureOut">
               <a:rPr lang="en-US" smtClean="0"/>
-              <a:t>2/26/2024</a:t>
+              <a:t>4/15/2024</a:t>
             </a:fld>
             <a:endParaRPr lang="en-US"/>
           </a:p>
@@ -469,7 +470,7 @@
           <a:p>
             <a:fld id="{8B6844D7-9723-4963-9A7A-AA67393D1570}" type="datetimeFigureOut">
               <a:rPr lang="en-US" smtClean="0"/>
-              <a:t>2/26/2024</a:t>
+              <a:t>4/15/2024</a:t>
             </a:fld>
             <a:endParaRPr lang="en-US"/>
           </a:p>
@@ -677,7 +678,7 @@
           <a:p>
             <a:fld id="{8B6844D7-9723-4963-9A7A-AA67393D1570}" type="datetimeFigureOut">
               <a:rPr lang="en-US" smtClean="0"/>
-              <a:t>2/26/2024</a:t>
+              <a:t>4/15/2024</a:t>
             </a:fld>
             <a:endParaRPr lang="en-US"/>
           </a:p>
@@ -875,7 +876,7 @@
           <a:p>
             <a:fld id="{8B6844D7-9723-4963-9A7A-AA67393D1570}" type="datetimeFigureOut">
               <a:rPr lang="en-US" smtClean="0"/>
-              <a:t>2/26/2024</a:t>
+              <a:t>4/15/2024</a:t>
             </a:fld>
             <a:endParaRPr lang="en-US"/>
           </a:p>
@@ -1150,7 +1151,7 @@
           <a:p>
             <a:fld id="{8B6844D7-9723-4963-9A7A-AA67393D1570}" type="datetimeFigureOut">
               <a:rPr lang="en-US" smtClean="0"/>
-              <a:t>2/26/2024</a:t>
+              <a:t>4/15/2024</a:t>
             </a:fld>
             <a:endParaRPr lang="en-US"/>
           </a:p>
@@ -1415,7 +1416,7 @@
           <a:p>
             <a:fld id="{8B6844D7-9723-4963-9A7A-AA67393D1570}" type="datetimeFigureOut">
               <a:rPr lang="en-US" smtClean="0"/>
-              <a:t>2/26/2024</a:t>
+              <a:t>4/15/2024</a:t>
             </a:fld>
             <a:endParaRPr lang="en-US"/>
           </a:p>
@@ -1827,7 +1828,7 @@
           <a:p>
             <a:fld id="{8B6844D7-9723-4963-9A7A-AA67393D1570}" type="datetimeFigureOut">
               <a:rPr lang="en-US" smtClean="0"/>
-              <a:t>2/26/2024</a:t>
+              <a:t>4/15/2024</a:t>
             </a:fld>
             <a:endParaRPr lang="en-US"/>
           </a:p>
@@ -1968,7 +1969,7 @@
           <a:p>
             <a:fld id="{8B6844D7-9723-4963-9A7A-AA67393D1570}" type="datetimeFigureOut">
               <a:rPr lang="en-US" smtClean="0"/>
-              <a:t>2/26/2024</a:t>
+              <a:t>4/15/2024</a:t>
             </a:fld>
             <a:endParaRPr lang="en-US"/>
           </a:p>
@@ -2081,7 +2082,7 @@
           <a:p>
             <a:fld id="{8B6844D7-9723-4963-9A7A-AA67393D1570}" type="datetimeFigureOut">
               <a:rPr lang="en-US" smtClean="0"/>
-              <a:t>2/26/2024</a:t>
+              <a:t>4/15/2024</a:t>
             </a:fld>
             <a:endParaRPr lang="en-US"/>
           </a:p>
@@ -2392,7 +2393,7 @@
           <a:p>
             <a:fld id="{8B6844D7-9723-4963-9A7A-AA67393D1570}" type="datetimeFigureOut">
               <a:rPr lang="en-US" smtClean="0"/>
-              <a:t>2/26/2024</a:t>
+              <a:t>4/15/2024</a:t>
             </a:fld>
             <a:endParaRPr lang="en-US"/>
           </a:p>
@@ -2680,7 +2681,7 @@
           <a:p>
             <a:fld id="{8B6844D7-9723-4963-9A7A-AA67393D1570}" type="datetimeFigureOut">
               <a:rPr lang="en-US" smtClean="0"/>
-              <a:t>2/26/2024</a:t>
+              <a:t>4/15/2024</a:t>
             </a:fld>
             <a:endParaRPr lang="en-US"/>
           </a:p>
@@ -2921,7 +2922,7 @@
           <a:p>
             <a:fld id="{8B6844D7-9723-4963-9A7A-AA67393D1570}" type="datetimeFigureOut">
               <a:rPr lang="en-US" smtClean="0"/>
-              <a:t>2/26/2024</a:t>
+              <a:t>4/15/2024</a:t>
             </a:fld>
             <a:endParaRPr lang="en-US"/>
           </a:p>
@@ -13366,42 +13367,6 @@
           <a:noFill/>
         </p:spPr>
       </p:pic>
-      <p:sp>
-        <p:nvSpPr>
-          <p:cNvPr id="14" name="TextBox 13">
-            <a:extLst>
-              <a:ext uri="{FF2B5EF4-FFF2-40B4-BE49-F238E27FC236}">
-                <a16:creationId xmlns:a16="http://schemas.microsoft.com/office/drawing/2014/main" id="{B0A8695A-F306-74FF-C326-9D4CC9D98A14}"/>
-              </a:ext>
-            </a:extLst>
-          </p:cNvPr>
-          <p:cNvSpPr txBox="1"/>
-          <p:nvPr/>
-        </p:nvSpPr>
-        <p:spPr>
-          <a:xfrm>
-            <a:off x="1930318" y="5420240"/>
-            <a:ext cx="2620870" cy="830997"/>
-          </a:xfrm>
-          <a:prstGeom prst="rect">
-            <a:avLst/>
-          </a:prstGeom>
-          <a:noFill/>
-        </p:spPr>
-        <p:txBody>
-          <a:bodyPr wrap="square" rtlCol="0">
-            <a:spAutoFit/>
-          </a:bodyPr>
-          <a:lstStyle/>
-          <a:p>
-            <a:pPr algn="ctr"/>
-            <a:r>
-              <a:rPr lang="en-US" sz="1600"/>
-              <a:t>Domain communities: analysts, SMEs, developers with shared subject interests</a:t>
-            </a:r>
-          </a:p>
-        </p:txBody>
-      </p:sp>
       <p:grpSp>
         <p:nvGrpSpPr>
           <p:cNvPr id="16" name="Group 15">
@@ -13695,7 +13660,7 @@
         </p:nvSpPr>
         <p:spPr>
           <a:xfrm>
-            <a:off x="2260482" y="1066760"/>
+            <a:off x="2929429" y="1290823"/>
             <a:ext cx="1730707" cy="338554"/>
           </a:xfrm>
           <a:prstGeom prst="rect">
@@ -13725,18 +13690,21 @@
               </a:ext>
             </a:extLst>
           </p:cNvPr>
-          <p:cNvCxnSpPr/>
+          <p:cNvCxnSpPr>
+            <a:cxnSpLocks/>
+            <a:stCxn id="22" idx="2"/>
+          </p:cNvCxnSpPr>
           <p:nvPr/>
         </p:nvCxnSpPr>
         <p:spPr>
           <a:xfrm>
-            <a:off x="3704949" y="1307911"/>
-            <a:ext cx="967064" cy="895131"/>
+            <a:off x="3794783" y="1629377"/>
+            <a:ext cx="548076" cy="1026566"/>
           </a:xfrm>
           <a:prstGeom prst="straightConnector1">
             <a:avLst/>
           </a:prstGeom>
-          <a:ln w="12700">
+          <a:ln w="25400">
             <a:solidFill>
               <a:schemeClr val="accent2"/>
             </a:solidFill>
@@ -13814,42 +13782,6 @@
                 <a:schemeClr val="tx1"/>
               </a:solidFill>
             </a:endParaRPr>
-          </a:p>
-        </p:txBody>
-      </p:sp>
-      <p:sp>
-        <p:nvSpPr>
-          <p:cNvPr id="33" name="TextBox 32">
-            <a:extLst>
-              <a:ext uri="{FF2B5EF4-FFF2-40B4-BE49-F238E27FC236}">
-                <a16:creationId xmlns:a16="http://schemas.microsoft.com/office/drawing/2014/main" id="{B56B86B4-5461-47DC-E9BE-546CCEAA320C}"/>
-              </a:ext>
-            </a:extLst>
-          </p:cNvPr>
-          <p:cNvSpPr txBox="1"/>
-          <p:nvPr/>
-        </p:nvSpPr>
-        <p:spPr>
-          <a:xfrm>
-            <a:off x="7836628" y="5390941"/>
-            <a:ext cx="3607010" cy="830997"/>
-          </a:xfrm>
-          <a:prstGeom prst="rect">
-            <a:avLst/>
-          </a:prstGeom>
-          <a:noFill/>
-        </p:spPr>
-        <p:txBody>
-          <a:bodyPr wrap="square" rtlCol="0">
-            <a:spAutoFit/>
-          </a:bodyPr>
-          <a:lstStyle/>
-          <a:p>
-            <a:pPr algn="ctr"/>
-            <a:r>
-              <a:rPr lang="en-US" sz="1600"/>
-              <a:t>Business architecture committee (NBAC): representatives from all communities, looking for commonalities</a:t>
-            </a:r>
           </a:p>
         </p:txBody>
       </p:sp>
@@ -14075,10 +14007,2729 @@
           </a:graphicData>
         </a:graphic>
       </p:graphicFrame>
+      <p:sp>
+        <p:nvSpPr>
+          <p:cNvPr id="5" name="Arc 4">
+            <a:extLst>
+              <a:ext uri="{FF2B5EF4-FFF2-40B4-BE49-F238E27FC236}">
+                <a16:creationId xmlns:a16="http://schemas.microsoft.com/office/drawing/2014/main" id="{79CCF18C-0B75-242D-39F8-B53FDCCC4603}"/>
+              </a:ext>
+            </a:extLst>
+          </p:cNvPr>
+          <p:cNvSpPr/>
+          <p:nvPr/>
+        </p:nvSpPr>
+        <p:spPr bwMode="auto">
+          <a:xfrm flipH="1" flipV="1">
+            <a:off x="1581690" y="3709659"/>
+            <a:ext cx="5285273" cy="2748257"/>
+          </a:xfrm>
+          <a:prstGeom prst="arc">
+            <a:avLst>
+              <a:gd name="adj1" fmla="val 12741877"/>
+              <a:gd name="adj2" fmla="val 19718863"/>
+            </a:avLst>
+          </a:prstGeom>
+          <a:noFill/>
+          <a:ln w="12700" cap="flat" cmpd="sng" algn="ctr">
+            <a:solidFill>
+              <a:srgbClr val="000000"/>
+            </a:solidFill>
+            <a:prstDash val="dash"/>
+            <a:round/>
+            <a:headEnd type="triangle" w="med" len="med"/>
+            <a:tailEnd type="none" w="med" len="med"/>
+          </a:ln>
+          <a:effectLst/>
+        </p:spPr>
+        <p:txBody>
+          <a:bodyPr rtlCol="0" anchor="ctr"/>
+          <a:lstStyle/>
+          <a:p>
+            <a:pPr algn="ctr"/>
+            <a:endParaRPr lang="en-US" dirty="0">
+              <a:solidFill>
+                <a:prstClr val="black"/>
+              </a:solidFill>
+              <a:latin typeface="Arial"/>
+            </a:endParaRPr>
+          </a:p>
+        </p:txBody>
+      </p:sp>
+      <p:sp>
+        <p:nvSpPr>
+          <p:cNvPr id="14" name="TextBox 13">
+            <a:extLst>
+              <a:ext uri="{FF2B5EF4-FFF2-40B4-BE49-F238E27FC236}">
+                <a16:creationId xmlns:a16="http://schemas.microsoft.com/office/drawing/2014/main" id="{B0A8695A-F306-74FF-C326-9D4CC9D98A14}"/>
+              </a:ext>
+            </a:extLst>
+          </p:cNvPr>
+          <p:cNvSpPr txBox="1"/>
+          <p:nvPr/>
+        </p:nvSpPr>
+        <p:spPr>
+          <a:xfrm>
+            <a:off x="1930318" y="5420240"/>
+            <a:ext cx="2620870" cy="830997"/>
+          </a:xfrm>
+          <a:prstGeom prst="rect">
+            <a:avLst/>
+          </a:prstGeom>
+          <a:solidFill>
+            <a:schemeClr val="bg1"/>
+          </a:solidFill>
+        </p:spPr>
+        <p:txBody>
+          <a:bodyPr wrap="square" rtlCol="0">
+            <a:spAutoFit/>
+          </a:bodyPr>
+          <a:lstStyle/>
+          <a:p>
+            <a:pPr algn="ctr"/>
+            <a:r>
+              <a:rPr lang="en-US" sz="1600"/>
+              <a:t>Domain communities: analysts, SMEs, developers with shared subject interests</a:t>
+            </a:r>
+          </a:p>
+        </p:txBody>
+      </p:sp>
+      <p:sp>
+        <p:nvSpPr>
+          <p:cNvPr id="7" name="Arc 6">
+            <a:extLst>
+              <a:ext uri="{FF2B5EF4-FFF2-40B4-BE49-F238E27FC236}">
+                <a16:creationId xmlns:a16="http://schemas.microsoft.com/office/drawing/2014/main" id="{043B9276-5905-FD27-AB16-95AC9ADB18E6}"/>
+              </a:ext>
+            </a:extLst>
+          </p:cNvPr>
+          <p:cNvSpPr/>
+          <p:nvPr/>
+        </p:nvSpPr>
+        <p:spPr bwMode="auto">
+          <a:xfrm flipV="1">
+            <a:off x="5364801" y="3709660"/>
+            <a:ext cx="5285273" cy="2748257"/>
+          </a:xfrm>
+          <a:prstGeom prst="arc">
+            <a:avLst>
+              <a:gd name="adj1" fmla="val 12741877"/>
+              <a:gd name="adj2" fmla="val 19718863"/>
+            </a:avLst>
+          </a:prstGeom>
+          <a:noFill/>
+          <a:ln w="12700" cap="flat" cmpd="sng" algn="ctr">
+            <a:solidFill>
+              <a:srgbClr val="000000"/>
+            </a:solidFill>
+            <a:prstDash val="dash"/>
+            <a:round/>
+            <a:headEnd type="triangle" w="med" len="med"/>
+            <a:tailEnd type="none" w="med" len="med"/>
+          </a:ln>
+          <a:effectLst/>
+        </p:spPr>
+        <p:txBody>
+          <a:bodyPr rtlCol="0" anchor="ctr"/>
+          <a:lstStyle/>
+          <a:p>
+            <a:pPr algn="ctr"/>
+            <a:endParaRPr lang="en-US" dirty="0">
+              <a:solidFill>
+                <a:prstClr val="black"/>
+              </a:solidFill>
+              <a:latin typeface="Arial"/>
+            </a:endParaRPr>
+          </a:p>
+        </p:txBody>
+      </p:sp>
+      <p:sp>
+        <p:nvSpPr>
+          <p:cNvPr id="33" name="TextBox 32">
+            <a:extLst>
+              <a:ext uri="{FF2B5EF4-FFF2-40B4-BE49-F238E27FC236}">
+                <a16:creationId xmlns:a16="http://schemas.microsoft.com/office/drawing/2014/main" id="{B56B86B4-5461-47DC-E9BE-546CCEAA320C}"/>
+              </a:ext>
+            </a:extLst>
+          </p:cNvPr>
+          <p:cNvSpPr txBox="1"/>
+          <p:nvPr/>
+        </p:nvSpPr>
+        <p:spPr>
+          <a:xfrm>
+            <a:off x="7836628" y="5390941"/>
+            <a:ext cx="3607010" cy="830997"/>
+          </a:xfrm>
+          <a:prstGeom prst="rect">
+            <a:avLst/>
+          </a:prstGeom>
+          <a:solidFill>
+            <a:schemeClr val="bg1"/>
+          </a:solidFill>
+        </p:spPr>
+        <p:txBody>
+          <a:bodyPr wrap="square" rtlCol="0">
+            <a:spAutoFit/>
+          </a:bodyPr>
+          <a:lstStyle/>
+          <a:p>
+            <a:pPr algn="ctr"/>
+            <a:r>
+              <a:rPr lang="en-US" sz="1600"/>
+              <a:t>Business architecture committee (NBAC): representatives from all communities, looking for commonalities</a:t>
+            </a:r>
+          </a:p>
+        </p:txBody>
+      </p:sp>
+      <p:sp>
+        <p:nvSpPr>
+          <p:cNvPr id="8" name="Text Box 48">
+            <a:extLst>
+              <a:ext uri="{FF2B5EF4-FFF2-40B4-BE49-F238E27FC236}">
+                <a16:creationId xmlns:a16="http://schemas.microsoft.com/office/drawing/2014/main" id="{064E6E4C-5BA9-79DF-7C65-C73CFDB5C84C}"/>
+              </a:ext>
+            </a:extLst>
+          </p:cNvPr>
+          <p:cNvSpPr txBox="1">
+            <a:spLocks noChangeArrowheads="1"/>
+          </p:cNvSpPr>
+          <p:nvPr/>
+        </p:nvSpPr>
+        <p:spPr bwMode="auto">
+          <a:xfrm>
+            <a:off x="3794783" y="6448876"/>
+            <a:ext cx="787395" cy="338554"/>
+          </a:xfrm>
+          <a:prstGeom prst="rect">
+            <a:avLst/>
+          </a:prstGeom>
+          <a:noFill/>
+          <a:ln w="9525">
+            <a:noFill/>
+            <a:miter lim="800000"/>
+            <a:headEnd/>
+            <a:tailEnd/>
+          </a:ln>
+        </p:spPr>
+        <p:txBody>
+          <a:bodyPr wrap="none">
+            <a:spAutoFit/>
+          </a:bodyPr>
+          <a:lstStyle/>
+          <a:p>
+            <a:pPr fontAlgn="base">
+              <a:spcBef>
+                <a:spcPct val="0"/>
+              </a:spcBef>
+              <a:spcAft>
+                <a:spcPct val="0"/>
+              </a:spcAft>
+            </a:pPr>
+            <a:r>
+              <a:rPr lang="en-US" sz="1600" i="1">
+                <a:solidFill>
+                  <a:srgbClr val="000000"/>
+                </a:solidFill>
+                <a:latin typeface="Arial" charset="0"/>
+              </a:rPr>
+              <a:t>design</a:t>
+            </a:r>
+            <a:endParaRPr lang="en-US" sz="1600" i="1" dirty="0">
+              <a:solidFill>
+                <a:srgbClr val="000000"/>
+              </a:solidFill>
+              <a:latin typeface="Arial" charset="0"/>
+            </a:endParaRPr>
+          </a:p>
+        </p:txBody>
+      </p:sp>
+      <p:sp>
+        <p:nvSpPr>
+          <p:cNvPr id="9" name="Text Box 48">
+            <a:extLst>
+              <a:ext uri="{FF2B5EF4-FFF2-40B4-BE49-F238E27FC236}">
+                <a16:creationId xmlns:a16="http://schemas.microsoft.com/office/drawing/2014/main" id="{83B15E9C-DF3B-F580-F515-831154A518FD}"/>
+              </a:ext>
+            </a:extLst>
+          </p:cNvPr>
+          <p:cNvSpPr txBox="1">
+            <a:spLocks noChangeArrowheads="1"/>
+          </p:cNvSpPr>
+          <p:nvPr/>
+        </p:nvSpPr>
+        <p:spPr bwMode="auto">
+          <a:xfrm>
+            <a:off x="7609824" y="6448876"/>
+            <a:ext cx="787395" cy="338554"/>
+          </a:xfrm>
+          <a:prstGeom prst="rect">
+            <a:avLst/>
+          </a:prstGeom>
+          <a:noFill/>
+          <a:ln w="9525">
+            <a:noFill/>
+            <a:miter lim="800000"/>
+            <a:headEnd/>
+            <a:tailEnd/>
+          </a:ln>
+        </p:spPr>
+        <p:txBody>
+          <a:bodyPr wrap="none">
+            <a:spAutoFit/>
+          </a:bodyPr>
+          <a:lstStyle/>
+          <a:p>
+            <a:pPr fontAlgn="base">
+              <a:spcBef>
+                <a:spcPct val="0"/>
+              </a:spcBef>
+              <a:spcAft>
+                <a:spcPct val="0"/>
+              </a:spcAft>
+            </a:pPr>
+            <a:r>
+              <a:rPr lang="en-US" sz="1600" i="1">
+                <a:solidFill>
+                  <a:srgbClr val="000000"/>
+                </a:solidFill>
+                <a:latin typeface="Arial" charset="0"/>
+              </a:rPr>
+              <a:t>design</a:t>
+            </a:r>
+            <a:endParaRPr lang="en-US" sz="1600" i="1" dirty="0">
+              <a:solidFill>
+                <a:srgbClr val="000000"/>
+              </a:solidFill>
+              <a:latin typeface="Arial" charset="0"/>
+            </a:endParaRPr>
+          </a:p>
+        </p:txBody>
+      </p:sp>
     </p:spTree>
     <p:extLst>
       <p:ext uri="{BB962C8B-B14F-4D97-AF65-F5344CB8AC3E}">
         <p14:creationId xmlns:p14="http://schemas.microsoft.com/office/powerpoint/2010/main" val="4028917113"/>
+      </p:ext>
+    </p:extLst>
+  </p:cSld>
+  <p:clrMapOvr>
+    <a:masterClrMapping/>
+  </p:clrMapOvr>
+</p:sld>
+</file>
+
+<file path=ppt/slides/slide3.xml><?xml version="1.0" encoding="utf-8"?>
+<p:sld xmlns:a="http://schemas.openxmlformats.org/drawingml/2006/main" xmlns:r="http://schemas.openxmlformats.org/officeDocument/2006/relationships" xmlns:p="http://schemas.openxmlformats.org/presentationml/2006/main">
+  <p:cSld>
+    <p:spTree>
+      <p:nvGrpSpPr>
+        <p:cNvPr id="1" name=""/>
+        <p:cNvGrpSpPr/>
+        <p:nvPr/>
+      </p:nvGrpSpPr>
+      <p:grpSpPr>
+        <a:xfrm>
+          <a:off x="0" y="0"/>
+          <a:ext cx="0" cy="0"/>
+          <a:chOff x="0" y="0"/>
+          <a:chExt cx="0" cy="0"/>
+        </a:xfrm>
+      </p:grpSpPr>
+      <p:cxnSp>
+        <p:nvCxnSpPr>
+          <p:cNvPr id="59" name="Straight Arrow Connector 58">
+            <a:extLst>
+              <a:ext uri="{FF2B5EF4-FFF2-40B4-BE49-F238E27FC236}">
+                <a16:creationId xmlns:a16="http://schemas.microsoft.com/office/drawing/2014/main" id="{AEA02F60-EC01-B390-3283-0DD186DB30C6}"/>
+              </a:ext>
+            </a:extLst>
+          </p:cNvPr>
+          <p:cNvCxnSpPr>
+            <a:cxnSpLocks/>
+            <a:endCxn id="54" idx="1"/>
+          </p:cNvCxnSpPr>
+          <p:nvPr/>
+        </p:nvCxnSpPr>
+        <p:spPr>
+          <a:xfrm flipV="1">
+            <a:off x="3821385" y="1901011"/>
+            <a:ext cx="979215" cy="805"/>
+          </a:xfrm>
+          <a:prstGeom prst="straightConnector1">
+            <a:avLst/>
+          </a:prstGeom>
+          <a:ln>
+            <a:solidFill>
+              <a:schemeClr val="tx1"/>
+            </a:solidFill>
+            <a:tailEnd type="triangle"/>
+          </a:ln>
+        </p:spPr>
+        <p:style>
+          <a:lnRef idx="1">
+            <a:schemeClr val="accent1"/>
+          </a:lnRef>
+          <a:fillRef idx="0">
+            <a:schemeClr val="accent1"/>
+          </a:fillRef>
+          <a:effectRef idx="0">
+            <a:schemeClr val="accent1"/>
+          </a:effectRef>
+          <a:fontRef idx="minor">
+            <a:schemeClr val="tx1"/>
+          </a:fontRef>
+        </p:style>
+      </p:cxnSp>
+      <p:sp>
+        <p:nvSpPr>
+          <p:cNvPr id="2" name="Slide Number Placeholder 1">
+            <a:extLst>
+              <a:ext uri="{FF2B5EF4-FFF2-40B4-BE49-F238E27FC236}">
+                <a16:creationId xmlns:a16="http://schemas.microsoft.com/office/drawing/2014/main" id="{E1B7DD40-936E-75D9-470F-DFC9C59E84F8}"/>
+              </a:ext>
+            </a:extLst>
+          </p:cNvPr>
+          <p:cNvSpPr>
+            <a:spLocks noGrp="1"/>
+          </p:cNvSpPr>
+          <p:nvPr>
+            <p:ph type="sldNum" sz="quarter" idx="12"/>
+          </p:nvPr>
+        </p:nvSpPr>
+        <p:spPr/>
+        <p:txBody>
+          <a:bodyPr/>
+          <a:lstStyle/>
+          <a:p>
+            <a:fld id="{BECF63ED-5365-0347-943C-46237B9951C9}" type="slidenum">
+              <a:rPr lang="en-US" sz="1000" smtClean="0"/>
+              <a:t>3</a:t>
+            </a:fld>
+            <a:endParaRPr lang="en-US" sz="1000"/>
+          </a:p>
+        </p:txBody>
+      </p:sp>
+      <p:sp>
+        <p:nvSpPr>
+          <p:cNvPr id="54" name="Rectangle: Rounded Corners 53">
+            <a:extLst>
+              <a:ext uri="{FF2B5EF4-FFF2-40B4-BE49-F238E27FC236}">
+                <a16:creationId xmlns:a16="http://schemas.microsoft.com/office/drawing/2014/main" id="{CD6C9854-0469-8F68-FE40-E6BA9D1700AD}"/>
+              </a:ext>
+            </a:extLst>
+          </p:cNvPr>
+          <p:cNvSpPr/>
+          <p:nvPr/>
+        </p:nvSpPr>
+        <p:spPr>
+          <a:xfrm>
+            <a:off x="4800600" y="1698173"/>
+            <a:ext cx="1307011" cy="405676"/>
+          </a:xfrm>
+          <a:prstGeom prst="roundRect">
+            <a:avLst/>
+          </a:prstGeom>
+          <a:solidFill>
+            <a:schemeClr val="accent5">
+              <a:lumMod val="60000"/>
+              <a:lumOff val="40000"/>
+            </a:schemeClr>
+          </a:solidFill>
+          <a:ln>
+            <a:solidFill>
+              <a:schemeClr val="tx1"/>
+            </a:solidFill>
+          </a:ln>
+        </p:spPr>
+        <p:style>
+          <a:lnRef idx="2">
+            <a:schemeClr val="accent1">
+              <a:shade val="50000"/>
+            </a:schemeClr>
+          </a:lnRef>
+          <a:fillRef idx="1">
+            <a:schemeClr val="accent1"/>
+          </a:fillRef>
+          <a:effectRef idx="0">
+            <a:schemeClr val="accent1"/>
+          </a:effectRef>
+          <a:fontRef idx="minor">
+            <a:schemeClr val="lt1"/>
+          </a:fontRef>
+        </p:style>
+        <p:txBody>
+          <a:bodyPr rtlCol="0" anchor="ctr"/>
+          <a:lstStyle>
+            <a:defPPr>
+              <a:defRPr lang="en-US"/>
+            </a:defPPr>
+            <a:lvl1pPr marL="0" algn="l" defTabSz="914400" rtl="0" eaLnBrk="1" latinLnBrk="0" hangingPunct="1">
+              <a:defRPr sz="1800" kern="1200">
+                <a:solidFill>
+                  <a:schemeClr val="lt1"/>
+                </a:solidFill>
+                <a:latin typeface="+mn-lt"/>
+                <a:ea typeface="+mn-ea"/>
+                <a:cs typeface="+mn-cs"/>
+              </a:defRPr>
+            </a:lvl1pPr>
+            <a:lvl2pPr marL="457200" algn="l" defTabSz="914400" rtl="0" eaLnBrk="1" latinLnBrk="0" hangingPunct="1">
+              <a:defRPr sz="1800" kern="1200">
+                <a:solidFill>
+                  <a:schemeClr val="lt1"/>
+                </a:solidFill>
+                <a:latin typeface="+mn-lt"/>
+                <a:ea typeface="+mn-ea"/>
+                <a:cs typeface="+mn-cs"/>
+              </a:defRPr>
+            </a:lvl2pPr>
+            <a:lvl3pPr marL="914400" algn="l" defTabSz="914400" rtl="0" eaLnBrk="1" latinLnBrk="0" hangingPunct="1">
+              <a:defRPr sz="1800" kern="1200">
+                <a:solidFill>
+                  <a:schemeClr val="lt1"/>
+                </a:solidFill>
+                <a:latin typeface="+mn-lt"/>
+                <a:ea typeface="+mn-ea"/>
+                <a:cs typeface="+mn-cs"/>
+              </a:defRPr>
+            </a:lvl3pPr>
+            <a:lvl4pPr marL="1371600" algn="l" defTabSz="914400" rtl="0" eaLnBrk="1" latinLnBrk="0" hangingPunct="1">
+              <a:defRPr sz="1800" kern="1200">
+                <a:solidFill>
+                  <a:schemeClr val="lt1"/>
+                </a:solidFill>
+                <a:latin typeface="+mn-lt"/>
+                <a:ea typeface="+mn-ea"/>
+                <a:cs typeface="+mn-cs"/>
+              </a:defRPr>
+            </a:lvl4pPr>
+            <a:lvl5pPr marL="1828800" algn="l" defTabSz="914400" rtl="0" eaLnBrk="1" latinLnBrk="0" hangingPunct="1">
+              <a:defRPr sz="1800" kern="1200">
+                <a:solidFill>
+                  <a:schemeClr val="lt1"/>
+                </a:solidFill>
+                <a:latin typeface="+mn-lt"/>
+                <a:ea typeface="+mn-ea"/>
+                <a:cs typeface="+mn-cs"/>
+              </a:defRPr>
+            </a:lvl5pPr>
+            <a:lvl6pPr marL="2286000" algn="l" defTabSz="914400" rtl="0" eaLnBrk="1" latinLnBrk="0" hangingPunct="1">
+              <a:defRPr sz="1800" kern="1200">
+                <a:solidFill>
+                  <a:schemeClr val="lt1"/>
+                </a:solidFill>
+                <a:latin typeface="+mn-lt"/>
+                <a:ea typeface="+mn-ea"/>
+                <a:cs typeface="+mn-cs"/>
+              </a:defRPr>
+            </a:lvl6pPr>
+            <a:lvl7pPr marL="2743200" algn="l" defTabSz="914400" rtl="0" eaLnBrk="1" latinLnBrk="0" hangingPunct="1">
+              <a:defRPr sz="1800" kern="1200">
+                <a:solidFill>
+                  <a:schemeClr val="lt1"/>
+                </a:solidFill>
+                <a:latin typeface="+mn-lt"/>
+                <a:ea typeface="+mn-ea"/>
+                <a:cs typeface="+mn-cs"/>
+              </a:defRPr>
+            </a:lvl7pPr>
+            <a:lvl8pPr marL="3200400" algn="l" defTabSz="914400" rtl="0" eaLnBrk="1" latinLnBrk="0" hangingPunct="1">
+              <a:defRPr sz="1800" kern="1200">
+                <a:solidFill>
+                  <a:schemeClr val="lt1"/>
+                </a:solidFill>
+                <a:latin typeface="+mn-lt"/>
+                <a:ea typeface="+mn-ea"/>
+                <a:cs typeface="+mn-cs"/>
+              </a:defRPr>
+            </a:lvl8pPr>
+            <a:lvl9pPr marL="3657600" algn="l" defTabSz="914400" rtl="0" eaLnBrk="1" latinLnBrk="0" hangingPunct="1">
+              <a:defRPr sz="1800" kern="1200">
+                <a:solidFill>
+                  <a:schemeClr val="lt1"/>
+                </a:solidFill>
+                <a:latin typeface="+mn-lt"/>
+                <a:ea typeface="+mn-ea"/>
+                <a:cs typeface="+mn-cs"/>
+              </a:defRPr>
+            </a:lvl9pPr>
+          </a:lstStyle>
+          <a:p>
+            <a:pPr algn="ctr"/>
+            <a:r>
+              <a:rPr lang="en-US" sz="1000">
+                <a:solidFill>
+                  <a:schemeClr val="tx1"/>
+                </a:solidFill>
+              </a:rPr>
+              <a:t>nc:PersonType</a:t>
+            </a:r>
+          </a:p>
+        </p:txBody>
+      </p:sp>
+      <p:sp>
+        <p:nvSpPr>
+          <p:cNvPr id="81" name="Rectangle: Rounded Corners 80">
+            <a:extLst>
+              <a:ext uri="{FF2B5EF4-FFF2-40B4-BE49-F238E27FC236}">
+                <a16:creationId xmlns:a16="http://schemas.microsoft.com/office/drawing/2014/main" id="{23FE2339-4A73-03BC-DE9A-7C5991B6A466}"/>
+              </a:ext>
+            </a:extLst>
+          </p:cNvPr>
+          <p:cNvSpPr/>
+          <p:nvPr/>
+        </p:nvSpPr>
+        <p:spPr>
+          <a:xfrm>
+            <a:off x="3205929" y="1699246"/>
+            <a:ext cx="615456" cy="404603"/>
+          </a:xfrm>
+          <a:prstGeom prst="roundRect">
+            <a:avLst/>
+          </a:prstGeom>
+          <a:solidFill>
+            <a:schemeClr val="accent4">
+              <a:lumMod val="20000"/>
+              <a:lumOff val="80000"/>
+            </a:schemeClr>
+          </a:solidFill>
+          <a:ln>
+            <a:solidFill>
+              <a:schemeClr val="tx1"/>
+            </a:solidFill>
+          </a:ln>
+        </p:spPr>
+        <p:style>
+          <a:lnRef idx="2">
+            <a:schemeClr val="accent1">
+              <a:shade val="50000"/>
+            </a:schemeClr>
+          </a:lnRef>
+          <a:fillRef idx="1">
+            <a:schemeClr val="accent1"/>
+          </a:fillRef>
+          <a:effectRef idx="0">
+            <a:schemeClr val="accent1"/>
+          </a:effectRef>
+          <a:fontRef idx="minor">
+            <a:schemeClr val="lt1"/>
+          </a:fontRef>
+        </p:style>
+        <p:txBody>
+          <a:bodyPr rtlCol="0" anchor="ctr"/>
+          <a:lstStyle>
+            <a:defPPr>
+              <a:defRPr lang="en-US"/>
+            </a:defPPr>
+            <a:lvl1pPr marL="0" algn="l" defTabSz="914400" rtl="0" eaLnBrk="1" latinLnBrk="0" hangingPunct="1">
+              <a:defRPr sz="1800" kern="1200">
+                <a:solidFill>
+                  <a:schemeClr val="lt1"/>
+                </a:solidFill>
+                <a:latin typeface="+mn-lt"/>
+                <a:ea typeface="+mn-ea"/>
+                <a:cs typeface="+mn-cs"/>
+              </a:defRPr>
+            </a:lvl1pPr>
+            <a:lvl2pPr marL="457200" algn="l" defTabSz="914400" rtl="0" eaLnBrk="1" latinLnBrk="0" hangingPunct="1">
+              <a:defRPr sz="1800" kern="1200">
+                <a:solidFill>
+                  <a:schemeClr val="lt1"/>
+                </a:solidFill>
+                <a:latin typeface="+mn-lt"/>
+                <a:ea typeface="+mn-ea"/>
+                <a:cs typeface="+mn-cs"/>
+              </a:defRPr>
+            </a:lvl2pPr>
+            <a:lvl3pPr marL="914400" algn="l" defTabSz="914400" rtl="0" eaLnBrk="1" latinLnBrk="0" hangingPunct="1">
+              <a:defRPr sz="1800" kern="1200">
+                <a:solidFill>
+                  <a:schemeClr val="lt1"/>
+                </a:solidFill>
+                <a:latin typeface="+mn-lt"/>
+                <a:ea typeface="+mn-ea"/>
+                <a:cs typeface="+mn-cs"/>
+              </a:defRPr>
+            </a:lvl3pPr>
+            <a:lvl4pPr marL="1371600" algn="l" defTabSz="914400" rtl="0" eaLnBrk="1" latinLnBrk="0" hangingPunct="1">
+              <a:defRPr sz="1800" kern="1200">
+                <a:solidFill>
+                  <a:schemeClr val="lt1"/>
+                </a:solidFill>
+                <a:latin typeface="+mn-lt"/>
+                <a:ea typeface="+mn-ea"/>
+                <a:cs typeface="+mn-cs"/>
+              </a:defRPr>
+            </a:lvl4pPr>
+            <a:lvl5pPr marL="1828800" algn="l" defTabSz="914400" rtl="0" eaLnBrk="1" latinLnBrk="0" hangingPunct="1">
+              <a:defRPr sz="1800" kern="1200">
+                <a:solidFill>
+                  <a:schemeClr val="lt1"/>
+                </a:solidFill>
+                <a:latin typeface="+mn-lt"/>
+                <a:ea typeface="+mn-ea"/>
+                <a:cs typeface="+mn-cs"/>
+              </a:defRPr>
+            </a:lvl5pPr>
+            <a:lvl6pPr marL="2286000" algn="l" defTabSz="914400" rtl="0" eaLnBrk="1" latinLnBrk="0" hangingPunct="1">
+              <a:defRPr sz="1800" kern="1200">
+                <a:solidFill>
+                  <a:schemeClr val="lt1"/>
+                </a:solidFill>
+                <a:latin typeface="+mn-lt"/>
+                <a:ea typeface="+mn-ea"/>
+                <a:cs typeface="+mn-cs"/>
+              </a:defRPr>
+            </a:lvl6pPr>
+            <a:lvl7pPr marL="2743200" algn="l" defTabSz="914400" rtl="0" eaLnBrk="1" latinLnBrk="0" hangingPunct="1">
+              <a:defRPr sz="1800" kern="1200">
+                <a:solidFill>
+                  <a:schemeClr val="lt1"/>
+                </a:solidFill>
+                <a:latin typeface="+mn-lt"/>
+                <a:ea typeface="+mn-ea"/>
+                <a:cs typeface="+mn-cs"/>
+              </a:defRPr>
+            </a:lvl7pPr>
+            <a:lvl8pPr marL="3200400" algn="l" defTabSz="914400" rtl="0" eaLnBrk="1" latinLnBrk="0" hangingPunct="1">
+              <a:defRPr sz="1800" kern="1200">
+                <a:solidFill>
+                  <a:schemeClr val="lt1"/>
+                </a:solidFill>
+                <a:latin typeface="+mn-lt"/>
+                <a:ea typeface="+mn-ea"/>
+                <a:cs typeface="+mn-cs"/>
+              </a:defRPr>
+            </a:lvl8pPr>
+            <a:lvl9pPr marL="3657600" algn="l" defTabSz="914400" rtl="0" eaLnBrk="1" latinLnBrk="0" hangingPunct="1">
+              <a:defRPr sz="1800" kern="1200">
+                <a:solidFill>
+                  <a:schemeClr val="lt1"/>
+                </a:solidFill>
+                <a:latin typeface="+mn-lt"/>
+                <a:ea typeface="+mn-ea"/>
+                <a:cs typeface="+mn-cs"/>
+              </a:defRPr>
+            </a:lvl9pPr>
+          </a:lstStyle>
+          <a:p>
+            <a:pPr algn="ctr"/>
+            <a:endParaRPr lang="en-US" sz="1000" i="1">
+              <a:solidFill>
+                <a:schemeClr val="tx1"/>
+              </a:solidFill>
+            </a:endParaRPr>
+          </a:p>
+        </p:txBody>
+      </p:sp>
+      <p:cxnSp>
+        <p:nvCxnSpPr>
+          <p:cNvPr id="102" name="Straight Arrow Connector 101">
+            <a:extLst>
+              <a:ext uri="{FF2B5EF4-FFF2-40B4-BE49-F238E27FC236}">
+                <a16:creationId xmlns:a16="http://schemas.microsoft.com/office/drawing/2014/main" id="{BB8DD5E4-FF30-6F29-B7C3-A1E22EBA41BB}"/>
+              </a:ext>
+            </a:extLst>
+          </p:cNvPr>
+          <p:cNvCxnSpPr>
+            <a:cxnSpLocks/>
+          </p:cNvCxnSpPr>
+          <p:nvPr/>
+        </p:nvCxnSpPr>
+        <p:spPr>
+          <a:xfrm>
+            <a:off x="3512193" y="2123355"/>
+            <a:ext cx="2928" cy="818563"/>
+          </a:xfrm>
+          <a:prstGeom prst="straightConnector1">
+            <a:avLst/>
+          </a:prstGeom>
+          <a:ln w="12700">
+            <a:solidFill>
+              <a:schemeClr val="tx1"/>
+            </a:solidFill>
+            <a:tailEnd type="triangle"/>
+          </a:ln>
+        </p:spPr>
+        <p:style>
+          <a:lnRef idx="1">
+            <a:schemeClr val="accent1"/>
+          </a:lnRef>
+          <a:fillRef idx="0">
+            <a:schemeClr val="accent1"/>
+          </a:fillRef>
+          <a:effectRef idx="0">
+            <a:schemeClr val="accent1"/>
+          </a:effectRef>
+          <a:fontRef idx="minor">
+            <a:schemeClr val="tx1"/>
+          </a:fontRef>
+        </p:style>
+      </p:cxnSp>
+      <p:sp>
+        <p:nvSpPr>
+          <p:cNvPr id="6" name="Rectangle 5">
+            <a:extLst>
+              <a:ext uri="{FF2B5EF4-FFF2-40B4-BE49-F238E27FC236}">
+                <a16:creationId xmlns:a16="http://schemas.microsoft.com/office/drawing/2014/main" id="{A686BC6A-17D6-FFB7-02AE-8B2C663D8F15}"/>
+              </a:ext>
+            </a:extLst>
+          </p:cNvPr>
+          <p:cNvSpPr/>
+          <p:nvPr/>
+        </p:nvSpPr>
+        <p:spPr>
+          <a:xfrm>
+            <a:off x="636494" y="591671"/>
+            <a:ext cx="1138518" cy="484094"/>
+          </a:xfrm>
+          <a:prstGeom prst="rect">
+            <a:avLst/>
+          </a:prstGeom>
+          <a:solidFill>
+            <a:srgbClr val="FFFF00"/>
+          </a:solidFill>
+          <a:ln>
+            <a:solidFill>
+              <a:schemeClr val="tx1"/>
+            </a:solidFill>
+          </a:ln>
+        </p:spPr>
+        <p:style>
+          <a:lnRef idx="2">
+            <a:schemeClr val="accent1">
+              <a:shade val="15000"/>
+            </a:schemeClr>
+          </a:lnRef>
+          <a:fillRef idx="1">
+            <a:schemeClr val="accent1"/>
+          </a:fillRef>
+          <a:effectRef idx="0">
+            <a:schemeClr val="accent1"/>
+          </a:effectRef>
+          <a:fontRef idx="minor">
+            <a:schemeClr val="lt1"/>
+          </a:fontRef>
+        </p:style>
+        <p:txBody>
+          <a:bodyPr rtlCol="0" anchor="ctr"/>
+          <a:lstStyle/>
+          <a:p>
+            <a:pPr algn="ctr"/>
+            <a:r>
+              <a:rPr lang="en-US">
+                <a:solidFill>
+                  <a:schemeClr val="tx1"/>
+                </a:solidFill>
+              </a:rPr>
+              <a:t>fig 3-2</a:t>
+            </a:r>
+          </a:p>
+        </p:txBody>
+      </p:sp>
+      <p:sp>
+        <p:nvSpPr>
+          <p:cNvPr id="15" name="Rectangle: Rounded Corners 14">
+            <a:extLst>
+              <a:ext uri="{FF2B5EF4-FFF2-40B4-BE49-F238E27FC236}">
+                <a16:creationId xmlns:a16="http://schemas.microsoft.com/office/drawing/2014/main" id="{9AC5D739-272A-9B36-738D-1D78EAF228BA}"/>
+              </a:ext>
+            </a:extLst>
+          </p:cNvPr>
+          <p:cNvSpPr/>
+          <p:nvPr/>
+        </p:nvSpPr>
+        <p:spPr>
+          <a:xfrm>
+            <a:off x="6167538" y="2337524"/>
+            <a:ext cx="1223862" cy="405676"/>
+          </a:xfrm>
+          <a:prstGeom prst="roundRect">
+            <a:avLst/>
+          </a:prstGeom>
+          <a:solidFill>
+            <a:schemeClr val="accent6">
+              <a:lumMod val="20000"/>
+              <a:lumOff val="80000"/>
+            </a:schemeClr>
+          </a:solidFill>
+          <a:ln>
+            <a:solidFill>
+              <a:schemeClr val="tx1"/>
+            </a:solidFill>
+          </a:ln>
+        </p:spPr>
+        <p:style>
+          <a:lnRef idx="2">
+            <a:schemeClr val="accent1">
+              <a:shade val="50000"/>
+            </a:schemeClr>
+          </a:lnRef>
+          <a:fillRef idx="1">
+            <a:schemeClr val="accent1"/>
+          </a:fillRef>
+          <a:effectRef idx="0">
+            <a:schemeClr val="accent1"/>
+          </a:effectRef>
+          <a:fontRef idx="minor">
+            <a:schemeClr val="lt1"/>
+          </a:fontRef>
+        </p:style>
+        <p:txBody>
+          <a:bodyPr rtlCol="0" anchor="ctr"/>
+          <a:lstStyle>
+            <a:defPPr>
+              <a:defRPr lang="en-US"/>
+            </a:defPPr>
+            <a:lvl1pPr marL="0" algn="l" defTabSz="914400" rtl="0" eaLnBrk="1" latinLnBrk="0" hangingPunct="1">
+              <a:defRPr sz="1800" kern="1200">
+                <a:solidFill>
+                  <a:schemeClr val="lt1"/>
+                </a:solidFill>
+                <a:latin typeface="+mn-lt"/>
+                <a:ea typeface="+mn-ea"/>
+                <a:cs typeface="+mn-cs"/>
+              </a:defRPr>
+            </a:lvl1pPr>
+            <a:lvl2pPr marL="457200" algn="l" defTabSz="914400" rtl="0" eaLnBrk="1" latinLnBrk="0" hangingPunct="1">
+              <a:defRPr sz="1800" kern="1200">
+                <a:solidFill>
+                  <a:schemeClr val="lt1"/>
+                </a:solidFill>
+                <a:latin typeface="+mn-lt"/>
+                <a:ea typeface="+mn-ea"/>
+                <a:cs typeface="+mn-cs"/>
+              </a:defRPr>
+            </a:lvl2pPr>
+            <a:lvl3pPr marL="914400" algn="l" defTabSz="914400" rtl="0" eaLnBrk="1" latinLnBrk="0" hangingPunct="1">
+              <a:defRPr sz="1800" kern="1200">
+                <a:solidFill>
+                  <a:schemeClr val="lt1"/>
+                </a:solidFill>
+                <a:latin typeface="+mn-lt"/>
+                <a:ea typeface="+mn-ea"/>
+                <a:cs typeface="+mn-cs"/>
+              </a:defRPr>
+            </a:lvl3pPr>
+            <a:lvl4pPr marL="1371600" algn="l" defTabSz="914400" rtl="0" eaLnBrk="1" latinLnBrk="0" hangingPunct="1">
+              <a:defRPr sz="1800" kern="1200">
+                <a:solidFill>
+                  <a:schemeClr val="lt1"/>
+                </a:solidFill>
+                <a:latin typeface="+mn-lt"/>
+                <a:ea typeface="+mn-ea"/>
+                <a:cs typeface="+mn-cs"/>
+              </a:defRPr>
+            </a:lvl4pPr>
+            <a:lvl5pPr marL="1828800" algn="l" defTabSz="914400" rtl="0" eaLnBrk="1" latinLnBrk="0" hangingPunct="1">
+              <a:defRPr sz="1800" kern="1200">
+                <a:solidFill>
+                  <a:schemeClr val="lt1"/>
+                </a:solidFill>
+                <a:latin typeface="+mn-lt"/>
+                <a:ea typeface="+mn-ea"/>
+                <a:cs typeface="+mn-cs"/>
+              </a:defRPr>
+            </a:lvl5pPr>
+            <a:lvl6pPr marL="2286000" algn="l" defTabSz="914400" rtl="0" eaLnBrk="1" latinLnBrk="0" hangingPunct="1">
+              <a:defRPr sz="1800" kern="1200">
+                <a:solidFill>
+                  <a:schemeClr val="lt1"/>
+                </a:solidFill>
+                <a:latin typeface="+mn-lt"/>
+                <a:ea typeface="+mn-ea"/>
+                <a:cs typeface="+mn-cs"/>
+              </a:defRPr>
+            </a:lvl6pPr>
+            <a:lvl7pPr marL="2743200" algn="l" defTabSz="914400" rtl="0" eaLnBrk="1" latinLnBrk="0" hangingPunct="1">
+              <a:defRPr sz="1800" kern="1200">
+                <a:solidFill>
+                  <a:schemeClr val="lt1"/>
+                </a:solidFill>
+                <a:latin typeface="+mn-lt"/>
+                <a:ea typeface="+mn-ea"/>
+                <a:cs typeface="+mn-cs"/>
+              </a:defRPr>
+            </a:lvl7pPr>
+            <a:lvl8pPr marL="3200400" algn="l" defTabSz="914400" rtl="0" eaLnBrk="1" latinLnBrk="0" hangingPunct="1">
+              <a:defRPr sz="1800" kern="1200">
+                <a:solidFill>
+                  <a:schemeClr val="lt1"/>
+                </a:solidFill>
+                <a:latin typeface="+mn-lt"/>
+                <a:ea typeface="+mn-ea"/>
+                <a:cs typeface="+mn-cs"/>
+              </a:defRPr>
+            </a:lvl8pPr>
+            <a:lvl9pPr marL="3657600" algn="l" defTabSz="914400" rtl="0" eaLnBrk="1" latinLnBrk="0" hangingPunct="1">
+              <a:defRPr sz="1800" kern="1200">
+                <a:solidFill>
+                  <a:schemeClr val="lt1"/>
+                </a:solidFill>
+                <a:latin typeface="+mn-lt"/>
+                <a:ea typeface="+mn-ea"/>
+                <a:cs typeface="+mn-cs"/>
+              </a:defRPr>
+            </a:lvl9pPr>
+          </a:lstStyle>
+          <a:p>
+            <a:pPr algn="ctr"/>
+            <a:r>
+              <a:rPr lang="en-US" sz="1000">
+                <a:solidFill>
+                  <a:schemeClr val="tx1"/>
+                </a:solidFill>
+              </a:rPr>
+              <a:t>nc:PersonName</a:t>
+            </a:r>
+          </a:p>
+        </p:txBody>
+      </p:sp>
+      <p:sp>
+        <p:nvSpPr>
+          <p:cNvPr id="16" name="Rectangle: Rounded Corners 15">
+            <a:extLst>
+              <a:ext uri="{FF2B5EF4-FFF2-40B4-BE49-F238E27FC236}">
+                <a16:creationId xmlns:a16="http://schemas.microsoft.com/office/drawing/2014/main" id="{DC109F3E-FF0A-B770-0135-1FC49C633A7A}"/>
+              </a:ext>
+            </a:extLst>
+          </p:cNvPr>
+          <p:cNvSpPr/>
+          <p:nvPr/>
+        </p:nvSpPr>
+        <p:spPr>
+          <a:xfrm>
+            <a:off x="4800600" y="2978616"/>
+            <a:ext cx="1307011" cy="405676"/>
+          </a:xfrm>
+          <a:prstGeom prst="roundRect">
+            <a:avLst/>
+          </a:prstGeom>
+          <a:solidFill>
+            <a:schemeClr val="accent5">
+              <a:lumMod val="60000"/>
+              <a:lumOff val="40000"/>
+            </a:schemeClr>
+          </a:solidFill>
+          <a:ln>
+            <a:solidFill>
+              <a:schemeClr val="tx1"/>
+            </a:solidFill>
+          </a:ln>
+        </p:spPr>
+        <p:style>
+          <a:lnRef idx="2">
+            <a:schemeClr val="accent1">
+              <a:shade val="50000"/>
+            </a:schemeClr>
+          </a:lnRef>
+          <a:fillRef idx="1">
+            <a:schemeClr val="accent1"/>
+          </a:fillRef>
+          <a:effectRef idx="0">
+            <a:schemeClr val="accent1"/>
+          </a:effectRef>
+          <a:fontRef idx="minor">
+            <a:schemeClr val="lt1"/>
+          </a:fontRef>
+        </p:style>
+        <p:txBody>
+          <a:bodyPr rtlCol="0" anchor="ctr"/>
+          <a:lstStyle>
+            <a:defPPr>
+              <a:defRPr lang="en-US"/>
+            </a:defPPr>
+            <a:lvl1pPr marL="0" algn="l" defTabSz="914400" rtl="0" eaLnBrk="1" latinLnBrk="0" hangingPunct="1">
+              <a:defRPr sz="1800" kern="1200">
+                <a:solidFill>
+                  <a:schemeClr val="lt1"/>
+                </a:solidFill>
+                <a:latin typeface="+mn-lt"/>
+                <a:ea typeface="+mn-ea"/>
+                <a:cs typeface="+mn-cs"/>
+              </a:defRPr>
+            </a:lvl1pPr>
+            <a:lvl2pPr marL="457200" algn="l" defTabSz="914400" rtl="0" eaLnBrk="1" latinLnBrk="0" hangingPunct="1">
+              <a:defRPr sz="1800" kern="1200">
+                <a:solidFill>
+                  <a:schemeClr val="lt1"/>
+                </a:solidFill>
+                <a:latin typeface="+mn-lt"/>
+                <a:ea typeface="+mn-ea"/>
+                <a:cs typeface="+mn-cs"/>
+              </a:defRPr>
+            </a:lvl2pPr>
+            <a:lvl3pPr marL="914400" algn="l" defTabSz="914400" rtl="0" eaLnBrk="1" latinLnBrk="0" hangingPunct="1">
+              <a:defRPr sz="1800" kern="1200">
+                <a:solidFill>
+                  <a:schemeClr val="lt1"/>
+                </a:solidFill>
+                <a:latin typeface="+mn-lt"/>
+                <a:ea typeface="+mn-ea"/>
+                <a:cs typeface="+mn-cs"/>
+              </a:defRPr>
+            </a:lvl3pPr>
+            <a:lvl4pPr marL="1371600" algn="l" defTabSz="914400" rtl="0" eaLnBrk="1" latinLnBrk="0" hangingPunct="1">
+              <a:defRPr sz="1800" kern="1200">
+                <a:solidFill>
+                  <a:schemeClr val="lt1"/>
+                </a:solidFill>
+                <a:latin typeface="+mn-lt"/>
+                <a:ea typeface="+mn-ea"/>
+                <a:cs typeface="+mn-cs"/>
+              </a:defRPr>
+            </a:lvl4pPr>
+            <a:lvl5pPr marL="1828800" algn="l" defTabSz="914400" rtl="0" eaLnBrk="1" latinLnBrk="0" hangingPunct="1">
+              <a:defRPr sz="1800" kern="1200">
+                <a:solidFill>
+                  <a:schemeClr val="lt1"/>
+                </a:solidFill>
+                <a:latin typeface="+mn-lt"/>
+                <a:ea typeface="+mn-ea"/>
+                <a:cs typeface="+mn-cs"/>
+              </a:defRPr>
+            </a:lvl5pPr>
+            <a:lvl6pPr marL="2286000" algn="l" defTabSz="914400" rtl="0" eaLnBrk="1" latinLnBrk="0" hangingPunct="1">
+              <a:defRPr sz="1800" kern="1200">
+                <a:solidFill>
+                  <a:schemeClr val="lt1"/>
+                </a:solidFill>
+                <a:latin typeface="+mn-lt"/>
+                <a:ea typeface="+mn-ea"/>
+                <a:cs typeface="+mn-cs"/>
+              </a:defRPr>
+            </a:lvl6pPr>
+            <a:lvl7pPr marL="2743200" algn="l" defTabSz="914400" rtl="0" eaLnBrk="1" latinLnBrk="0" hangingPunct="1">
+              <a:defRPr sz="1800" kern="1200">
+                <a:solidFill>
+                  <a:schemeClr val="lt1"/>
+                </a:solidFill>
+                <a:latin typeface="+mn-lt"/>
+                <a:ea typeface="+mn-ea"/>
+                <a:cs typeface="+mn-cs"/>
+              </a:defRPr>
+            </a:lvl7pPr>
+            <a:lvl8pPr marL="3200400" algn="l" defTabSz="914400" rtl="0" eaLnBrk="1" latinLnBrk="0" hangingPunct="1">
+              <a:defRPr sz="1800" kern="1200">
+                <a:solidFill>
+                  <a:schemeClr val="lt1"/>
+                </a:solidFill>
+                <a:latin typeface="+mn-lt"/>
+                <a:ea typeface="+mn-ea"/>
+                <a:cs typeface="+mn-cs"/>
+              </a:defRPr>
+            </a:lvl8pPr>
+            <a:lvl9pPr marL="3657600" algn="l" defTabSz="914400" rtl="0" eaLnBrk="1" latinLnBrk="0" hangingPunct="1">
+              <a:defRPr sz="1800" kern="1200">
+                <a:solidFill>
+                  <a:schemeClr val="lt1"/>
+                </a:solidFill>
+                <a:latin typeface="+mn-lt"/>
+                <a:ea typeface="+mn-ea"/>
+                <a:cs typeface="+mn-cs"/>
+              </a:defRPr>
+            </a:lvl9pPr>
+          </a:lstStyle>
+          <a:p>
+            <a:pPr algn="ctr"/>
+            <a:r>
+              <a:rPr lang="en-US" sz="1000">
+                <a:solidFill>
+                  <a:schemeClr val="tx1"/>
+                </a:solidFill>
+              </a:rPr>
+              <a:t>nc:PersonNameType</a:t>
+            </a:r>
+          </a:p>
+        </p:txBody>
+      </p:sp>
+      <p:sp>
+        <p:nvSpPr>
+          <p:cNvPr id="22" name="Rectangle: Rounded Corners 21">
+            <a:extLst>
+              <a:ext uri="{FF2B5EF4-FFF2-40B4-BE49-F238E27FC236}">
+                <a16:creationId xmlns:a16="http://schemas.microsoft.com/office/drawing/2014/main" id="{EEF6A896-1EDE-7C54-E376-8F70D98E327C}"/>
+              </a:ext>
+            </a:extLst>
+          </p:cNvPr>
+          <p:cNvSpPr/>
+          <p:nvPr/>
+        </p:nvSpPr>
+        <p:spPr>
+          <a:xfrm>
+            <a:off x="6167538" y="3607815"/>
+            <a:ext cx="1223862" cy="405676"/>
+          </a:xfrm>
+          <a:prstGeom prst="roundRect">
+            <a:avLst/>
+          </a:prstGeom>
+          <a:solidFill>
+            <a:schemeClr val="accent6">
+              <a:lumMod val="20000"/>
+              <a:lumOff val="80000"/>
+            </a:schemeClr>
+          </a:solidFill>
+          <a:ln>
+            <a:solidFill>
+              <a:schemeClr val="tx1"/>
+            </a:solidFill>
+          </a:ln>
+        </p:spPr>
+        <p:style>
+          <a:lnRef idx="2">
+            <a:schemeClr val="accent1">
+              <a:shade val="50000"/>
+            </a:schemeClr>
+          </a:lnRef>
+          <a:fillRef idx="1">
+            <a:schemeClr val="accent1"/>
+          </a:fillRef>
+          <a:effectRef idx="0">
+            <a:schemeClr val="accent1"/>
+          </a:effectRef>
+          <a:fontRef idx="minor">
+            <a:schemeClr val="lt1"/>
+          </a:fontRef>
+        </p:style>
+        <p:txBody>
+          <a:bodyPr rtlCol="0" anchor="ctr"/>
+          <a:lstStyle>
+            <a:defPPr>
+              <a:defRPr lang="en-US"/>
+            </a:defPPr>
+            <a:lvl1pPr marL="0" algn="l" defTabSz="914400" rtl="0" eaLnBrk="1" latinLnBrk="0" hangingPunct="1">
+              <a:defRPr sz="1800" kern="1200">
+                <a:solidFill>
+                  <a:schemeClr val="lt1"/>
+                </a:solidFill>
+                <a:latin typeface="+mn-lt"/>
+                <a:ea typeface="+mn-ea"/>
+                <a:cs typeface="+mn-cs"/>
+              </a:defRPr>
+            </a:lvl1pPr>
+            <a:lvl2pPr marL="457200" algn="l" defTabSz="914400" rtl="0" eaLnBrk="1" latinLnBrk="0" hangingPunct="1">
+              <a:defRPr sz="1800" kern="1200">
+                <a:solidFill>
+                  <a:schemeClr val="lt1"/>
+                </a:solidFill>
+                <a:latin typeface="+mn-lt"/>
+                <a:ea typeface="+mn-ea"/>
+                <a:cs typeface="+mn-cs"/>
+              </a:defRPr>
+            </a:lvl2pPr>
+            <a:lvl3pPr marL="914400" algn="l" defTabSz="914400" rtl="0" eaLnBrk="1" latinLnBrk="0" hangingPunct="1">
+              <a:defRPr sz="1800" kern="1200">
+                <a:solidFill>
+                  <a:schemeClr val="lt1"/>
+                </a:solidFill>
+                <a:latin typeface="+mn-lt"/>
+                <a:ea typeface="+mn-ea"/>
+                <a:cs typeface="+mn-cs"/>
+              </a:defRPr>
+            </a:lvl3pPr>
+            <a:lvl4pPr marL="1371600" algn="l" defTabSz="914400" rtl="0" eaLnBrk="1" latinLnBrk="0" hangingPunct="1">
+              <a:defRPr sz="1800" kern="1200">
+                <a:solidFill>
+                  <a:schemeClr val="lt1"/>
+                </a:solidFill>
+                <a:latin typeface="+mn-lt"/>
+                <a:ea typeface="+mn-ea"/>
+                <a:cs typeface="+mn-cs"/>
+              </a:defRPr>
+            </a:lvl4pPr>
+            <a:lvl5pPr marL="1828800" algn="l" defTabSz="914400" rtl="0" eaLnBrk="1" latinLnBrk="0" hangingPunct="1">
+              <a:defRPr sz="1800" kern="1200">
+                <a:solidFill>
+                  <a:schemeClr val="lt1"/>
+                </a:solidFill>
+                <a:latin typeface="+mn-lt"/>
+                <a:ea typeface="+mn-ea"/>
+                <a:cs typeface="+mn-cs"/>
+              </a:defRPr>
+            </a:lvl5pPr>
+            <a:lvl6pPr marL="2286000" algn="l" defTabSz="914400" rtl="0" eaLnBrk="1" latinLnBrk="0" hangingPunct="1">
+              <a:defRPr sz="1800" kern="1200">
+                <a:solidFill>
+                  <a:schemeClr val="lt1"/>
+                </a:solidFill>
+                <a:latin typeface="+mn-lt"/>
+                <a:ea typeface="+mn-ea"/>
+                <a:cs typeface="+mn-cs"/>
+              </a:defRPr>
+            </a:lvl6pPr>
+            <a:lvl7pPr marL="2743200" algn="l" defTabSz="914400" rtl="0" eaLnBrk="1" latinLnBrk="0" hangingPunct="1">
+              <a:defRPr sz="1800" kern="1200">
+                <a:solidFill>
+                  <a:schemeClr val="lt1"/>
+                </a:solidFill>
+                <a:latin typeface="+mn-lt"/>
+                <a:ea typeface="+mn-ea"/>
+                <a:cs typeface="+mn-cs"/>
+              </a:defRPr>
+            </a:lvl7pPr>
+            <a:lvl8pPr marL="3200400" algn="l" defTabSz="914400" rtl="0" eaLnBrk="1" latinLnBrk="0" hangingPunct="1">
+              <a:defRPr sz="1800" kern="1200">
+                <a:solidFill>
+                  <a:schemeClr val="lt1"/>
+                </a:solidFill>
+                <a:latin typeface="+mn-lt"/>
+                <a:ea typeface="+mn-ea"/>
+                <a:cs typeface="+mn-cs"/>
+              </a:defRPr>
+            </a:lvl8pPr>
+            <a:lvl9pPr marL="3657600" algn="l" defTabSz="914400" rtl="0" eaLnBrk="1" latinLnBrk="0" hangingPunct="1">
+              <a:defRPr sz="1800" kern="1200">
+                <a:solidFill>
+                  <a:schemeClr val="lt1"/>
+                </a:solidFill>
+                <a:latin typeface="+mn-lt"/>
+                <a:ea typeface="+mn-ea"/>
+                <a:cs typeface="+mn-cs"/>
+              </a:defRPr>
+            </a:lvl9pPr>
+          </a:lstStyle>
+          <a:p>
+            <a:pPr algn="ctr"/>
+            <a:r>
+              <a:rPr lang="en-US" sz="1000">
+                <a:solidFill>
+                  <a:schemeClr val="tx1"/>
+                </a:solidFill>
+              </a:rPr>
+              <a:t>nc:PersonFullName</a:t>
+            </a:r>
+          </a:p>
+        </p:txBody>
+      </p:sp>
+      <p:sp>
+        <p:nvSpPr>
+          <p:cNvPr id="24" name="Rectangle: Rounded Corners 23">
+            <a:extLst>
+              <a:ext uri="{FF2B5EF4-FFF2-40B4-BE49-F238E27FC236}">
+                <a16:creationId xmlns:a16="http://schemas.microsoft.com/office/drawing/2014/main" id="{06AA8156-AD85-BF68-02FF-CD420BF3D1AF}"/>
+              </a:ext>
+            </a:extLst>
+          </p:cNvPr>
+          <p:cNvSpPr/>
+          <p:nvPr/>
+        </p:nvSpPr>
+        <p:spPr>
+          <a:xfrm>
+            <a:off x="4839863" y="4269846"/>
+            <a:ext cx="1267748" cy="405676"/>
+          </a:xfrm>
+          <a:prstGeom prst="roundRect">
+            <a:avLst/>
+          </a:prstGeom>
+          <a:solidFill>
+            <a:schemeClr val="tx2">
+              <a:lumMod val="20000"/>
+              <a:lumOff val="80000"/>
+            </a:schemeClr>
+          </a:solidFill>
+          <a:ln>
+            <a:solidFill>
+              <a:schemeClr val="tx1"/>
+            </a:solidFill>
+          </a:ln>
+        </p:spPr>
+        <p:style>
+          <a:lnRef idx="2">
+            <a:schemeClr val="accent1">
+              <a:shade val="50000"/>
+            </a:schemeClr>
+          </a:lnRef>
+          <a:fillRef idx="1">
+            <a:schemeClr val="accent1"/>
+          </a:fillRef>
+          <a:effectRef idx="0">
+            <a:schemeClr val="accent1"/>
+          </a:effectRef>
+          <a:fontRef idx="minor">
+            <a:schemeClr val="lt1"/>
+          </a:fontRef>
+        </p:style>
+        <p:txBody>
+          <a:bodyPr rtlCol="0" anchor="ctr"/>
+          <a:lstStyle>
+            <a:defPPr>
+              <a:defRPr lang="en-US"/>
+            </a:defPPr>
+            <a:lvl1pPr marL="0" algn="l" defTabSz="914400" rtl="0" eaLnBrk="1" latinLnBrk="0" hangingPunct="1">
+              <a:defRPr sz="1800" kern="1200">
+                <a:solidFill>
+                  <a:schemeClr val="lt1"/>
+                </a:solidFill>
+                <a:latin typeface="+mn-lt"/>
+                <a:ea typeface="+mn-ea"/>
+                <a:cs typeface="+mn-cs"/>
+              </a:defRPr>
+            </a:lvl1pPr>
+            <a:lvl2pPr marL="457200" algn="l" defTabSz="914400" rtl="0" eaLnBrk="1" latinLnBrk="0" hangingPunct="1">
+              <a:defRPr sz="1800" kern="1200">
+                <a:solidFill>
+                  <a:schemeClr val="lt1"/>
+                </a:solidFill>
+                <a:latin typeface="+mn-lt"/>
+                <a:ea typeface="+mn-ea"/>
+                <a:cs typeface="+mn-cs"/>
+              </a:defRPr>
+            </a:lvl2pPr>
+            <a:lvl3pPr marL="914400" algn="l" defTabSz="914400" rtl="0" eaLnBrk="1" latinLnBrk="0" hangingPunct="1">
+              <a:defRPr sz="1800" kern="1200">
+                <a:solidFill>
+                  <a:schemeClr val="lt1"/>
+                </a:solidFill>
+                <a:latin typeface="+mn-lt"/>
+                <a:ea typeface="+mn-ea"/>
+                <a:cs typeface="+mn-cs"/>
+              </a:defRPr>
+            </a:lvl3pPr>
+            <a:lvl4pPr marL="1371600" algn="l" defTabSz="914400" rtl="0" eaLnBrk="1" latinLnBrk="0" hangingPunct="1">
+              <a:defRPr sz="1800" kern="1200">
+                <a:solidFill>
+                  <a:schemeClr val="lt1"/>
+                </a:solidFill>
+                <a:latin typeface="+mn-lt"/>
+                <a:ea typeface="+mn-ea"/>
+                <a:cs typeface="+mn-cs"/>
+              </a:defRPr>
+            </a:lvl4pPr>
+            <a:lvl5pPr marL="1828800" algn="l" defTabSz="914400" rtl="0" eaLnBrk="1" latinLnBrk="0" hangingPunct="1">
+              <a:defRPr sz="1800" kern="1200">
+                <a:solidFill>
+                  <a:schemeClr val="lt1"/>
+                </a:solidFill>
+                <a:latin typeface="+mn-lt"/>
+                <a:ea typeface="+mn-ea"/>
+                <a:cs typeface="+mn-cs"/>
+              </a:defRPr>
+            </a:lvl5pPr>
+            <a:lvl6pPr marL="2286000" algn="l" defTabSz="914400" rtl="0" eaLnBrk="1" latinLnBrk="0" hangingPunct="1">
+              <a:defRPr sz="1800" kern="1200">
+                <a:solidFill>
+                  <a:schemeClr val="lt1"/>
+                </a:solidFill>
+                <a:latin typeface="+mn-lt"/>
+                <a:ea typeface="+mn-ea"/>
+                <a:cs typeface="+mn-cs"/>
+              </a:defRPr>
+            </a:lvl6pPr>
+            <a:lvl7pPr marL="2743200" algn="l" defTabSz="914400" rtl="0" eaLnBrk="1" latinLnBrk="0" hangingPunct="1">
+              <a:defRPr sz="1800" kern="1200">
+                <a:solidFill>
+                  <a:schemeClr val="lt1"/>
+                </a:solidFill>
+                <a:latin typeface="+mn-lt"/>
+                <a:ea typeface="+mn-ea"/>
+                <a:cs typeface="+mn-cs"/>
+              </a:defRPr>
+            </a:lvl7pPr>
+            <a:lvl8pPr marL="3200400" algn="l" defTabSz="914400" rtl="0" eaLnBrk="1" latinLnBrk="0" hangingPunct="1">
+              <a:defRPr sz="1800" kern="1200">
+                <a:solidFill>
+                  <a:schemeClr val="lt1"/>
+                </a:solidFill>
+                <a:latin typeface="+mn-lt"/>
+                <a:ea typeface="+mn-ea"/>
+                <a:cs typeface="+mn-cs"/>
+              </a:defRPr>
+            </a:lvl8pPr>
+            <a:lvl9pPr marL="3657600" algn="l" defTabSz="914400" rtl="0" eaLnBrk="1" latinLnBrk="0" hangingPunct="1">
+              <a:defRPr sz="1800" kern="1200">
+                <a:solidFill>
+                  <a:schemeClr val="lt1"/>
+                </a:solidFill>
+                <a:latin typeface="+mn-lt"/>
+                <a:ea typeface="+mn-ea"/>
+                <a:cs typeface="+mn-cs"/>
+              </a:defRPr>
+            </a:lvl9pPr>
+          </a:lstStyle>
+          <a:p>
+            <a:pPr algn="ctr"/>
+            <a:r>
+              <a:rPr lang="en-US" sz="1000">
+                <a:solidFill>
+                  <a:schemeClr val="tx1"/>
+                </a:solidFill>
+              </a:rPr>
+              <a:t>xs:string</a:t>
+            </a:r>
+          </a:p>
+        </p:txBody>
+      </p:sp>
+      <p:sp>
+        <p:nvSpPr>
+          <p:cNvPr id="25" name="TextBox 24">
+            <a:extLst>
+              <a:ext uri="{FF2B5EF4-FFF2-40B4-BE49-F238E27FC236}">
+                <a16:creationId xmlns:a16="http://schemas.microsoft.com/office/drawing/2014/main" id="{9B64B77F-E90D-4117-FA25-7B20EE35E902}"/>
+              </a:ext>
+            </a:extLst>
+          </p:cNvPr>
+          <p:cNvSpPr txBox="1"/>
+          <p:nvPr/>
+        </p:nvSpPr>
+        <p:spPr>
+          <a:xfrm>
+            <a:off x="5272702" y="1462765"/>
+            <a:ext cx="445956" cy="253916"/>
+          </a:xfrm>
+          <a:prstGeom prst="rect">
+            <a:avLst/>
+          </a:prstGeom>
+          <a:noFill/>
+        </p:spPr>
+        <p:txBody>
+          <a:bodyPr wrap="none" rtlCol="0">
+            <a:spAutoFit/>
+          </a:bodyPr>
+          <a:lstStyle/>
+          <a:p>
+            <a:r>
+              <a:rPr lang="en-US" sz="1000" i="1"/>
+              <a:t>class</a:t>
+            </a:r>
+          </a:p>
+        </p:txBody>
+      </p:sp>
+      <p:sp>
+        <p:nvSpPr>
+          <p:cNvPr id="27" name="TextBox 26">
+            <a:extLst>
+              <a:ext uri="{FF2B5EF4-FFF2-40B4-BE49-F238E27FC236}">
+                <a16:creationId xmlns:a16="http://schemas.microsoft.com/office/drawing/2014/main" id="{9E23F987-9AB6-8365-4FFE-552C5020202D}"/>
+              </a:ext>
+            </a:extLst>
+          </p:cNvPr>
+          <p:cNvSpPr txBox="1"/>
+          <p:nvPr/>
+        </p:nvSpPr>
+        <p:spPr>
+          <a:xfrm>
+            <a:off x="5272702" y="2735487"/>
+            <a:ext cx="445956" cy="253916"/>
+          </a:xfrm>
+          <a:prstGeom prst="rect">
+            <a:avLst/>
+          </a:prstGeom>
+          <a:noFill/>
+        </p:spPr>
+        <p:txBody>
+          <a:bodyPr wrap="none" rtlCol="0">
+            <a:spAutoFit/>
+          </a:bodyPr>
+          <a:lstStyle/>
+          <a:p>
+            <a:r>
+              <a:rPr lang="en-US" sz="1000" i="1"/>
+              <a:t>class</a:t>
+            </a:r>
+          </a:p>
+        </p:txBody>
+      </p:sp>
+      <p:sp>
+        <p:nvSpPr>
+          <p:cNvPr id="28" name="TextBox 27">
+            <a:extLst>
+              <a:ext uri="{FF2B5EF4-FFF2-40B4-BE49-F238E27FC236}">
+                <a16:creationId xmlns:a16="http://schemas.microsoft.com/office/drawing/2014/main" id="{B5802C17-6183-5393-5608-4000A4103E9E}"/>
+              </a:ext>
+            </a:extLst>
+          </p:cNvPr>
+          <p:cNvSpPr txBox="1"/>
+          <p:nvPr/>
+        </p:nvSpPr>
+        <p:spPr>
+          <a:xfrm>
+            <a:off x="5169309" y="4038600"/>
+            <a:ext cx="652743" cy="246221"/>
+          </a:xfrm>
+          <a:prstGeom prst="rect">
+            <a:avLst/>
+          </a:prstGeom>
+          <a:noFill/>
+        </p:spPr>
+        <p:txBody>
+          <a:bodyPr wrap="none" rtlCol="0">
+            <a:spAutoFit/>
+          </a:bodyPr>
+          <a:lstStyle/>
+          <a:p>
+            <a:r>
+              <a:rPr lang="en-US" sz="1000" i="1"/>
+              <a:t>datatype</a:t>
+            </a:r>
+          </a:p>
+        </p:txBody>
+      </p:sp>
+      <p:sp>
+        <p:nvSpPr>
+          <p:cNvPr id="31" name="Arc 30">
+            <a:extLst>
+              <a:ext uri="{FF2B5EF4-FFF2-40B4-BE49-F238E27FC236}">
+                <a16:creationId xmlns:a16="http://schemas.microsoft.com/office/drawing/2014/main" id="{09E1B402-AD47-4441-91C1-FBB13D32DBB5}"/>
+              </a:ext>
+            </a:extLst>
+          </p:cNvPr>
+          <p:cNvSpPr/>
+          <p:nvPr/>
+        </p:nvSpPr>
+        <p:spPr>
+          <a:xfrm>
+            <a:off x="5486400" y="3170518"/>
+            <a:ext cx="1223862" cy="944282"/>
+          </a:xfrm>
+          <a:prstGeom prst="arc">
+            <a:avLst>
+              <a:gd name="adj1" fmla="val 16200000"/>
+              <a:gd name="adj2" fmla="val 21334881"/>
+            </a:avLst>
+          </a:prstGeom>
+          <a:ln>
+            <a:solidFill>
+              <a:schemeClr val="tx1"/>
+            </a:solidFill>
+            <a:tailEnd type="triangle"/>
+          </a:ln>
+        </p:spPr>
+        <p:style>
+          <a:lnRef idx="1">
+            <a:schemeClr val="accent1"/>
+          </a:lnRef>
+          <a:fillRef idx="0">
+            <a:schemeClr val="accent1"/>
+          </a:fillRef>
+          <a:effectRef idx="0">
+            <a:schemeClr val="accent1"/>
+          </a:effectRef>
+          <a:fontRef idx="minor">
+            <a:schemeClr val="tx1"/>
+          </a:fontRef>
+        </p:style>
+        <p:txBody>
+          <a:bodyPr rtlCol="0" anchor="ctr"/>
+          <a:lstStyle/>
+          <a:p>
+            <a:pPr algn="ctr"/>
+            <a:endParaRPr lang="en-US"/>
+          </a:p>
+        </p:txBody>
+      </p:sp>
+      <p:sp>
+        <p:nvSpPr>
+          <p:cNvPr id="34" name="Arc 33">
+            <a:extLst>
+              <a:ext uri="{FF2B5EF4-FFF2-40B4-BE49-F238E27FC236}">
+                <a16:creationId xmlns:a16="http://schemas.microsoft.com/office/drawing/2014/main" id="{2B707E23-F27B-8DD0-9A29-962184D0AAE7}"/>
+              </a:ext>
+            </a:extLst>
+          </p:cNvPr>
+          <p:cNvSpPr/>
+          <p:nvPr/>
+        </p:nvSpPr>
+        <p:spPr>
+          <a:xfrm flipV="1">
+            <a:off x="5481738" y="2156446"/>
+            <a:ext cx="1223862" cy="944282"/>
+          </a:xfrm>
+          <a:prstGeom prst="arc">
+            <a:avLst>
+              <a:gd name="adj1" fmla="val 16200000"/>
+              <a:gd name="adj2" fmla="val 21050733"/>
+            </a:avLst>
+          </a:prstGeom>
+          <a:ln>
+            <a:solidFill>
+              <a:schemeClr val="tx1"/>
+            </a:solidFill>
+            <a:headEnd type="triangle"/>
+            <a:tailEnd type="none"/>
+          </a:ln>
+        </p:spPr>
+        <p:style>
+          <a:lnRef idx="1">
+            <a:schemeClr val="accent1"/>
+          </a:lnRef>
+          <a:fillRef idx="0">
+            <a:schemeClr val="accent1"/>
+          </a:fillRef>
+          <a:effectRef idx="0">
+            <a:schemeClr val="accent1"/>
+          </a:effectRef>
+          <a:fontRef idx="minor">
+            <a:schemeClr val="tx1"/>
+          </a:fontRef>
+        </p:style>
+        <p:txBody>
+          <a:bodyPr rtlCol="0" anchor="ctr"/>
+          <a:lstStyle/>
+          <a:p>
+            <a:pPr algn="ctr"/>
+            <a:endParaRPr lang="en-US"/>
+          </a:p>
+        </p:txBody>
+      </p:sp>
+      <p:sp>
+        <p:nvSpPr>
+          <p:cNvPr id="33" name="TextBox 32">
+            <a:extLst>
+              <a:ext uri="{FF2B5EF4-FFF2-40B4-BE49-F238E27FC236}">
+                <a16:creationId xmlns:a16="http://schemas.microsoft.com/office/drawing/2014/main" id="{677F4686-8032-88D2-A5ED-8CAFB8E13FA4}"/>
+              </a:ext>
+            </a:extLst>
+          </p:cNvPr>
+          <p:cNvSpPr txBox="1"/>
+          <p:nvPr/>
+        </p:nvSpPr>
+        <p:spPr>
+          <a:xfrm>
+            <a:off x="6334333" y="3198912"/>
+            <a:ext cx="285335" cy="153888"/>
+          </a:xfrm>
+          <a:prstGeom prst="rect">
+            <a:avLst/>
+          </a:prstGeom>
+          <a:solidFill>
+            <a:schemeClr val="bg1"/>
+          </a:solidFill>
+        </p:spPr>
+        <p:txBody>
+          <a:bodyPr wrap="none" lIns="0" tIns="0" rIns="0" bIns="0" rtlCol="0">
+            <a:spAutoFit/>
+          </a:bodyPr>
+          <a:lstStyle/>
+          <a:p>
+            <a:r>
+              <a:rPr lang="en-US" sz="1000" i="1"/>
+              <a:t>has-a</a:t>
+            </a:r>
+          </a:p>
+        </p:txBody>
+      </p:sp>
+      <p:sp>
+        <p:nvSpPr>
+          <p:cNvPr id="35" name="TextBox 34">
+            <a:extLst>
+              <a:ext uri="{FF2B5EF4-FFF2-40B4-BE49-F238E27FC236}">
+                <a16:creationId xmlns:a16="http://schemas.microsoft.com/office/drawing/2014/main" id="{2C3BCFEF-FF5B-3DA6-6777-1B4903CAC14E}"/>
+              </a:ext>
+            </a:extLst>
+          </p:cNvPr>
+          <p:cNvSpPr txBox="1"/>
+          <p:nvPr/>
+        </p:nvSpPr>
+        <p:spPr>
+          <a:xfrm>
+            <a:off x="6385629" y="2894112"/>
+            <a:ext cx="182742" cy="153888"/>
+          </a:xfrm>
+          <a:prstGeom prst="rect">
+            <a:avLst/>
+          </a:prstGeom>
+          <a:solidFill>
+            <a:schemeClr val="bg1"/>
+          </a:solidFill>
+        </p:spPr>
+        <p:txBody>
+          <a:bodyPr wrap="none" lIns="0" tIns="0" rIns="0" bIns="0" rtlCol="0">
+            <a:spAutoFit/>
+          </a:bodyPr>
+          <a:lstStyle/>
+          <a:p>
+            <a:r>
+              <a:rPr lang="en-US" sz="1000" i="1"/>
+              <a:t>is-a</a:t>
+            </a:r>
+          </a:p>
+        </p:txBody>
+      </p:sp>
+      <p:sp>
+        <p:nvSpPr>
+          <p:cNvPr id="36" name="Arc 35">
+            <a:extLst>
+              <a:ext uri="{FF2B5EF4-FFF2-40B4-BE49-F238E27FC236}">
+                <a16:creationId xmlns:a16="http://schemas.microsoft.com/office/drawing/2014/main" id="{A4249BB0-F6AB-7527-93E7-DB5A72E4A905}"/>
+              </a:ext>
+            </a:extLst>
+          </p:cNvPr>
+          <p:cNvSpPr/>
+          <p:nvPr/>
+        </p:nvSpPr>
+        <p:spPr>
+          <a:xfrm>
+            <a:off x="5486400" y="1905000"/>
+            <a:ext cx="1223862" cy="944282"/>
+          </a:xfrm>
+          <a:prstGeom prst="arc">
+            <a:avLst>
+              <a:gd name="adj1" fmla="val 16200000"/>
+              <a:gd name="adj2" fmla="val 21334881"/>
+            </a:avLst>
+          </a:prstGeom>
+          <a:ln>
+            <a:solidFill>
+              <a:schemeClr val="tx1"/>
+            </a:solidFill>
+            <a:tailEnd type="triangle"/>
+          </a:ln>
+        </p:spPr>
+        <p:style>
+          <a:lnRef idx="1">
+            <a:schemeClr val="accent1"/>
+          </a:lnRef>
+          <a:fillRef idx="0">
+            <a:schemeClr val="accent1"/>
+          </a:fillRef>
+          <a:effectRef idx="0">
+            <a:schemeClr val="accent1"/>
+          </a:effectRef>
+          <a:fontRef idx="minor">
+            <a:schemeClr val="tx1"/>
+          </a:fontRef>
+        </p:style>
+        <p:txBody>
+          <a:bodyPr rtlCol="0" anchor="ctr"/>
+          <a:lstStyle/>
+          <a:p>
+            <a:pPr algn="ctr"/>
+            <a:endParaRPr lang="en-US"/>
+          </a:p>
+        </p:txBody>
+      </p:sp>
+      <p:sp>
+        <p:nvSpPr>
+          <p:cNvPr id="37" name="TextBox 36">
+            <a:extLst>
+              <a:ext uri="{FF2B5EF4-FFF2-40B4-BE49-F238E27FC236}">
+                <a16:creationId xmlns:a16="http://schemas.microsoft.com/office/drawing/2014/main" id="{3C905939-C4A4-9EA5-2AB4-5630F6FE055F}"/>
+              </a:ext>
+            </a:extLst>
+          </p:cNvPr>
+          <p:cNvSpPr txBox="1"/>
+          <p:nvPr/>
+        </p:nvSpPr>
+        <p:spPr>
+          <a:xfrm>
+            <a:off x="6334333" y="1933394"/>
+            <a:ext cx="285335" cy="153888"/>
+          </a:xfrm>
+          <a:prstGeom prst="rect">
+            <a:avLst/>
+          </a:prstGeom>
+          <a:solidFill>
+            <a:schemeClr val="bg1"/>
+          </a:solidFill>
+        </p:spPr>
+        <p:txBody>
+          <a:bodyPr wrap="none" lIns="0" tIns="0" rIns="0" bIns="0" rtlCol="0">
+            <a:spAutoFit/>
+          </a:bodyPr>
+          <a:lstStyle/>
+          <a:p>
+            <a:r>
+              <a:rPr lang="en-US" sz="1000" i="1"/>
+              <a:t>has-a</a:t>
+            </a:r>
+          </a:p>
+        </p:txBody>
+      </p:sp>
+      <p:sp>
+        <p:nvSpPr>
+          <p:cNvPr id="38" name="Arc 37">
+            <a:extLst>
+              <a:ext uri="{FF2B5EF4-FFF2-40B4-BE49-F238E27FC236}">
+                <a16:creationId xmlns:a16="http://schemas.microsoft.com/office/drawing/2014/main" id="{D8F2DA97-BE5E-83F2-54B9-F261835B1C76}"/>
+              </a:ext>
+            </a:extLst>
+          </p:cNvPr>
+          <p:cNvSpPr/>
+          <p:nvPr/>
+        </p:nvSpPr>
+        <p:spPr>
+          <a:xfrm flipV="1">
+            <a:off x="5486400" y="3505200"/>
+            <a:ext cx="1223862" cy="944282"/>
+          </a:xfrm>
+          <a:prstGeom prst="arc">
+            <a:avLst>
+              <a:gd name="adj1" fmla="val 16200000"/>
+              <a:gd name="adj2" fmla="val 21392274"/>
+            </a:avLst>
+          </a:prstGeom>
+          <a:ln>
+            <a:solidFill>
+              <a:schemeClr val="tx1"/>
+            </a:solidFill>
+            <a:headEnd type="triangle"/>
+            <a:tailEnd type="none"/>
+          </a:ln>
+        </p:spPr>
+        <p:style>
+          <a:lnRef idx="1">
+            <a:schemeClr val="accent1"/>
+          </a:lnRef>
+          <a:fillRef idx="0">
+            <a:schemeClr val="accent1"/>
+          </a:fillRef>
+          <a:effectRef idx="0">
+            <a:schemeClr val="accent1"/>
+          </a:effectRef>
+          <a:fontRef idx="minor">
+            <a:schemeClr val="tx1"/>
+          </a:fontRef>
+        </p:style>
+        <p:txBody>
+          <a:bodyPr rtlCol="0" anchor="ctr"/>
+          <a:lstStyle/>
+          <a:p>
+            <a:pPr algn="ctr"/>
+            <a:endParaRPr lang="en-US"/>
+          </a:p>
+        </p:txBody>
+      </p:sp>
+      <p:sp>
+        <p:nvSpPr>
+          <p:cNvPr id="39" name="TextBox 38">
+            <a:extLst>
+              <a:ext uri="{FF2B5EF4-FFF2-40B4-BE49-F238E27FC236}">
+                <a16:creationId xmlns:a16="http://schemas.microsoft.com/office/drawing/2014/main" id="{C40A7C2B-D010-A4F9-DCD2-E84A386E8CFD}"/>
+              </a:ext>
+            </a:extLst>
+          </p:cNvPr>
+          <p:cNvSpPr txBox="1"/>
+          <p:nvPr/>
+        </p:nvSpPr>
+        <p:spPr>
+          <a:xfrm>
+            <a:off x="6390291" y="4242866"/>
+            <a:ext cx="182742" cy="153888"/>
+          </a:xfrm>
+          <a:prstGeom prst="rect">
+            <a:avLst/>
+          </a:prstGeom>
+          <a:solidFill>
+            <a:schemeClr val="bg1"/>
+          </a:solidFill>
+        </p:spPr>
+        <p:txBody>
+          <a:bodyPr wrap="none" lIns="0" tIns="0" rIns="0" bIns="0" rtlCol="0">
+            <a:spAutoFit/>
+          </a:bodyPr>
+          <a:lstStyle/>
+          <a:p>
+            <a:r>
+              <a:rPr lang="en-US" sz="1000" i="1"/>
+              <a:t>is-a</a:t>
+            </a:r>
+          </a:p>
+        </p:txBody>
+      </p:sp>
+      <p:sp>
+        <p:nvSpPr>
+          <p:cNvPr id="40" name="TextBox 39">
+            <a:extLst>
+              <a:ext uri="{FF2B5EF4-FFF2-40B4-BE49-F238E27FC236}">
+                <a16:creationId xmlns:a16="http://schemas.microsoft.com/office/drawing/2014/main" id="{B34E4036-1982-6A9B-D376-A4DA8E0C5554}"/>
+              </a:ext>
+            </a:extLst>
+          </p:cNvPr>
+          <p:cNvSpPr txBox="1"/>
+          <p:nvPr/>
+        </p:nvSpPr>
+        <p:spPr>
+          <a:xfrm>
+            <a:off x="7391401" y="2337524"/>
+            <a:ext cx="681138" cy="400110"/>
+          </a:xfrm>
+          <a:prstGeom prst="rect">
+            <a:avLst/>
+          </a:prstGeom>
+          <a:noFill/>
+        </p:spPr>
+        <p:txBody>
+          <a:bodyPr wrap="square" rtlCol="0">
+            <a:spAutoFit/>
+          </a:bodyPr>
+          <a:lstStyle/>
+          <a:p>
+            <a:r>
+              <a:rPr lang="en-US" sz="1000" i="1"/>
+              <a:t>object property</a:t>
+            </a:r>
+          </a:p>
+        </p:txBody>
+      </p:sp>
+      <p:sp>
+        <p:nvSpPr>
+          <p:cNvPr id="41" name="TextBox 40">
+            <a:extLst>
+              <a:ext uri="{FF2B5EF4-FFF2-40B4-BE49-F238E27FC236}">
+                <a16:creationId xmlns:a16="http://schemas.microsoft.com/office/drawing/2014/main" id="{BB164CBF-4AE4-0DE2-107C-AF97C66274CF}"/>
+              </a:ext>
+            </a:extLst>
+          </p:cNvPr>
+          <p:cNvSpPr txBox="1"/>
+          <p:nvPr/>
+        </p:nvSpPr>
+        <p:spPr>
+          <a:xfrm>
+            <a:off x="2544160" y="1778437"/>
+            <a:ext cx="503664" cy="246221"/>
+          </a:xfrm>
+          <a:prstGeom prst="rect">
+            <a:avLst/>
+          </a:prstGeom>
+          <a:noFill/>
+        </p:spPr>
+        <p:txBody>
+          <a:bodyPr wrap="none" rtlCol="0">
+            <a:spAutoFit/>
+          </a:bodyPr>
+          <a:lstStyle/>
+          <a:p>
+            <a:r>
+              <a:rPr lang="en-US" sz="1000" i="1"/>
+              <a:t>object</a:t>
+            </a:r>
+          </a:p>
+        </p:txBody>
+      </p:sp>
+      <p:sp>
+        <p:nvSpPr>
+          <p:cNvPr id="42" name="TextBox 41">
+            <a:extLst>
+              <a:ext uri="{FF2B5EF4-FFF2-40B4-BE49-F238E27FC236}">
+                <a16:creationId xmlns:a16="http://schemas.microsoft.com/office/drawing/2014/main" id="{7B7372D8-F04F-796D-8501-5B1DC1073CBD}"/>
+              </a:ext>
+            </a:extLst>
+          </p:cNvPr>
+          <p:cNvSpPr txBox="1"/>
+          <p:nvPr/>
+        </p:nvSpPr>
+        <p:spPr>
+          <a:xfrm>
+            <a:off x="2544160" y="3050991"/>
+            <a:ext cx="503664" cy="246221"/>
+          </a:xfrm>
+          <a:prstGeom prst="rect">
+            <a:avLst/>
+          </a:prstGeom>
+          <a:noFill/>
+        </p:spPr>
+        <p:txBody>
+          <a:bodyPr wrap="none" rtlCol="0">
+            <a:spAutoFit/>
+          </a:bodyPr>
+          <a:lstStyle/>
+          <a:p>
+            <a:r>
+              <a:rPr lang="en-US" sz="1000" i="1"/>
+              <a:t>object</a:t>
+            </a:r>
+          </a:p>
+        </p:txBody>
+      </p:sp>
+      <p:sp>
+        <p:nvSpPr>
+          <p:cNvPr id="43" name="TextBox 42">
+            <a:extLst>
+              <a:ext uri="{FF2B5EF4-FFF2-40B4-BE49-F238E27FC236}">
+                <a16:creationId xmlns:a16="http://schemas.microsoft.com/office/drawing/2014/main" id="{7165DD37-CBEB-6BAB-9EBA-228F03C8B82D}"/>
+              </a:ext>
+            </a:extLst>
+          </p:cNvPr>
+          <p:cNvSpPr txBox="1"/>
+          <p:nvPr/>
+        </p:nvSpPr>
+        <p:spPr>
+          <a:xfrm>
+            <a:off x="2563396" y="4349574"/>
+            <a:ext cx="484428" cy="246221"/>
+          </a:xfrm>
+          <a:prstGeom prst="rect">
+            <a:avLst/>
+          </a:prstGeom>
+          <a:noFill/>
+        </p:spPr>
+        <p:txBody>
+          <a:bodyPr wrap="none" rtlCol="0">
+            <a:spAutoFit/>
+          </a:bodyPr>
+          <a:lstStyle/>
+          <a:p>
+            <a:r>
+              <a:rPr lang="en-US" sz="1000" i="1"/>
+              <a:t>literal</a:t>
+            </a:r>
+          </a:p>
+        </p:txBody>
+      </p:sp>
+      <p:cxnSp>
+        <p:nvCxnSpPr>
+          <p:cNvPr id="46" name="Straight Arrow Connector 45">
+            <a:extLst>
+              <a:ext uri="{FF2B5EF4-FFF2-40B4-BE49-F238E27FC236}">
+                <a16:creationId xmlns:a16="http://schemas.microsoft.com/office/drawing/2014/main" id="{0198E4F4-C8A7-0661-DA55-307764A5C274}"/>
+              </a:ext>
+            </a:extLst>
+          </p:cNvPr>
+          <p:cNvCxnSpPr>
+            <a:cxnSpLocks/>
+          </p:cNvCxnSpPr>
+          <p:nvPr/>
+        </p:nvCxnSpPr>
+        <p:spPr>
+          <a:xfrm>
+            <a:off x="3518044" y="3422826"/>
+            <a:ext cx="0" cy="820040"/>
+          </a:xfrm>
+          <a:prstGeom prst="straightConnector1">
+            <a:avLst/>
+          </a:prstGeom>
+          <a:ln w="12700">
+            <a:solidFill>
+              <a:schemeClr val="tx1"/>
+            </a:solidFill>
+            <a:tailEnd type="triangle"/>
+          </a:ln>
+        </p:spPr>
+        <p:style>
+          <a:lnRef idx="1">
+            <a:schemeClr val="accent1"/>
+          </a:lnRef>
+          <a:fillRef idx="0">
+            <a:schemeClr val="accent1"/>
+          </a:fillRef>
+          <a:effectRef idx="0">
+            <a:schemeClr val="accent1"/>
+          </a:effectRef>
+          <a:fontRef idx="minor">
+            <a:schemeClr val="tx1"/>
+          </a:fontRef>
+        </p:style>
+      </p:cxnSp>
+      <p:sp>
+        <p:nvSpPr>
+          <p:cNvPr id="47" name="Rectangle: Rounded Corners 46">
+            <a:extLst>
+              <a:ext uri="{FF2B5EF4-FFF2-40B4-BE49-F238E27FC236}">
+                <a16:creationId xmlns:a16="http://schemas.microsoft.com/office/drawing/2014/main" id="{895E932E-DAC5-D16B-9C4D-B2ECF7379721}"/>
+              </a:ext>
+            </a:extLst>
+          </p:cNvPr>
+          <p:cNvSpPr/>
+          <p:nvPr/>
+        </p:nvSpPr>
+        <p:spPr>
+          <a:xfrm>
+            <a:off x="3205929" y="2971800"/>
+            <a:ext cx="615456" cy="404603"/>
+          </a:xfrm>
+          <a:prstGeom prst="roundRect">
+            <a:avLst/>
+          </a:prstGeom>
+          <a:solidFill>
+            <a:schemeClr val="accent4">
+              <a:lumMod val="20000"/>
+              <a:lumOff val="80000"/>
+            </a:schemeClr>
+          </a:solidFill>
+          <a:ln>
+            <a:solidFill>
+              <a:schemeClr val="tx1"/>
+            </a:solidFill>
+          </a:ln>
+        </p:spPr>
+        <p:style>
+          <a:lnRef idx="2">
+            <a:schemeClr val="accent1">
+              <a:shade val="50000"/>
+            </a:schemeClr>
+          </a:lnRef>
+          <a:fillRef idx="1">
+            <a:schemeClr val="accent1"/>
+          </a:fillRef>
+          <a:effectRef idx="0">
+            <a:schemeClr val="accent1"/>
+          </a:effectRef>
+          <a:fontRef idx="minor">
+            <a:schemeClr val="lt1"/>
+          </a:fontRef>
+        </p:style>
+        <p:txBody>
+          <a:bodyPr rtlCol="0" anchor="ctr"/>
+          <a:lstStyle>
+            <a:defPPr>
+              <a:defRPr lang="en-US"/>
+            </a:defPPr>
+            <a:lvl1pPr marL="0" algn="l" defTabSz="914400" rtl="0" eaLnBrk="1" latinLnBrk="0" hangingPunct="1">
+              <a:defRPr sz="1800" kern="1200">
+                <a:solidFill>
+                  <a:schemeClr val="lt1"/>
+                </a:solidFill>
+                <a:latin typeface="+mn-lt"/>
+                <a:ea typeface="+mn-ea"/>
+                <a:cs typeface="+mn-cs"/>
+              </a:defRPr>
+            </a:lvl1pPr>
+            <a:lvl2pPr marL="457200" algn="l" defTabSz="914400" rtl="0" eaLnBrk="1" latinLnBrk="0" hangingPunct="1">
+              <a:defRPr sz="1800" kern="1200">
+                <a:solidFill>
+                  <a:schemeClr val="lt1"/>
+                </a:solidFill>
+                <a:latin typeface="+mn-lt"/>
+                <a:ea typeface="+mn-ea"/>
+                <a:cs typeface="+mn-cs"/>
+              </a:defRPr>
+            </a:lvl2pPr>
+            <a:lvl3pPr marL="914400" algn="l" defTabSz="914400" rtl="0" eaLnBrk="1" latinLnBrk="0" hangingPunct="1">
+              <a:defRPr sz="1800" kern="1200">
+                <a:solidFill>
+                  <a:schemeClr val="lt1"/>
+                </a:solidFill>
+                <a:latin typeface="+mn-lt"/>
+                <a:ea typeface="+mn-ea"/>
+                <a:cs typeface="+mn-cs"/>
+              </a:defRPr>
+            </a:lvl3pPr>
+            <a:lvl4pPr marL="1371600" algn="l" defTabSz="914400" rtl="0" eaLnBrk="1" latinLnBrk="0" hangingPunct="1">
+              <a:defRPr sz="1800" kern="1200">
+                <a:solidFill>
+                  <a:schemeClr val="lt1"/>
+                </a:solidFill>
+                <a:latin typeface="+mn-lt"/>
+                <a:ea typeface="+mn-ea"/>
+                <a:cs typeface="+mn-cs"/>
+              </a:defRPr>
+            </a:lvl4pPr>
+            <a:lvl5pPr marL="1828800" algn="l" defTabSz="914400" rtl="0" eaLnBrk="1" latinLnBrk="0" hangingPunct="1">
+              <a:defRPr sz="1800" kern="1200">
+                <a:solidFill>
+                  <a:schemeClr val="lt1"/>
+                </a:solidFill>
+                <a:latin typeface="+mn-lt"/>
+                <a:ea typeface="+mn-ea"/>
+                <a:cs typeface="+mn-cs"/>
+              </a:defRPr>
+            </a:lvl5pPr>
+            <a:lvl6pPr marL="2286000" algn="l" defTabSz="914400" rtl="0" eaLnBrk="1" latinLnBrk="0" hangingPunct="1">
+              <a:defRPr sz="1800" kern="1200">
+                <a:solidFill>
+                  <a:schemeClr val="lt1"/>
+                </a:solidFill>
+                <a:latin typeface="+mn-lt"/>
+                <a:ea typeface="+mn-ea"/>
+                <a:cs typeface="+mn-cs"/>
+              </a:defRPr>
+            </a:lvl6pPr>
+            <a:lvl7pPr marL="2743200" algn="l" defTabSz="914400" rtl="0" eaLnBrk="1" latinLnBrk="0" hangingPunct="1">
+              <a:defRPr sz="1800" kern="1200">
+                <a:solidFill>
+                  <a:schemeClr val="lt1"/>
+                </a:solidFill>
+                <a:latin typeface="+mn-lt"/>
+                <a:ea typeface="+mn-ea"/>
+                <a:cs typeface="+mn-cs"/>
+              </a:defRPr>
+            </a:lvl7pPr>
+            <a:lvl8pPr marL="3200400" algn="l" defTabSz="914400" rtl="0" eaLnBrk="1" latinLnBrk="0" hangingPunct="1">
+              <a:defRPr sz="1800" kern="1200">
+                <a:solidFill>
+                  <a:schemeClr val="lt1"/>
+                </a:solidFill>
+                <a:latin typeface="+mn-lt"/>
+                <a:ea typeface="+mn-ea"/>
+                <a:cs typeface="+mn-cs"/>
+              </a:defRPr>
+            </a:lvl8pPr>
+            <a:lvl9pPr marL="3657600" algn="l" defTabSz="914400" rtl="0" eaLnBrk="1" latinLnBrk="0" hangingPunct="1">
+              <a:defRPr sz="1800" kern="1200">
+                <a:solidFill>
+                  <a:schemeClr val="lt1"/>
+                </a:solidFill>
+                <a:latin typeface="+mn-lt"/>
+                <a:ea typeface="+mn-ea"/>
+                <a:cs typeface="+mn-cs"/>
+              </a:defRPr>
+            </a:lvl9pPr>
+          </a:lstStyle>
+          <a:p>
+            <a:pPr algn="ctr"/>
+            <a:endParaRPr lang="en-US" sz="1000" i="1">
+              <a:solidFill>
+                <a:schemeClr val="tx1"/>
+              </a:solidFill>
+            </a:endParaRPr>
+          </a:p>
+        </p:txBody>
+      </p:sp>
+      <p:sp>
+        <p:nvSpPr>
+          <p:cNvPr id="49" name="TextBox 48">
+            <a:extLst>
+              <a:ext uri="{FF2B5EF4-FFF2-40B4-BE49-F238E27FC236}">
+                <a16:creationId xmlns:a16="http://schemas.microsoft.com/office/drawing/2014/main" id="{E9E49EC0-D7EF-872D-A15C-233D28D367C3}"/>
+              </a:ext>
+            </a:extLst>
+          </p:cNvPr>
+          <p:cNvSpPr txBox="1"/>
+          <p:nvPr/>
+        </p:nvSpPr>
+        <p:spPr>
+          <a:xfrm>
+            <a:off x="3036964" y="2454247"/>
+            <a:ext cx="916918" cy="153888"/>
+          </a:xfrm>
+          <a:prstGeom prst="rect">
+            <a:avLst/>
+          </a:prstGeom>
+          <a:solidFill>
+            <a:schemeClr val="bg1"/>
+          </a:solidFill>
+        </p:spPr>
+        <p:txBody>
+          <a:bodyPr wrap="none" lIns="0" tIns="0" rIns="0" bIns="0" rtlCol="0">
+            <a:spAutoFit/>
+          </a:bodyPr>
+          <a:lstStyle/>
+          <a:p>
+            <a:r>
+              <a:rPr lang="en-US" sz="1000">
+                <a:latin typeface="Consolas" panose="020B0609020204030204" pitchFamily="49" charset="0"/>
+              </a:rPr>
+              <a:t>nc:PersonName</a:t>
+            </a:r>
+          </a:p>
+        </p:txBody>
+      </p:sp>
+      <p:sp>
+        <p:nvSpPr>
+          <p:cNvPr id="50" name="TextBox 49">
+            <a:extLst>
+              <a:ext uri="{FF2B5EF4-FFF2-40B4-BE49-F238E27FC236}">
+                <a16:creationId xmlns:a16="http://schemas.microsoft.com/office/drawing/2014/main" id="{DE74425D-4536-1C01-9D54-1E306BA9D8D5}"/>
+              </a:ext>
+            </a:extLst>
+          </p:cNvPr>
+          <p:cNvSpPr txBox="1"/>
+          <p:nvPr/>
+        </p:nvSpPr>
+        <p:spPr>
+          <a:xfrm>
+            <a:off x="2912670" y="3733231"/>
+            <a:ext cx="1199046" cy="153888"/>
+          </a:xfrm>
+          <a:prstGeom prst="rect">
+            <a:avLst/>
+          </a:prstGeom>
+          <a:solidFill>
+            <a:schemeClr val="bg1"/>
+          </a:solidFill>
+        </p:spPr>
+        <p:txBody>
+          <a:bodyPr wrap="none" lIns="0" tIns="0" rIns="0" bIns="0" rtlCol="0">
+            <a:spAutoFit/>
+          </a:bodyPr>
+          <a:lstStyle/>
+          <a:p>
+            <a:r>
+              <a:rPr lang="en-US" sz="1000">
+                <a:latin typeface="Consolas" panose="020B0609020204030204" pitchFamily="49" charset="0"/>
+              </a:rPr>
+              <a:t>nc:PersonFullName</a:t>
+            </a:r>
+          </a:p>
+        </p:txBody>
+      </p:sp>
+      <p:cxnSp>
+        <p:nvCxnSpPr>
+          <p:cNvPr id="62" name="Straight Arrow Connector 61">
+            <a:extLst>
+              <a:ext uri="{FF2B5EF4-FFF2-40B4-BE49-F238E27FC236}">
+                <a16:creationId xmlns:a16="http://schemas.microsoft.com/office/drawing/2014/main" id="{8B1A0FA2-9A86-1541-9DC9-35536810962F}"/>
+              </a:ext>
+            </a:extLst>
+          </p:cNvPr>
+          <p:cNvCxnSpPr>
+            <a:cxnSpLocks/>
+            <a:endCxn id="16" idx="1"/>
+          </p:cNvCxnSpPr>
+          <p:nvPr/>
+        </p:nvCxnSpPr>
+        <p:spPr>
+          <a:xfrm>
+            <a:off x="3810000" y="3174370"/>
+            <a:ext cx="990600" cy="7084"/>
+          </a:xfrm>
+          <a:prstGeom prst="straightConnector1">
+            <a:avLst/>
+          </a:prstGeom>
+          <a:ln>
+            <a:solidFill>
+              <a:schemeClr val="tx1"/>
+            </a:solidFill>
+            <a:tailEnd type="triangle"/>
+          </a:ln>
+        </p:spPr>
+        <p:style>
+          <a:lnRef idx="1">
+            <a:schemeClr val="accent1"/>
+          </a:lnRef>
+          <a:fillRef idx="0">
+            <a:schemeClr val="accent1"/>
+          </a:fillRef>
+          <a:effectRef idx="0">
+            <a:schemeClr val="accent1"/>
+          </a:effectRef>
+          <a:fontRef idx="minor">
+            <a:schemeClr val="tx1"/>
+          </a:fontRef>
+        </p:style>
+      </p:cxnSp>
+      <p:sp>
+        <p:nvSpPr>
+          <p:cNvPr id="70" name="Rectangle 69">
+            <a:extLst>
+              <a:ext uri="{FF2B5EF4-FFF2-40B4-BE49-F238E27FC236}">
+                <a16:creationId xmlns:a16="http://schemas.microsoft.com/office/drawing/2014/main" id="{AE40D053-829C-A5DB-8305-4111A66F280B}"/>
+              </a:ext>
+            </a:extLst>
+          </p:cNvPr>
+          <p:cNvSpPr/>
+          <p:nvPr/>
+        </p:nvSpPr>
+        <p:spPr>
+          <a:xfrm>
+            <a:off x="3099620" y="4275133"/>
+            <a:ext cx="889821" cy="389109"/>
+          </a:xfrm>
+          <a:prstGeom prst="rect">
+            <a:avLst/>
+          </a:prstGeom>
+          <a:solidFill>
+            <a:schemeClr val="accent4">
+              <a:lumMod val="20000"/>
+              <a:lumOff val="80000"/>
+            </a:schemeClr>
+          </a:solidFill>
+          <a:ln>
+            <a:solidFill>
+              <a:schemeClr val="tx1"/>
+            </a:solidFill>
+          </a:ln>
+        </p:spPr>
+        <p:style>
+          <a:lnRef idx="2">
+            <a:schemeClr val="accent1">
+              <a:shade val="50000"/>
+            </a:schemeClr>
+          </a:lnRef>
+          <a:fillRef idx="1">
+            <a:schemeClr val="accent1"/>
+          </a:fillRef>
+          <a:effectRef idx="0">
+            <a:schemeClr val="accent1"/>
+          </a:effectRef>
+          <a:fontRef idx="minor">
+            <a:schemeClr val="lt1"/>
+          </a:fontRef>
+        </p:style>
+        <p:txBody>
+          <a:bodyPr rtlCol="0" anchor="ctr"/>
+          <a:lstStyle/>
+          <a:p>
+            <a:pPr algn="ctr"/>
+            <a:r>
+              <a:rPr lang="en-US" sz="1000">
+                <a:solidFill>
+                  <a:schemeClr val="tx1"/>
+                </a:solidFill>
+                <a:latin typeface="Consolas" panose="020B0609020204030204" pitchFamily="49" charset="0"/>
+              </a:rPr>
+              <a:t>Clark Kent</a:t>
+            </a:r>
+          </a:p>
+        </p:txBody>
+      </p:sp>
+      <p:cxnSp>
+        <p:nvCxnSpPr>
+          <p:cNvPr id="73" name="Straight Arrow Connector 72">
+            <a:extLst>
+              <a:ext uri="{FF2B5EF4-FFF2-40B4-BE49-F238E27FC236}">
+                <a16:creationId xmlns:a16="http://schemas.microsoft.com/office/drawing/2014/main" id="{3E376CC7-0887-EBC8-7DD6-DD23A83495EA}"/>
+              </a:ext>
+            </a:extLst>
+          </p:cNvPr>
+          <p:cNvCxnSpPr>
+            <a:cxnSpLocks/>
+            <a:endCxn id="24" idx="1"/>
+          </p:cNvCxnSpPr>
+          <p:nvPr/>
+        </p:nvCxnSpPr>
+        <p:spPr>
+          <a:xfrm>
+            <a:off x="3996010" y="4468189"/>
+            <a:ext cx="843853" cy="4495"/>
+          </a:xfrm>
+          <a:prstGeom prst="straightConnector1">
+            <a:avLst/>
+          </a:prstGeom>
+          <a:ln>
+            <a:solidFill>
+              <a:schemeClr val="tx1"/>
+            </a:solidFill>
+            <a:tailEnd type="triangle"/>
+          </a:ln>
+        </p:spPr>
+        <p:style>
+          <a:lnRef idx="1">
+            <a:schemeClr val="accent1"/>
+          </a:lnRef>
+          <a:fillRef idx="0">
+            <a:schemeClr val="accent1"/>
+          </a:fillRef>
+          <a:effectRef idx="0">
+            <a:schemeClr val="accent1"/>
+          </a:effectRef>
+          <a:fontRef idx="minor">
+            <a:schemeClr val="tx1"/>
+          </a:fontRef>
+        </p:style>
+      </p:cxnSp>
+      <p:sp>
+        <p:nvSpPr>
+          <p:cNvPr id="75" name="TextBox 74">
+            <a:extLst>
+              <a:ext uri="{FF2B5EF4-FFF2-40B4-BE49-F238E27FC236}">
+                <a16:creationId xmlns:a16="http://schemas.microsoft.com/office/drawing/2014/main" id="{B30F8638-5193-EE5B-7233-0D98272C220D}"/>
+              </a:ext>
+            </a:extLst>
+          </p:cNvPr>
+          <p:cNvSpPr txBox="1"/>
+          <p:nvPr/>
+        </p:nvSpPr>
+        <p:spPr>
+          <a:xfrm>
+            <a:off x="4989523" y="1164590"/>
+            <a:ext cx="929165" cy="276999"/>
+          </a:xfrm>
+          <a:prstGeom prst="rect">
+            <a:avLst/>
+          </a:prstGeom>
+          <a:noFill/>
+        </p:spPr>
+        <p:txBody>
+          <a:bodyPr wrap="none" rtlCol="0">
+            <a:spAutoFit/>
+          </a:bodyPr>
+          <a:lstStyle/>
+          <a:p>
+            <a:r>
+              <a:rPr lang="en-US" sz="1200" b="1">
+                <a:solidFill>
+                  <a:schemeClr val="accent1">
+                    <a:lumMod val="75000"/>
+                  </a:schemeClr>
+                </a:solidFill>
+              </a:rPr>
+              <a:t>Metamodel</a:t>
+            </a:r>
+          </a:p>
+        </p:txBody>
+      </p:sp>
+      <p:sp>
+        <p:nvSpPr>
+          <p:cNvPr id="76" name="TextBox 75">
+            <a:extLst>
+              <a:ext uri="{FF2B5EF4-FFF2-40B4-BE49-F238E27FC236}">
+                <a16:creationId xmlns:a16="http://schemas.microsoft.com/office/drawing/2014/main" id="{F0A342DA-A403-DBE8-6ED9-4BF99F86D3DE}"/>
+              </a:ext>
+            </a:extLst>
+          </p:cNvPr>
+          <p:cNvSpPr txBox="1"/>
+          <p:nvPr/>
+        </p:nvSpPr>
+        <p:spPr>
+          <a:xfrm>
+            <a:off x="3124200" y="1164590"/>
+            <a:ext cx="742447" cy="276999"/>
+          </a:xfrm>
+          <a:prstGeom prst="rect">
+            <a:avLst/>
+          </a:prstGeom>
+          <a:noFill/>
+        </p:spPr>
+        <p:txBody>
+          <a:bodyPr wrap="none" rtlCol="0">
+            <a:spAutoFit/>
+          </a:bodyPr>
+          <a:lstStyle/>
+          <a:p>
+            <a:r>
+              <a:rPr lang="en-US" sz="1200" b="1">
+                <a:solidFill>
+                  <a:schemeClr val="accent4">
+                    <a:lumMod val="75000"/>
+                  </a:schemeClr>
+                </a:solidFill>
+              </a:rPr>
+              <a:t>Message</a:t>
+            </a:r>
+          </a:p>
+        </p:txBody>
+      </p:sp>
+      <p:sp>
+        <p:nvSpPr>
+          <p:cNvPr id="77" name="TextBox 76">
+            <a:extLst>
+              <a:ext uri="{FF2B5EF4-FFF2-40B4-BE49-F238E27FC236}">
+                <a16:creationId xmlns:a16="http://schemas.microsoft.com/office/drawing/2014/main" id="{3122F8BA-5831-3E68-BB5A-165AFB20D2C1}"/>
+              </a:ext>
+            </a:extLst>
+          </p:cNvPr>
+          <p:cNvSpPr txBox="1"/>
+          <p:nvPr/>
+        </p:nvSpPr>
+        <p:spPr>
+          <a:xfrm>
+            <a:off x="7391400" y="3602249"/>
+            <a:ext cx="710615" cy="397584"/>
+          </a:xfrm>
+          <a:prstGeom prst="rect">
+            <a:avLst/>
+          </a:prstGeom>
+          <a:noFill/>
+        </p:spPr>
+        <p:txBody>
+          <a:bodyPr wrap="square" rtlCol="0">
+            <a:spAutoFit/>
+          </a:bodyPr>
+          <a:lstStyle/>
+          <a:p>
+            <a:r>
+              <a:rPr lang="en-US" sz="1000" i="1"/>
+              <a:t>data property</a:t>
+            </a:r>
+          </a:p>
+        </p:txBody>
+      </p:sp>
+      <p:sp>
+        <p:nvSpPr>
+          <p:cNvPr id="55" name="TextBox 54">
+            <a:extLst>
+              <a:ext uri="{FF2B5EF4-FFF2-40B4-BE49-F238E27FC236}">
+                <a16:creationId xmlns:a16="http://schemas.microsoft.com/office/drawing/2014/main" id="{56029EF1-E021-3D43-2B58-6BD4236277D9}"/>
+              </a:ext>
+            </a:extLst>
+          </p:cNvPr>
+          <p:cNvSpPr txBox="1"/>
+          <p:nvPr/>
+        </p:nvSpPr>
+        <p:spPr>
+          <a:xfrm>
+            <a:off x="4360903" y="1824603"/>
+            <a:ext cx="275075" cy="153888"/>
+          </a:xfrm>
+          <a:prstGeom prst="rect">
+            <a:avLst/>
+          </a:prstGeom>
+          <a:solidFill>
+            <a:schemeClr val="bg1"/>
+          </a:solidFill>
+        </p:spPr>
+        <p:txBody>
+          <a:bodyPr wrap="none" lIns="45720" tIns="0" rIns="45720" bIns="0" rtlCol="0">
+            <a:spAutoFit/>
+          </a:bodyPr>
+          <a:lstStyle/>
+          <a:p>
+            <a:r>
+              <a:rPr lang="en-US" sz="1000" i="1"/>
+              <a:t>is-a</a:t>
+            </a:r>
+          </a:p>
+        </p:txBody>
+      </p:sp>
+      <p:sp>
+        <p:nvSpPr>
+          <p:cNvPr id="3" name="TextBox 2">
+            <a:extLst>
+              <a:ext uri="{FF2B5EF4-FFF2-40B4-BE49-F238E27FC236}">
+                <a16:creationId xmlns:a16="http://schemas.microsoft.com/office/drawing/2014/main" id="{D830D315-3CB1-B592-F8BB-9C4F6FC2D10A}"/>
+              </a:ext>
+            </a:extLst>
+          </p:cNvPr>
+          <p:cNvSpPr txBox="1"/>
+          <p:nvPr/>
+        </p:nvSpPr>
+        <p:spPr>
+          <a:xfrm>
+            <a:off x="4360903" y="3104510"/>
+            <a:ext cx="275075" cy="153888"/>
+          </a:xfrm>
+          <a:prstGeom prst="rect">
+            <a:avLst/>
+          </a:prstGeom>
+          <a:solidFill>
+            <a:schemeClr val="bg1"/>
+          </a:solidFill>
+        </p:spPr>
+        <p:txBody>
+          <a:bodyPr wrap="none" lIns="45720" tIns="0" rIns="45720" bIns="0" rtlCol="0">
+            <a:spAutoFit/>
+          </a:bodyPr>
+          <a:lstStyle/>
+          <a:p>
+            <a:r>
+              <a:rPr lang="en-US" sz="1000" i="1"/>
+              <a:t>is-a</a:t>
+            </a:r>
+          </a:p>
+        </p:txBody>
+      </p:sp>
+      <p:sp>
+        <p:nvSpPr>
+          <p:cNvPr id="4" name="TextBox 3">
+            <a:extLst>
+              <a:ext uri="{FF2B5EF4-FFF2-40B4-BE49-F238E27FC236}">
+                <a16:creationId xmlns:a16="http://schemas.microsoft.com/office/drawing/2014/main" id="{688EDA4D-DEC0-A1DD-051A-7FE7E61691E6}"/>
+              </a:ext>
+            </a:extLst>
+          </p:cNvPr>
+          <p:cNvSpPr txBox="1"/>
+          <p:nvPr/>
+        </p:nvSpPr>
+        <p:spPr>
+          <a:xfrm>
+            <a:off x="4360903" y="4395740"/>
+            <a:ext cx="275075" cy="153888"/>
+          </a:xfrm>
+          <a:prstGeom prst="rect">
+            <a:avLst/>
+          </a:prstGeom>
+          <a:solidFill>
+            <a:schemeClr val="bg1"/>
+          </a:solidFill>
+        </p:spPr>
+        <p:txBody>
+          <a:bodyPr wrap="none" lIns="45720" tIns="0" rIns="45720" bIns="0" rtlCol="0">
+            <a:spAutoFit/>
+          </a:bodyPr>
+          <a:lstStyle/>
+          <a:p>
+            <a:r>
+              <a:rPr lang="en-US" sz="1000" i="1"/>
+              <a:t>is-a</a:t>
+            </a:r>
+          </a:p>
+        </p:txBody>
+      </p:sp>
+    </p:spTree>
+    <p:extLst>
+      <p:ext uri="{BB962C8B-B14F-4D97-AF65-F5344CB8AC3E}">
+        <p14:creationId xmlns:p14="http://schemas.microsoft.com/office/powerpoint/2010/main" val="1809712793"/>
       </p:ext>
     </p:extLst>
   </p:cSld>
@@ -14373,7 +17024,46 @@
       </a:bgFillStyleLst>
     </a:fmtScheme>
   </a:themeElements>
-  <a:objectDefaults/>
+  <a:objectDefaults>
+    <a:spDef>
+      <a:spPr>
+        <a:solidFill>
+          <a:schemeClr val="bg1"/>
+        </a:solidFill>
+        <a:ln>
+          <a:solidFill>
+            <a:schemeClr val="tx1"/>
+          </a:solidFill>
+        </a:ln>
+      </a:spPr>
+      <a:bodyPr rtlCol="0" anchor="ctr"/>
+      <a:lstStyle>
+        <a:defPPr algn="ctr">
+          <a:defRPr smtClean="0">
+            <a:solidFill>
+              <a:schemeClr val="tx1"/>
+            </a:solidFill>
+          </a:defRPr>
+        </a:defPPr>
+      </a:lstStyle>
+      <a:style>
+        <a:lnRef idx="2">
+          <a:schemeClr val="accent1">
+            <a:shade val="15000"/>
+          </a:schemeClr>
+        </a:lnRef>
+        <a:fillRef idx="1">
+          <a:schemeClr val="accent1"/>
+        </a:fillRef>
+        <a:effectRef idx="0">
+          <a:schemeClr val="accent1"/>
+        </a:effectRef>
+        <a:fontRef idx="minor">
+          <a:schemeClr val="lt1"/>
+        </a:fontRef>
+      </a:style>
+    </a:spDef>
+  </a:objectDefaults>
   <a:extraClrSchemeLst/>
   <a:extLst>
     <a:ext uri="{05A4C25C-085E-4340-85A3-A5531E510DB2}">

--- a/pptx/figures.pptx
+++ b/pptx/figures.pptx
@@ -11,6 +11,7 @@
     <p:sldId id="274" r:id="rId5"/>
     <p:sldId id="276" r:id="rId6"/>
     <p:sldId id="277" r:id="rId7"/>
+    <p:sldId id="278" r:id="rId8"/>
   </p:sldIdLst>
   <p:sldSz cx="12192000" cy="6858000"/>
   <p:notesSz cx="6858000" cy="9144000"/>
@@ -275,7 +276,7 @@
           <a:p>
             <a:fld id="{8B6844D7-9723-4963-9A7A-AA67393D1570}" type="datetimeFigureOut">
               <a:rPr lang="en-US" smtClean="0"/>
-              <a:t>5/4/2024</a:t>
+              <a:t>7/22/2024</a:t>
             </a:fld>
             <a:endParaRPr lang="en-US"/>
           </a:p>
@@ -473,7 +474,7 @@
           <a:p>
             <a:fld id="{8B6844D7-9723-4963-9A7A-AA67393D1570}" type="datetimeFigureOut">
               <a:rPr lang="en-US" smtClean="0"/>
-              <a:t>5/4/2024</a:t>
+              <a:t>7/22/2024</a:t>
             </a:fld>
             <a:endParaRPr lang="en-US"/>
           </a:p>
@@ -681,7 +682,7 @@
           <a:p>
             <a:fld id="{8B6844D7-9723-4963-9A7A-AA67393D1570}" type="datetimeFigureOut">
               <a:rPr lang="en-US" smtClean="0"/>
-              <a:t>5/4/2024</a:t>
+              <a:t>7/22/2024</a:t>
             </a:fld>
             <a:endParaRPr lang="en-US"/>
           </a:p>
@@ -879,7 +880,7 @@
           <a:p>
             <a:fld id="{8B6844D7-9723-4963-9A7A-AA67393D1570}" type="datetimeFigureOut">
               <a:rPr lang="en-US" smtClean="0"/>
-              <a:t>5/4/2024</a:t>
+              <a:t>7/22/2024</a:t>
             </a:fld>
             <a:endParaRPr lang="en-US"/>
           </a:p>
@@ -1154,7 +1155,7 @@
           <a:p>
             <a:fld id="{8B6844D7-9723-4963-9A7A-AA67393D1570}" type="datetimeFigureOut">
               <a:rPr lang="en-US" smtClean="0"/>
-              <a:t>5/4/2024</a:t>
+              <a:t>7/22/2024</a:t>
             </a:fld>
             <a:endParaRPr lang="en-US"/>
           </a:p>
@@ -1419,7 +1420,7 @@
           <a:p>
             <a:fld id="{8B6844D7-9723-4963-9A7A-AA67393D1570}" type="datetimeFigureOut">
               <a:rPr lang="en-US" smtClean="0"/>
-              <a:t>5/4/2024</a:t>
+              <a:t>7/22/2024</a:t>
             </a:fld>
             <a:endParaRPr lang="en-US"/>
           </a:p>
@@ -1831,7 +1832,7 @@
           <a:p>
             <a:fld id="{8B6844D7-9723-4963-9A7A-AA67393D1570}" type="datetimeFigureOut">
               <a:rPr lang="en-US" smtClean="0"/>
-              <a:t>5/4/2024</a:t>
+              <a:t>7/22/2024</a:t>
             </a:fld>
             <a:endParaRPr lang="en-US"/>
           </a:p>
@@ -1972,7 +1973,7 @@
           <a:p>
             <a:fld id="{8B6844D7-9723-4963-9A7A-AA67393D1570}" type="datetimeFigureOut">
               <a:rPr lang="en-US" smtClean="0"/>
-              <a:t>5/4/2024</a:t>
+              <a:t>7/22/2024</a:t>
             </a:fld>
             <a:endParaRPr lang="en-US"/>
           </a:p>
@@ -2085,7 +2086,7 @@
           <a:p>
             <a:fld id="{8B6844D7-9723-4963-9A7A-AA67393D1570}" type="datetimeFigureOut">
               <a:rPr lang="en-US" smtClean="0"/>
-              <a:t>5/4/2024</a:t>
+              <a:t>7/22/2024</a:t>
             </a:fld>
             <a:endParaRPr lang="en-US"/>
           </a:p>
@@ -2396,7 +2397,7 @@
           <a:p>
             <a:fld id="{8B6844D7-9723-4963-9A7A-AA67393D1570}" type="datetimeFigureOut">
               <a:rPr lang="en-US" smtClean="0"/>
-              <a:t>5/4/2024</a:t>
+              <a:t>7/22/2024</a:t>
             </a:fld>
             <a:endParaRPr lang="en-US"/>
           </a:p>
@@ -2684,7 +2685,7 @@
           <a:p>
             <a:fld id="{8B6844D7-9723-4963-9A7A-AA67393D1570}" type="datetimeFigureOut">
               <a:rPr lang="en-US" smtClean="0"/>
-              <a:t>5/4/2024</a:t>
+              <a:t>7/22/2024</a:t>
             </a:fld>
             <a:endParaRPr lang="en-US"/>
           </a:p>
@@ -2925,7 +2926,7 @@
           <a:p>
             <a:fld id="{8B6844D7-9723-4963-9A7A-AA67393D1570}" type="datetimeFigureOut">
               <a:rPr lang="en-US" smtClean="0"/>
-              <a:t>5/4/2024</a:t>
+              <a:t>7/22/2024</a:t>
             </a:fld>
             <a:endParaRPr lang="en-US"/>
           </a:p>
@@ -32037,6 +32038,1381 @@
 </p:sld>
 </file>
 
+<file path=ppt/slides/slide7.xml><?xml version="1.0" encoding="utf-8"?>
+<p:sld xmlns:a="http://schemas.openxmlformats.org/drawingml/2006/main" xmlns:r="http://schemas.openxmlformats.org/officeDocument/2006/relationships" xmlns:p="http://schemas.openxmlformats.org/presentationml/2006/main">
+  <p:cSld>
+    <p:spTree>
+      <p:nvGrpSpPr>
+        <p:cNvPr id="1" name=""/>
+        <p:cNvGrpSpPr/>
+        <p:nvPr/>
+      </p:nvGrpSpPr>
+      <p:grpSpPr>
+        <a:xfrm>
+          <a:off x="0" y="0"/>
+          <a:ext cx="0" cy="0"/>
+          <a:chOff x="0" y="0"/>
+          <a:chExt cx="0" cy="0"/>
+        </a:xfrm>
+      </p:grpSpPr>
+      <p:sp>
+        <p:nvSpPr>
+          <p:cNvPr id="2" name="Slide Number Placeholder 1">
+            <a:extLst>
+              <a:ext uri="{FF2B5EF4-FFF2-40B4-BE49-F238E27FC236}">
+                <a16:creationId xmlns:a16="http://schemas.microsoft.com/office/drawing/2014/main" id="{E1B7DD40-936E-75D9-470F-DFC9C59E84F8}"/>
+              </a:ext>
+            </a:extLst>
+          </p:cNvPr>
+          <p:cNvSpPr>
+            <a:spLocks noGrp="1"/>
+          </p:cNvSpPr>
+          <p:nvPr>
+            <p:ph type="sldNum" sz="quarter" idx="12"/>
+          </p:nvPr>
+        </p:nvSpPr>
+        <p:spPr/>
+        <p:txBody>
+          <a:bodyPr/>
+          <a:lstStyle/>
+          <a:p>
+            <a:fld id="{BECF63ED-5365-0347-943C-46237B9951C9}" type="slidenum">
+              <a:rPr lang="en-US" sz="1000" smtClean="0"/>
+              <a:t>7</a:t>
+            </a:fld>
+            <a:endParaRPr lang="en-US" sz="1000"/>
+          </a:p>
+        </p:txBody>
+      </p:sp>
+      <p:sp>
+        <p:nvSpPr>
+          <p:cNvPr id="53" name="Rectangle: Rounded Corners 52">
+            <a:extLst>
+              <a:ext uri="{FF2B5EF4-FFF2-40B4-BE49-F238E27FC236}">
+                <a16:creationId xmlns:a16="http://schemas.microsoft.com/office/drawing/2014/main" id="{200C5F00-C6D5-96ED-062C-E4DF93C7C27B}"/>
+              </a:ext>
+            </a:extLst>
+          </p:cNvPr>
+          <p:cNvSpPr/>
+          <p:nvPr/>
+        </p:nvSpPr>
+        <p:spPr>
+          <a:xfrm>
+            <a:off x="5298789" y="3733800"/>
+            <a:ext cx="1329800" cy="457200"/>
+          </a:xfrm>
+          <a:prstGeom prst="roundRect">
+            <a:avLst/>
+          </a:prstGeom>
+          <a:solidFill>
+            <a:schemeClr val="accent5">
+              <a:lumMod val="60000"/>
+              <a:lumOff val="40000"/>
+            </a:schemeClr>
+          </a:solidFill>
+          <a:ln>
+            <a:solidFill>
+              <a:schemeClr val="tx1"/>
+            </a:solidFill>
+          </a:ln>
+        </p:spPr>
+        <p:style>
+          <a:lnRef idx="2">
+            <a:schemeClr val="accent1">
+              <a:shade val="50000"/>
+            </a:schemeClr>
+          </a:lnRef>
+          <a:fillRef idx="1">
+            <a:schemeClr val="accent1"/>
+          </a:fillRef>
+          <a:effectRef idx="0">
+            <a:schemeClr val="accent1"/>
+          </a:effectRef>
+          <a:fontRef idx="minor">
+            <a:schemeClr val="lt1"/>
+          </a:fontRef>
+        </p:style>
+        <p:txBody>
+          <a:bodyPr rtlCol="0" anchor="ctr"/>
+          <a:lstStyle>
+            <a:defPPr>
+              <a:defRPr lang="en-US"/>
+            </a:defPPr>
+            <a:lvl1pPr marL="0" algn="l" defTabSz="914400" rtl="0" eaLnBrk="1" latinLnBrk="0" hangingPunct="1">
+              <a:defRPr sz="1800" kern="1200">
+                <a:solidFill>
+                  <a:schemeClr val="lt1"/>
+                </a:solidFill>
+                <a:latin typeface="+mn-lt"/>
+                <a:ea typeface="+mn-ea"/>
+                <a:cs typeface="+mn-cs"/>
+              </a:defRPr>
+            </a:lvl1pPr>
+            <a:lvl2pPr marL="457200" algn="l" defTabSz="914400" rtl="0" eaLnBrk="1" latinLnBrk="0" hangingPunct="1">
+              <a:defRPr sz="1800" kern="1200">
+                <a:solidFill>
+                  <a:schemeClr val="lt1"/>
+                </a:solidFill>
+                <a:latin typeface="+mn-lt"/>
+                <a:ea typeface="+mn-ea"/>
+                <a:cs typeface="+mn-cs"/>
+              </a:defRPr>
+            </a:lvl2pPr>
+            <a:lvl3pPr marL="914400" algn="l" defTabSz="914400" rtl="0" eaLnBrk="1" latinLnBrk="0" hangingPunct="1">
+              <a:defRPr sz="1800" kern="1200">
+                <a:solidFill>
+                  <a:schemeClr val="lt1"/>
+                </a:solidFill>
+                <a:latin typeface="+mn-lt"/>
+                <a:ea typeface="+mn-ea"/>
+                <a:cs typeface="+mn-cs"/>
+              </a:defRPr>
+            </a:lvl3pPr>
+            <a:lvl4pPr marL="1371600" algn="l" defTabSz="914400" rtl="0" eaLnBrk="1" latinLnBrk="0" hangingPunct="1">
+              <a:defRPr sz="1800" kern="1200">
+                <a:solidFill>
+                  <a:schemeClr val="lt1"/>
+                </a:solidFill>
+                <a:latin typeface="+mn-lt"/>
+                <a:ea typeface="+mn-ea"/>
+                <a:cs typeface="+mn-cs"/>
+              </a:defRPr>
+            </a:lvl4pPr>
+            <a:lvl5pPr marL="1828800" algn="l" defTabSz="914400" rtl="0" eaLnBrk="1" latinLnBrk="0" hangingPunct="1">
+              <a:defRPr sz="1800" kern="1200">
+                <a:solidFill>
+                  <a:schemeClr val="lt1"/>
+                </a:solidFill>
+                <a:latin typeface="+mn-lt"/>
+                <a:ea typeface="+mn-ea"/>
+                <a:cs typeface="+mn-cs"/>
+              </a:defRPr>
+            </a:lvl5pPr>
+            <a:lvl6pPr marL="2286000" algn="l" defTabSz="914400" rtl="0" eaLnBrk="1" latinLnBrk="0" hangingPunct="1">
+              <a:defRPr sz="1800" kern="1200">
+                <a:solidFill>
+                  <a:schemeClr val="lt1"/>
+                </a:solidFill>
+                <a:latin typeface="+mn-lt"/>
+                <a:ea typeface="+mn-ea"/>
+                <a:cs typeface="+mn-cs"/>
+              </a:defRPr>
+            </a:lvl6pPr>
+            <a:lvl7pPr marL="2743200" algn="l" defTabSz="914400" rtl="0" eaLnBrk="1" latinLnBrk="0" hangingPunct="1">
+              <a:defRPr sz="1800" kern="1200">
+                <a:solidFill>
+                  <a:schemeClr val="lt1"/>
+                </a:solidFill>
+                <a:latin typeface="+mn-lt"/>
+                <a:ea typeface="+mn-ea"/>
+                <a:cs typeface="+mn-cs"/>
+              </a:defRPr>
+            </a:lvl7pPr>
+            <a:lvl8pPr marL="3200400" algn="l" defTabSz="914400" rtl="0" eaLnBrk="1" latinLnBrk="0" hangingPunct="1">
+              <a:defRPr sz="1800" kern="1200">
+                <a:solidFill>
+                  <a:schemeClr val="lt1"/>
+                </a:solidFill>
+                <a:latin typeface="+mn-lt"/>
+                <a:ea typeface="+mn-ea"/>
+                <a:cs typeface="+mn-cs"/>
+              </a:defRPr>
+            </a:lvl8pPr>
+            <a:lvl9pPr marL="3657600" algn="l" defTabSz="914400" rtl="0" eaLnBrk="1" latinLnBrk="0" hangingPunct="1">
+              <a:defRPr sz="1800" kern="1200">
+                <a:solidFill>
+                  <a:schemeClr val="lt1"/>
+                </a:solidFill>
+                <a:latin typeface="+mn-lt"/>
+                <a:ea typeface="+mn-ea"/>
+                <a:cs typeface="+mn-cs"/>
+              </a:defRPr>
+            </a:lvl9pPr>
+          </a:lstStyle>
+          <a:p>
+            <a:pPr algn="ctr"/>
+            <a:r>
+              <a:rPr lang="en-US" sz="1000" err="1">
+                <a:solidFill>
+                  <a:schemeClr val="tx1"/>
+                </a:solidFill>
+              </a:rPr>
+              <a:t>nc:</a:t>
+            </a:r>
+            <a:r>
+              <a:rPr lang="en-US" sz="1000">
+                <a:solidFill>
+                  <a:schemeClr val="tx1"/>
+                </a:solidFill>
+              </a:rPr>
+              <a:t>PersonNameType</a:t>
+            </a:r>
+          </a:p>
+        </p:txBody>
+      </p:sp>
+      <p:sp>
+        <p:nvSpPr>
+          <p:cNvPr id="54" name="Rectangle: Rounded Corners 53">
+            <a:extLst>
+              <a:ext uri="{FF2B5EF4-FFF2-40B4-BE49-F238E27FC236}">
+                <a16:creationId xmlns:a16="http://schemas.microsoft.com/office/drawing/2014/main" id="{CD6C9854-0469-8F68-FE40-E6BA9D1700AD}"/>
+              </a:ext>
+            </a:extLst>
+          </p:cNvPr>
+          <p:cNvSpPr/>
+          <p:nvPr/>
+        </p:nvSpPr>
+        <p:spPr>
+          <a:xfrm>
+            <a:off x="3335211" y="3730260"/>
+            <a:ext cx="1223862" cy="457200"/>
+          </a:xfrm>
+          <a:prstGeom prst="roundRect">
+            <a:avLst/>
+          </a:prstGeom>
+          <a:solidFill>
+            <a:schemeClr val="accent5">
+              <a:lumMod val="60000"/>
+              <a:lumOff val="40000"/>
+            </a:schemeClr>
+          </a:solidFill>
+          <a:ln>
+            <a:solidFill>
+              <a:schemeClr val="tx1"/>
+            </a:solidFill>
+          </a:ln>
+        </p:spPr>
+        <p:style>
+          <a:lnRef idx="2">
+            <a:schemeClr val="accent1">
+              <a:shade val="50000"/>
+            </a:schemeClr>
+          </a:lnRef>
+          <a:fillRef idx="1">
+            <a:schemeClr val="accent1"/>
+          </a:fillRef>
+          <a:effectRef idx="0">
+            <a:schemeClr val="accent1"/>
+          </a:effectRef>
+          <a:fontRef idx="minor">
+            <a:schemeClr val="lt1"/>
+          </a:fontRef>
+        </p:style>
+        <p:txBody>
+          <a:bodyPr rtlCol="0" anchor="ctr"/>
+          <a:lstStyle>
+            <a:defPPr>
+              <a:defRPr lang="en-US"/>
+            </a:defPPr>
+            <a:lvl1pPr marL="0" algn="l" defTabSz="914400" rtl="0" eaLnBrk="1" latinLnBrk="0" hangingPunct="1">
+              <a:defRPr sz="1800" kern="1200">
+                <a:solidFill>
+                  <a:schemeClr val="lt1"/>
+                </a:solidFill>
+                <a:latin typeface="+mn-lt"/>
+                <a:ea typeface="+mn-ea"/>
+                <a:cs typeface="+mn-cs"/>
+              </a:defRPr>
+            </a:lvl1pPr>
+            <a:lvl2pPr marL="457200" algn="l" defTabSz="914400" rtl="0" eaLnBrk="1" latinLnBrk="0" hangingPunct="1">
+              <a:defRPr sz="1800" kern="1200">
+                <a:solidFill>
+                  <a:schemeClr val="lt1"/>
+                </a:solidFill>
+                <a:latin typeface="+mn-lt"/>
+                <a:ea typeface="+mn-ea"/>
+                <a:cs typeface="+mn-cs"/>
+              </a:defRPr>
+            </a:lvl2pPr>
+            <a:lvl3pPr marL="914400" algn="l" defTabSz="914400" rtl="0" eaLnBrk="1" latinLnBrk="0" hangingPunct="1">
+              <a:defRPr sz="1800" kern="1200">
+                <a:solidFill>
+                  <a:schemeClr val="lt1"/>
+                </a:solidFill>
+                <a:latin typeface="+mn-lt"/>
+                <a:ea typeface="+mn-ea"/>
+                <a:cs typeface="+mn-cs"/>
+              </a:defRPr>
+            </a:lvl3pPr>
+            <a:lvl4pPr marL="1371600" algn="l" defTabSz="914400" rtl="0" eaLnBrk="1" latinLnBrk="0" hangingPunct="1">
+              <a:defRPr sz="1800" kern="1200">
+                <a:solidFill>
+                  <a:schemeClr val="lt1"/>
+                </a:solidFill>
+                <a:latin typeface="+mn-lt"/>
+                <a:ea typeface="+mn-ea"/>
+                <a:cs typeface="+mn-cs"/>
+              </a:defRPr>
+            </a:lvl4pPr>
+            <a:lvl5pPr marL="1828800" algn="l" defTabSz="914400" rtl="0" eaLnBrk="1" latinLnBrk="0" hangingPunct="1">
+              <a:defRPr sz="1800" kern="1200">
+                <a:solidFill>
+                  <a:schemeClr val="lt1"/>
+                </a:solidFill>
+                <a:latin typeface="+mn-lt"/>
+                <a:ea typeface="+mn-ea"/>
+                <a:cs typeface="+mn-cs"/>
+              </a:defRPr>
+            </a:lvl5pPr>
+            <a:lvl6pPr marL="2286000" algn="l" defTabSz="914400" rtl="0" eaLnBrk="1" latinLnBrk="0" hangingPunct="1">
+              <a:defRPr sz="1800" kern="1200">
+                <a:solidFill>
+                  <a:schemeClr val="lt1"/>
+                </a:solidFill>
+                <a:latin typeface="+mn-lt"/>
+                <a:ea typeface="+mn-ea"/>
+                <a:cs typeface="+mn-cs"/>
+              </a:defRPr>
+            </a:lvl6pPr>
+            <a:lvl7pPr marL="2743200" algn="l" defTabSz="914400" rtl="0" eaLnBrk="1" latinLnBrk="0" hangingPunct="1">
+              <a:defRPr sz="1800" kern="1200">
+                <a:solidFill>
+                  <a:schemeClr val="lt1"/>
+                </a:solidFill>
+                <a:latin typeface="+mn-lt"/>
+                <a:ea typeface="+mn-ea"/>
+                <a:cs typeface="+mn-cs"/>
+              </a:defRPr>
+            </a:lvl7pPr>
+            <a:lvl8pPr marL="3200400" algn="l" defTabSz="914400" rtl="0" eaLnBrk="1" latinLnBrk="0" hangingPunct="1">
+              <a:defRPr sz="1800" kern="1200">
+                <a:solidFill>
+                  <a:schemeClr val="lt1"/>
+                </a:solidFill>
+                <a:latin typeface="+mn-lt"/>
+                <a:ea typeface="+mn-ea"/>
+                <a:cs typeface="+mn-cs"/>
+              </a:defRPr>
+            </a:lvl8pPr>
+            <a:lvl9pPr marL="3657600" algn="l" defTabSz="914400" rtl="0" eaLnBrk="1" latinLnBrk="0" hangingPunct="1">
+              <a:defRPr sz="1800" kern="1200">
+                <a:solidFill>
+                  <a:schemeClr val="lt1"/>
+                </a:solidFill>
+                <a:latin typeface="+mn-lt"/>
+                <a:ea typeface="+mn-ea"/>
+                <a:cs typeface="+mn-cs"/>
+              </a:defRPr>
+            </a:lvl9pPr>
+          </a:lstStyle>
+          <a:p>
+            <a:pPr algn="ctr"/>
+            <a:r>
+              <a:rPr lang="en-US" sz="1000" err="1">
+                <a:solidFill>
+                  <a:schemeClr val="tx1"/>
+                </a:solidFill>
+              </a:rPr>
+              <a:t>nc:</a:t>
+            </a:r>
+            <a:r>
+              <a:rPr lang="en-US" sz="1000">
+                <a:solidFill>
+                  <a:schemeClr val="tx1"/>
+                </a:solidFill>
+              </a:rPr>
+              <a:t>PersonType</a:t>
+            </a:r>
+          </a:p>
+        </p:txBody>
+      </p:sp>
+      <p:sp>
+        <p:nvSpPr>
+          <p:cNvPr id="68" name="TextBox 67">
+            <a:extLst>
+              <a:ext uri="{FF2B5EF4-FFF2-40B4-BE49-F238E27FC236}">
+                <a16:creationId xmlns:a16="http://schemas.microsoft.com/office/drawing/2014/main" id="{1C52BA73-A68F-7081-6F42-AB02F01A7A09}"/>
+              </a:ext>
+            </a:extLst>
+          </p:cNvPr>
+          <p:cNvSpPr txBox="1"/>
+          <p:nvPr/>
+        </p:nvSpPr>
+        <p:spPr>
+          <a:xfrm>
+            <a:off x="4451107" y="4800600"/>
+            <a:ext cx="998991" cy="246221"/>
+          </a:xfrm>
+          <a:prstGeom prst="rect">
+            <a:avLst/>
+          </a:prstGeom>
+          <a:noFill/>
+        </p:spPr>
+        <p:txBody>
+          <a:bodyPr wrap="none" rtlCol="0">
+            <a:spAutoFit/>
+          </a:bodyPr>
+          <a:lstStyle/>
+          <a:p>
+            <a:r>
+              <a:rPr lang="en-US" sz="1000" i="1" err="1"/>
+              <a:t>nc:PersonName</a:t>
+            </a:r>
+            <a:endParaRPr lang="en-US" sz="1000" i="1"/>
+          </a:p>
+        </p:txBody>
+      </p:sp>
+      <p:sp>
+        <p:nvSpPr>
+          <p:cNvPr id="72" name="TextBox 71">
+            <a:extLst>
+              <a:ext uri="{FF2B5EF4-FFF2-40B4-BE49-F238E27FC236}">
+                <a16:creationId xmlns:a16="http://schemas.microsoft.com/office/drawing/2014/main" id="{F03B557E-6B45-9802-9750-2936D90AEAEB}"/>
+              </a:ext>
+            </a:extLst>
+          </p:cNvPr>
+          <p:cNvSpPr txBox="1"/>
+          <p:nvPr/>
+        </p:nvSpPr>
+        <p:spPr>
+          <a:xfrm>
+            <a:off x="6328181" y="4800600"/>
+            <a:ext cx="1181734" cy="246221"/>
+          </a:xfrm>
+          <a:prstGeom prst="rect">
+            <a:avLst/>
+          </a:prstGeom>
+          <a:noFill/>
+        </p:spPr>
+        <p:txBody>
+          <a:bodyPr wrap="none" rtlCol="0">
+            <a:spAutoFit/>
+          </a:bodyPr>
+          <a:lstStyle/>
+          <a:p>
+            <a:r>
+              <a:rPr lang="en-US" sz="1000" i="1" err="1"/>
+              <a:t>nc:PersonFullName</a:t>
+            </a:r>
+            <a:endParaRPr lang="en-US" sz="1000" i="1"/>
+          </a:p>
+        </p:txBody>
+      </p:sp>
+      <p:sp>
+        <p:nvSpPr>
+          <p:cNvPr id="79" name="Rectangle: Rounded Corners 78">
+            <a:extLst>
+              <a:ext uri="{FF2B5EF4-FFF2-40B4-BE49-F238E27FC236}">
+                <a16:creationId xmlns:a16="http://schemas.microsoft.com/office/drawing/2014/main" id="{B45DC37A-47D7-D8D9-6BD5-D8D093D21B37}"/>
+              </a:ext>
+            </a:extLst>
+          </p:cNvPr>
+          <p:cNvSpPr/>
+          <p:nvPr/>
+        </p:nvSpPr>
+        <p:spPr>
+          <a:xfrm>
+            <a:off x="5655960" y="4845068"/>
+            <a:ext cx="615456" cy="457200"/>
+          </a:xfrm>
+          <a:prstGeom prst="roundRect">
+            <a:avLst/>
+          </a:prstGeom>
+          <a:solidFill>
+            <a:schemeClr val="accent4">
+              <a:lumMod val="20000"/>
+              <a:lumOff val="80000"/>
+            </a:schemeClr>
+          </a:solidFill>
+          <a:ln>
+            <a:solidFill>
+              <a:schemeClr val="tx1"/>
+            </a:solidFill>
+          </a:ln>
+        </p:spPr>
+        <p:style>
+          <a:lnRef idx="2">
+            <a:schemeClr val="accent1">
+              <a:shade val="50000"/>
+            </a:schemeClr>
+          </a:lnRef>
+          <a:fillRef idx="1">
+            <a:schemeClr val="accent1"/>
+          </a:fillRef>
+          <a:effectRef idx="0">
+            <a:schemeClr val="accent1"/>
+          </a:effectRef>
+          <a:fontRef idx="minor">
+            <a:schemeClr val="lt1"/>
+          </a:fontRef>
+        </p:style>
+        <p:txBody>
+          <a:bodyPr rtlCol="0" anchor="ctr"/>
+          <a:lstStyle>
+            <a:defPPr>
+              <a:defRPr lang="en-US"/>
+            </a:defPPr>
+            <a:lvl1pPr marL="0" algn="l" defTabSz="914400" rtl="0" eaLnBrk="1" latinLnBrk="0" hangingPunct="1">
+              <a:defRPr sz="1800" kern="1200">
+                <a:solidFill>
+                  <a:schemeClr val="lt1"/>
+                </a:solidFill>
+                <a:latin typeface="+mn-lt"/>
+                <a:ea typeface="+mn-ea"/>
+                <a:cs typeface="+mn-cs"/>
+              </a:defRPr>
+            </a:lvl1pPr>
+            <a:lvl2pPr marL="457200" algn="l" defTabSz="914400" rtl="0" eaLnBrk="1" latinLnBrk="0" hangingPunct="1">
+              <a:defRPr sz="1800" kern="1200">
+                <a:solidFill>
+                  <a:schemeClr val="lt1"/>
+                </a:solidFill>
+                <a:latin typeface="+mn-lt"/>
+                <a:ea typeface="+mn-ea"/>
+                <a:cs typeface="+mn-cs"/>
+              </a:defRPr>
+            </a:lvl2pPr>
+            <a:lvl3pPr marL="914400" algn="l" defTabSz="914400" rtl="0" eaLnBrk="1" latinLnBrk="0" hangingPunct="1">
+              <a:defRPr sz="1800" kern="1200">
+                <a:solidFill>
+                  <a:schemeClr val="lt1"/>
+                </a:solidFill>
+                <a:latin typeface="+mn-lt"/>
+                <a:ea typeface="+mn-ea"/>
+                <a:cs typeface="+mn-cs"/>
+              </a:defRPr>
+            </a:lvl3pPr>
+            <a:lvl4pPr marL="1371600" algn="l" defTabSz="914400" rtl="0" eaLnBrk="1" latinLnBrk="0" hangingPunct="1">
+              <a:defRPr sz="1800" kern="1200">
+                <a:solidFill>
+                  <a:schemeClr val="lt1"/>
+                </a:solidFill>
+                <a:latin typeface="+mn-lt"/>
+                <a:ea typeface="+mn-ea"/>
+                <a:cs typeface="+mn-cs"/>
+              </a:defRPr>
+            </a:lvl4pPr>
+            <a:lvl5pPr marL="1828800" algn="l" defTabSz="914400" rtl="0" eaLnBrk="1" latinLnBrk="0" hangingPunct="1">
+              <a:defRPr sz="1800" kern="1200">
+                <a:solidFill>
+                  <a:schemeClr val="lt1"/>
+                </a:solidFill>
+                <a:latin typeface="+mn-lt"/>
+                <a:ea typeface="+mn-ea"/>
+                <a:cs typeface="+mn-cs"/>
+              </a:defRPr>
+            </a:lvl5pPr>
+            <a:lvl6pPr marL="2286000" algn="l" defTabSz="914400" rtl="0" eaLnBrk="1" latinLnBrk="0" hangingPunct="1">
+              <a:defRPr sz="1800" kern="1200">
+                <a:solidFill>
+                  <a:schemeClr val="lt1"/>
+                </a:solidFill>
+                <a:latin typeface="+mn-lt"/>
+                <a:ea typeface="+mn-ea"/>
+                <a:cs typeface="+mn-cs"/>
+              </a:defRPr>
+            </a:lvl6pPr>
+            <a:lvl7pPr marL="2743200" algn="l" defTabSz="914400" rtl="0" eaLnBrk="1" latinLnBrk="0" hangingPunct="1">
+              <a:defRPr sz="1800" kern="1200">
+                <a:solidFill>
+                  <a:schemeClr val="lt1"/>
+                </a:solidFill>
+                <a:latin typeface="+mn-lt"/>
+                <a:ea typeface="+mn-ea"/>
+                <a:cs typeface="+mn-cs"/>
+              </a:defRPr>
+            </a:lvl7pPr>
+            <a:lvl8pPr marL="3200400" algn="l" defTabSz="914400" rtl="0" eaLnBrk="1" latinLnBrk="0" hangingPunct="1">
+              <a:defRPr sz="1800" kern="1200">
+                <a:solidFill>
+                  <a:schemeClr val="lt1"/>
+                </a:solidFill>
+                <a:latin typeface="+mn-lt"/>
+                <a:ea typeface="+mn-ea"/>
+                <a:cs typeface="+mn-cs"/>
+              </a:defRPr>
+            </a:lvl8pPr>
+            <a:lvl9pPr marL="3657600" algn="l" defTabSz="914400" rtl="0" eaLnBrk="1" latinLnBrk="0" hangingPunct="1">
+              <a:defRPr sz="1800" kern="1200">
+                <a:solidFill>
+                  <a:schemeClr val="lt1"/>
+                </a:solidFill>
+                <a:latin typeface="+mn-lt"/>
+                <a:ea typeface="+mn-ea"/>
+                <a:cs typeface="+mn-cs"/>
+              </a:defRPr>
+            </a:lvl9pPr>
+          </a:lstStyle>
+          <a:p>
+            <a:pPr algn="ctr"/>
+            <a:r>
+              <a:rPr lang="en-US" sz="1000">
+                <a:solidFill>
+                  <a:schemeClr val="tx1"/>
+                </a:solidFill>
+              </a:rPr>
+              <a:t>_:n2</a:t>
+            </a:r>
+          </a:p>
+        </p:txBody>
+      </p:sp>
+      <p:sp>
+        <p:nvSpPr>
+          <p:cNvPr id="81" name="Rectangle: Rounded Corners 80">
+            <a:extLst>
+              <a:ext uri="{FF2B5EF4-FFF2-40B4-BE49-F238E27FC236}">
+                <a16:creationId xmlns:a16="http://schemas.microsoft.com/office/drawing/2014/main" id="{23FE2339-4A73-03BC-DE9A-7C5991B6A466}"/>
+              </a:ext>
+            </a:extLst>
+          </p:cNvPr>
+          <p:cNvSpPr/>
+          <p:nvPr/>
+        </p:nvSpPr>
+        <p:spPr>
+          <a:xfrm>
+            <a:off x="3629789" y="4845068"/>
+            <a:ext cx="615456" cy="457200"/>
+          </a:xfrm>
+          <a:prstGeom prst="roundRect">
+            <a:avLst/>
+          </a:prstGeom>
+          <a:solidFill>
+            <a:schemeClr val="accent4">
+              <a:lumMod val="20000"/>
+              <a:lumOff val="80000"/>
+            </a:schemeClr>
+          </a:solidFill>
+          <a:ln>
+            <a:solidFill>
+              <a:schemeClr val="tx1"/>
+            </a:solidFill>
+          </a:ln>
+        </p:spPr>
+        <p:style>
+          <a:lnRef idx="2">
+            <a:schemeClr val="accent1">
+              <a:shade val="50000"/>
+            </a:schemeClr>
+          </a:lnRef>
+          <a:fillRef idx="1">
+            <a:schemeClr val="accent1"/>
+          </a:fillRef>
+          <a:effectRef idx="0">
+            <a:schemeClr val="accent1"/>
+          </a:effectRef>
+          <a:fontRef idx="minor">
+            <a:schemeClr val="lt1"/>
+          </a:fontRef>
+        </p:style>
+        <p:txBody>
+          <a:bodyPr rtlCol="0" anchor="ctr"/>
+          <a:lstStyle>
+            <a:defPPr>
+              <a:defRPr lang="en-US"/>
+            </a:defPPr>
+            <a:lvl1pPr marL="0" algn="l" defTabSz="914400" rtl="0" eaLnBrk="1" latinLnBrk="0" hangingPunct="1">
+              <a:defRPr sz="1800" kern="1200">
+                <a:solidFill>
+                  <a:schemeClr val="lt1"/>
+                </a:solidFill>
+                <a:latin typeface="+mn-lt"/>
+                <a:ea typeface="+mn-ea"/>
+                <a:cs typeface="+mn-cs"/>
+              </a:defRPr>
+            </a:lvl1pPr>
+            <a:lvl2pPr marL="457200" algn="l" defTabSz="914400" rtl="0" eaLnBrk="1" latinLnBrk="0" hangingPunct="1">
+              <a:defRPr sz="1800" kern="1200">
+                <a:solidFill>
+                  <a:schemeClr val="lt1"/>
+                </a:solidFill>
+                <a:latin typeface="+mn-lt"/>
+                <a:ea typeface="+mn-ea"/>
+                <a:cs typeface="+mn-cs"/>
+              </a:defRPr>
+            </a:lvl2pPr>
+            <a:lvl3pPr marL="914400" algn="l" defTabSz="914400" rtl="0" eaLnBrk="1" latinLnBrk="0" hangingPunct="1">
+              <a:defRPr sz="1800" kern="1200">
+                <a:solidFill>
+                  <a:schemeClr val="lt1"/>
+                </a:solidFill>
+                <a:latin typeface="+mn-lt"/>
+                <a:ea typeface="+mn-ea"/>
+                <a:cs typeface="+mn-cs"/>
+              </a:defRPr>
+            </a:lvl3pPr>
+            <a:lvl4pPr marL="1371600" algn="l" defTabSz="914400" rtl="0" eaLnBrk="1" latinLnBrk="0" hangingPunct="1">
+              <a:defRPr sz="1800" kern="1200">
+                <a:solidFill>
+                  <a:schemeClr val="lt1"/>
+                </a:solidFill>
+                <a:latin typeface="+mn-lt"/>
+                <a:ea typeface="+mn-ea"/>
+                <a:cs typeface="+mn-cs"/>
+              </a:defRPr>
+            </a:lvl4pPr>
+            <a:lvl5pPr marL="1828800" algn="l" defTabSz="914400" rtl="0" eaLnBrk="1" latinLnBrk="0" hangingPunct="1">
+              <a:defRPr sz="1800" kern="1200">
+                <a:solidFill>
+                  <a:schemeClr val="lt1"/>
+                </a:solidFill>
+                <a:latin typeface="+mn-lt"/>
+                <a:ea typeface="+mn-ea"/>
+                <a:cs typeface="+mn-cs"/>
+              </a:defRPr>
+            </a:lvl5pPr>
+            <a:lvl6pPr marL="2286000" algn="l" defTabSz="914400" rtl="0" eaLnBrk="1" latinLnBrk="0" hangingPunct="1">
+              <a:defRPr sz="1800" kern="1200">
+                <a:solidFill>
+                  <a:schemeClr val="lt1"/>
+                </a:solidFill>
+                <a:latin typeface="+mn-lt"/>
+                <a:ea typeface="+mn-ea"/>
+                <a:cs typeface="+mn-cs"/>
+              </a:defRPr>
+            </a:lvl6pPr>
+            <a:lvl7pPr marL="2743200" algn="l" defTabSz="914400" rtl="0" eaLnBrk="1" latinLnBrk="0" hangingPunct="1">
+              <a:defRPr sz="1800" kern="1200">
+                <a:solidFill>
+                  <a:schemeClr val="lt1"/>
+                </a:solidFill>
+                <a:latin typeface="+mn-lt"/>
+                <a:ea typeface="+mn-ea"/>
+                <a:cs typeface="+mn-cs"/>
+              </a:defRPr>
+            </a:lvl7pPr>
+            <a:lvl8pPr marL="3200400" algn="l" defTabSz="914400" rtl="0" eaLnBrk="1" latinLnBrk="0" hangingPunct="1">
+              <a:defRPr sz="1800" kern="1200">
+                <a:solidFill>
+                  <a:schemeClr val="lt1"/>
+                </a:solidFill>
+                <a:latin typeface="+mn-lt"/>
+                <a:ea typeface="+mn-ea"/>
+                <a:cs typeface="+mn-cs"/>
+              </a:defRPr>
+            </a:lvl8pPr>
+            <a:lvl9pPr marL="3657600" algn="l" defTabSz="914400" rtl="0" eaLnBrk="1" latinLnBrk="0" hangingPunct="1">
+              <a:defRPr sz="1800" kern="1200">
+                <a:solidFill>
+                  <a:schemeClr val="lt1"/>
+                </a:solidFill>
+                <a:latin typeface="+mn-lt"/>
+                <a:ea typeface="+mn-ea"/>
+                <a:cs typeface="+mn-cs"/>
+              </a:defRPr>
+            </a:lvl9pPr>
+          </a:lstStyle>
+          <a:p>
+            <a:pPr algn="ctr"/>
+            <a:r>
+              <a:rPr lang="en-US" sz="1000">
+                <a:solidFill>
+                  <a:schemeClr val="tx1"/>
+                </a:solidFill>
+              </a:rPr>
+              <a:t>_:n1</a:t>
+            </a:r>
+          </a:p>
+        </p:txBody>
+      </p:sp>
+      <p:sp>
+        <p:nvSpPr>
+          <p:cNvPr id="89" name="TextBox 88">
+            <a:extLst>
+              <a:ext uri="{FF2B5EF4-FFF2-40B4-BE49-F238E27FC236}">
+                <a16:creationId xmlns:a16="http://schemas.microsoft.com/office/drawing/2014/main" id="{0FF80540-12C5-1513-380C-8E90ADE03BF0}"/>
+              </a:ext>
+            </a:extLst>
+          </p:cNvPr>
+          <p:cNvSpPr txBox="1"/>
+          <p:nvPr/>
+        </p:nvSpPr>
+        <p:spPr>
+          <a:xfrm>
+            <a:off x="7577704" y="4935379"/>
+            <a:ext cx="822661" cy="246221"/>
+          </a:xfrm>
+          <a:prstGeom prst="rect">
+            <a:avLst/>
+          </a:prstGeom>
+          <a:solidFill>
+            <a:schemeClr val="accent4">
+              <a:lumMod val="20000"/>
+              <a:lumOff val="80000"/>
+            </a:schemeClr>
+          </a:solidFill>
+        </p:spPr>
+        <p:txBody>
+          <a:bodyPr wrap="none" rtlCol="0">
+            <a:spAutoFit/>
+          </a:bodyPr>
+          <a:lstStyle/>
+          <a:p>
+            <a:r>
+              <a:rPr lang="en-US" sz="1000"/>
+              <a:t>“Clark Kent”</a:t>
+            </a:r>
+          </a:p>
+        </p:txBody>
+      </p:sp>
+      <p:cxnSp>
+        <p:nvCxnSpPr>
+          <p:cNvPr id="96" name="Straight Arrow Connector 95">
+            <a:extLst>
+              <a:ext uri="{FF2B5EF4-FFF2-40B4-BE49-F238E27FC236}">
+                <a16:creationId xmlns:a16="http://schemas.microsoft.com/office/drawing/2014/main" id="{F348D63A-0951-462F-B3AC-C2DAC8C50872}"/>
+              </a:ext>
+            </a:extLst>
+          </p:cNvPr>
+          <p:cNvCxnSpPr>
+            <a:cxnSpLocks/>
+            <a:stCxn id="81" idx="0"/>
+            <a:endCxn id="54" idx="2"/>
+          </p:cNvCxnSpPr>
+          <p:nvPr/>
+        </p:nvCxnSpPr>
+        <p:spPr>
+          <a:xfrm flipV="1">
+            <a:off x="3937517" y="4187460"/>
+            <a:ext cx="9625" cy="657608"/>
+          </a:xfrm>
+          <a:prstGeom prst="straightConnector1">
+            <a:avLst/>
+          </a:prstGeom>
+          <a:ln w="22225">
+            <a:solidFill>
+              <a:schemeClr val="accent1">
+                <a:lumMod val="75000"/>
+              </a:schemeClr>
+            </a:solidFill>
+            <a:tailEnd type="triangle"/>
+          </a:ln>
+        </p:spPr>
+        <p:style>
+          <a:lnRef idx="1">
+            <a:schemeClr val="accent1"/>
+          </a:lnRef>
+          <a:fillRef idx="0">
+            <a:schemeClr val="accent1"/>
+          </a:fillRef>
+          <a:effectRef idx="0">
+            <a:schemeClr val="accent1"/>
+          </a:effectRef>
+          <a:fontRef idx="minor">
+            <a:schemeClr val="tx1"/>
+          </a:fontRef>
+        </p:style>
+      </p:cxnSp>
+      <p:cxnSp>
+        <p:nvCxnSpPr>
+          <p:cNvPr id="98" name="Straight Arrow Connector 97">
+            <a:extLst>
+              <a:ext uri="{FF2B5EF4-FFF2-40B4-BE49-F238E27FC236}">
+                <a16:creationId xmlns:a16="http://schemas.microsoft.com/office/drawing/2014/main" id="{50C080F9-B549-66F0-9110-97278F140811}"/>
+              </a:ext>
+            </a:extLst>
+          </p:cNvPr>
+          <p:cNvCxnSpPr>
+            <a:cxnSpLocks/>
+          </p:cNvCxnSpPr>
+          <p:nvPr/>
+        </p:nvCxnSpPr>
+        <p:spPr>
+          <a:xfrm flipV="1">
+            <a:off x="5963688" y="4191000"/>
+            <a:ext cx="1" cy="654068"/>
+          </a:xfrm>
+          <a:prstGeom prst="straightConnector1">
+            <a:avLst/>
+          </a:prstGeom>
+          <a:ln w="22225">
+            <a:solidFill>
+              <a:schemeClr val="accent1">
+                <a:lumMod val="75000"/>
+              </a:schemeClr>
+            </a:solidFill>
+            <a:tailEnd type="triangle"/>
+          </a:ln>
+        </p:spPr>
+        <p:style>
+          <a:lnRef idx="1">
+            <a:schemeClr val="accent1"/>
+          </a:lnRef>
+          <a:fillRef idx="0">
+            <a:schemeClr val="accent1"/>
+          </a:fillRef>
+          <a:effectRef idx="0">
+            <a:schemeClr val="accent1"/>
+          </a:effectRef>
+          <a:fontRef idx="minor">
+            <a:schemeClr val="tx1"/>
+          </a:fontRef>
+        </p:style>
+      </p:cxnSp>
+      <p:cxnSp>
+        <p:nvCxnSpPr>
+          <p:cNvPr id="102" name="Straight Arrow Connector 101">
+            <a:extLst>
+              <a:ext uri="{FF2B5EF4-FFF2-40B4-BE49-F238E27FC236}">
+                <a16:creationId xmlns:a16="http://schemas.microsoft.com/office/drawing/2014/main" id="{BB8DD5E4-FF30-6F29-B7C3-A1E22EBA41BB}"/>
+              </a:ext>
+            </a:extLst>
+          </p:cNvPr>
+          <p:cNvCxnSpPr>
+            <a:cxnSpLocks/>
+          </p:cNvCxnSpPr>
+          <p:nvPr/>
+        </p:nvCxnSpPr>
+        <p:spPr>
+          <a:xfrm>
+            <a:off x="4245245" y="5073668"/>
+            <a:ext cx="1410715" cy="0"/>
+          </a:xfrm>
+          <a:prstGeom prst="straightConnector1">
+            <a:avLst/>
+          </a:prstGeom>
+          <a:ln w="12700">
+            <a:solidFill>
+              <a:schemeClr val="tx1"/>
+            </a:solidFill>
+            <a:tailEnd type="triangle"/>
+          </a:ln>
+        </p:spPr>
+        <p:style>
+          <a:lnRef idx="1">
+            <a:schemeClr val="accent1"/>
+          </a:lnRef>
+          <a:fillRef idx="0">
+            <a:schemeClr val="accent1"/>
+          </a:fillRef>
+          <a:effectRef idx="0">
+            <a:schemeClr val="accent1"/>
+          </a:effectRef>
+          <a:fontRef idx="minor">
+            <a:schemeClr val="tx1"/>
+          </a:fontRef>
+        </p:style>
+      </p:cxnSp>
+      <p:sp>
+        <p:nvSpPr>
+          <p:cNvPr id="105" name="TextBox 104">
+            <a:extLst>
+              <a:ext uri="{FF2B5EF4-FFF2-40B4-BE49-F238E27FC236}">
+                <a16:creationId xmlns:a16="http://schemas.microsoft.com/office/drawing/2014/main" id="{2369BA33-B9A9-42B0-0B4B-6F6FDD3D8D62}"/>
+              </a:ext>
+            </a:extLst>
+          </p:cNvPr>
+          <p:cNvSpPr txBox="1"/>
+          <p:nvPr/>
+        </p:nvSpPr>
+        <p:spPr>
+          <a:xfrm>
+            <a:off x="5924577" y="4394924"/>
+            <a:ext cx="593432" cy="246221"/>
+          </a:xfrm>
+          <a:prstGeom prst="rect">
+            <a:avLst/>
+          </a:prstGeom>
+          <a:noFill/>
+        </p:spPr>
+        <p:txBody>
+          <a:bodyPr wrap="none" rtlCol="0">
+            <a:spAutoFit/>
+          </a:bodyPr>
+          <a:lstStyle/>
+          <a:p>
+            <a:r>
+              <a:rPr lang="en-US" sz="1000" i="1" err="1"/>
+              <a:t>rdf:type</a:t>
+            </a:r>
+            <a:endParaRPr lang="en-US" sz="1000" i="1"/>
+          </a:p>
+        </p:txBody>
+      </p:sp>
+      <p:sp>
+        <p:nvSpPr>
+          <p:cNvPr id="107" name="TextBox 106">
+            <a:extLst>
+              <a:ext uri="{FF2B5EF4-FFF2-40B4-BE49-F238E27FC236}">
+                <a16:creationId xmlns:a16="http://schemas.microsoft.com/office/drawing/2014/main" id="{860475A3-1120-D842-A9E4-10531F2C2949}"/>
+              </a:ext>
+            </a:extLst>
+          </p:cNvPr>
+          <p:cNvSpPr txBox="1"/>
+          <p:nvPr/>
+        </p:nvSpPr>
+        <p:spPr>
+          <a:xfrm>
+            <a:off x="3937517" y="4394924"/>
+            <a:ext cx="593432" cy="246221"/>
+          </a:xfrm>
+          <a:prstGeom prst="rect">
+            <a:avLst/>
+          </a:prstGeom>
+          <a:noFill/>
+        </p:spPr>
+        <p:txBody>
+          <a:bodyPr wrap="none" rtlCol="0">
+            <a:spAutoFit/>
+          </a:bodyPr>
+          <a:lstStyle/>
+          <a:p>
+            <a:r>
+              <a:rPr lang="en-US" sz="1000" i="1" err="1"/>
+              <a:t>rdf:type</a:t>
+            </a:r>
+            <a:endParaRPr lang="en-US" sz="1000" i="1"/>
+          </a:p>
+        </p:txBody>
+      </p:sp>
+      <p:cxnSp>
+        <p:nvCxnSpPr>
+          <p:cNvPr id="26" name="Straight Arrow Connector 25">
+            <a:extLst>
+              <a:ext uri="{FF2B5EF4-FFF2-40B4-BE49-F238E27FC236}">
+                <a16:creationId xmlns:a16="http://schemas.microsoft.com/office/drawing/2014/main" id="{989F2BCB-CBEB-5C18-2184-9ACF21846B31}"/>
+              </a:ext>
+            </a:extLst>
+          </p:cNvPr>
+          <p:cNvCxnSpPr>
+            <a:cxnSpLocks/>
+          </p:cNvCxnSpPr>
+          <p:nvPr/>
+        </p:nvCxnSpPr>
+        <p:spPr>
+          <a:xfrm flipV="1">
+            <a:off x="6265904" y="5058490"/>
+            <a:ext cx="1306288" cy="9380"/>
+          </a:xfrm>
+          <a:prstGeom prst="straightConnector1">
+            <a:avLst/>
+          </a:prstGeom>
+          <a:ln w="12700">
+            <a:solidFill>
+              <a:schemeClr val="tx1"/>
+            </a:solidFill>
+            <a:tailEnd type="triangle"/>
+          </a:ln>
+        </p:spPr>
+        <p:style>
+          <a:lnRef idx="1">
+            <a:schemeClr val="accent1"/>
+          </a:lnRef>
+          <a:fillRef idx="0">
+            <a:schemeClr val="accent1"/>
+          </a:fillRef>
+          <a:effectRef idx="0">
+            <a:schemeClr val="accent1"/>
+          </a:effectRef>
+          <a:fontRef idx="minor">
+            <a:schemeClr val="tx1"/>
+          </a:fontRef>
+        </p:style>
+      </p:cxnSp>
+      <p:sp>
+        <p:nvSpPr>
+          <p:cNvPr id="8" name="TextBox 7">
+            <a:extLst>
+              <a:ext uri="{FF2B5EF4-FFF2-40B4-BE49-F238E27FC236}">
+                <a16:creationId xmlns:a16="http://schemas.microsoft.com/office/drawing/2014/main" id="{87937B6A-D5E2-A0FF-6C50-796A96993AD7}"/>
+              </a:ext>
+            </a:extLst>
+          </p:cNvPr>
+          <p:cNvSpPr txBox="1"/>
+          <p:nvPr/>
+        </p:nvSpPr>
+        <p:spPr>
+          <a:xfrm>
+            <a:off x="2579663" y="4800600"/>
+            <a:ext cx="688009" cy="246221"/>
+          </a:xfrm>
+          <a:prstGeom prst="rect">
+            <a:avLst/>
+          </a:prstGeom>
+          <a:noFill/>
+        </p:spPr>
+        <p:txBody>
+          <a:bodyPr wrap="none" rtlCol="0">
+            <a:spAutoFit/>
+          </a:bodyPr>
+          <a:lstStyle/>
+          <a:p>
+            <a:r>
+              <a:rPr lang="en-US" sz="1000" i="1" err="1"/>
+              <a:t>nc:</a:t>
+            </a:r>
+            <a:r>
+              <a:rPr lang="en-US" sz="1000" i="1"/>
+              <a:t>Person</a:t>
+            </a:r>
+          </a:p>
+        </p:txBody>
+      </p:sp>
+      <p:sp>
+        <p:nvSpPr>
+          <p:cNvPr id="9" name="Rectangle: Rounded Corners 8">
+            <a:extLst>
+              <a:ext uri="{FF2B5EF4-FFF2-40B4-BE49-F238E27FC236}">
+                <a16:creationId xmlns:a16="http://schemas.microsoft.com/office/drawing/2014/main" id="{04B64032-04DC-CC00-F27A-DE96AD4E53C4}"/>
+              </a:ext>
+            </a:extLst>
+          </p:cNvPr>
+          <p:cNvSpPr/>
+          <p:nvPr/>
+        </p:nvSpPr>
+        <p:spPr>
+          <a:xfrm>
+            <a:off x="1602854" y="4845068"/>
+            <a:ext cx="615456" cy="457200"/>
+          </a:xfrm>
+          <a:prstGeom prst="roundRect">
+            <a:avLst/>
+          </a:prstGeom>
+          <a:solidFill>
+            <a:schemeClr val="accent4">
+              <a:lumMod val="20000"/>
+              <a:lumOff val="80000"/>
+            </a:schemeClr>
+          </a:solidFill>
+          <a:ln>
+            <a:solidFill>
+              <a:schemeClr val="tx1"/>
+            </a:solidFill>
+          </a:ln>
+        </p:spPr>
+        <p:style>
+          <a:lnRef idx="2">
+            <a:schemeClr val="accent1">
+              <a:shade val="50000"/>
+            </a:schemeClr>
+          </a:lnRef>
+          <a:fillRef idx="1">
+            <a:schemeClr val="accent1"/>
+          </a:fillRef>
+          <a:effectRef idx="0">
+            <a:schemeClr val="accent1"/>
+          </a:effectRef>
+          <a:fontRef idx="minor">
+            <a:schemeClr val="lt1"/>
+          </a:fontRef>
+        </p:style>
+        <p:txBody>
+          <a:bodyPr rtlCol="0" anchor="ctr"/>
+          <a:lstStyle>
+            <a:defPPr>
+              <a:defRPr lang="en-US"/>
+            </a:defPPr>
+            <a:lvl1pPr marL="0" algn="l" defTabSz="914400" rtl="0" eaLnBrk="1" latinLnBrk="0" hangingPunct="1">
+              <a:defRPr sz="1800" kern="1200">
+                <a:solidFill>
+                  <a:schemeClr val="lt1"/>
+                </a:solidFill>
+                <a:latin typeface="+mn-lt"/>
+                <a:ea typeface="+mn-ea"/>
+                <a:cs typeface="+mn-cs"/>
+              </a:defRPr>
+            </a:lvl1pPr>
+            <a:lvl2pPr marL="457200" algn="l" defTabSz="914400" rtl="0" eaLnBrk="1" latinLnBrk="0" hangingPunct="1">
+              <a:defRPr sz="1800" kern="1200">
+                <a:solidFill>
+                  <a:schemeClr val="lt1"/>
+                </a:solidFill>
+                <a:latin typeface="+mn-lt"/>
+                <a:ea typeface="+mn-ea"/>
+                <a:cs typeface="+mn-cs"/>
+              </a:defRPr>
+            </a:lvl2pPr>
+            <a:lvl3pPr marL="914400" algn="l" defTabSz="914400" rtl="0" eaLnBrk="1" latinLnBrk="0" hangingPunct="1">
+              <a:defRPr sz="1800" kern="1200">
+                <a:solidFill>
+                  <a:schemeClr val="lt1"/>
+                </a:solidFill>
+                <a:latin typeface="+mn-lt"/>
+                <a:ea typeface="+mn-ea"/>
+                <a:cs typeface="+mn-cs"/>
+              </a:defRPr>
+            </a:lvl3pPr>
+            <a:lvl4pPr marL="1371600" algn="l" defTabSz="914400" rtl="0" eaLnBrk="1" latinLnBrk="0" hangingPunct="1">
+              <a:defRPr sz="1800" kern="1200">
+                <a:solidFill>
+                  <a:schemeClr val="lt1"/>
+                </a:solidFill>
+                <a:latin typeface="+mn-lt"/>
+                <a:ea typeface="+mn-ea"/>
+                <a:cs typeface="+mn-cs"/>
+              </a:defRPr>
+            </a:lvl4pPr>
+            <a:lvl5pPr marL="1828800" algn="l" defTabSz="914400" rtl="0" eaLnBrk="1" latinLnBrk="0" hangingPunct="1">
+              <a:defRPr sz="1800" kern="1200">
+                <a:solidFill>
+                  <a:schemeClr val="lt1"/>
+                </a:solidFill>
+                <a:latin typeface="+mn-lt"/>
+                <a:ea typeface="+mn-ea"/>
+                <a:cs typeface="+mn-cs"/>
+              </a:defRPr>
+            </a:lvl5pPr>
+            <a:lvl6pPr marL="2286000" algn="l" defTabSz="914400" rtl="0" eaLnBrk="1" latinLnBrk="0" hangingPunct="1">
+              <a:defRPr sz="1800" kern="1200">
+                <a:solidFill>
+                  <a:schemeClr val="lt1"/>
+                </a:solidFill>
+                <a:latin typeface="+mn-lt"/>
+                <a:ea typeface="+mn-ea"/>
+                <a:cs typeface="+mn-cs"/>
+              </a:defRPr>
+            </a:lvl6pPr>
+            <a:lvl7pPr marL="2743200" algn="l" defTabSz="914400" rtl="0" eaLnBrk="1" latinLnBrk="0" hangingPunct="1">
+              <a:defRPr sz="1800" kern="1200">
+                <a:solidFill>
+                  <a:schemeClr val="lt1"/>
+                </a:solidFill>
+                <a:latin typeface="+mn-lt"/>
+                <a:ea typeface="+mn-ea"/>
+                <a:cs typeface="+mn-cs"/>
+              </a:defRPr>
+            </a:lvl7pPr>
+            <a:lvl8pPr marL="3200400" algn="l" defTabSz="914400" rtl="0" eaLnBrk="1" latinLnBrk="0" hangingPunct="1">
+              <a:defRPr sz="1800" kern="1200">
+                <a:solidFill>
+                  <a:schemeClr val="lt1"/>
+                </a:solidFill>
+                <a:latin typeface="+mn-lt"/>
+                <a:ea typeface="+mn-ea"/>
+                <a:cs typeface="+mn-cs"/>
+              </a:defRPr>
+            </a:lvl8pPr>
+            <a:lvl9pPr marL="3657600" algn="l" defTabSz="914400" rtl="0" eaLnBrk="1" latinLnBrk="0" hangingPunct="1">
+              <a:defRPr sz="1800" kern="1200">
+                <a:solidFill>
+                  <a:schemeClr val="lt1"/>
+                </a:solidFill>
+                <a:latin typeface="+mn-lt"/>
+                <a:ea typeface="+mn-ea"/>
+                <a:cs typeface="+mn-cs"/>
+              </a:defRPr>
+            </a:lvl9pPr>
+          </a:lstStyle>
+          <a:p>
+            <a:pPr algn="ctr"/>
+            <a:r>
+              <a:rPr lang="en-US" sz="1000">
+                <a:solidFill>
+                  <a:schemeClr val="tx1"/>
+                </a:solidFill>
+              </a:rPr>
+              <a:t>_:n0</a:t>
+            </a:r>
+          </a:p>
+        </p:txBody>
+      </p:sp>
+      <p:cxnSp>
+        <p:nvCxnSpPr>
+          <p:cNvPr id="10" name="Straight Arrow Connector 9">
+            <a:extLst>
+              <a:ext uri="{FF2B5EF4-FFF2-40B4-BE49-F238E27FC236}">
+                <a16:creationId xmlns:a16="http://schemas.microsoft.com/office/drawing/2014/main" id="{A6652DB6-2DC7-D1CE-4CE7-A43B119AE7E9}"/>
+              </a:ext>
+            </a:extLst>
+          </p:cNvPr>
+          <p:cNvCxnSpPr>
+            <a:cxnSpLocks/>
+          </p:cNvCxnSpPr>
+          <p:nvPr/>
+        </p:nvCxnSpPr>
+        <p:spPr>
+          <a:xfrm>
+            <a:off x="2218310" y="5073668"/>
+            <a:ext cx="1410715" cy="0"/>
+          </a:xfrm>
+          <a:prstGeom prst="straightConnector1">
+            <a:avLst/>
+          </a:prstGeom>
+          <a:ln w="12700">
+            <a:solidFill>
+              <a:schemeClr val="tx1"/>
+            </a:solidFill>
+            <a:tailEnd type="triangle"/>
+          </a:ln>
+        </p:spPr>
+        <p:style>
+          <a:lnRef idx="1">
+            <a:schemeClr val="accent1"/>
+          </a:lnRef>
+          <a:fillRef idx="0">
+            <a:schemeClr val="accent1"/>
+          </a:fillRef>
+          <a:effectRef idx="0">
+            <a:schemeClr val="accent1"/>
+          </a:effectRef>
+          <a:fontRef idx="minor">
+            <a:schemeClr val="tx1"/>
+          </a:fontRef>
+        </p:style>
+      </p:cxnSp>
+      <p:sp>
+        <p:nvSpPr>
+          <p:cNvPr id="11" name="Rectangle 10">
+            <a:extLst>
+              <a:ext uri="{FF2B5EF4-FFF2-40B4-BE49-F238E27FC236}">
+                <a16:creationId xmlns:a16="http://schemas.microsoft.com/office/drawing/2014/main" id="{C7C85375-E208-78FF-88ED-57C8D6B253F7}"/>
+              </a:ext>
+            </a:extLst>
+          </p:cNvPr>
+          <p:cNvSpPr/>
+          <p:nvPr/>
+        </p:nvSpPr>
+        <p:spPr>
+          <a:xfrm>
+            <a:off x="196655" y="209706"/>
+            <a:ext cx="1555945" cy="484094"/>
+          </a:xfrm>
+          <a:prstGeom prst="rect">
+            <a:avLst/>
+          </a:prstGeom>
+          <a:solidFill>
+            <a:srgbClr val="FFFF00"/>
+          </a:solidFill>
+          <a:ln>
+            <a:solidFill>
+              <a:schemeClr val="tx1"/>
+            </a:solidFill>
+          </a:ln>
+        </p:spPr>
+        <p:style>
+          <a:lnRef idx="2">
+            <a:schemeClr val="accent1">
+              <a:shade val="15000"/>
+            </a:schemeClr>
+          </a:lnRef>
+          <a:fillRef idx="1">
+            <a:schemeClr val="accent1"/>
+          </a:fillRef>
+          <a:effectRef idx="0">
+            <a:schemeClr val="accent1"/>
+          </a:effectRef>
+          <a:fontRef idx="minor">
+            <a:schemeClr val="lt1"/>
+          </a:fontRef>
+        </p:style>
+        <p:txBody>
+          <a:bodyPr rtlCol="0" anchor="ctr"/>
+          <a:lstStyle/>
+          <a:p>
+            <a:pPr algn="ctr"/>
+            <a:r>
+              <a:rPr lang="en-US">
+                <a:solidFill>
+                  <a:schemeClr val="tx1"/>
+                </a:solidFill>
+              </a:rPr>
+              <a:t>xml-meaning</a:t>
+            </a:r>
+          </a:p>
+        </p:txBody>
+      </p:sp>
+    </p:spTree>
+    <p:extLst>
+      <p:ext uri="{BB962C8B-B14F-4D97-AF65-F5344CB8AC3E}">
+        <p14:creationId xmlns:p14="http://schemas.microsoft.com/office/powerpoint/2010/main" val="1809712793"/>
+      </p:ext>
+    </p:extLst>
+  </p:cSld>
+  <p:clrMapOvr>
+    <a:masterClrMapping/>
+  </p:clrMapOvr>
+</p:sld>
+</file>
+
 <file path=ppt/theme/theme1.xml><?xml version="1.0" encoding="utf-8"?>
 <a:theme xmlns:a="http://schemas.openxmlformats.org/drawingml/2006/main" name="Office Theme">
   <a:themeElements>

--- a/pptx/figures.pptx
+++ b/pptx/figures.pptx
@@ -276,7 +276,7 @@
           <a:p>
             <a:fld id="{8B6844D7-9723-4963-9A7A-AA67393D1570}" type="datetimeFigureOut">
               <a:rPr lang="en-US" smtClean="0"/>
-              <a:t>7/22/2024</a:t>
+              <a:t>9/4/2024</a:t>
             </a:fld>
             <a:endParaRPr lang="en-US"/>
           </a:p>
@@ -474,7 +474,7 @@
           <a:p>
             <a:fld id="{8B6844D7-9723-4963-9A7A-AA67393D1570}" type="datetimeFigureOut">
               <a:rPr lang="en-US" smtClean="0"/>
-              <a:t>7/22/2024</a:t>
+              <a:t>9/4/2024</a:t>
             </a:fld>
             <a:endParaRPr lang="en-US"/>
           </a:p>
@@ -682,7 +682,7 @@
           <a:p>
             <a:fld id="{8B6844D7-9723-4963-9A7A-AA67393D1570}" type="datetimeFigureOut">
               <a:rPr lang="en-US" smtClean="0"/>
-              <a:t>7/22/2024</a:t>
+              <a:t>9/4/2024</a:t>
             </a:fld>
             <a:endParaRPr lang="en-US"/>
           </a:p>
@@ -880,7 +880,7 @@
           <a:p>
             <a:fld id="{8B6844D7-9723-4963-9A7A-AA67393D1570}" type="datetimeFigureOut">
               <a:rPr lang="en-US" smtClean="0"/>
-              <a:t>7/22/2024</a:t>
+              <a:t>9/4/2024</a:t>
             </a:fld>
             <a:endParaRPr lang="en-US"/>
           </a:p>
@@ -1155,7 +1155,7 @@
           <a:p>
             <a:fld id="{8B6844D7-9723-4963-9A7A-AA67393D1570}" type="datetimeFigureOut">
               <a:rPr lang="en-US" smtClean="0"/>
-              <a:t>7/22/2024</a:t>
+              <a:t>9/4/2024</a:t>
             </a:fld>
             <a:endParaRPr lang="en-US"/>
           </a:p>
@@ -1420,7 +1420,7 @@
           <a:p>
             <a:fld id="{8B6844D7-9723-4963-9A7A-AA67393D1570}" type="datetimeFigureOut">
               <a:rPr lang="en-US" smtClean="0"/>
-              <a:t>7/22/2024</a:t>
+              <a:t>9/4/2024</a:t>
             </a:fld>
             <a:endParaRPr lang="en-US"/>
           </a:p>
@@ -1832,7 +1832,7 @@
           <a:p>
             <a:fld id="{8B6844D7-9723-4963-9A7A-AA67393D1570}" type="datetimeFigureOut">
               <a:rPr lang="en-US" smtClean="0"/>
-              <a:t>7/22/2024</a:t>
+              <a:t>9/4/2024</a:t>
             </a:fld>
             <a:endParaRPr lang="en-US"/>
           </a:p>
@@ -1973,7 +1973,7 @@
           <a:p>
             <a:fld id="{8B6844D7-9723-4963-9A7A-AA67393D1570}" type="datetimeFigureOut">
               <a:rPr lang="en-US" smtClean="0"/>
-              <a:t>7/22/2024</a:t>
+              <a:t>9/4/2024</a:t>
             </a:fld>
             <a:endParaRPr lang="en-US"/>
           </a:p>
@@ -2086,7 +2086,7 @@
           <a:p>
             <a:fld id="{8B6844D7-9723-4963-9A7A-AA67393D1570}" type="datetimeFigureOut">
               <a:rPr lang="en-US" smtClean="0"/>
-              <a:t>7/22/2024</a:t>
+              <a:t>9/4/2024</a:t>
             </a:fld>
             <a:endParaRPr lang="en-US"/>
           </a:p>
@@ -2397,7 +2397,7 @@
           <a:p>
             <a:fld id="{8B6844D7-9723-4963-9A7A-AA67393D1570}" type="datetimeFigureOut">
               <a:rPr lang="en-US" smtClean="0"/>
-              <a:t>7/22/2024</a:t>
+              <a:t>9/4/2024</a:t>
             </a:fld>
             <a:endParaRPr lang="en-US"/>
           </a:p>
@@ -2685,7 +2685,7 @@
           <a:p>
             <a:fld id="{8B6844D7-9723-4963-9A7A-AA67393D1570}" type="datetimeFigureOut">
               <a:rPr lang="en-US" smtClean="0"/>
-              <a:t>7/22/2024</a:t>
+              <a:t>9/4/2024</a:t>
             </a:fld>
             <a:endParaRPr lang="en-US"/>
           </a:p>
@@ -2926,7 +2926,7 @@
           <a:p>
             <a:fld id="{8B6844D7-9723-4963-9A7A-AA67393D1570}" type="datetimeFigureOut">
               <a:rPr lang="en-US" smtClean="0"/>
-              <a:t>7/22/2024</a:t>
+              <a:t>9/4/2024</a:t>
             </a:fld>
             <a:endParaRPr lang="en-US"/>
           </a:p>
@@ -28626,7 +28626,7 @@
         </p:nvSpPr>
         <p:spPr>
           <a:xfrm>
-            <a:off x="4800600" y="1698173"/>
+            <a:off x="5011495" y="1698173"/>
             <a:ext cx="1307011" cy="405676"/>
           </a:xfrm>
           <a:prstGeom prst="roundRect">
@@ -28842,7 +28842,7 @@
         </p:nvSpPr>
         <p:spPr>
           <a:xfrm>
-            <a:off x="4800599" y="2345249"/>
+            <a:off x="5011494" y="2345249"/>
             <a:ext cx="1307011" cy="405676"/>
           </a:xfrm>
           <a:prstGeom prst="roundRect">
@@ -28997,7 +28997,7 @@
         </p:nvSpPr>
         <p:spPr>
           <a:xfrm>
-            <a:off x="4800600" y="2983389"/>
+            <a:off x="5011495" y="2983389"/>
             <a:ext cx="1307011" cy="405676"/>
           </a:xfrm>
           <a:prstGeom prst="roundRect">
@@ -29152,7 +29152,7 @@
         </p:nvSpPr>
         <p:spPr>
           <a:xfrm>
-            <a:off x="4817088" y="3601906"/>
+            <a:off x="5027983" y="3601906"/>
             <a:ext cx="1307011" cy="405676"/>
           </a:xfrm>
           <a:prstGeom prst="roundRect">
@@ -29307,7 +29307,7 @@
         </p:nvSpPr>
         <p:spPr>
           <a:xfrm>
-            <a:off x="4839863" y="4269846"/>
+            <a:off x="5050758" y="4276316"/>
             <a:ext cx="1284236" cy="405676"/>
           </a:xfrm>
           <a:prstGeom prst="roundRect">
@@ -29462,7 +29462,7 @@
         </p:nvSpPr>
         <p:spPr>
           <a:xfrm>
-            <a:off x="5914692" y="1965389"/>
+            <a:off x="6125587" y="1965389"/>
             <a:ext cx="389036" cy="502960"/>
           </a:xfrm>
           <a:prstGeom prst="arc">
@@ -29515,7 +29515,7 @@
         </p:nvSpPr>
         <p:spPr>
           <a:xfrm>
-            <a:off x="6107611" y="2133628"/>
+            <a:off x="6318506" y="2133628"/>
             <a:ext cx="285335" cy="153888"/>
           </a:xfrm>
           <a:prstGeom prst="rect">
@@ -29552,8 +29552,8 @@
         </p:nvSpPr>
         <p:spPr>
           <a:xfrm>
-            <a:off x="4959418" y="1154961"/>
-            <a:ext cx="989373" cy="276999"/>
+            <a:off x="5169699" y="1091848"/>
+            <a:ext cx="990600" cy="461665"/>
           </a:xfrm>
           <a:prstGeom prst="rect">
             <a:avLst/>
@@ -29561,18 +29561,19 @@
           <a:noFill/>
         </p:spPr>
         <p:txBody>
-          <a:bodyPr wrap="none" rtlCol="0">
+          <a:bodyPr wrap="square" rtlCol="0">
             <a:spAutoFit/>
           </a:bodyPr>
           <a:lstStyle/>
           <a:p>
+            <a:pPr algn="ctr"/>
             <a:r>
               <a:rPr lang="en-US" sz="1200" b="1">
                 <a:solidFill>
                   <a:srgbClr val="1C0054"/>
                 </a:solidFill>
               </a:rPr>
-              <a:t>NIEM Model</a:t>
+              <a:t>NIEM data model </a:t>
             </a:r>
           </a:p>
         </p:txBody>
@@ -29588,13 +29589,15 @@
           </p:cNvPr>
           <p:cNvCxnSpPr>
             <a:cxnSpLocks/>
+            <a:stCxn id="81" idx="3"/>
+            <a:endCxn id="54" idx="1"/>
           </p:cNvCxnSpPr>
           <p:nvPr/>
         </p:nvCxnSpPr>
         <p:spPr>
-          <a:xfrm flipV="1">
-            <a:off x="3806500" y="1918446"/>
-            <a:ext cx="979215" cy="805"/>
+          <a:xfrm>
+            <a:off x="3806500" y="1900475"/>
+            <a:ext cx="1204995" cy="536"/>
           </a:xfrm>
           <a:prstGeom prst="straightConnector1">
             <a:avLst/>
@@ -29635,7 +29638,7 @@
         </p:nvSpPr>
         <p:spPr>
           <a:xfrm>
-            <a:off x="3191044" y="1716681"/>
+            <a:off x="3191044" y="1698173"/>
             <a:ext cx="615456" cy="404603"/>
           </a:xfrm>
           <a:prstGeom prst="roundRect">
@@ -30116,13 +30119,15 @@
           </p:cNvPr>
           <p:cNvCxnSpPr>
             <a:cxnSpLocks/>
+            <a:stCxn id="47" idx="3"/>
+            <a:endCxn id="16" idx="1"/>
           </p:cNvCxnSpPr>
           <p:nvPr/>
         </p:nvCxnSpPr>
         <p:spPr>
-          <a:xfrm>
-            <a:off x="3795115" y="3191805"/>
-            <a:ext cx="990600" cy="7084"/>
+          <a:xfrm flipV="1">
+            <a:off x="3806500" y="3186227"/>
+            <a:ext cx="1204995" cy="1"/>
           </a:xfrm>
           <a:prstGeom prst="straightConnector1">
             <a:avLst/>
@@ -30163,7 +30168,7 @@
         </p:nvSpPr>
         <p:spPr>
           <a:xfrm>
-            <a:off x="3084735" y="4292568"/>
+            <a:off x="3084735" y="4284600"/>
             <a:ext cx="889821" cy="389109"/>
           </a:xfrm>
           <a:prstGeom prst="rect">
@@ -30237,9 +30242,9 @@
           <p:nvPr/>
         </p:nvCxnSpPr>
         <p:spPr>
-          <a:xfrm>
-            <a:off x="3981125" y="4485624"/>
-            <a:ext cx="843853" cy="4495"/>
+          <a:xfrm flipV="1">
+            <a:off x="3974556" y="4490119"/>
+            <a:ext cx="1076202" cy="1"/>
           </a:xfrm>
           <a:prstGeom prst="straightConnector1">
             <a:avLst/>
@@ -30280,8 +30285,8 @@
         </p:nvSpPr>
         <p:spPr>
           <a:xfrm>
-            <a:off x="2642338" y="1154961"/>
-            <a:ext cx="1676400" cy="461665"/>
+            <a:off x="2677637" y="1091848"/>
+            <a:ext cx="1704016" cy="461665"/>
           </a:xfrm>
           <a:prstGeom prst="rect">
             <a:avLst/>
@@ -30348,7 +30353,7 @@
         </p:nvSpPr>
         <p:spPr>
           <a:xfrm>
-            <a:off x="4346018" y="1842038"/>
+            <a:off x="4346018" y="1824067"/>
             <a:ext cx="275075" cy="153888"/>
           </a:xfrm>
           <a:prstGeom prst="rect">
@@ -30459,7 +30464,7 @@
         </p:nvSpPr>
         <p:spPr>
           <a:xfrm>
-            <a:off x="5914692" y="2613381"/>
+            <a:off x="6125587" y="2613381"/>
             <a:ext cx="389036" cy="502960"/>
           </a:xfrm>
           <a:prstGeom prst="arc">
@@ -30512,7 +30517,7 @@
         </p:nvSpPr>
         <p:spPr>
           <a:xfrm>
-            <a:off x="6194587" y="2770159"/>
+            <a:off x="6405482" y="2770159"/>
             <a:ext cx="182742" cy="153888"/>
           </a:xfrm>
           <a:prstGeom prst="rect">
@@ -30549,7 +30554,7 @@
         </p:nvSpPr>
         <p:spPr>
           <a:xfrm>
-            <a:off x="5914692" y="3273119"/>
+            <a:off x="6125587" y="3273119"/>
             <a:ext cx="389036" cy="502960"/>
           </a:xfrm>
           <a:prstGeom prst="arc">
@@ -30602,7 +30607,7 @@
         </p:nvSpPr>
         <p:spPr>
           <a:xfrm>
-            <a:off x="6143290" y="3407688"/>
+            <a:off x="6354185" y="3407688"/>
             <a:ext cx="285335" cy="153888"/>
           </a:xfrm>
           <a:prstGeom prst="rect">
@@ -30639,7 +30644,7 @@
         </p:nvSpPr>
         <p:spPr>
           <a:xfrm>
-            <a:off x="5914692" y="3928089"/>
+            <a:off x="6125587" y="3928089"/>
             <a:ext cx="389036" cy="502960"/>
           </a:xfrm>
           <a:prstGeom prst="arc">
@@ -30692,7 +30697,7 @@
         </p:nvSpPr>
         <p:spPr>
           <a:xfrm>
-            <a:off x="6201825" y="4075345"/>
+            <a:off x="6412720" y="4075345"/>
             <a:ext cx="182742" cy="153888"/>
           </a:xfrm>
           <a:prstGeom prst="rect">
@@ -30726,13 +30731,14 @@
           </p:cNvPr>
           <p:cNvCxnSpPr>
             <a:cxnSpLocks/>
+            <a:endCxn id="18" idx="1"/>
           </p:cNvCxnSpPr>
           <p:nvPr/>
         </p:nvCxnSpPr>
         <p:spPr>
           <a:xfrm flipV="1">
-            <a:off x="6101810" y="1900609"/>
-            <a:ext cx="979215" cy="805"/>
+            <a:off x="6312705" y="1899885"/>
+            <a:ext cx="1217102" cy="1529"/>
           </a:xfrm>
           <a:prstGeom prst="straightConnector1">
             <a:avLst/>
@@ -30773,7 +30779,7 @@
         </p:nvSpPr>
         <p:spPr>
           <a:xfrm>
-            <a:off x="6641328" y="1824067"/>
+            <a:off x="6852223" y="1824067"/>
             <a:ext cx="275075" cy="153888"/>
           </a:xfrm>
           <a:prstGeom prst="rect">
@@ -30810,7 +30816,7 @@
         </p:nvSpPr>
         <p:spPr>
           <a:xfrm>
-            <a:off x="7075225" y="1697047"/>
+            <a:off x="7529807" y="1697047"/>
             <a:ext cx="770468" cy="405676"/>
           </a:xfrm>
           <a:prstGeom prst="roundRect">
@@ -30968,7 +30974,7 @@
         </p:nvSpPr>
         <p:spPr>
           <a:xfrm>
-            <a:off x="7075225" y="2345249"/>
+            <a:off x="7529807" y="2345249"/>
             <a:ext cx="770468" cy="405676"/>
           </a:xfrm>
           <a:prstGeom prst="roundRect">
@@ -31126,7 +31132,7 @@
         </p:nvSpPr>
         <p:spPr>
           <a:xfrm>
-            <a:off x="7075225" y="2983389"/>
+            <a:off x="7529807" y="2983389"/>
             <a:ext cx="770468" cy="405676"/>
           </a:xfrm>
           <a:prstGeom prst="roundRect">
@@ -31284,7 +31290,7 @@
         </p:nvSpPr>
         <p:spPr>
           <a:xfrm>
-            <a:off x="7075225" y="3601906"/>
+            <a:off x="7529807" y="3601906"/>
             <a:ext cx="770468" cy="405676"/>
           </a:xfrm>
           <a:prstGeom prst="roundRect">
@@ -31442,7 +31448,7 @@
         </p:nvSpPr>
         <p:spPr>
           <a:xfrm>
-            <a:off x="7075225" y="4282786"/>
+            <a:off x="7529807" y="4276316"/>
             <a:ext cx="770468" cy="405676"/>
           </a:xfrm>
           <a:prstGeom prst="roundRect">
@@ -31597,13 +31603,14 @@
           </p:cNvPr>
           <p:cNvCxnSpPr>
             <a:cxnSpLocks/>
+            <a:endCxn id="19" idx="1"/>
           </p:cNvCxnSpPr>
           <p:nvPr/>
         </p:nvCxnSpPr>
         <p:spPr>
           <a:xfrm flipV="1">
-            <a:off x="6107630" y="2547685"/>
-            <a:ext cx="979215" cy="805"/>
+            <a:off x="6318525" y="2548087"/>
+            <a:ext cx="1211282" cy="403"/>
           </a:xfrm>
           <a:prstGeom prst="straightConnector1">
             <a:avLst/>
@@ -31644,7 +31651,7 @@
         </p:nvSpPr>
         <p:spPr>
           <a:xfrm>
-            <a:off x="6647148" y="2471143"/>
+            <a:off x="6858043" y="2471143"/>
             <a:ext cx="275075" cy="153888"/>
           </a:xfrm>
           <a:prstGeom prst="rect">
@@ -31678,13 +31685,14 @@
           </p:cNvPr>
           <p:cNvCxnSpPr>
             <a:cxnSpLocks/>
+            <a:endCxn id="20" idx="1"/>
           </p:cNvCxnSpPr>
           <p:nvPr/>
         </p:nvCxnSpPr>
         <p:spPr>
           <a:xfrm flipV="1">
-            <a:off x="6113450" y="3185825"/>
-            <a:ext cx="979215" cy="805"/>
+            <a:off x="6324345" y="3186227"/>
+            <a:ext cx="1205462" cy="403"/>
           </a:xfrm>
           <a:prstGeom prst="straightConnector1">
             <a:avLst/>
@@ -31725,7 +31733,7 @@
         </p:nvSpPr>
         <p:spPr>
           <a:xfrm>
-            <a:off x="6652968" y="3109283"/>
+            <a:off x="6863863" y="3109283"/>
             <a:ext cx="275075" cy="153888"/>
           </a:xfrm>
           <a:prstGeom prst="rect">
@@ -31759,13 +31767,14 @@
           </p:cNvPr>
           <p:cNvCxnSpPr>
             <a:cxnSpLocks/>
+            <a:endCxn id="21" idx="1"/>
           </p:cNvCxnSpPr>
           <p:nvPr/>
         </p:nvCxnSpPr>
         <p:spPr>
           <a:xfrm flipV="1">
-            <a:off x="6119270" y="3804342"/>
-            <a:ext cx="979215" cy="805"/>
+            <a:off x="6330165" y="3804744"/>
+            <a:ext cx="1199642" cy="403"/>
           </a:xfrm>
           <a:prstGeom prst="straightConnector1">
             <a:avLst/>
@@ -31806,7 +31815,7 @@
         </p:nvSpPr>
         <p:spPr>
           <a:xfrm>
-            <a:off x="6658788" y="3727800"/>
+            <a:off x="6869683" y="3727800"/>
             <a:ext cx="275075" cy="153888"/>
           </a:xfrm>
           <a:prstGeom prst="rect">
@@ -31845,8 +31854,8 @@
         </p:nvCxnSpPr>
         <p:spPr>
           <a:xfrm flipV="1">
-            <a:off x="6125090" y="4485222"/>
-            <a:ext cx="979215" cy="805"/>
+            <a:off x="6335985" y="4478953"/>
+            <a:ext cx="1193822" cy="6873"/>
           </a:xfrm>
           <a:prstGeom prst="straightConnector1">
             <a:avLst/>
@@ -31887,7 +31896,7 @@
         </p:nvSpPr>
         <p:spPr>
           <a:xfrm>
-            <a:off x="6664608" y="4408680"/>
+            <a:off x="6875503" y="4408680"/>
             <a:ext cx="275075" cy="153888"/>
           </a:xfrm>
           <a:prstGeom prst="rect">
@@ -31924,7 +31933,7 @@
         </p:nvSpPr>
         <p:spPr>
           <a:xfrm>
-            <a:off x="6995876" y="1162741"/>
+            <a:off x="7450458" y="1184181"/>
             <a:ext cx="929165" cy="276999"/>
           </a:xfrm>
           <a:prstGeom prst="rect">
@@ -32021,6 +32030,188 @@
             <a:r>
               <a:rPr lang="en-US" sz="1000" i="1"/>
               <a:t>has-a</a:t>
+            </a:r>
+          </a:p>
+        </p:txBody>
+      </p:sp>
+      <p:sp>
+        <p:nvSpPr>
+          <p:cNvPr id="72" name="Arc 71">
+            <a:extLst>
+              <a:ext uri="{FF2B5EF4-FFF2-40B4-BE49-F238E27FC236}">
+                <a16:creationId xmlns:a16="http://schemas.microsoft.com/office/drawing/2014/main" id="{56D213E4-C900-A5D3-180E-FEEC850E29F9}"/>
+              </a:ext>
+            </a:extLst>
+          </p:cNvPr>
+          <p:cNvSpPr/>
+          <p:nvPr/>
+        </p:nvSpPr>
+        <p:spPr>
+          <a:xfrm>
+            <a:off x="3596844" y="762000"/>
+            <a:ext cx="1889555" cy="914400"/>
+          </a:xfrm>
+          <a:prstGeom prst="arc">
+            <a:avLst>
+              <a:gd name="adj1" fmla="val 11214114"/>
+              <a:gd name="adj2" fmla="val 21204117"/>
+            </a:avLst>
+          </a:prstGeom>
+          <a:ln>
+            <a:solidFill>
+              <a:schemeClr val="tx1"/>
+            </a:solidFill>
+            <a:prstDash val="dash"/>
+            <a:tailEnd type="triangle"/>
+          </a:ln>
+        </p:spPr>
+        <p:style>
+          <a:lnRef idx="1">
+            <a:schemeClr val="accent1"/>
+          </a:lnRef>
+          <a:fillRef idx="0">
+            <a:schemeClr val="accent1"/>
+          </a:fillRef>
+          <a:effectRef idx="0">
+            <a:schemeClr val="accent1"/>
+          </a:effectRef>
+          <a:fontRef idx="minor">
+            <a:schemeClr val="tx1"/>
+          </a:fontRef>
+        </p:style>
+        <p:txBody>
+          <a:bodyPr rtlCol="0" anchor="ctr"/>
+          <a:lstStyle/>
+          <a:p>
+            <a:pPr algn="ctr"/>
+            <a:endParaRPr lang="en-US"/>
+          </a:p>
+        </p:txBody>
+      </p:sp>
+      <p:sp>
+        <p:nvSpPr>
+          <p:cNvPr id="77" name="Arc 76">
+            <a:extLst>
+              <a:ext uri="{FF2B5EF4-FFF2-40B4-BE49-F238E27FC236}">
+                <a16:creationId xmlns:a16="http://schemas.microsoft.com/office/drawing/2014/main" id="{3597D0BD-FEAF-A142-ED90-9A2B52A0563B}"/>
+              </a:ext>
+            </a:extLst>
+          </p:cNvPr>
+          <p:cNvSpPr/>
+          <p:nvPr/>
+        </p:nvSpPr>
+        <p:spPr>
+          <a:xfrm>
+            <a:off x="5882845" y="762000"/>
+            <a:ext cx="1889555" cy="914400"/>
+          </a:xfrm>
+          <a:prstGeom prst="arc">
+            <a:avLst>
+              <a:gd name="adj1" fmla="val 11214114"/>
+              <a:gd name="adj2" fmla="val 21204117"/>
+            </a:avLst>
+          </a:prstGeom>
+          <a:ln>
+            <a:solidFill>
+              <a:schemeClr val="tx1"/>
+            </a:solidFill>
+            <a:prstDash val="dash"/>
+            <a:tailEnd type="triangle"/>
+          </a:ln>
+        </p:spPr>
+        <p:style>
+          <a:lnRef idx="1">
+            <a:schemeClr val="accent1"/>
+          </a:lnRef>
+          <a:fillRef idx="0">
+            <a:schemeClr val="accent1"/>
+          </a:fillRef>
+          <a:effectRef idx="0">
+            <a:schemeClr val="accent1"/>
+          </a:effectRef>
+          <a:fontRef idx="minor">
+            <a:schemeClr val="tx1"/>
+          </a:fontRef>
+        </p:style>
+        <p:txBody>
+          <a:bodyPr rtlCol="0" anchor="ctr"/>
+          <a:lstStyle/>
+          <a:p>
+            <a:pPr algn="ctr"/>
+            <a:endParaRPr lang="en-US"/>
+          </a:p>
+        </p:txBody>
+      </p:sp>
+      <p:sp>
+        <p:nvSpPr>
+          <p:cNvPr id="68" name="TextBox 67">
+            <a:extLst>
+              <a:ext uri="{FF2B5EF4-FFF2-40B4-BE49-F238E27FC236}">
+                <a16:creationId xmlns:a16="http://schemas.microsoft.com/office/drawing/2014/main" id="{77A63326-A33D-2E1C-4BF3-1DFB5F38DA2A}"/>
+              </a:ext>
+            </a:extLst>
+          </p:cNvPr>
+          <p:cNvSpPr txBox="1"/>
+          <p:nvPr/>
+        </p:nvSpPr>
+        <p:spPr>
+          <a:xfrm>
+            <a:off x="4188479" y="688314"/>
+            <a:ext cx="706284" cy="153888"/>
+          </a:xfrm>
+          <a:prstGeom prst="rect">
+            <a:avLst/>
+          </a:prstGeom>
+          <a:solidFill>
+            <a:schemeClr val="bg1"/>
+          </a:solidFill>
+        </p:spPr>
+        <p:txBody>
+          <a:bodyPr wrap="none" lIns="45720" tIns="0" rIns="45720" bIns="0" rtlCol="0">
+            <a:spAutoFit/>
+          </a:bodyPr>
+          <a:lstStyle/>
+          <a:p>
+            <a:r>
+              <a:rPr lang="en-US" sz="1000" i="1"/>
+              <a:t>specified-by</a:t>
+            </a:r>
+          </a:p>
+        </p:txBody>
+      </p:sp>
+      <p:sp>
+        <p:nvSpPr>
+          <p:cNvPr id="71" name="TextBox 70">
+            <a:extLst>
+              <a:ext uri="{FF2B5EF4-FFF2-40B4-BE49-F238E27FC236}">
+                <a16:creationId xmlns:a16="http://schemas.microsoft.com/office/drawing/2014/main" id="{075EFCA0-D08D-5442-195E-58610A277688}"/>
+              </a:ext>
+            </a:extLst>
+          </p:cNvPr>
+          <p:cNvSpPr txBox="1"/>
+          <p:nvPr/>
+        </p:nvSpPr>
+        <p:spPr>
+          <a:xfrm>
+            <a:off x="6493716" y="695032"/>
+            <a:ext cx="667812" cy="153888"/>
+          </a:xfrm>
+          <a:prstGeom prst="rect">
+            <a:avLst/>
+          </a:prstGeom>
+          <a:solidFill>
+            <a:schemeClr val="bg1"/>
+          </a:solidFill>
+        </p:spPr>
+        <p:txBody>
+          <a:bodyPr wrap="none" lIns="45720" tIns="0" rIns="45720" bIns="0" rtlCol="0">
+            <a:spAutoFit/>
+          </a:bodyPr>
+          <a:lstStyle/>
+          <a:p>
+            <a:r>
+              <a:rPr lang="en-US" sz="1000" i="1"/>
+              <a:t>instance-of</a:t>
             </a:r>
           </a:p>
         </p:txBody>

--- a/pptx/figures.pptx
+++ b/pptx/figures.pptx
@@ -5,13 +5,12 @@
     <p:sldMasterId id="2147483648" r:id="rId1"/>
   </p:sldMasterIdLst>
   <p:sldIdLst>
-    <p:sldId id="271" r:id="rId2"/>
-    <p:sldId id="275" r:id="rId3"/>
-    <p:sldId id="272" r:id="rId4"/>
-    <p:sldId id="274" r:id="rId5"/>
-    <p:sldId id="276" r:id="rId6"/>
-    <p:sldId id="277" r:id="rId7"/>
-    <p:sldId id="278" r:id="rId8"/>
+    <p:sldId id="275" r:id="rId2"/>
+    <p:sldId id="279" r:id="rId3"/>
+    <p:sldId id="274" r:id="rId4"/>
+    <p:sldId id="276" r:id="rId5"/>
+    <p:sldId id="277" r:id="rId6"/>
+    <p:sldId id="278" r:id="rId7"/>
   </p:sldIdLst>
   <p:sldSz cx="12192000" cy="6858000"/>
   <p:notesSz cx="6858000" cy="9144000"/>
@@ -113,7 +112,7 @@
   <p:extLst>
     <p:ext uri="{EFAFB233-063F-42B5-8137-9DF3F51BA10A}">
       <p15:sldGuideLst xmlns:p15="http://schemas.microsoft.com/office/powerpoint/2012/main">
-        <p15:guide id="1" orient="horz" pos="3120" userDrawn="1">
+        <p15:guide id="1" orient="horz" pos="2856" userDrawn="1">
           <p15:clr>
             <a:srgbClr val="A4A3A4"/>
           </p15:clr>
@@ -276,7 +275,7 @@
           <a:p>
             <a:fld id="{8B6844D7-9723-4963-9A7A-AA67393D1570}" type="datetimeFigureOut">
               <a:rPr lang="en-US" smtClean="0"/>
-              <a:t>9/4/2024</a:t>
+              <a:t>10/13/2024</a:t>
             </a:fld>
             <a:endParaRPr lang="en-US"/>
           </a:p>
@@ -474,7 +473,7 @@
           <a:p>
             <a:fld id="{8B6844D7-9723-4963-9A7A-AA67393D1570}" type="datetimeFigureOut">
               <a:rPr lang="en-US" smtClean="0"/>
-              <a:t>9/4/2024</a:t>
+              <a:t>10/13/2024</a:t>
             </a:fld>
             <a:endParaRPr lang="en-US"/>
           </a:p>
@@ -682,7 +681,7 @@
           <a:p>
             <a:fld id="{8B6844D7-9723-4963-9A7A-AA67393D1570}" type="datetimeFigureOut">
               <a:rPr lang="en-US" smtClean="0"/>
-              <a:t>9/4/2024</a:t>
+              <a:t>10/13/2024</a:t>
             </a:fld>
             <a:endParaRPr lang="en-US"/>
           </a:p>
@@ -880,7 +879,7 @@
           <a:p>
             <a:fld id="{8B6844D7-9723-4963-9A7A-AA67393D1570}" type="datetimeFigureOut">
               <a:rPr lang="en-US" smtClean="0"/>
-              <a:t>9/4/2024</a:t>
+              <a:t>10/13/2024</a:t>
             </a:fld>
             <a:endParaRPr lang="en-US"/>
           </a:p>
@@ -1155,7 +1154,7 @@
           <a:p>
             <a:fld id="{8B6844D7-9723-4963-9A7A-AA67393D1570}" type="datetimeFigureOut">
               <a:rPr lang="en-US" smtClean="0"/>
-              <a:t>9/4/2024</a:t>
+              <a:t>10/13/2024</a:t>
             </a:fld>
             <a:endParaRPr lang="en-US"/>
           </a:p>
@@ -1420,7 +1419,7 @@
           <a:p>
             <a:fld id="{8B6844D7-9723-4963-9A7A-AA67393D1570}" type="datetimeFigureOut">
               <a:rPr lang="en-US" smtClean="0"/>
-              <a:t>9/4/2024</a:t>
+              <a:t>10/13/2024</a:t>
             </a:fld>
             <a:endParaRPr lang="en-US"/>
           </a:p>
@@ -1832,7 +1831,7 @@
           <a:p>
             <a:fld id="{8B6844D7-9723-4963-9A7A-AA67393D1570}" type="datetimeFigureOut">
               <a:rPr lang="en-US" smtClean="0"/>
-              <a:t>9/4/2024</a:t>
+              <a:t>10/13/2024</a:t>
             </a:fld>
             <a:endParaRPr lang="en-US"/>
           </a:p>
@@ -1973,7 +1972,7 @@
           <a:p>
             <a:fld id="{8B6844D7-9723-4963-9A7A-AA67393D1570}" type="datetimeFigureOut">
               <a:rPr lang="en-US" smtClean="0"/>
-              <a:t>9/4/2024</a:t>
+              <a:t>10/13/2024</a:t>
             </a:fld>
             <a:endParaRPr lang="en-US"/>
           </a:p>
@@ -2086,7 +2085,7 @@
           <a:p>
             <a:fld id="{8B6844D7-9723-4963-9A7A-AA67393D1570}" type="datetimeFigureOut">
               <a:rPr lang="en-US" smtClean="0"/>
-              <a:t>9/4/2024</a:t>
+              <a:t>10/13/2024</a:t>
             </a:fld>
             <a:endParaRPr lang="en-US"/>
           </a:p>
@@ -2397,7 +2396,7 @@
           <a:p>
             <a:fld id="{8B6844D7-9723-4963-9A7A-AA67393D1570}" type="datetimeFigureOut">
               <a:rPr lang="en-US" smtClean="0"/>
-              <a:t>9/4/2024</a:t>
+              <a:t>10/13/2024</a:t>
             </a:fld>
             <a:endParaRPr lang="en-US"/>
           </a:p>
@@ -2685,7 +2684,7 @@
           <a:p>
             <a:fld id="{8B6844D7-9723-4963-9A7A-AA67393D1570}" type="datetimeFigureOut">
               <a:rPr lang="en-US" smtClean="0"/>
-              <a:t>9/4/2024</a:t>
+              <a:t>10/13/2024</a:t>
             </a:fld>
             <a:endParaRPr lang="en-US"/>
           </a:p>
@@ -2926,7 +2925,7 @@
           <a:p>
             <a:fld id="{8B6844D7-9723-4963-9A7A-AA67393D1570}" type="datetimeFigureOut">
               <a:rPr lang="en-US" smtClean="0"/>
-              <a:t>9/4/2024</a:t>
+              <a:t>10/13/2024</a:t>
             </a:fld>
             <a:endParaRPr lang="en-US"/>
           </a:p>
@@ -3345,6 +3344,67 @@
       </p:grpSpPr>
       <p:sp>
         <p:nvSpPr>
+          <p:cNvPr id="10" name="Rectangle 9">
+            <a:extLst>
+              <a:ext uri="{FF2B5EF4-FFF2-40B4-BE49-F238E27FC236}">
+                <a16:creationId xmlns:a16="http://schemas.microsoft.com/office/drawing/2014/main" id="{12CDD838-BE61-9B2F-F0C3-EC4ED9D1925D}"/>
+              </a:ext>
+            </a:extLst>
+          </p:cNvPr>
+          <p:cNvSpPr/>
+          <p:nvPr/>
+        </p:nvSpPr>
+        <p:spPr>
+          <a:xfrm>
+            <a:off x="215165" y="267580"/>
+            <a:ext cx="1138518" cy="484094"/>
+          </a:xfrm>
+          <a:prstGeom prst="rect">
+            <a:avLst/>
+          </a:prstGeom>
+          <a:solidFill>
+            <a:srgbClr val="FFFF00"/>
+          </a:solidFill>
+          <a:ln>
+            <a:solidFill>
+              <a:schemeClr val="tx1"/>
+            </a:solidFill>
+          </a:ln>
+        </p:spPr>
+        <p:style>
+          <a:lnRef idx="2">
+            <a:schemeClr val="accent1">
+              <a:shade val="15000"/>
+            </a:schemeClr>
+          </a:lnRef>
+          <a:fillRef idx="1">
+            <a:schemeClr val="accent1"/>
+          </a:fillRef>
+          <a:effectRef idx="0">
+            <a:schemeClr val="accent1"/>
+          </a:effectRef>
+          <a:fontRef idx="minor">
+            <a:schemeClr val="lt1"/>
+          </a:fontRef>
+        </p:style>
+        <p:txBody>
+          <a:bodyPr rtlCol="0" anchor="ctr"/>
+          <a:lstStyle/>
+          <a:p>
+            <a:pPr algn="ctr"/>
+            <a:r>
+              <a:rPr lang="en-US">
+                <a:solidFill>
+                  <a:schemeClr val="tx1"/>
+                </a:solidFill>
+              </a:rPr>
+              <a:t>userRoles</a:t>
+            </a:r>
+          </a:p>
+        </p:txBody>
+      </p:sp>
+      <p:sp>
+        <p:nvSpPr>
           <p:cNvPr id="593" name="Arrow: Right 592">
             <a:extLst>
               <a:ext uri="{FF2B5EF4-FFF2-40B4-BE49-F238E27FC236}">
@@ -3357,8 +3417,8 @@
         </p:nvSpPr>
         <p:spPr>
           <a:xfrm>
-            <a:off x="3217327" y="1026320"/>
-            <a:ext cx="5496687" cy="448798"/>
+            <a:off x="3653166" y="1973912"/>
+            <a:ext cx="3531636" cy="288354"/>
           </a:xfrm>
           <a:prstGeom prst="rightArrow">
             <a:avLst>
@@ -3394,7 +3454,7 @@
           <a:lstStyle/>
           <a:p>
             <a:pPr algn="ctr"/>
-            <a:endParaRPr lang="en-US"/>
+            <a:endParaRPr lang="en-US" sz="1000"/>
           </a:p>
         </p:txBody>
       </p:sp>
@@ -3414,8 +3474,8 @@
         </p:nvSpPr>
         <p:spPr bwMode="auto">
           <a:xfrm>
-            <a:off x="8246221" y="5179972"/>
-            <a:ext cx="1331333" cy="813592"/>
+            <a:off x="6884243" y="4642644"/>
+            <a:ext cx="855385" cy="522735"/>
           </a:xfrm>
           <a:prstGeom prst="roundRect">
             <a:avLst>
@@ -3459,7 +3519,7 @@
               <a:defRPr/>
             </a:pPr>
             <a:r>
-              <a:rPr kumimoji="0" lang="en-US" sz="1600" b="0" i="0" u="none" strike="noStrike" kern="0" cap="none" spc="0" normalizeH="0" baseline="0" noProof="0" dirty="0">
+              <a:rPr kumimoji="0" lang="en-US" sz="1000" b="0" i="0" u="none" strike="noStrike" kern="0" cap="none" spc="0" normalizeH="0" baseline="0" noProof="0" dirty="0">
                 <a:ln>
                   <a:noFill/>
                 </a:ln>
@@ -3493,7 +3553,7 @@
               <a:defRPr/>
             </a:pPr>
             <a:r>
-              <a:rPr kumimoji="0" lang="en-US" sz="1600" b="0" i="0" u="none" strike="noStrike" kern="0" cap="none" spc="0" normalizeH="0" baseline="0" noProof="0" dirty="0">
+              <a:rPr kumimoji="0" lang="en-US" sz="1000" b="0" i="0" u="none" strike="noStrike" kern="0" cap="none" spc="0" normalizeH="0" baseline="0" noProof="0" dirty="0">
                 <a:ln>
                   <a:noFill/>
                 </a:ln>
@@ -3526,8 +3586,8 @@
         </p:nvSpPr>
         <p:spPr bwMode="auto">
           <a:xfrm>
-            <a:off x="8131414" y="5273806"/>
-            <a:ext cx="1331333" cy="813592"/>
+            <a:off x="6810479" y="4702932"/>
+            <a:ext cx="855385" cy="522735"/>
           </a:xfrm>
           <a:prstGeom prst="roundRect">
             <a:avLst>
@@ -3571,7 +3631,7 @@
               <a:defRPr/>
             </a:pPr>
             <a:r>
-              <a:rPr kumimoji="0" lang="en-US" sz="1600" b="0" i="0" u="none" strike="noStrike" kern="0" cap="none" spc="0" normalizeH="0" baseline="0" noProof="0" dirty="0">
+              <a:rPr kumimoji="0" lang="en-US" sz="1000" b="0" i="0" u="none" strike="noStrike" kern="0" cap="none" spc="0" normalizeH="0" baseline="0" noProof="0" dirty="0">
                 <a:ln>
                   <a:noFill/>
                 </a:ln>
@@ -3605,7 +3665,7 @@
               <a:defRPr/>
             </a:pPr>
             <a:r>
-              <a:rPr kumimoji="0" lang="en-US" sz="1600" b="0" i="0" u="none" strike="noStrike" kern="0" cap="none" spc="0" normalizeH="0" baseline="0" noProof="0" dirty="0">
+              <a:rPr kumimoji="0" lang="en-US" sz="1000" b="0" i="0" u="none" strike="noStrike" kern="0" cap="none" spc="0" normalizeH="0" baseline="0" noProof="0" dirty="0">
                 <a:ln>
                   <a:noFill/>
                 </a:ln>
@@ -3638,8 +3698,8 @@
         </p:nvSpPr>
         <p:spPr bwMode="auto">
           <a:xfrm>
-            <a:off x="2934971" y="5184119"/>
-            <a:ext cx="1331333" cy="813592"/>
+            <a:off x="3471751" y="4645308"/>
+            <a:ext cx="855385" cy="522735"/>
           </a:xfrm>
           <a:prstGeom prst="roundRect">
             <a:avLst>
@@ -3683,7 +3743,7 @@
               <a:defRPr/>
             </a:pPr>
             <a:r>
-              <a:rPr kumimoji="0" lang="en-US" sz="1600" b="0" i="0" u="none" strike="noStrike" kern="0" cap="none" spc="0" normalizeH="0" baseline="0" noProof="0" dirty="0">
+              <a:rPr kumimoji="0" lang="en-US" sz="1000" b="0" i="0" u="none" strike="noStrike" kern="0" cap="none" spc="0" normalizeH="0" baseline="0" noProof="0" dirty="0">
                 <a:ln>
                   <a:noFill/>
                 </a:ln>
@@ -3717,7 +3777,7 @@
               <a:defRPr/>
             </a:pPr>
             <a:r>
-              <a:rPr kumimoji="0" lang="en-US" sz="1600" b="0" i="0" u="none" strike="noStrike" kern="0" cap="none" spc="0" normalizeH="0" baseline="0" noProof="0" dirty="0">
+              <a:rPr kumimoji="0" lang="en-US" sz="1000" b="0" i="0" u="none" strike="noStrike" kern="0" cap="none" spc="0" normalizeH="0" baseline="0" noProof="0" dirty="0">
                 <a:ln>
                   <a:noFill/>
                 </a:ln>
@@ -3750,8 +3810,8 @@
         </p:nvSpPr>
         <p:spPr bwMode="auto">
           <a:xfrm>
-            <a:off x="8038210" y="5364880"/>
-            <a:ext cx="1331333" cy="813592"/>
+            <a:off x="6750595" y="4761448"/>
+            <a:ext cx="855385" cy="522735"/>
           </a:xfrm>
           <a:prstGeom prst="roundRect">
             <a:avLst>
@@ -3795,7 +3855,7 @@
               <a:defRPr/>
             </a:pPr>
             <a:r>
-              <a:rPr kumimoji="0" lang="en-US" sz="1600" b="0" i="0" u="none" strike="noStrike" kern="0" cap="none" spc="0" normalizeH="0" baseline="0" noProof="0" dirty="0">
+              <a:rPr kumimoji="0" lang="en-US" sz="1000" b="0" i="0" u="none" strike="noStrike" kern="0" cap="none" spc="0" normalizeH="0" baseline="0" noProof="0" dirty="0">
                 <a:ln>
                   <a:noFill/>
                 </a:ln>
@@ -3829,7 +3889,7 @@
               <a:defRPr/>
             </a:pPr>
             <a:r>
-              <a:rPr kumimoji="0" lang="en-US" sz="1600" b="0" i="0" u="none" strike="noStrike" kern="0" cap="none" spc="0" normalizeH="0" baseline="0" noProof="0" dirty="0">
+              <a:rPr kumimoji="0" lang="en-US" sz="1000" b="0" i="0" u="none" strike="noStrike" kern="0" cap="none" spc="0" normalizeH="0" baseline="0" noProof="0" dirty="0">
                 <a:ln>
                   <a:noFill/>
                 </a:ln>
@@ -3862,8 +3922,8 @@
         </p:nvSpPr>
         <p:spPr bwMode="auto">
           <a:xfrm>
-            <a:off x="5536709" y="3515807"/>
-            <a:ext cx="1009004" cy="887555"/>
+            <a:off x="5143375" y="3554937"/>
+            <a:ext cx="648288" cy="607208"/>
           </a:xfrm>
           <a:prstGeom prst="roundRect">
             <a:avLst>
@@ -3904,7 +3964,7 @@
               <a:defRPr/>
             </a:pPr>
             <a:r>
-              <a:rPr kumimoji="0" lang="en-US" sz="1600" b="0" i="0" u="none" strike="noStrike" kern="0" cap="none" spc="0" normalizeH="0" baseline="0" noProof="0">
+              <a:rPr kumimoji="0" lang="en-US" sz="1000" b="0" i="0" u="none" strike="noStrike" kern="0" cap="none" spc="0" normalizeH="0" baseline="0" noProof="0">
                 <a:ln>
                   <a:noFill/>
                 </a:ln>
@@ -3938,26 +3998,14 @@
               <a:defRPr/>
             </a:pPr>
             <a:r>
-              <a:rPr lang="en-US" sz="1600" kern="0">
+              <a:rPr lang="en-US" sz="1000" kern="0">
                 <a:solidFill>
                   <a:srgbClr val="000000"/>
                 </a:solidFill>
                 <a:latin typeface="Arial" charset="0"/>
               </a:rPr>
-              <a:t>format</a:t>
+              <a:t>type</a:t>
             </a:r>
-            <a:endParaRPr kumimoji="0" lang="en-US" sz="1600" b="0" i="0" u="none" strike="noStrike" kern="0" cap="none" spc="0" normalizeH="0" baseline="0" noProof="0" dirty="0">
-              <a:ln>
-                <a:noFill/>
-              </a:ln>
-              <a:solidFill>
-                <a:srgbClr val="000000"/>
-              </a:solidFill>
-              <a:effectLst/>
-              <a:uLnTx/>
-              <a:uFillTx/>
-              <a:latin typeface="Arial" charset="0"/>
-            </a:endParaRPr>
           </a:p>
         </p:txBody>
       </p:sp>
@@ -3977,8 +4025,8 @@
         </p:nvSpPr>
         <p:spPr bwMode="auto">
           <a:xfrm>
-            <a:off x="5063357" y="4582674"/>
-            <a:ext cx="981359" cy="338554"/>
+            <a:off x="4844953" y="4291026"/>
+            <a:ext cx="437928" cy="158197"/>
           </a:xfrm>
           <a:prstGeom prst="rect">
             <a:avLst/>
@@ -4006,7 +4054,7 @@
               </a:spcAft>
             </a:pPr>
             <a:r>
-              <a:rPr lang="en-US" sz="1600" i="1">
+              <a:rPr lang="en-US" sz="1000" i="1">
                 <a:solidFill>
                   <a:srgbClr val="000000"/>
                 </a:solidFill>
@@ -4014,7 +4062,7 @@
               </a:rPr>
               <a:t>specifies</a:t>
             </a:r>
-            <a:endParaRPr lang="en-US" sz="1600" i="1" dirty="0">
+            <a:endParaRPr lang="en-US" sz="1000" i="1" dirty="0">
               <a:solidFill>
                 <a:srgbClr val="000000"/>
               </a:solidFill>
@@ -4038,14 +4086,14 @@
           <p:nvPr>
             <p:extLst>
               <p:ext uri="{D42A27DB-BD31-4B8C-83A1-F6EECF244321}">
-                <p14:modId xmlns:p14="http://schemas.microsoft.com/office/powerpoint/2010/main" val="3121494634"/>
+                <p14:modId xmlns:p14="http://schemas.microsoft.com/office/powerpoint/2010/main" val="386143746"/>
               </p:ext>
             </p:extLst>
           </p:nvPr>
         </p:nvGraphicFramePr>
         <p:xfrm>
-          <a:off x="8363339" y="4218454"/>
-          <a:ext cx="681075" cy="847492"/>
+          <a:off x="6959492" y="4024866"/>
+          <a:ext cx="437592" cy="544516"/>
         </p:xfrm>
         <a:graphic>
           <a:graphicData uri="http://schemas.openxmlformats.org/presentationml/2006/ole">
@@ -4060,7 +4108,13 @@
                   <p:embed/>
                   <p:pic>
                     <p:nvPicPr>
-                      <p:cNvPr id="3075" name="Object 45"/>
+                      <p:cNvPr id="32" name="Object 45">
+                        <a:extLst>
+                          <a:ext uri="{FF2B5EF4-FFF2-40B4-BE49-F238E27FC236}">
+                            <a16:creationId xmlns:a16="http://schemas.microsoft.com/office/drawing/2014/main" id="{02975B26-8D9D-1300-2E2A-7A0E4BFCBAA2}"/>
+                          </a:ext>
+                        </a:extLst>
+                      </p:cNvPr>
                       <p:cNvPicPr>
                         <a:picLocks noChangeAspect="1" noChangeArrowheads="1"/>
                       </p:cNvPicPr>
@@ -4081,8 +4135,8 @@
                     </p:blipFill>
                     <p:spPr bwMode="auto">
                       <a:xfrm>
-                        <a:off x="8363339" y="4218454"/>
-                        <a:ext cx="681075" cy="847492"/>
+                        <a:off x="6959492" y="4024866"/>
+                        <a:ext cx="437592" cy="544516"/>
                       </a:xfrm>
                       <a:prstGeom prst="rect">
                         <a:avLst/>
@@ -4120,14 +4174,14 @@
           <p:nvPr>
             <p:extLst>
               <p:ext uri="{D42A27DB-BD31-4B8C-83A1-F6EECF244321}">
-                <p14:modId xmlns:p14="http://schemas.microsoft.com/office/powerpoint/2010/main" val="1666141848"/>
+                <p14:modId xmlns:p14="http://schemas.microsoft.com/office/powerpoint/2010/main" val="1054249122"/>
               </p:ext>
             </p:extLst>
           </p:nvPr>
         </p:nvGraphicFramePr>
         <p:xfrm>
-          <a:off x="3081152" y="4218454"/>
-          <a:ext cx="681075" cy="847492"/>
+          <a:off x="3565674" y="4024866"/>
+          <a:ext cx="437592" cy="544516"/>
         </p:xfrm>
         <a:graphic>
           <a:graphicData uri="http://schemas.openxmlformats.org/presentationml/2006/ole">
@@ -4142,7 +4196,13 @@
                   <p:embed/>
                   <p:pic>
                     <p:nvPicPr>
-                      <p:cNvPr id="3074" name="Object 43"/>
+                      <p:cNvPr id="33" name="Object 43">
+                        <a:extLst>
+                          <a:ext uri="{FF2B5EF4-FFF2-40B4-BE49-F238E27FC236}">
+                            <a16:creationId xmlns:a16="http://schemas.microsoft.com/office/drawing/2014/main" id="{5350836A-7752-1A1C-29A9-A5F7E150D374}"/>
+                          </a:ext>
+                        </a:extLst>
+                      </p:cNvPr>
                       <p:cNvPicPr>
                         <a:picLocks noChangeAspect="1" noChangeArrowheads="1"/>
                       </p:cNvPicPr>
@@ -4163,8 +4223,8 @@
                     </p:blipFill>
                     <p:spPr bwMode="auto">
                       <a:xfrm>
-                        <a:off x="3081152" y="4218454"/>
-                        <a:ext cx="681075" cy="847492"/>
+                        <a:off x="3565674" y="4024866"/>
+                        <a:ext cx="437592" cy="544516"/>
                       </a:xfrm>
                       <a:prstGeom prst="rect">
                         <a:avLst/>
@@ -4201,8 +4261,8 @@
         </p:nvSpPr>
         <p:spPr>
           <a:xfrm rot="20890384">
-            <a:off x="3829269" y="3806045"/>
-            <a:ext cx="1210588" cy="338554"/>
+            <a:off x="4171476" y="3789554"/>
+            <a:ext cx="527533" cy="158197"/>
           </a:xfrm>
           <a:prstGeom prst="rect">
             <a:avLst/>
@@ -4216,7 +4276,7 @@
           <a:lstStyle/>
           <a:p>
             <a:r>
-              <a:rPr lang="en-US" sz="1600" i="1" dirty="0">
+              <a:rPr lang="en-US" sz="1000" i="1" dirty="0">
                 <a:solidFill>
                   <a:prstClr val="black"/>
                 </a:solidFill>
@@ -4243,8 +4303,8 @@
         </p:nvSpPr>
         <p:spPr bwMode="auto">
           <a:xfrm>
-            <a:off x="8671554" y="3735581"/>
-            <a:ext cx="1220206" cy="584775"/>
+            <a:off x="7282657" y="3714619"/>
+            <a:ext cx="533712" cy="257071"/>
           </a:xfrm>
           <a:prstGeom prst="rect">
             <a:avLst/>
@@ -4272,7 +4332,7 @@
               </a:spcAft>
             </a:pPr>
             <a:r>
-              <a:rPr lang="en-US" sz="1600">
+              <a:rPr lang="en-US" sz="1000">
                 <a:solidFill>
                   <a:srgbClr val="000000"/>
                 </a:solidFill>
@@ -4291,7 +4351,7 @@
               </a:spcAft>
             </a:pPr>
             <a:r>
-              <a:rPr lang="en-US" sz="1600">
+              <a:rPr lang="en-US" sz="1000">
                 <a:solidFill>
                   <a:srgbClr val="000000"/>
                 </a:solidFill>
@@ -4299,7 +4359,7 @@
               </a:rPr>
               <a:t>Developers</a:t>
             </a:r>
-            <a:endParaRPr lang="en-US" sz="1600" dirty="0">
+            <a:endParaRPr lang="en-US" sz="1000" dirty="0">
               <a:solidFill>
                 <a:srgbClr val="000000"/>
               </a:solidFill>
@@ -4324,8 +4384,8 @@
         </p:nvSpPr>
         <p:spPr bwMode="auto">
           <a:xfrm>
-            <a:off x="2847556" y="5277953"/>
-            <a:ext cx="1331333" cy="813592"/>
+            <a:off x="3415588" y="4705597"/>
+            <a:ext cx="855385" cy="522735"/>
           </a:xfrm>
           <a:prstGeom prst="roundRect">
             <a:avLst>
@@ -4369,7 +4429,7 @@
               <a:defRPr/>
             </a:pPr>
             <a:r>
-              <a:rPr kumimoji="0" lang="en-US" sz="1600" b="0" i="0" u="none" strike="noStrike" kern="0" cap="none" spc="0" normalizeH="0" baseline="0" noProof="0" dirty="0">
+              <a:rPr kumimoji="0" lang="en-US" sz="1000" b="0" i="0" u="none" strike="noStrike" kern="0" cap="none" spc="0" normalizeH="0" baseline="0" noProof="0" dirty="0">
                 <a:ln>
                   <a:noFill/>
                 </a:ln>
@@ -4403,7 +4463,7 @@
               <a:defRPr/>
             </a:pPr>
             <a:r>
-              <a:rPr kumimoji="0" lang="en-US" sz="1600" b="0" i="0" u="none" strike="noStrike" kern="0" cap="none" spc="0" normalizeH="0" baseline="0" noProof="0" dirty="0">
+              <a:rPr kumimoji="0" lang="en-US" sz="1000" b="0" i="0" u="none" strike="noStrike" kern="0" cap="none" spc="0" normalizeH="0" baseline="0" noProof="0" dirty="0">
                 <a:ln>
                   <a:noFill/>
                 </a:ln>
@@ -4436,8 +4496,8 @@
         </p:nvSpPr>
         <p:spPr bwMode="auto">
           <a:xfrm>
-            <a:off x="4044211" y="5586770"/>
-            <a:ext cx="3875581" cy="369815"/>
+            <a:off x="4184442" y="4904012"/>
+            <a:ext cx="2490071" cy="237607"/>
           </a:xfrm>
           <a:prstGeom prst="rightArrow">
             <a:avLst>
@@ -4478,7 +4538,7 @@
               <a:tabLst/>
               <a:defRPr/>
             </a:pPr>
-            <a:endParaRPr kumimoji="0" lang="en-US" sz="1800" b="0" i="0" u="none" strike="noStrike" kern="0" cap="none" spc="0" normalizeH="0" baseline="0" noProof="0" dirty="0">
+            <a:endParaRPr kumimoji="0" lang="en-US" sz="1000" b="0" i="0" u="none" strike="noStrike" kern="0" cap="none" spc="0" normalizeH="0" baseline="0" noProof="0" dirty="0">
               <a:ln>
                 <a:noFill/>
               </a:ln>
@@ -4509,8 +4569,8 @@
         </p:nvSpPr>
         <p:spPr bwMode="auto">
           <a:xfrm>
-            <a:off x="2756023" y="5364880"/>
-            <a:ext cx="1331333" cy="813592"/>
+            <a:off x="3356777" y="4761448"/>
+            <a:ext cx="855385" cy="522735"/>
           </a:xfrm>
           <a:prstGeom prst="roundRect">
             <a:avLst>
@@ -4554,7 +4614,7 @@
               <a:defRPr/>
             </a:pPr>
             <a:r>
-              <a:rPr kumimoji="0" lang="en-US" sz="1600" b="0" i="0" u="none" strike="noStrike" kern="0" cap="none" spc="0" normalizeH="0" baseline="0" noProof="0" dirty="0">
+              <a:rPr kumimoji="0" lang="en-US" sz="1000" b="0" i="0" u="none" strike="noStrike" kern="0" cap="none" spc="0" normalizeH="0" baseline="0" noProof="0" dirty="0">
                 <a:ln>
                   <a:noFill/>
                 </a:ln>
@@ -4588,7 +4648,7 @@
               <a:defRPr/>
             </a:pPr>
             <a:r>
-              <a:rPr kumimoji="0" lang="en-US" sz="1600" b="0" i="0" u="none" strike="noStrike" kern="0" cap="none" spc="0" normalizeH="0" baseline="0" noProof="0" dirty="0">
+              <a:rPr kumimoji="0" lang="en-US" sz="1000" b="0" i="0" u="none" strike="noStrike" kern="0" cap="none" spc="0" normalizeH="0" baseline="0" noProof="0" dirty="0">
                 <a:ln>
                   <a:noFill/>
                 </a:ln>
@@ -4621,8 +4681,8 @@
         </p:nvSpPr>
         <p:spPr bwMode="auto">
           <a:xfrm>
-            <a:off x="5597433" y="5142992"/>
-            <a:ext cx="887555" cy="1183407"/>
+            <a:off x="5174037" y="4618884"/>
+            <a:ext cx="588698" cy="760342"/>
           </a:xfrm>
           <a:custGeom>
             <a:avLst/>
@@ -4729,7 +4789,7 @@
               <a:tabLst/>
               <a:defRPr/>
             </a:pPr>
-            <a:endParaRPr kumimoji="0" lang="en-US" sz="1800" b="0" i="0" u="none" strike="noStrike" kern="0" cap="none" spc="0" normalizeH="0" baseline="0" noProof="0" dirty="0">
+            <a:endParaRPr kumimoji="0" lang="en-US" sz="1000" b="0" i="0" u="none" strike="noStrike" kern="0" cap="none" spc="0" normalizeH="0" baseline="0" noProof="0" dirty="0">
               <a:ln>
                 <a:noFill/>
               </a:ln>
@@ -4760,8 +4820,8 @@
         </p:nvSpPr>
         <p:spPr bwMode="auto">
           <a:xfrm>
-            <a:off x="5547754" y="5413116"/>
-            <a:ext cx="1012480" cy="892552"/>
+            <a:off x="5130080" y="4719683"/>
+            <a:ext cx="707518" cy="602722"/>
           </a:xfrm>
           <a:prstGeom prst="rect">
             <a:avLst/>
@@ -4776,7 +4836,7 @@
         </p:spPr>
         <p:txBody>
           <a:bodyPr wrap="square">
-            <a:spAutoFit/>
+            <a:noAutofit/>
           </a:bodyPr>
           <a:lstStyle/>
           <a:p>
@@ -4789,7 +4849,7 @@
               </a:spcAft>
             </a:pPr>
             <a:r>
-              <a:rPr lang="en-US" sz="1600">
+              <a:rPr lang="en-US" sz="1000">
                 <a:solidFill>
                   <a:srgbClr val="000000"/>
                 </a:solidFill>
@@ -4808,7 +4868,7 @@
               </a:spcAft>
             </a:pPr>
             <a:r>
-              <a:rPr lang="en-US" sz="1200">
+              <a:rPr lang="en-US" sz="900">
                 <a:solidFill>
                   <a:srgbClr val="000000"/>
                 </a:solidFill>
@@ -4827,7 +4887,7 @@
               </a:spcAft>
             </a:pPr>
             <a:r>
-              <a:rPr lang="en-US" sz="1200">
+              <a:rPr lang="en-US" sz="900">
                 <a:solidFill>
                   <a:srgbClr val="000000"/>
                 </a:solidFill>
@@ -4836,7 +4896,7 @@
               <a:t>JSON, </a:t>
             </a:r>
             <a:br>
-              <a:rPr lang="en-US" sz="1200">
+              <a:rPr lang="en-US" sz="900">
                 <a:solidFill>
                   <a:srgbClr val="000000"/>
                 </a:solidFill>
@@ -4844,7 +4904,7 @@
               </a:rPr>
             </a:br>
             <a:r>
-              <a:rPr lang="en-US" sz="1200">
+              <a:rPr lang="en-US" sz="900">
                 <a:solidFill>
                   <a:srgbClr val="000000"/>
                 </a:solidFill>
@@ -4852,7 +4912,7 @@
               </a:rPr>
               <a:t>etc.)</a:t>
             </a:r>
-            <a:endParaRPr lang="en-US" sz="1400" dirty="0">
+            <a:endParaRPr lang="en-US" sz="900" dirty="0">
               <a:solidFill>
                 <a:srgbClr val="000000"/>
               </a:solidFill>
@@ -4875,8 +4935,8 @@
         </p:nvSpPr>
         <p:spPr bwMode="auto">
           <a:xfrm>
-            <a:off x="4009150" y="5558261"/>
-            <a:ext cx="222175" cy="435304"/>
+            <a:off x="4161914" y="4885695"/>
+            <a:ext cx="142748" cy="279684"/>
           </a:xfrm>
           <a:prstGeom prst="roundRect">
             <a:avLst/>
@@ -4925,7 +4985,7 @@
               <a:tabLst/>
               <a:defRPr/>
             </a:pPr>
-            <a:endParaRPr kumimoji="0" lang="en-US" sz="1800" b="1" i="0" u="none" strike="noStrike" kern="0" cap="none" spc="0" normalizeH="0" baseline="0" noProof="0" dirty="0">
+            <a:endParaRPr kumimoji="0" lang="en-US" sz="1000" b="1" i="0" u="none" strike="noStrike" kern="0" cap="none" spc="0" normalizeH="0" baseline="0" noProof="0" dirty="0">
               <a:ln>
                 <a:noFill/>
               </a:ln>
@@ -4954,8 +5014,8 @@
         </p:nvSpPr>
         <p:spPr bwMode="auto">
           <a:xfrm>
-            <a:off x="7935337" y="5571744"/>
-            <a:ext cx="222175" cy="435304"/>
+            <a:off x="6684499" y="4894358"/>
+            <a:ext cx="142748" cy="279684"/>
           </a:xfrm>
           <a:prstGeom prst="roundRect">
             <a:avLst/>
@@ -5004,7 +5064,7 @@
               <a:tabLst/>
               <a:defRPr/>
             </a:pPr>
-            <a:endParaRPr kumimoji="0" lang="en-US" sz="1800" b="1" i="0" u="none" strike="noStrike" kern="0" cap="none" spc="0" normalizeH="0" baseline="0" noProof="0" dirty="0">
+            <a:endParaRPr kumimoji="0" lang="en-US" sz="1000" b="1" i="0" u="none" strike="noStrike" kern="0" cap="none" spc="0" normalizeH="0" baseline="0" noProof="0" dirty="0">
               <a:ln>
                 <a:noFill/>
               </a:ln>
@@ -5033,8 +5093,8 @@
         </p:nvSpPr>
         <p:spPr>
           <a:xfrm>
-            <a:off x="4445998" y="5196910"/>
-            <a:ext cx="971741" cy="338554"/>
+            <a:off x="4442590" y="4653526"/>
+            <a:ext cx="432778" cy="158197"/>
           </a:xfrm>
           <a:prstGeom prst="rect">
             <a:avLst/>
@@ -5053,7 +5113,7 @@
               </a:spcAft>
             </a:pPr>
             <a:r>
-              <a:rPr lang="en-US" sz="1600" dirty="0">
+              <a:rPr lang="en-US" sz="1000" dirty="0">
                 <a:solidFill>
                   <a:prstClr val="black"/>
                 </a:solidFill>
@@ -5082,8 +5142,8 @@
         </p:nvCxnSpPr>
         <p:spPr>
           <a:xfrm flipH="1">
-            <a:off x="4120237" y="5459999"/>
-            <a:ext cx="448528" cy="255318"/>
+            <a:off x="4233288" y="4822562"/>
+            <a:ext cx="288180" cy="164042"/>
           </a:xfrm>
           <a:prstGeom prst="line">
             <a:avLst/>
@@ -5112,8 +5172,8 @@
         </p:nvSpPr>
         <p:spPr bwMode="auto">
           <a:xfrm flipH="1">
-            <a:off x="2374656" y="4002172"/>
-            <a:ext cx="6633552" cy="3670079"/>
+            <a:off x="3111748" y="3885904"/>
+            <a:ext cx="4262074" cy="2358035"/>
           </a:xfrm>
           <a:prstGeom prst="arc">
             <a:avLst>
@@ -5122,7 +5182,7 @@
             </a:avLst>
           </a:prstGeom>
           <a:noFill/>
-          <a:ln w="12700" cap="flat" cmpd="sng" algn="ctr">
+          <a:ln w="6350" cap="flat" cmpd="sng" algn="ctr">
             <a:solidFill>
               <a:srgbClr val="000000"/>
             </a:solidFill>
@@ -5138,7 +5198,7 @@
           <a:lstStyle/>
           <a:p>
             <a:pPr algn="ctr"/>
-            <a:endParaRPr lang="en-US" dirty="0">
+            <a:endParaRPr lang="en-US" sz="1000" dirty="0">
               <a:solidFill>
                 <a:prstClr val="black"/>
               </a:solidFill>
@@ -5161,8 +5221,8 @@
         </p:nvSpPr>
         <p:spPr bwMode="auto">
           <a:xfrm>
-            <a:off x="3416380" y="4029023"/>
-            <a:ext cx="6633552" cy="3670079"/>
+            <a:off x="3781058" y="3903156"/>
+            <a:ext cx="4262074" cy="2358035"/>
           </a:xfrm>
           <a:prstGeom prst="arc">
             <a:avLst>
@@ -5171,7 +5231,7 @@
             </a:avLst>
           </a:prstGeom>
           <a:noFill/>
-          <a:ln w="12700" cap="flat" cmpd="sng" algn="ctr">
+          <a:ln w="6350" cap="flat" cmpd="sng" algn="ctr">
             <a:solidFill>
               <a:srgbClr val="000000"/>
             </a:solidFill>
@@ -5187,7 +5247,7 @@
           <a:lstStyle/>
           <a:p>
             <a:pPr algn="ctr"/>
-            <a:endParaRPr lang="en-US" dirty="0">
+            <a:endParaRPr lang="en-US" sz="1000" dirty="0">
               <a:solidFill>
                 <a:prstClr val="black"/>
               </a:solidFill>
@@ -5212,8 +5272,8 @@
         </p:nvSpPr>
         <p:spPr bwMode="auto">
           <a:xfrm>
-            <a:off x="2191085" y="3621200"/>
-            <a:ext cx="1220206" cy="584775"/>
+            <a:off x="3118940" y="3641129"/>
+            <a:ext cx="533712" cy="257071"/>
           </a:xfrm>
           <a:prstGeom prst="rect">
             <a:avLst/>
@@ -5241,7 +5301,7 @@
               </a:spcAft>
             </a:pPr>
             <a:r>
-              <a:rPr lang="en-US" sz="1600">
+              <a:rPr lang="en-US" sz="1000">
                 <a:solidFill>
                   <a:srgbClr val="000000"/>
                 </a:solidFill>
@@ -5260,7 +5320,7 @@
               </a:spcAft>
             </a:pPr>
             <a:r>
-              <a:rPr lang="en-US" sz="1600">
+              <a:rPr lang="en-US" sz="1000">
                 <a:solidFill>
                   <a:srgbClr val="000000"/>
                 </a:solidFill>
@@ -5268,7 +5328,7 @@
               </a:rPr>
               <a:t>Developers</a:t>
             </a:r>
-            <a:endParaRPr lang="en-US" sz="1600" dirty="0">
+            <a:endParaRPr lang="en-US" sz="1000" dirty="0">
               <a:solidFill>
                 <a:srgbClr val="000000"/>
               </a:solidFill>
@@ -5287,23 +5347,24 @@
             </a:extLst>
           </p:cNvPr>
           <p:cNvCxnSpPr>
+            <a:cxnSpLocks/>
             <a:stCxn id="29" idx="2"/>
           </p:cNvCxnSpPr>
           <p:nvPr/>
         </p:nvCxnSpPr>
         <p:spPr>
           <a:xfrm flipH="1">
-            <a:off x="6041210" y="4403362"/>
-            <a:ext cx="1" cy="739630"/>
+            <a:off x="5467518" y="4162145"/>
+            <a:ext cx="1" cy="456739"/>
           </a:xfrm>
           <a:prstGeom prst="straightConnector1">
             <a:avLst/>
           </a:prstGeom>
-          <a:ln w="12700">
+          <a:ln w="6350">
             <a:solidFill>
               <a:schemeClr val="tx1"/>
             </a:solidFill>
-            <a:prstDash val="sysDot"/>
+            <a:prstDash val="dash"/>
             <a:tailEnd type="triangle"/>
           </a:ln>
         </p:spPr>
@@ -5338,8 +5399,8 @@
         </p:nvSpPr>
         <p:spPr bwMode="auto">
           <a:xfrm>
-            <a:off x="6396075" y="2358791"/>
-            <a:ext cx="1016624" cy="584775"/>
+            <a:off x="5796453" y="2770393"/>
+            <a:ext cx="451316" cy="257071"/>
           </a:xfrm>
           <a:prstGeom prst="rect">
             <a:avLst/>
@@ -5367,7 +5428,7 @@
               </a:spcAft>
             </a:pPr>
             <a:r>
-              <a:rPr lang="en-US" sz="1600">
+              <a:rPr lang="en-US" sz="1000">
                 <a:solidFill>
                   <a:srgbClr val="000000"/>
                 </a:solidFill>
@@ -5386,7 +5447,7 @@
               </a:spcAft>
             </a:pPr>
             <a:r>
-              <a:rPr lang="en-US" sz="1600">
+              <a:rPr lang="en-US" sz="1000">
                 <a:solidFill>
                   <a:srgbClr val="000000"/>
                 </a:solidFill>
@@ -5394,7 +5455,7 @@
               </a:rPr>
               <a:t>Designer</a:t>
             </a:r>
-            <a:endParaRPr lang="en-US" sz="1600" dirty="0">
+            <a:endParaRPr lang="en-US" sz="1000" dirty="0">
               <a:solidFill>
                 <a:srgbClr val="000000"/>
               </a:solidFill>
@@ -5419,8 +5480,8 @@
         </p:nvSpPr>
         <p:spPr bwMode="auto">
           <a:xfrm>
-            <a:off x="5107744" y="3031689"/>
-            <a:ext cx="857927" cy="338554"/>
+            <a:off x="4867764" y="3182854"/>
+            <a:ext cx="387461" cy="158197"/>
           </a:xfrm>
           <a:prstGeom prst="rect">
             <a:avLst/>
@@ -5448,7 +5509,7 @@
               </a:spcAft>
             </a:pPr>
             <a:r>
-              <a:rPr lang="en-US" sz="1600" i="1">
+              <a:rPr lang="en-US" sz="1000" i="1">
                 <a:solidFill>
                   <a:srgbClr val="000000"/>
                 </a:solidFill>
@@ -5456,7 +5517,7 @@
               </a:rPr>
               <a:t>creates</a:t>
             </a:r>
-            <a:endParaRPr lang="en-US" sz="1600" i="1" dirty="0">
+            <a:endParaRPr lang="en-US" sz="1000" i="1" dirty="0">
               <a:solidFill>
                 <a:srgbClr val="000000"/>
               </a:solidFill>
@@ -5482,13 +5543,13 @@
         </p:nvCxnSpPr>
         <p:spPr>
           <a:xfrm flipH="1">
-            <a:off x="6041211" y="1317770"/>
-            <a:ext cx="1230" cy="2198037"/>
+            <a:off x="5467519" y="2161169"/>
+            <a:ext cx="791" cy="1393768"/>
           </a:xfrm>
           <a:prstGeom prst="straightConnector1">
             <a:avLst/>
           </a:prstGeom>
-          <a:ln w="12700">
+          <a:ln w="6350">
             <a:solidFill>
               <a:schemeClr val="tx1"/>
             </a:solidFill>
@@ -5525,8 +5586,8 @@
         </p:nvGrpSpPr>
         <p:grpSpPr>
           <a:xfrm>
-            <a:off x="3911012" y="859479"/>
-            <a:ext cx="4376097" cy="782481"/>
+            <a:off x="4098860" y="1866716"/>
+            <a:ext cx="2811654" cy="502746"/>
             <a:chOff x="3911012" y="859479"/>
             <a:chExt cx="4376097" cy="782481"/>
           </a:xfrm>
@@ -5685,7 +5746,7 @@
                 <a:tabLst/>
                 <a:defRPr/>
               </a:pPr>
-              <a:endParaRPr kumimoji="0" lang="en-US" altLang="en-US" sz="2000" b="1" i="0" u="none" strike="noStrike" kern="0" cap="none" spc="0" normalizeH="0" baseline="0" noProof="0">
+              <a:endParaRPr kumimoji="0" lang="en-US" altLang="en-US" sz="1000" b="1" i="0" u="none" strike="noStrike" kern="0" cap="none" spc="0" normalizeH="0" baseline="0" noProof="0">
                 <a:ln>
                   <a:noFill/>
                 </a:ln>
@@ -5854,7 +5915,7 @@
                 <a:tabLst/>
                 <a:defRPr/>
               </a:pPr>
-              <a:endParaRPr kumimoji="0" lang="en-US" altLang="en-US" sz="2000" b="1" i="0" u="none" strike="noStrike" kern="0" cap="none" spc="0" normalizeH="0" baseline="0" noProof="0">
+              <a:endParaRPr kumimoji="0" lang="en-US" altLang="en-US" sz="1000" b="1" i="0" u="none" strike="noStrike" kern="0" cap="none" spc="0" normalizeH="0" baseline="0" noProof="0">
                 <a:ln>
                   <a:noFill/>
                 </a:ln>
@@ -6023,7 +6084,7 @@
                 <a:tabLst/>
                 <a:defRPr/>
               </a:pPr>
-              <a:endParaRPr kumimoji="0" lang="en-US" altLang="en-US" sz="2000" b="1" i="0" u="none" strike="noStrike" kern="0" cap="none" spc="0" normalizeH="0" baseline="0" noProof="0">
+              <a:endParaRPr kumimoji="0" lang="en-US" altLang="en-US" sz="1000" b="1" i="0" u="none" strike="noStrike" kern="0" cap="none" spc="0" normalizeH="0" baseline="0" noProof="0">
                 <a:ln>
                   <a:noFill/>
                 </a:ln>
@@ -6192,7 +6253,7 @@
                 <a:tabLst/>
                 <a:defRPr/>
               </a:pPr>
-              <a:endParaRPr kumimoji="0" lang="en-US" altLang="en-US" sz="2000" b="1" i="0" u="none" strike="noStrike" kern="0" cap="none" spc="0" normalizeH="0" baseline="0" noProof="0">
+              <a:endParaRPr kumimoji="0" lang="en-US" altLang="en-US" sz="1000" b="1" i="0" u="none" strike="noStrike" kern="0" cap="none" spc="0" normalizeH="0" baseline="0" noProof="0">
                 <a:ln>
                   <a:noFill/>
                 </a:ln>
@@ -6361,7 +6422,7 @@
                 <a:tabLst/>
                 <a:defRPr/>
               </a:pPr>
-              <a:endParaRPr kumimoji="0" lang="en-US" altLang="en-US" sz="2000" b="1" i="0" u="none" strike="noStrike" kern="0" cap="none" spc="0" normalizeH="0" baseline="0" noProof="0">
+              <a:endParaRPr kumimoji="0" lang="en-US" altLang="en-US" sz="1000" b="1" i="0" u="none" strike="noStrike" kern="0" cap="none" spc="0" normalizeH="0" baseline="0" noProof="0">
                 <a:ln>
                   <a:noFill/>
                 </a:ln>
@@ -6528,7 +6589,7 @@
                 <a:tabLst/>
                 <a:defRPr/>
               </a:pPr>
-              <a:endParaRPr kumimoji="0" lang="en-US" altLang="en-US" sz="2000" b="1" i="0" u="none" strike="noStrike" kern="0" cap="none" spc="0" normalizeH="0" baseline="0" noProof="0">
+              <a:endParaRPr kumimoji="0" lang="en-US" altLang="en-US" sz="1000" b="1" i="0" u="none" strike="noStrike" kern="0" cap="none" spc="0" normalizeH="0" baseline="0" noProof="0">
                 <a:ln>
                   <a:noFill/>
                 </a:ln>
@@ -6695,7 +6756,7 @@
                 <a:tabLst/>
                 <a:defRPr/>
               </a:pPr>
-              <a:endParaRPr kumimoji="0" lang="en-US" altLang="en-US" sz="2000" b="1" i="0" u="none" strike="noStrike" kern="0" cap="none" spc="0" normalizeH="0" baseline="0" noProof="0">
+              <a:endParaRPr kumimoji="0" lang="en-US" altLang="en-US" sz="1000" b="1" i="0" u="none" strike="noStrike" kern="0" cap="none" spc="0" normalizeH="0" baseline="0" noProof="0">
                 <a:ln>
                   <a:noFill/>
                 </a:ln>
@@ -6862,7 +6923,7 @@
                 <a:tabLst/>
                 <a:defRPr/>
               </a:pPr>
-              <a:endParaRPr kumimoji="0" lang="en-US" altLang="en-US" sz="2000" b="1" i="0" u="none" strike="noStrike" kern="0" cap="none" spc="0" normalizeH="0" baseline="0" noProof="0">
+              <a:endParaRPr kumimoji="0" lang="en-US" altLang="en-US" sz="1000" b="1" i="0" u="none" strike="noStrike" kern="0" cap="none" spc="0" normalizeH="0" baseline="0" noProof="0">
                 <a:ln>
                   <a:noFill/>
                 </a:ln>
@@ -7031,7 +7092,7 @@
                 <a:tabLst/>
                 <a:defRPr/>
               </a:pPr>
-              <a:endParaRPr kumimoji="0" lang="en-US" altLang="en-US" sz="2000" b="1" i="0" u="none" strike="noStrike" kern="0" cap="none" spc="0" normalizeH="0" baseline="0" noProof="0">
+              <a:endParaRPr kumimoji="0" lang="en-US" altLang="en-US" sz="1000" b="1" i="0" u="none" strike="noStrike" kern="0" cap="none" spc="0" normalizeH="0" baseline="0" noProof="0">
                 <a:ln>
                   <a:noFill/>
                 </a:ln>
@@ -7200,7 +7261,7 @@
                 <a:tabLst/>
                 <a:defRPr/>
               </a:pPr>
-              <a:endParaRPr kumimoji="0" lang="en-US" altLang="en-US" sz="2000" b="1" i="0" u="none" strike="noStrike" kern="0" cap="none" spc="0" normalizeH="0" baseline="0" noProof="0">
+              <a:endParaRPr kumimoji="0" lang="en-US" altLang="en-US" sz="1000" b="1" i="0" u="none" strike="noStrike" kern="0" cap="none" spc="0" normalizeH="0" baseline="0" noProof="0">
                 <a:ln>
                   <a:noFill/>
                 </a:ln>
@@ -7369,7 +7430,7 @@
                 <a:tabLst/>
                 <a:defRPr/>
               </a:pPr>
-              <a:endParaRPr kumimoji="0" lang="en-US" altLang="en-US" sz="2000" b="1" i="0" u="none" strike="noStrike" kern="0" cap="none" spc="0" normalizeH="0" baseline="0" noProof="0">
+              <a:endParaRPr kumimoji="0" lang="en-US" altLang="en-US" sz="1000" b="1" i="0" u="none" strike="noStrike" kern="0" cap="none" spc="0" normalizeH="0" baseline="0" noProof="0">
                 <a:ln>
                   <a:noFill/>
                 </a:ln>
@@ -7728,7 +7789,7 @@
                 <a:tabLst/>
                 <a:defRPr/>
               </a:pPr>
-              <a:endParaRPr kumimoji="0" lang="en-US" altLang="en-US" sz="2000" b="1" i="0" u="none" strike="noStrike" kern="0" cap="none" spc="0" normalizeH="0" baseline="0" noProof="0">
+              <a:endParaRPr kumimoji="0" lang="en-US" altLang="en-US" sz="1000" b="1" i="0" u="none" strike="noStrike" kern="0" cap="none" spc="0" normalizeH="0" baseline="0" noProof="0">
                 <a:ln>
                   <a:noFill/>
                 </a:ln>
@@ -7897,7 +7958,7 @@
                 <a:tabLst/>
                 <a:defRPr/>
               </a:pPr>
-              <a:endParaRPr kumimoji="0" lang="en-US" altLang="en-US" sz="2000" b="1" i="0" u="none" strike="noStrike" kern="0" cap="none" spc="0" normalizeH="0" baseline="0" noProof="0">
+              <a:endParaRPr kumimoji="0" lang="en-US" altLang="en-US" sz="1000" b="1" i="0" u="none" strike="noStrike" kern="0" cap="none" spc="0" normalizeH="0" baseline="0" noProof="0">
                 <a:ln>
                   <a:noFill/>
                 </a:ln>
@@ -8066,7 +8127,7 @@
                 <a:tabLst/>
                 <a:defRPr/>
               </a:pPr>
-              <a:endParaRPr kumimoji="0" lang="en-US" altLang="en-US" sz="2000" b="1" i="0" u="none" strike="noStrike" kern="0" cap="none" spc="0" normalizeH="0" baseline="0" noProof="0">
+              <a:endParaRPr kumimoji="0" lang="en-US" altLang="en-US" sz="1000" b="1" i="0" u="none" strike="noStrike" kern="0" cap="none" spc="0" normalizeH="0" baseline="0" noProof="0">
                 <a:ln>
                   <a:noFill/>
                 </a:ln>
@@ -8235,7 +8296,7 @@
                 <a:tabLst/>
                 <a:defRPr/>
               </a:pPr>
-              <a:endParaRPr kumimoji="0" lang="en-US" altLang="en-US" sz="2000" b="1" i="0" u="none" strike="noStrike" kern="0" cap="none" spc="0" normalizeH="0" baseline="0" noProof="0">
+              <a:endParaRPr kumimoji="0" lang="en-US" altLang="en-US" sz="1000" b="1" i="0" u="none" strike="noStrike" kern="0" cap="none" spc="0" normalizeH="0" baseline="0" noProof="0">
                 <a:ln>
                   <a:noFill/>
                 </a:ln>
@@ -8402,7 +8463,7 @@
                 <a:tabLst/>
                 <a:defRPr/>
               </a:pPr>
-              <a:endParaRPr kumimoji="0" lang="en-US" altLang="en-US" sz="2000" b="1" i="0" u="none" strike="noStrike" kern="0" cap="none" spc="0" normalizeH="0" baseline="0" noProof="0">
+              <a:endParaRPr kumimoji="0" lang="en-US" altLang="en-US" sz="1000" b="1" i="0" u="none" strike="noStrike" kern="0" cap="none" spc="0" normalizeH="0" baseline="0" noProof="0">
                 <a:ln>
                   <a:noFill/>
                 </a:ln>
@@ -8569,7 +8630,7 @@
                 <a:tabLst/>
                 <a:defRPr/>
               </a:pPr>
-              <a:endParaRPr kumimoji="0" lang="en-US" altLang="en-US" sz="2000" b="1" i="0" u="none" strike="noStrike" kern="0" cap="none" spc="0" normalizeH="0" baseline="0" noProof="0">
+              <a:endParaRPr kumimoji="0" lang="en-US" altLang="en-US" sz="1000" b="1" i="0" u="none" strike="noStrike" kern="0" cap="none" spc="0" normalizeH="0" baseline="0" noProof="0">
                 <a:ln>
                   <a:noFill/>
                 </a:ln>
@@ -8736,7 +8797,7 @@
                 <a:tabLst/>
                 <a:defRPr/>
               </a:pPr>
-              <a:endParaRPr kumimoji="0" lang="en-US" altLang="en-US" sz="2000" b="1" i="0" u="none" strike="noStrike" kern="0" cap="none" spc="0" normalizeH="0" baseline="0" noProof="0">
+              <a:endParaRPr kumimoji="0" lang="en-US" altLang="en-US" sz="1000" b="1" i="0" u="none" strike="noStrike" kern="0" cap="none" spc="0" normalizeH="0" baseline="0" noProof="0">
                 <a:ln>
                   <a:noFill/>
                 </a:ln>
@@ -8905,7 +8966,7 @@
                 <a:tabLst/>
                 <a:defRPr/>
               </a:pPr>
-              <a:endParaRPr kumimoji="0" lang="en-US" altLang="en-US" sz="2000" b="1" i="0" u="none" strike="noStrike" kern="0" cap="none" spc="0" normalizeH="0" baseline="0" noProof="0">
+              <a:endParaRPr kumimoji="0" lang="en-US" altLang="en-US" sz="1000" b="1" i="0" u="none" strike="noStrike" kern="0" cap="none" spc="0" normalizeH="0" baseline="0" noProof="0">
                 <a:ln>
                   <a:noFill/>
                 </a:ln>
@@ -9074,7 +9135,7 @@
                 <a:tabLst/>
                 <a:defRPr/>
               </a:pPr>
-              <a:endParaRPr kumimoji="0" lang="en-US" altLang="en-US" sz="2000" b="1" i="0" u="none" strike="noStrike" kern="0" cap="none" spc="0" normalizeH="0" baseline="0" noProof="0">
+              <a:endParaRPr kumimoji="0" lang="en-US" altLang="en-US" sz="1000" b="1" i="0" u="none" strike="noStrike" kern="0" cap="none" spc="0" normalizeH="0" baseline="0" noProof="0">
                 <a:ln>
                   <a:noFill/>
                 </a:ln>
@@ -9243,7 +9304,7 @@
                 <a:tabLst/>
                 <a:defRPr/>
               </a:pPr>
-              <a:endParaRPr kumimoji="0" lang="en-US" altLang="en-US" sz="2000" b="1" i="0" u="none" strike="noStrike" kern="0" cap="none" spc="0" normalizeH="0" baseline="0" noProof="0">
+              <a:endParaRPr kumimoji="0" lang="en-US" altLang="en-US" sz="1000" b="1" i="0" u="none" strike="noStrike" kern="0" cap="none" spc="0" normalizeH="0" baseline="0" noProof="0">
                 <a:ln>
                   <a:noFill/>
                 </a:ln>
@@ -9412,7 +9473,7 @@
                 <a:tabLst/>
                 <a:defRPr/>
               </a:pPr>
-              <a:endParaRPr kumimoji="0" lang="en-US" altLang="en-US" sz="2000" b="1" i="0" u="none" strike="noStrike" kern="0" cap="none" spc="0" normalizeH="0" baseline="0" noProof="0">
+              <a:endParaRPr kumimoji="0" lang="en-US" altLang="en-US" sz="1000" b="1" i="0" u="none" strike="noStrike" kern="0" cap="none" spc="0" normalizeH="0" baseline="0" noProof="0">
                 <a:ln>
                   <a:noFill/>
                 </a:ln>
@@ -9581,7 +9642,7 @@
                 <a:tabLst/>
                 <a:defRPr/>
               </a:pPr>
-              <a:endParaRPr kumimoji="0" lang="en-US" altLang="en-US" sz="2000" b="1" i="0" u="none" strike="noStrike" kern="0" cap="none" spc="0" normalizeH="0" baseline="0" noProof="0">
+              <a:endParaRPr kumimoji="0" lang="en-US" altLang="en-US" sz="1000" b="1" i="0" u="none" strike="noStrike" kern="0" cap="none" spc="0" normalizeH="0" baseline="0" noProof="0">
                 <a:ln>
                   <a:noFill/>
                 </a:ln>
@@ -9750,7 +9811,7 @@
                 <a:tabLst/>
                 <a:defRPr/>
               </a:pPr>
-              <a:endParaRPr kumimoji="0" lang="en-US" altLang="en-US" sz="2000" b="1" i="0" u="none" strike="noStrike" kern="0" cap="none" spc="0" normalizeH="0" baseline="0" noProof="0">
+              <a:endParaRPr kumimoji="0" lang="en-US" altLang="en-US" sz="1000" b="1" i="0" u="none" strike="noStrike" kern="0" cap="none" spc="0" normalizeH="0" baseline="0" noProof="0">
                 <a:ln>
                   <a:noFill/>
                 </a:ln>
@@ -9919,7 +9980,7 @@
                 <a:tabLst/>
                 <a:defRPr/>
               </a:pPr>
-              <a:endParaRPr kumimoji="0" lang="en-US" altLang="en-US" sz="2000" b="1" i="0" u="none" strike="noStrike" kern="0" cap="none" spc="0" normalizeH="0" baseline="0" noProof="0">
+              <a:endParaRPr kumimoji="0" lang="en-US" altLang="en-US" sz="1000" b="1" i="0" u="none" strike="noStrike" kern="0" cap="none" spc="0" normalizeH="0" baseline="0" noProof="0">
                 <a:ln>
                   <a:noFill/>
                 </a:ln>
@@ -10088,7 +10149,7 @@
                 <a:tabLst/>
                 <a:defRPr/>
               </a:pPr>
-              <a:endParaRPr kumimoji="0" lang="en-US" altLang="en-US" sz="2000" b="1" i="0" u="none" strike="noStrike" kern="0" cap="none" spc="0" normalizeH="0" baseline="0" noProof="0">
+              <a:endParaRPr kumimoji="0" lang="en-US" altLang="en-US" sz="1000" b="1" i="0" u="none" strike="noStrike" kern="0" cap="none" spc="0" normalizeH="0" baseline="0" noProof="0">
                 <a:ln>
                   <a:noFill/>
                 </a:ln>
@@ -10257,7 +10318,7 @@
                 <a:tabLst/>
                 <a:defRPr/>
               </a:pPr>
-              <a:endParaRPr kumimoji="0" lang="en-US" altLang="en-US" sz="2000" b="1" i="0" u="none" strike="noStrike" kern="0" cap="none" spc="0" normalizeH="0" baseline="0" noProof="0">
+              <a:endParaRPr kumimoji="0" lang="en-US" altLang="en-US" sz="1000" b="1" i="0" u="none" strike="noStrike" kern="0" cap="none" spc="0" normalizeH="0" baseline="0" noProof="0">
                 <a:ln>
                   <a:noFill/>
                 </a:ln>
@@ -10426,7 +10487,7 @@
                 <a:tabLst/>
                 <a:defRPr/>
               </a:pPr>
-              <a:endParaRPr kumimoji="0" lang="en-US" altLang="en-US" sz="2000" b="1" i="0" u="none" strike="noStrike" kern="0" cap="none" spc="0" normalizeH="0" baseline="0" noProof="0">
+              <a:endParaRPr kumimoji="0" lang="en-US" altLang="en-US" sz="1000" b="1" i="0" u="none" strike="noStrike" kern="0" cap="none" spc="0" normalizeH="0" baseline="0" noProof="0">
                 <a:ln>
                   <a:noFill/>
                 </a:ln>
@@ -10785,7 +10846,7 @@
                 <a:tabLst/>
                 <a:defRPr/>
               </a:pPr>
-              <a:endParaRPr kumimoji="0" lang="en-US" altLang="en-US" sz="2000" b="1" i="0" u="none" strike="noStrike" kern="0" cap="none" spc="0" normalizeH="0" baseline="0" noProof="0">
+              <a:endParaRPr kumimoji="0" lang="en-US" altLang="en-US" sz="1000" b="1" i="0" u="none" strike="noStrike" kern="0" cap="none" spc="0" normalizeH="0" baseline="0" noProof="0">
                 <a:ln>
                   <a:noFill/>
                 </a:ln>
@@ -11144,7 +11205,7 @@
                 <a:tabLst/>
                 <a:defRPr/>
               </a:pPr>
-              <a:endParaRPr kumimoji="0" lang="en-US" altLang="en-US" sz="2000" b="1" i="0" u="none" strike="noStrike" kern="0" cap="none" spc="0" normalizeH="0" baseline="0" noProof="0">
+              <a:endParaRPr kumimoji="0" lang="en-US" altLang="en-US" sz="1000" b="1" i="0" u="none" strike="noStrike" kern="0" cap="none" spc="0" normalizeH="0" baseline="0" noProof="0">
                 <a:ln>
                   <a:noFill/>
                 </a:ln>
@@ -11176,8 +11237,8 @@
         </p:nvSpPr>
         <p:spPr bwMode="auto">
           <a:xfrm>
-            <a:off x="4906442" y="956960"/>
-            <a:ext cx="2279791" cy="523220"/>
+            <a:off x="4867168" y="1929347"/>
+            <a:ext cx="1207288" cy="257071"/>
           </a:xfrm>
           <a:prstGeom prst="rect">
             <a:avLst/>
@@ -11310,7 +11371,7 @@
               <a:defRPr/>
             </a:pPr>
             <a:r>
-              <a:rPr kumimoji="0" lang="en-US" altLang="en-US" sz="1600" b="0" i="0" u="none" strike="noStrike" kern="0" cap="none" spc="0" normalizeH="0" baseline="0" noProof="0">
+              <a:rPr kumimoji="0" lang="en-US" altLang="en-US" sz="1000" b="0" i="0" u="none" strike="noStrike" kern="0" cap="none" spc="0" normalizeH="0" baseline="0" noProof="0">
                 <a:ln>
                   <a:noFill/>
                 </a:ln>
@@ -11344,7 +11405,7 @@
               <a:defRPr/>
             </a:pPr>
             <a:r>
-              <a:rPr lang="en-US" altLang="en-US" sz="1200" b="0" i="1" kern="0">
+              <a:rPr lang="en-US" altLang="en-US" sz="1000" b="0" i="1" kern="0">
                 <a:solidFill>
                   <a:srgbClr val="000000"/>
                 </a:solidFill>
@@ -11352,7 +11413,7 @@
               </a:rPr>
               <a:t>(the facts that must be conveyed</a:t>
             </a:r>
-            <a:endParaRPr kumimoji="0" lang="en-US" altLang="en-US" sz="1400" b="0" i="1" u="none" strike="noStrike" kern="0" cap="none" spc="0" normalizeH="0" baseline="0" noProof="0">
+            <a:endParaRPr kumimoji="0" lang="en-US" altLang="en-US" sz="1000" b="0" i="1" u="none" strike="noStrike" kern="0" cap="none" spc="0" normalizeH="0" baseline="0" noProof="0">
               <a:ln>
                 <a:noFill/>
               </a:ln>
@@ -11381,8 +11442,8 @@
         </p:nvSpPr>
         <p:spPr>
           <a:xfrm>
-            <a:off x="7959934" y="4582674"/>
-            <a:ext cx="1229364" cy="1683684"/>
+            <a:off x="6700303" y="4258878"/>
+            <a:ext cx="789869" cy="1081772"/>
           </a:xfrm>
           <a:prstGeom prst="arc">
             <a:avLst>
@@ -11390,13 +11451,13 @@
               <a:gd name="adj2" fmla="val 15214760"/>
             </a:avLst>
           </a:prstGeom>
-          <a:ln w="12700">
+          <a:ln w="6350">
             <a:solidFill>
               <a:schemeClr val="tx1"/>
             </a:solidFill>
             <a:prstDash val="dash"/>
-            <a:headEnd type="triangle" w="lg" len="med"/>
-            <a:tailEnd type="none"/>
+            <a:headEnd type="triangle" w="med" len="sm"/>
+            <a:tailEnd type="none" w="med" len="sm"/>
           </a:ln>
         </p:spPr>
         <p:style>
@@ -11418,7 +11479,7 @@
           <a:lstStyle/>
           <a:p>
             <a:pPr algn="ctr"/>
-            <a:endParaRPr lang="en-US"/>
+            <a:endParaRPr lang="en-US" sz="1000"/>
           </a:p>
         </p:txBody>
       </p:sp>
@@ -11438,8 +11499,8 @@
         </p:nvSpPr>
         <p:spPr bwMode="auto">
           <a:xfrm>
-            <a:off x="6959452" y="4807228"/>
-            <a:ext cx="1130438" cy="338554"/>
+            <a:off x="6050732" y="4364535"/>
+            <a:ext cx="497664" cy="158197"/>
           </a:xfrm>
           <a:prstGeom prst="rect">
             <a:avLst/>
@@ -11467,7 +11528,7 @@
               </a:spcAft>
             </a:pPr>
             <a:r>
-              <a:rPr lang="en-US" sz="1600" i="1">
+              <a:rPr lang="en-US" sz="1000" i="1">
                 <a:solidFill>
                   <a:srgbClr val="000000"/>
                 </a:solidFill>
@@ -11475,7 +11536,7 @@
               </a:rPr>
               <a:t>implement</a:t>
             </a:r>
-            <a:endParaRPr lang="en-US" sz="1600" i="1" dirty="0">
+            <a:endParaRPr lang="en-US" sz="1000" i="1" dirty="0">
               <a:solidFill>
                 <a:srgbClr val="000000"/>
               </a:solidFill>
@@ -11500,8 +11561,8 @@
         </p:nvSpPr>
         <p:spPr bwMode="auto">
           <a:xfrm>
-            <a:off x="2191085" y="843923"/>
-            <a:ext cx="1331333" cy="813592"/>
+            <a:off x="2993803" y="1856721"/>
+            <a:ext cx="855385" cy="522735"/>
           </a:xfrm>
           <a:prstGeom prst="roundRect">
             <a:avLst>
@@ -11545,7 +11606,7 @@
               <a:defRPr/>
             </a:pPr>
             <a:r>
-              <a:rPr kumimoji="0" lang="en-US" sz="1600" b="0" i="0" u="none" strike="noStrike" kern="0" cap="none" spc="0" normalizeH="0" baseline="0" noProof="0">
+              <a:rPr kumimoji="0" lang="en-US" sz="1000" b="0" i="0" u="none" strike="noStrike" kern="0" cap="none" spc="0" normalizeH="0" baseline="0" noProof="0">
                 <a:ln>
                   <a:noFill/>
                 </a:ln>
@@ -11581,7 +11642,7 @@
               <a:defRPr/>
             </a:pPr>
             <a:r>
-              <a:rPr kumimoji="0" lang="en-US" sz="1600" b="0" i="0" u="none" strike="noStrike" kern="0" cap="none" spc="0" normalizeH="0" baseline="0" noProof="0">
+              <a:rPr kumimoji="0" lang="en-US" sz="1000" b="0" i="0" u="none" strike="noStrike" kern="0" cap="none" spc="0" normalizeH="0" baseline="0" noProof="0">
                 <a:ln>
                   <a:noFill/>
                 </a:ln>
@@ -11597,7 +11658,7 @@
               </a:rPr>
               <a:t>producer</a:t>
             </a:r>
-            <a:endParaRPr kumimoji="0" lang="en-US" sz="1600" b="0" i="0" u="none" strike="noStrike" kern="0" cap="none" spc="0" normalizeH="0" baseline="0" noProof="0" dirty="0">
+            <a:endParaRPr kumimoji="0" lang="en-US" sz="1000" b="0" i="0" u="none" strike="noStrike" kern="0" cap="none" spc="0" normalizeH="0" baseline="0" noProof="0" dirty="0">
               <a:ln>
                 <a:noFill/>
               </a:ln>
@@ -11630,8 +11691,8 @@
         </p:nvSpPr>
         <p:spPr bwMode="auto">
           <a:xfrm>
-            <a:off x="8703876" y="843923"/>
-            <a:ext cx="1331333" cy="813592"/>
+            <a:off x="7178288" y="1856721"/>
+            <a:ext cx="855385" cy="522735"/>
           </a:xfrm>
           <a:prstGeom prst="roundRect">
             <a:avLst>
@@ -11673,7 +11734,7 @@
               <a:defRPr/>
             </a:pPr>
             <a:r>
-              <a:rPr kumimoji="0" lang="en-US" sz="1600" b="0" i="0" u="none" strike="noStrike" kern="0" cap="none" spc="0" normalizeH="0" baseline="0" noProof="0">
+              <a:rPr kumimoji="0" lang="en-US" sz="1000" b="0" i="0" u="none" strike="noStrike" kern="0" cap="none" spc="0" normalizeH="0" baseline="0" noProof="0">
                 <a:ln>
                   <a:noFill/>
                 </a:ln>
@@ -11709,7 +11770,7 @@
               <a:defRPr/>
             </a:pPr>
             <a:r>
-              <a:rPr kumimoji="0" lang="en-US" sz="1600" b="0" i="0" u="none" strike="noStrike" kern="0" cap="none" spc="0" normalizeH="0" baseline="0" noProof="0">
+              <a:rPr kumimoji="0" lang="en-US" sz="1000" b="0" i="0" u="none" strike="noStrike" kern="0" cap="none" spc="0" normalizeH="0" baseline="0" noProof="0">
                 <a:ln>
                   <a:noFill/>
                 </a:ln>
@@ -11725,7 +11786,7 @@
               </a:rPr>
               <a:t>consumer</a:t>
             </a:r>
-            <a:endParaRPr kumimoji="0" lang="en-US" sz="1600" b="0" i="0" u="none" strike="noStrike" kern="0" cap="none" spc="0" normalizeH="0" baseline="0" noProof="0" dirty="0">
+            <a:endParaRPr kumimoji="0" lang="en-US" sz="1000" b="0" i="0" u="none" strike="noStrike" kern="0" cap="none" spc="0" normalizeH="0" baseline="0" noProof="0" dirty="0">
               <a:ln>
                 <a:noFill/>
               </a:ln>
@@ -11758,8 +11819,8 @@
         </p:nvSpPr>
         <p:spPr bwMode="auto">
           <a:xfrm>
-            <a:off x="2856771" y="6205323"/>
-            <a:ext cx="1119217" cy="338554"/>
+            <a:off x="3534801" y="5301434"/>
+            <a:ext cx="492513" cy="158197"/>
           </a:xfrm>
           <a:prstGeom prst="rect">
             <a:avLst/>
@@ -11787,7 +11848,7 @@
               </a:spcAft>
             </a:pPr>
             <a:r>
-              <a:rPr lang="en-US" sz="1600">
+              <a:rPr lang="en-US" sz="1000">
                 <a:solidFill>
                   <a:srgbClr val="000000"/>
                 </a:solidFill>
@@ -11795,7 +11856,7 @@
               </a:rPr>
               <a:t>Producers</a:t>
             </a:r>
-            <a:endParaRPr lang="en-US" sz="1600" dirty="0">
+            <a:endParaRPr lang="en-US" sz="1000" dirty="0">
               <a:solidFill>
                 <a:srgbClr val="000000"/>
               </a:solidFill>
@@ -11820,8 +11881,8 @@
         </p:nvSpPr>
         <p:spPr bwMode="auto">
           <a:xfrm>
-            <a:off x="8144289" y="6168914"/>
-            <a:ext cx="1233031" cy="338554"/>
+            <a:off x="6945434" y="5278041"/>
+            <a:ext cx="538861" cy="158197"/>
           </a:xfrm>
           <a:prstGeom prst="rect">
             <a:avLst/>
@@ -11849,7 +11910,7 @@
               </a:spcAft>
             </a:pPr>
             <a:r>
-              <a:rPr lang="en-US" sz="1600">
+              <a:rPr lang="en-US" sz="1000">
                 <a:solidFill>
                   <a:srgbClr val="000000"/>
                 </a:solidFill>
@@ -11857,7 +11918,7 @@
               </a:rPr>
               <a:t>Consumers</a:t>
             </a:r>
-            <a:endParaRPr lang="en-US" sz="1600" dirty="0">
+            <a:endParaRPr lang="en-US" sz="1000" dirty="0">
               <a:solidFill>
                 <a:srgbClr val="000000"/>
               </a:solidFill>
@@ -11880,8 +11941,8 @@
         </p:nvSpPr>
         <p:spPr>
           <a:xfrm flipH="1">
-            <a:off x="2905542" y="4582674"/>
-            <a:ext cx="1229364" cy="1683684"/>
+            <a:off x="3452843" y="4258878"/>
+            <a:ext cx="789869" cy="1081772"/>
           </a:xfrm>
           <a:prstGeom prst="arc">
             <a:avLst>
@@ -11889,13 +11950,13 @@
               <a:gd name="adj2" fmla="val 15214760"/>
             </a:avLst>
           </a:prstGeom>
-          <a:ln w="12700">
+          <a:ln w="6350">
             <a:solidFill>
               <a:schemeClr val="tx1"/>
             </a:solidFill>
             <a:prstDash val="dash"/>
-            <a:headEnd type="triangle" w="lg" len="med"/>
-            <a:tailEnd type="none"/>
+            <a:headEnd type="triangle" w="med" len="sm"/>
+            <a:tailEnd type="none" w="med" len="sm"/>
           </a:ln>
         </p:spPr>
         <p:style>
@@ -11917,7 +11978,7 @@
           <a:lstStyle/>
           <a:p>
             <a:pPr algn="ctr"/>
-            <a:endParaRPr lang="en-US"/>
+            <a:endParaRPr lang="en-US" sz="1000"/>
           </a:p>
         </p:txBody>
       </p:sp>
@@ -11935,8 +11996,8 @@
         </p:nvSpPr>
         <p:spPr>
           <a:xfrm>
-            <a:off x="5724045" y="2160961"/>
-            <a:ext cx="681075" cy="879880"/>
+            <a:off x="5263738" y="2702922"/>
+            <a:ext cx="437592" cy="565325"/>
           </a:xfrm>
           <a:prstGeom prst="rect">
             <a:avLst/>
@@ -11969,7 +12030,7 @@
           <a:lstStyle/>
           <a:p>
             <a:pPr algn="ctr"/>
-            <a:endParaRPr lang="en-US"/>
+            <a:endParaRPr lang="en-US" sz="1000"/>
           </a:p>
         </p:txBody>
       </p:sp>
@@ -11988,14 +12049,14 @@
           <p:nvPr>
             <p:extLst>
               <p:ext uri="{D42A27DB-BD31-4B8C-83A1-F6EECF244321}">
-                <p14:modId xmlns:p14="http://schemas.microsoft.com/office/powerpoint/2010/main" val="2712756985"/>
+                <p14:modId xmlns:p14="http://schemas.microsoft.com/office/powerpoint/2010/main" val="1105351915"/>
               </p:ext>
             </p:extLst>
           </p:nvPr>
         </p:nvGraphicFramePr>
         <p:xfrm>
-          <a:off x="5715000" y="2197100"/>
-          <a:ext cx="681075" cy="847492"/>
+          <a:off x="5257928" y="2666507"/>
+          <a:ext cx="437592" cy="544516"/>
         </p:xfrm>
         <a:graphic>
           <a:graphicData uri="http://schemas.openxmlformats.org/presentationml/2006/ole">
@@ -12010,10 +12071,10 @@
                   <p:embed/>
                   <p:pic>
                     <p:nvPicPr>
-                      <p:cNvPr id="32" name="Object 45">
+                      <p:cNvPr id="53" name="Object 45">
                         <a:extLst>
                           <a:ext uri="{FF2B5EF4-FFF2-40B4-BE49-F238E27FC236}">
-                            <a16:creationId xmlns:a16="http://schemas.microsoft.com/office/drawing/2014/main" id="{02975B26-8D9D-1300-2E2A-7A0E4BFCBAA2}"/>
+                            <a16:creationId xmlns:a16="http://schemas.microsoft.com/office/drawing/2014/main" id="{4845EE93-B957-AC0F-DD4A-ADB84DA13780}"/>
                           </a:ext>
                         </a:extLst>
                       </p:cNvPr>
@@ -12037,8 +12098,8 @@
                     </p:blipFill>
                     <p:spPr bwMode="auto">
                       <a:xfrm>
-                        <a:off x="5715000" y="2197100"/>
-                        <a:ext cx="681075" cy="847492"/>
+                        <a:off x="5257928" y="2666507"/>
+                        <a:ext cx="437592" cy="544516"/>
                       </a:xfrm>
                       <a:prstGeom prst="rect">
                         <a:avLst/>
@@ -12075,8 +12136,8 @@
         </p:nvSpPr>
         <p:spPr>
           <a:xfrm rot="478190">
-            <a:off x="7024536" y="3752479"/>
-            <a:ext cx="1210588" cy="338554"/>
+            <a:off x="6224444" y="3755137"/>
+            <a:ext cx="527533" cy="158197"/>
           </a:xfrm>
           <a:prstGeom prst="rect">
             <a:avLst/>
@@ -12090,7 +12151,7 @@
           <a:lstStyle/>
           <a:p>
             <a:r>
-              <a:rPr lang="en-US" sz="1600" i="1" dirty="0">
+              <a:rPr lang="en-US" sz="1000" i="1" dirty="0">
                 <a:solidFill>
                   <a:prstClr val="black"/>
                 </a:solidFill>
@@ -12115,8 +12176,8 @@
         </p:nvSpPr>
         <p:spPr>
           <a:xfrm>
-            <a:off x="3902329" y="1148428"/>
-            <a:ext cx="170027" cy="203348"/>
+            <a:off x="4093282" y="2052366"/>
+            <a:ext cx="109243" cy="130651"/>
           </a:xfrm>
           <a:prstGeom prst="rect">
             <a:avLst/>
@@ -12149,7 +12210,7 @@
           <a:lstStyle/>
           <a:p>
             <a:pPr algn="ctr"/>
-            <a:endParaRPr lang="en-US"/>
+            <a:endParaRPr lang="en-US" sz="1000"/>
           </a:p>
         </p:txBody>
       </p:sp>
@@ -12167,8 +12228,8 @@
         </p:nvSpPr>
         <p:spPr>
           <a:xfrm>
-            <a:off x="7978887" y="1148428"/>
-            <a:ext cx="349650" cy="203348"/>
+            <a:off x="6712480" y="2052366"/>
+            <a:ext cx="224651" cy="130651"/>
           </a:xfrm>
           <a:prstGeom prst="rect">
             <a:avLst/>
@@ -12201,7 +12262,7 @@
           <a:lstStyle/>
           <a:p>
             <a:pPr algn="ctr"/>
-            <a:endParaRPr lang="en-US"/>
+            <a:endParaRPr lang="en-US" sz="1000"/>
           </a:p>
         </p:txBody>
       </p:sp>
@@ -12228,8 +12289,8 @@
         </p:blipFill>
         <p:spPr bwMode="auto">
           <a:xfrm>
-            <a:off x="3427420" y="2177538"/>
-            <a:ext cx="878935" cy="834214"/>
+            <a:off x="3788151" y="2713572"/>
+            <a:ext cx="564718" cy="535984"/>
           </a:xfrm>
           <a:prstGeom prst="rect">
             <a:avLst/>
@@ -12253,8 +12314,8 @@
         </p:nvSpPr>
         <p:spPr bwMode="auto">
           <a:xfrm>
-            <a:off x="2339768" y="2319927"/>
-            <a:ext cx="1015021" cy="584775"/>
+            <a:off x="3189750" y="2805057"/>
+            <a:ext cx="451317" cy="257071"/>
           </a:xfrm>
           <a:prstGeom prst="rect">
             <a:avLst/>
@@ -12282,7 +12343,7 @@
               </a:spcAft>
             </a:pPr>
             <a:r>
-              <a:rPr lang="en-US" sz="1600">
+              <a:rPr lang="en-US" sz="1000">
                 <a:solidFill>
                   <a:srgbClr val="000000"/>
                 </a:solidFill>
@@ -12301,7 +12362,7 @@
               </a:spcAft>
             </a:pPr>
             <a:r>
-              <a:rPr lang="en-US" sz="1600">
+              <a:rPr lang="en-US" sz="1000">
                 <a:solidFill>
                   <a:srgbClr val="000000"/>
                 </a:solidFill>
@@ -12309,7 +12370,7 @@
               </a:rPr>
               <a:t>Analyst</a:t>
             </a:r>
-            <a:endParaRPr lang="en-US" sz="1600" dirty="0">
+            <a:endParaRPr lang="en-US" sz="1000" dirty="0">
               <a:solidFill>
                 <a:srgbClr val="000000"/>
               </a:solidFill>
@@ -12341,8 +12402,8 @@
         </p:blipFill>
         <p:spPr bwMode="auto">
           <a:xfrm flipH="1">
-            <a:off x="7935337" y="2178038"/>
-            <a:ext cx="878935" cy="834214"/>
+            <a:off x="6684499" y="2713894"/>
+            <a:ext cx="564718" cy="535984"/>
           </a:xfrm>
           <a:prstGeom prst="rect">
             <a:avLst/>
@@ -12366,8 +12427,8 @@
         </p:nvSpPr>
         <p:spPr bwMode="auto">
           <a:xfrm flipH="1">
-            <a:off x="8935770" y="2192927"/>
-            <a:ext cx="867545" cy="830997"/>
+            <a:off x="7410190" y="2723460"/>
+            <a:ext cx="391580" cy="355945"/>
           </a:xfrm>
           <a:prstGeom prst="rect">
             <a:avLst/>
@@ -12395,7 +12456,7 @@
               </a:spcAft>
             </a:pPr>
             <a:r>
-              <a:rPr lang="en-US" sz="1600">
+              <a:rPr lang="en-US" sz="1000">
                 <a:solidFill>
                   <a:srgbClr val="000000"/>
                 </a:solidFill>
@@ -12414,7 +12475,7 @@
               </a:spcAft>
             </a:pPr>
             <a:r>
-              <a:rPr lang="en-US" sz="1600">
+              <a:rPr lang="en-US" sz="1000">
                 <a:solidFill>
                   <a:srgbClr val="000000"/>
                 </a:solidFill>
@@ -12433,7 +12494,7 @@
               </a:spcAft>
             </a:pPr>
             <a:r>
-              <a:rPr lang="en-US" sz="1600">
+              <a:rPr lang="en-US" sz="1000">
                 <a:solidFill>
                   <a:srgbClr val="000000"/>
                 </a:solidFill>
@@ -12441,7 +12502,7 @@
               </a:rPr>
               <a:t>Expert</a:t>
             </a:r>
-            <a:endParaRPr lang="en-US" sz="1600" dirty="0">
+            <a:endParaRPr lang="en-US" sz="1000" dirty="0">
               <a:solidFill>
                 <a:srgbClr val="000000"/>
               </a:solidFill>
@@ -12466,18 +12527,18 @@
         </p:nvCxnSpPr>
         <p:spPr>
           <a:xfrm flipV="1">
-            <a:off x="4112420" y="1514828"/>
-            <a:ext cx="1055557" cy="653558"/>
+            <a:off x="4228265" y="2376536"/>
+            <a:ext cx="666171" cy="359076"/>
           </a:xfrm>
           <a:prstGeom prst="straightConnector1">
             <a:avLst/>
           </a:prstGeom>
-          <a:ln w="12700">
+          <a:ln w="6350">
             <a:solidFill>
               <a:schemeClr val="tx1"/>
             </a:solidFill>
             <a:prstDash val="dash"/>
-            <a:tailEnd type="triangle"/>
+            <a:tailEnd type="triangle" w="med" len="sm"/>
           </a:ln>
         </p:spPr>
         <p:style>
@@ -12511,18 +12572,18 @@
         </p:nvCxnSpPr>
         <p:spPr>
           <a:xfrm flipH="1" flipV="1">
-            <a:off x="7112032" y="1514828"/>
-            <a:ext cx="1055557" cy="653558"/>
+            <a:off x="6155524" y="2357579"/>
+            <a:ext cx="678198" cy="419913"/>
           </a:xfrm>
           <a:prstGeom prst="straightConnector1">
             <a:avLst/>
           </a:prstGeom>
-          <a:ln w="12700">
+          <a:ln w="6350">
             <a:solidFill>
               <a:schemeClr val="tx1"/>
             </a:solidFill>
             <a:prstDash val="dash"/>
-            <a:tailEnd type="triangle"/>
+            <a:tailEnd type="triangle" w="med" len="sm"/>
           </a:ln>
         </p:spPr>
         <p:style>
@@ -12556,8 +12617,8 @@
         </p:nvSpPr>
         <p:spPr bwMode="auto">
           <a:xfrm>
-            <a:off x="4444392" y="1855735"/>
-            <a:ext cx="845103" cy="338554"/>
+            <a:off x="4441558" y="2506812"/>
+            <a:ext cx="382312" cy="158197"/>
           </a:xfrm>
           <a:prstGeom prst="rect">
             <a:avLst/>
@@ -12585,7 +12646,7 @@
               </a:spcAft>
             </a:pPr>
             <a:r>
-              <a:rPr lang="en-US" sz="1600" i="1">
+              <a:rPr lang="en-US" sz="1000" i="1">
                 <a:solidFill>
                   <a:srgbClr val="000000"/>
                 </a:solidFill>
@@ -12593,7 +12654,7 @@
               </a:rPr>
               <a:t>defines</a:t>
             </a:r>
-            <a:endParaRPr lang="en-US" sz="1600" i="1" dirty="0">
+            <a:endParaRPr lang="en-US" sz="1000" i="1" dirty="0">
               <a:solidFill>
                 <a:srgbClr val="000000"/>
               </a:solidFill>
@@ -12604,10 +12665,108 @@
       </p:sp>
       <p:sp>
         <p:nvSpPr>
+          <p:cNvPr id="11" name="Text Box 48">
+            <a:extLst>
+              <a:ext uri="{FF2B5EF4-FFF2-40B4-BE49-F238E27FC236}">
+                <a16:creationId xmlns:a16="http://schemas.microsoft.com/office/drawing/2014/main" id="{9D43D704-B2D7-32D0-5F3C-FA228092731C}"/>
+              </a:ext>
+            </a:extLst>
+          </p:cNvPr>
+          <p:cNvSpPr txBox="1">
+            <a:spLocks noChangeArrowheads="1"/>
+          </p:cNvSpPr>
+          <p:nvPr/>
+        </p:nvSpPr>
+        <p:spPr bwMode="auto">
+          <a:xfrm>
+            <a:off x="6025163" y="2506812"/>
+            <a:ext cx="382312" cy="158197"/>
+          </a:xfrm>
+          <a:prstGeom prst="rect">
+            <a:avLst/>
+          </a:prstGeom>
+          <a:noFill/>
+          <a:ln w="9525">
+            <a:noFill/>
+            <a:miter lim="800000"/>
+            <a:headEnd/>
+            <a:tailEnd/>
+          </a:ln>
+        </p:spPr>
+        <p:txBody>
+          <a:bodyPr wrap="none">
+            <a:spAutoFit/>
+          </a:bodyPr>
+          <a:lstStyle/>
+          <a:p>
+            <a:pPr fontAlgn="base">
+              <a:spcBef>
+                <a:spcPct val="0"/>
+              </a:spcBef>
+              <a:spcAft>
+                <a:spcPct val="0"/>
+              </a:spcAft>
+            </a:pPr>
+            <a:r>
+              <a:rPr lang="en-US" sz="1000" i="1">
+                <a:solidFill>
+                  <a:srgbClr val="000000"/>
+                </a:solidFill>
+                <a:latin typeface="Arial" charset="0"/>
+              </a:rPr>
+              <a:t>defines</a:t>
+            </a:r>
+            <a:endParaRPr lang="en-US" sz="1000" i="1" dirty="0">
+              <a:solidFill>
+                <a:srgbClr val="000000"/>
+              </a:solidFill>
+              <a:latin typeface="Arial" charset="0"/>
+            </a:endParaRPr>
+          </a:p>
+        </p:txBody>
+      </p:sp>
+    </p:spTree>
+    <p:extLst>
+      <p:ext uri="{BB962C8B-B14F-4D97-AF65-F5344CB8AC3E}">
+        <p14:creationId xmlns:p14="http://schemas.microsoft.com/office/powerpoint/2010/main" val="3681240054"/>
+      </p:ext>
+    </p:extLst>
+  </p:cSld>
+  <p:clrMapOvr>
+    <a:masterClrMapping/>
+  </p:clrMapOvr>
+</p:sld>
+</file>
+
+<file path=ppt/slides/slide2.xml><?xml version="1.0" encoding="utf-8"?>
+<p:sld xmlns:a="http://schemas.openxmlformats.org/drawingml/2006/main" xmlns:r="http://schemas.openxmlformats.org/officeDocument/2006/relationships" xmlns:p="http://schemas.openxmlformats.org/presentationml/2006/main">
+  <p:cSld>
+    <p:spTree>
+      <p:nvGrpSpPr>
+        <p:cNvPr id="1" name="">
+          <a:extLst>
+            <a:ext uri="{FF2B5EF4-FFF2-40B4-BE49-F238E27FC236}">
+              <a16:creationId xmlns:a16="http://schemas.microsoft.com/office/drawing/2014/main" id="{A3BDC0F9-8DAF-A23D-EECF-C01C5258D6EF}"/>
+            </a:ext>
+          </a:extLst>
+        </p:cNvPr>
+        <p:cNvGrpSpPr/>
+        <p:nvPr/>
+      </p:nvGrpSpPr>
+      <p:grpSpPr>
+        <a:xfrm>
+          <a:off x="0" y="0"/>
+          <a:ext cx="0" cy="0"/>
+          <a:chOff x="0" y="0"/>
+          <a:chExt cx="0" cy="0"/>
+        </a:xfrm>
+      </p:grpSpPr>
+      <p:sp>
+        <p:nvSpPr>
           <p:cNvPr id="10" name="Rectangle 9">
             <a:extLst>
               <a:ext uri="{FF2B5EF4-FFF2-40B4-BE49-F238E27FC236}">
-                <a16:creationId xmlns:a16="http://schemas.microsoft.com/office/drawing/2014/main" id="{12CDD838-BE61-9B2F-F0C3-EC4ED9D1925D}"/>
+                <a16:creationId xmlns:a16="http://schemas.microsoft.com/office/drawing/2014/main" id="{1C79E3CB-5F6B-5F5F-33DC-069863AFB7F4}"/>
               </a:ext>
             </a:extLst>
           </p:cNvPr>
@@ -12616,8 +12775,8 @@
         </p:nvSpPr>
         <p:spPr>
           <a:xfrm>
-            <a:off x="215165" y="267580"/>
-            <a:ext cx="1138518" cy="484094"/>
+            <a:off x="215164" y="267580"/>
+            <a:ext cx="1385035" cy="484094"/>
           </a:xfrm>
           <a:prstGeom prst="rect">
             <a:avLst/>
@@ -12658,216 +12817,8 @@
                   <a:schemeClr val="tx1"/>
                 </a:solidFill>
               </a:rPr>
-              <a:t>context</a:t>
+              <a:t>m2mShare</a:t>
             </a:r>
-          </a:p>
-        </p:txBody>
-      </p:sp>
-      <p:sp>
-        <p:nvSpPr>
-          <p:cNvPr id="11" name="Text Box 48">
-            <a:extLst>
-              <a:ext uri="{FF2B5EF4-FFF2-40B4-BE49-F238E27FC236}">
-                <a16:creationId xmlns:a16="http://schemas.microsoft.com/office/drawing/2014/main" id="{9D43D704-B2D7-32D0-5F3C-FA228092731C}"/>
-              </a:ext>
-            </a:extLst>
-          </p:cNvPr>
-          <p:cNvSpPr txBox="1">
-            <a:spLocks noChangeArrowheads="1"/>
-          </p:cNvSpPr>
-          <p:nvPr/>
-        </p:nvSpPr>
-        <p:spPr bwMode="auto">
-          <a:xfrm>
-            <a:off x="7006911" y="1855735"/>
-            <a:ext cx="845103" cy="338554"/>
-          </a:xfrm>
-          <a:prstGeom prst="rect">
-            <a:avLst/>
-          </a:prstGeom>
-          <a:noFill/>
-          <a:ln w="9525">
-            <a:noFill/>
-            <a:miter lim="800000"/>
-            <a:headEnd/>
-            <a:tailEnd/>
-          </a:ln>
-        </p:spPr>
-        <p:txBody>
-          <a:bodyPr wrap="none">
-            <a:spAutoFit/>
-          </a:bodyPr>
-          <a:lstStyle/>
-          <a:p>
-            <a:pPr fontAlgn="base">
-              <a:spcBef>
-                <a:spcPct val="0"/>
-              </a:spcBef>
-              <a:spcAft>
-                <a:spcPct val="0"/>
-              </a:spcAft>
-            </a:pPr>
-            <a:r>
-              <a:rPr lang="en-US" sz="1600" i="1">
-                <a:solidFill>
-                  <a:srgbClr val="000000"/>
-                </a:solidFill>
-                <a:latin typeface="Arial" charset="0"/>
-              </a:rPr>
-              <a:t>defines</a:t>
-            </a:r>
-            <a:endParaRPr lang="en-US" sz="1600" i="1" dirty="0">
-              <a:solidFill>
-                <a:srgbClr val="000000"/>
-              </a:solidFill>
-              <a:latin typeface="Arial" charset="0"/>
-            </a:endParaRPr>
-          </a:p>
-        </p:txBody>
-      </p:sp>
-    </p:spTree>
-    <p:extLst>
-      <p:ext uri="{BB962C8B-B14F-4D97-AF65-F5344CB8AC3E}">
-        <p14:creationId xmlns:p14="http://schemas.microsoft.com/office/powerpoint/2010/main" val="125025333"/>
-      </p:ext>
-    </p:extLst>
-  </p:cSld>
-  <p:clrMapOvr>
-    <a:masterClrMapping/>
-  </p:clrMapOvr>
-</p:sld>
-</file>
-
-<file path=ppt/slides/slide2.xml><?xml version="1.0" encoding="utf-8"?>
-<p:sld xmlns:a="http://schemas.openxmlformats.org/drawingml/2006/main" xmlns:r="http://schemas.openxmlformats.org/officeDocument/2006/relationships" xmlns:p="http://schemas.openxmlformats.org/presentationml/2006/main">
-  <p:cSld>
-    <p:spTree>
-      <p:nvGrpSpPr>
-        <p:cNvPr id="1" name=""/>
-        <p:cNvGrpSpPr/>
-        <p:nvPr/>
-      </p:nvGrpSpPr>
-      <p:grpSpPr>
-        <a:xfrm>
-          <a:off x="0" y="0"/>
-          <a:ext cx="0" cy="0"/>
-          <a:chOff x="0" y="0"/>
-          <a:chExt cx="0" cy="0"/>
-        </a:xfrm>
-      </p:grpSpPr>
-      <p:sp>
-        <p:nvSpPr>
-          <p:cNvPr id="10" name="Rectangle 9">
-            <a:extLst>
-              <a:ext uri="{FF2B5EF4-FFF2-40B4-BE49-F238E27FC236}">
-                <a16:creationId xmlns:a16="http://schemas.microsoft.com/office/drawing/2014/main" id="{12CDD838-BE61-9B2F-F0C3-EC4ED9D1925D}"/>
-              </a:ext>
-            </a:extLst>
-          </p:cNvPr>
-          <p:cNvSpPr/>
-          <p:nvPr/>
-        </p:nvSpPr>
-        <p:spPr>
-          <a:xfrm>
-            <a:off x="215165" y="267580"/>
-            <a:ext cx="1138518" cy="484094"/>
-          </a:xfrm>
-          <a:prstGeom prst="rect">
-            <a:avLst/>
-          </a:prstGeom>
-          <a:solidFill>
-            <a:srgbClr val="FFFF00"/>
-          </a:solidFill>
-          <a:ln>
-            <a:solidFill>
-              <a:schemeClr val="tx1"/>
-            </a:solidFill>
-          </a:ln>
-        </p:spPr>
-        <p:style>
-          <a:lnRef idx="2">
-            <a:schemeClr val="accent1">
-              <a:shade val="15000"/>
-            </a:schemeClr>
-          </a:lnRef>
-          <a:fillRef idx="1">
-            <a:schemeClr val="accent1"/>
-          </a:fillRef>
-          <a:effectRef idx="0">
-            <a:schemeClr val="accent1"/>
-          </a:effectRef>
-          <a:fontRef idx="minor">
-            <a:schemeClr val="lt1"/>
-          </a:fontRef>
-        </p:style>
-        <p:txBody>
-          <a:bodyPr rtlCol="0" anchor="ctr"/>
-          <a:lstStyle/>
-          <a:p>
-            <a:pPr algn="ctr"/>
-            <a:r>
-              <a:rPr lang="en-US">
-                <a:solidFill>
-                  <a:schemeClr val="tx1"/>
-                </a:solidFill>
-              </a:rPr>
-              <a:t>context</a:t>
-            </a:r>
-          </a:p>
-        </p:txBody>
-      </p:sp>
-      <p:sp>
-        <p:nvSpPr>
-          <p:cNvPr id="593" name="Arrow: Right 592">
-            <a:extLst>
-              <a:ext uri="{FF2B5EF4-FFF2-40B4-BE49-F238E27FC236}">
-                <a16:creationId xmlns:a16="http://schemas.microsoft.com/office/drawing/2014/main" id="{D5F1A56B-E30B-9BF0-BC22-B64821607554}"/>
-              </a:ext>
-            </a:extLst>
-          </p:cNvPr>
-          <p:cNvSpPr/>
-          <p:nvPr/>
-        </p:nvSpPr>
-        <p:spPr>
-          <a:xfrm>
-            <a:off x="3653166" y="1973912"/>
-            <a:ext cx="3531636" cy="288354"/>
-          </a:xfrm>
-          <a:prstGeom prst="rightArrow">
-            <a:avLst>
-              <a:gd name="adj1" fmla="val 50000"/>
-              <a:gd name="adj2" fmla="val 54354"/>
-            </a:avLst>
-          </a:prstGeom>
-          <a:solidFill>
-            <a:srgbClr val="F2F2F2"/>
-          </a:solidFill>
-          <a:ln>
-            <a:prstDash val="sysDot"/>
-          </a:ln>
-        </p:spPr>
-        <p:style>
-          <a:lnRef idx="2">
-            <a:schemeClr val="accent1">
-              <a:shade val="15000"/>
-            </a:schemeClr>
-          </a:lnRef>
-          <a:fillRef idx="1">
-            <a:schemeClr val="accent1"/>
-          </a:fillRef>
-          <a:effectRef idx="0">
-            <a:schemeClr val="accent1"/>
-          </a:effectRef>
-          <a:fontRef idx="minor">
-            <a:schemeClr val="lt1"/>
-          </a:fontRef>
-        </p:style>
-        <p:txBody>
-          <a:bodyPr rtlCol="0" anchor="ctr"/>
-          <a:lstStyle/>
-          <a:p>
-            <a:pPr algn="ctr"/>
-            <a:endParaRPr lang="en-US" sz="1000"/>
           </a:p>
         </p:txBody>
       </p:sp>
@@ -12876,7 +12827,7 @@
           <p:cNvPr id="25" name="AutoShape 38">
             <a:extLst>
               <a:ext uri="{FF2B5EF4-FFF2-40B4-BE49-F238E27FC236}">
-                <a16:creationId xmlns:a16="http://schemas.microsoft.com/office/drawing/2014/main" id="{A658719C-383A-B9F9-AB47-0714BD808C5E}"/>
+                <a16:creationId xmlns:a16="http://schemas.microsoft.com/office/drawing/2014/main" id="{4DF8ADDA-F190-EC86-AF51-44D5466C14D8}"/>
               </a:ext>
             </a:extLst>
           </p:cNvPr>
@@ -12887,7 +12838,7 @@
         </p:nvSpPr>
         <p:spPr bwMode="auto">
           <a:xfrm>
-            <a:off x="6884243" y="4642644"/>
+            <a:off x="7221274" y="5660013"/>
             <a:ext cx="855385" cy="522735"/>
           </a:xfrm>
           <a:prstGeom prst="roundRect">
@@ -12988,7 +12939,7 @@
           <p:cNvPr id="26" name="AutoShape 38">
             <a:extLst>
               <a:ext uri="{FF2B5EF4-FFF2-40B4-BE49-F238E27FC236}">
-                <a16:creationId xmlns:a16="http://schemas.microsoft.com/office/drawing/2014/main" id="{2F651DD0-E896-E0D4-76B7-8DAFB1CEB21C}"/>
+                <a16:creationId xmlns:a16="http://schemas.microsoft.com/office/drawing/2014/main" id="{A2A338A9-9FC2-DCF3-EB4E-07F4A36C2C13}"/>
               </a:ext>
             </a:extLst>
           </p:cNvPr>
@@ -12999,7 +12950,7 @@
         </p:nvSpPr>
         <p:spPr bwMode="auto">
           <a:xfrm>
-            <a:off x="6810479" y="4702932"/>
+            <a:off x="7147510" y="5720301"/>
             <a:ext cx="855385" cy="522735"/>
           </a:xfrm>
           <a:prstGeom prst="roundRect">
@@ -13100,7 +13051,7 @@
           <p:cNvPr id="27" name="AutoShape 38">
             <a:extLst>
               <a:ext uri="{FF2B5EF4-FFF2-40B4-BE49-F238E27FC236}">
-                <a16:creationId xmlns:a16="http://schemas.microsoft.com/office/drawing/2014/main" id="{1D9B87BD-BCD2-04CB-0093-365F7FDDC46F}"/>
+                <a16:creationId xmlns:a16="http://schemas.microsoft.com/office/drawing/2014/main" id="{53F613B3-EA44-DB0B-CF66-41F158331BD5}"/>
               </a:ext>
             </a:extLst>
           </p:cNvPr>
@@ -13111,7 +13062,7 @@
         </p:nvSpPr>
         <p:spPr bwMode="auto">
           <a:xfrm>
-            <a:off x="3471751" y="4645308"/>
+            <a:off x="3096011" y="5662677"/>
             <a:ext cx="855385" cy="522735"/>
           </a:xfrm>
           <a:prstGeom prst="roundRect">
@@ -13212,7 +13163,7 @@
           <p:cNvPr id="28" name="AutoShape 34">
             <a:extLst>
               <a:ext uri="{FF2B5EF4-FFF2-40B4-BE49-F238E27FC236}">
-                <a16:creationId xmlns:a16="http://schemas.microsoft.com/office/drawing/2014/main" id="{6C50F194-E217-89D5-5DFD-ACF17B811B50}"/>
+                <a16:creationId xmlns:a16="http://schemas.microsoft.com/office/drawing/2014/main" id="{7F5ED544-FBA3-D52F-9295-6E46F1902E25}"/>
               </a:ext>
             </a:extLst>
           </p:cNvPr>
@@ -13223,7 +13174,7 @@
         </p:nvSpPr>
         <p:spPr bwMode="auto">
           <a:xfrm>
-            <a:off x="6750595" y="4761448"/>
+            <a:off x="7087626" y="5778817"/>
             <a:ext cx="855385" cy="522735"/>
           </a:xfrm>
           <a:prstGeom prst="roundRect">
@@ -13321,125 +13272,10 @@
       </p:sp>
       <p:sp>
         <p:nvSpPr>
-          <p:cNvPr id="29" name="AutoShape 46">
-            <a:extLst>
-              <a:ext uri="{FF2B5EF4-FFF2-40B4-BE49-F238E27FC236}">
-                <a16:creationId xmlns:a16="http://schemas.microsoft.com/office/drawing/2014/main" id="{B6DBFE6E-2EBE-F8F4-881D-7DC1F5A6AD51}"/>
-              </a:ext>
-            </a:extLst>
-          </p:cNvPr>
-          <p:cNvSpPr>
-            <a:spLocks noChangeArrowheads="1"/>
-          </p:cNvSpPr>
-          <p:nvPr/>
-        </p:nvSpPr>
-        <p:spPr bwMode="auto">
-          <a:xfrm>
-            <a:off x="5143375" y="3573413"/>
-            <a:ext cx="648288" cy="570256"/>
-          </a:xfrm>
-          <a:prstGeom prst="roundRect">
-            <a:avLst>
-              <a:gd name="adj" fmla="val 16667"/>
-            </a:avLst>
-          </a:prstGeom>
-          <a:solidFill>
-            <a:srgbClr val="C2A3FF"/>
-          </a:solidFill>
-          <a:ln w="9525">
-            <a:solidFill>
-              <a:sysClr val="windowText" lastClr="000000"/>
-            </a:solidFill>
-            <a:round/>
-            <a:headEnd/>
-            <a:tailEnd/>
-          </a:ln>
-        </p:spPr>
-        <p:txBody>
-          <a:bodyPr wrap="none" anchor="ctr"/>
-          <a:lstStyle/>
-          <a:p>
-            <a:pPr marL="0" marR="0" lvl="0" indent="0" algn="ctr" defTabSz="914400" eaLnBrk="1" fontAlgn="base" latinLnBrk="0" hangingPunct="1">
-              <a:lnSpc>
-                <a:spcPct val="100000"/>
-              </a:lnSpc>
-              <a:spcBef>
-                <a:spcPct val="0"/>
-              </a:spcBef>
-              <a:spcAft>
-                <a:spcPct val="0"/>
-              </a:spcAft>
-              <a:buClrTx/>
-              <a:buSzTx/>
-              <a:buFontTx/>
-              <a:buNone/>
-              <a:tabLst/>
-              <a:defRPr/>
-            </a:pPr>
-            <a:r>
-              <a:rPr kumimoji="0" lang="en-US" sz="1000" b="0" i="0" u="none" strike="noStrike" kern="0" cap="none" spc="0" normalizeH="0" baseline="0" noProof="0">
-                <a:ln>
-                  <a:noFill/>
-                </a:ln>
-                <a:solidFill>
-                  <a:srgbClr val="000000"/>
-                </a:solidFill>
-                <a:effectLst/>
-                <a:uLnTx/>
-                <a:uFillTx/>
-                <a:latin typeface="Arial" charset="0"/>
-              </a:rPr>
-              <a:t>Message</a:t>
-            </a:r>
-          </a:p>
-          <a:p>
-            <a:pPr marL="0" marR="0" lvl="0" indent="0" algn="ctr" defTabSz="914400" eaLnBrk="1" fontAlgn="base" latinLnBrk="0" hangingPunct="1">
-              <a:lnSpc>
-                <a:spcPct val="100000"/>
-              </a:lnSpc>
-              <a:spcBef>
-                <a:spcPct val="0"/>
-              </a:spcBef>
-              <a:spcAft>
-                <a:spcPct val="0"/>
-              </a:spcAft>
-              <a:buClrTx/>
-              <a:buSzTx/>
-              <a:buFontTx/>
-              <a:buNone/>
-              <a:tabLst/>
-              <a:defRPr/>
-            </a:pPr>
-            <a:r>
-              <a:rPr lang="en-US" sz="1000" kern="0">
-                <a:solidFill>
-                  <a:srgbClr val="000000"/>
-                </a:solidFill>
-                <a:latin typeface="Arial" charset="0"/>
-              </a:rPr>
-              <a:t>format</a:t>
-            </a:r>
-            <a:endParaRPr kumimoji="0" lang="en-US" sz="1000" b="0" i="0" u="none" strike="noStrike" kern="0" cap="none" spc="0" normalizeH="0" baseline="0" noProof="0" dirty="0">
-              <a:ln>
-                <a:noFill/>
-              </a:ln>
-              <a:solidFill>
-                <a:srgbClr val="000000"/>
-              </a:solidFill>
-              <a:effectLst/>
-              <a:uLnTx/>
-              <a:uFillTx/>
-              <a:latin typeface="Arial" charset="0"/>
-            </a:endParaRPr>
-          </a:p>
-        </p:txBody>
-      </p:sp>
-      <p:sp>
-        <p:nvSpPr>
           <p:cNvPr id="31" name="Text Box 48">
             <a:extLst>
               <a:ext uri="{FF2B5EF4-FFF2-40B4-BE49-F238E27FC236}">
-                <a16:creationId xmlns:a16="http://schemas.microsoft.com/office/drawing/2014/main" id="{3DD87DF9-BD98-4CED-FF63-06355D5EA192}"/>
+                <a16:creationId xmlns:a16="http://schemas.microsoft.com/office/drawing/2014/main" id="{30BC09BC-1DC7-C0D2-1C76-F908DF329B07}"/>
               </a:ext>
             </a:extLst>
           </p:cNvPr>
@@ -13450,8 +13286,8 @@
         </p:nvSpPr>
         <p:spPr bwMode="auto">
           <a:xfrm>
-            <a:off x="4844953" y="4231392"/>
-            <a:ext cx="437928" cy="158197"/>
+            <a:off x="4915055" y="5314717"/>
+            <a:ext cx="496931" cy="153888"/>
           </a:xfrm>
           <a:prstGeom prst="rect">
             <a:avLst/>
@@ -13465,7 +13301,7 @@
           </a:ln>
         </p:spPr>
         <p:txBody>
-          <a:bodyPr wrap="none">
+          <a:bodyPr wrap="none" lIns="0" tIns="0" rIns="0" bIns="0">
             <a:spAutoFit/>
           </a:bodyPr>
           <a:lstStyle/>
@@ -13501,7 +13337,7 @@
           <p:cNvPr id="32" name="Object 45">
             <a:extLst>
               <a:ext uri="{FF2B5EF4-FFF2-40B4-BE49-F238E27FC236}">
-                <a16:creationId xmlns:a16="http://schemas.microsoft.com/office/drawing/2014/main" id="{02975B26-8D9D-1300-2E2A-7A0E4BFCBAA2}"/>
+                <a16:creationId xmlns:a16="http://schemas.microsoft.com/office/drawing/2014/main" id="{9D1DD994-D87E-FD30-B8ED-6D0B15FB1FE3}"/>
               </a:ext>
             </a:extLst>
           </p:cNvPr>
@@ -13511,13 +13347,13 @@
           <p:nvPr>
             <p:extLst>
               <p:ext uri="{D42A27DB-BD31-4B8C-83A1-F6EECF244321}">
-                <p14:modId xmlns:p14="http://schemas.microsoft.com/office/powerpoint/2010/main" val="386143746"/>
+                <p14:modId xmlns:p14="http://schemas.microsoft.com/office/powerpoint/2010/main" val="3208357503"/>
               </p:ext>
             </p:extLst>
           </p:nvPr>
         </p:nvGraphicFramePr>
         <p:xfrm>
-          <a:off x="6959492" y="4024866"/>
+          <a:off x="7296523" y="5042235"/>
           <a:ext cx="437592" cy="544516"/>
         </p:xfrm>
         <a:graphic>
@@ -13560,7 +13396,7 @@
                     </p:blipFill>
                     <p:spPr bwMode="auto">
                       <a:xfrm>
-                        <a:off x="6959492" y="4024866"/>
+                        <a:off x="7296523" y="5042235"/>
                         <a:ext cx="437592" cy="544516"/>
                       </a:xfrm>
                       <a:prstGeom prst="rect">
@@ -13589,7 +13425,7 @@
           <p:cNvPr id="33" name="Object 43">
             <a:extLst>
               <a:ext uri="{FF2B5EF4-FFF2-40B4-BE49-F238E27FC236}">
-                <a16:creationId xmlns:a16="http://schemas.microsoft.com/office/drawing/2014/main" id="{5350836A-7752-1A1C-29A9-A5F7E150D374}"/>
+                <a16:creationId xmlns:a16="http://schemas.microsoft.com/office/drawing/2014/main" id="{CBA7D929-1849-A49D-11BE-3C14F68B2456}"/>
               </a:ext>
             </a:extLst>
           </p:cNvPr>
@@ -13599,13 +13435,13 @@
           <p:nvPr>
             <p:extLst>
               <p:ext uri="{D42A27DB-BD31-4B8C-83A1-F6EECF244321}">
-                <p14:modId xmlns:p14="http://schemas.microsoft.com/office/powerpoint/2010/main" val="1054249122"/>
+                <p14:modId xmlns:p14="http://schemas.microsoft.com/office/powerpoint/2010/main" val="1837474010"/>
               </p:ext>
             </p:extLst>
           </p:nvPr>
         </p:nvGraphicFramePr>
         <p:xfrm>
-          <a:off x="3565674" y="4024866"/>
+          <a:off x="3189934" y="5042235"/>
           <a:ext cx="437592" cy="544516"/>
         </p:xfrm>
         <a:graphic>
@@ -13648,7 +13484,7 @@
                     </p:blipFill>
                     <p:spPr bwMode="auto">
                       <a:xfrm>
-                        <a:off x="3565674" y="4024866"/>
+                        <a:off x="3189934" y="5042235"/>
                         <a:ext cx="437592" cy="544516"/>
                       </a:xfrm>
                       <a:prstGeom prst="rect">
@@ -13677,7 +13513,7 @@
           <p:cNvPr id="34" name="TextBox 33">
             <a:extLst>
               <a:ext uri="{FF2B5EF4-FFF2-40B4-BE49-F238E27FC236}">
-                <a16:creationId xmlns:a16="http://schemas.microsoft.com/office/drawing/2014/main" id="{3D18774D-8531-9CE1-794F-4F158A6B564F}"/>
+                <a16:creationId xmlns:a16="http://schemas.microsoft.com/office/drawing/2014/main" id="{54786D25-2022-FC14-2FEA-47B2B1E4DE01}"/>
               </a:ext>
             </a:extLst>
           </p:cNvPr>
@@ -13685,9 +13521,9 @@
           <p:nvPr/>
         </p:nvSpPr>
         <p:spPr>
-          <a:xfrm rot="20890384">
-            <a:off x="4171476" y="3789554"/>
-            <a:ext cx="527533" cy="158197"/>
+          <a:xfrm rot="19902905">
+            <a:off x="3711352" y="4649826"/>
+            <a:ext cx="636393" cy="153888"/>
           </a:xfrm>
           <a:prstGeom prst="rect">
             <a:avLst/>
@@ -13695,7 +13531,7 @@
           <a:noFill/>
         </p:spPr>
         <p:txBody>
-          <a:bodyPr wrap="none" rtlCol="0" anchor="ctr" anchorCtr="0">
+          <a:bodyPr wrap="none" lIns="0" tIns="0" rIns="0" bIns="0" rtlCol="0" anchor="ctr" anchorCtr="0">
             <a:spAutoFit/>
           </a:bodyPr>
           <a:lstStyle/>
@@ -13717,7 +13553,7 @@
           <p:cNvPr id="35" name="Text Box 54">
             <a:extLst>
               <a:ext uri="{FF2B5EF4-FFF2-40B4-BE49-F238E27FC236}">
-                <a16:creationId xmlns:a16="http://schemas.microsoft.com/office/drawing/2014/main" id="{C96AAFD7-1169-D6F3-4449-F65C0987BF67}"/>
+                <a16:creationId xmlns:a16="http://schemas.microsoft.com/office/drawing/2014/main" id="{9F1D3DB0-A6FD-4B10-8670-C92A9D856C58}"/>
               </a:ext>
             </a:extLst>
           </p:cNvPr>
@@ -13728,7 +13564,7 @@
         </p:nvSpPr>
         <p:spPr bwMode="auto">
           <a:xfrm>
-            <a:off x="7282657" y="3714619"/>
+            <a:off x="7619688" y="4731988"/>
             <a:ext cx="533712" cy="257071"/>
           </a:xfrm>
           <a:prstGeom prst="rect">
@@ -13798,7 +13634,7 @@
           <p:cNvPr id="36" name="AutoShape 38">
             <a:extLst>
               <a:ext uri="{FF2B5EF4-FFF2-40B4-BE49-F238E27FC236}">
-                <a16:creationId xmlns:a16="http://schemas.microsoft.com/office/drawing/2014/main" id="{7DBFF72B-9C35-1BB9-80C5-286B6712A56C}"/>
+                <a16:creationId xmlns:a16="http://schemas.microsoft.com/office/drawing/2014/main" id="{A4B41391-498F-2E30-3590-62D0C3A2702C}"/>
               </a:ext>
             </a:extLst>
           </p:cNvPr>
@@ -13809,7 +13645,7 @@
         </p:nvSpPr>
         <p:spPr bwMode="auto">
           <a:xfrm>
-            <a:off x="3415588" y="4705597"/>
+            <a:off x="3039848" y="5722966"/>
             <a:ext cx="855385" cy="522735"/>
           </a:xfrm>
           <a:prstGeom prst="roundRect">
@@ -13910,7 +13746,7 @@
           <p:cNvPr id="37" name="AutoShape 37">
             <a:extLst>
               <a:ext uri="{FF2B5EF4-FFF2-40B4-BE49-F238E27FC236}">
-                <a16:creationId xmlns:a16="http://schemas.microsoft.com/office/drawing/2014/main" id="{1511D3E1-9D7A-C16C-D0BA-38FBDD7BD782}"/>
+                <a16:creationId xmlns:a16="http://schemas.microsoft.com/office/drawing/2014/main" id="{D038B4A3-9A23-A3D0-D04D-0DD4D2666039}"/>
               </a:ext>
             </a:extLst>
           </p:cNvPr>
@@ -13921,8 +13757,8 @@
         </p:nvSpPr>
         <p:spPr bwMode="auto">
           <a:xfrm>
-            <a:off x="4184442" y="4904012"/>
-            <a:ext cx="2490071" cy="237607"/>
+            <a:off x="3926856" y="5921381"/>
+            <a:ext cx="3079928" cy="237607"/>
           </a:xfrm>
           <a:prstGeom prst="rightArrow">
             <a:avLst>
@@ -13983,7 +13819,7 @@
           <p:cNvPr id="38" name="AutoShape 38">
             <a:extLst>
               <a:ext uri="{FF2B5EF4-FFF2-40B4-BE49-F238E27FC236}">
-                <a16:creationId xmlns:a16="http://schemas.microsoft.com/office/drawing/2014/main" id="{1C22D8BE-9607-C1F5-D975-B536F6B125D6}"/>
+                <a16:creationId xmlns:a16="http://schemas.microsoft.com/office/drawing/2014/main" id="{9B176766-8540-37FB-ABB0-71293EC295CE}"/>
               </a:ext>
             </a:extLst>
           </p:cNvPr>
@@ -13994,7 +13830,7 @@
         </p:nvSpPr>
         <p:spPr bwMode="auto">
           <a:xfrm>
-            <a:off x="3356777" y="4761448"/>
+            <a:off x="2981037" y="5778817"/>
             <a:ext cx="855385" cy="522735"/>
           </a:xfrm>
           <a:prstGeom prst="roundRect">
@@ -14095,7 +13931,7 @@
           <p:cNvPr id="39" name="Freeform 40">
             <a:extLst>
               <a:ext uri="{FF2B5EF4-FFF2-40B4-BE49-F238E27FC236}">
-                <a16:creationId xmlns:a16="http://schemas.microsoft.com/office/drawing/2014/main" id="{EF28E049-8FDB-7C89-CE5F-2E027E6EF133}"/>
+                <a16:creationId xmlns:a16="http://schemas.microsoft.com/office/drawing/2014/main" id="{17F6BCBC-F338-F60B-C1D6-2FDAA26A266F}"/>
               </a:ext>
             </a:extLst>
           </p:cNvPr>
@@ -14106,7 +13942,7 @@
         </p:nvSpPr>
         <p:spPr bwMode="auto">
           <a:xfrm>
-            <a:off x="5174037" y="4618884"/>
+            <a:off x="5202502" y="5636253"/>
             <a:ext cx="588698" cy="760342"/>
           </a:xfrm>
           <a:custGeom>
@@ -14234,7 +14070,7 @@
           <p:cNvPr id="40" name="Text Box 41">
             <a:extLst>
               <a:ext uri="{FF2B5EF4-FFF2-40B4-BE49-F238E27FC236}">
-                <a16:creationId xmlns:a16="http://schemas.microsoft.com/office/drawing/2014/main" id="{D2BEB5C3-7C67-DB33-B652-23F77404275B}"/>
+                <a16:creationId xmlns:a16="http://schemas.microsoft.com/office/drawing/2014/main" id="{73CD0BA5-990B-A62C-B0A6-D4FA6928903F}"/>
               </a:ext>
             </a:extLst>
           </p:cNvPr>
@@ -14245,7 +14081,7 @@
         </p:nvSpPr>
         <p:spPr bwMode="auto">
           <a:xfrm>
-            <a:off x="5130080" y="4719683"/>
+            <a:off x="5130080" y="5737052"/>
             <a:ext cx="707518" cy="602722"/>
           </a:xfrm>
           <a:prstGeom prst="rect">
@@ -14351,7 +14187,7 @@
           <p:cNvPr id="41" name="Rounded Rectangle 26">
             <a:extLst>
               <a:ext uri="{FF2B5EF4-FFF2-40B4-BE49-F238E27FC236}">
-                <a16:creationId xmlns:a16="http://schemas.microsoft.com/office/drawing/2014/main" id="{73274375-2F6E-64DE-50EE-AB7A2CE32339}"/>
+                <a16:creationId xmlns:a16="http://schemas.microsoft.com/office/drawing/2014/main" id="{3F24602B-BB3E-494B-980A-E3D25B5A130E}"/>
               </a:ext>
             </a:extLst>
           </p:cNvPr>
@@ -14360,7 +14196,7 @@
         </p:nvSpPr>
         <p:spPr bwMode="auto">
           <a:xfrm>
-            <a:off x="4161914" y="4885695"/>
+            <a:off x="3786174" y="5903064"/>
             <a:ext cx="142748" cy="279684"/>
           </a:xfrm>
           <a:prstGeom prst="roundRect">
@@ -14430,7 +14266,7 @@
           <p:cNvPr id="42" name="Rounded Rectangle 32">
             <a:extLst>
               <a:ext uri="{FF2B5EF4-FFF2-40B4-BE49-F238E27FC236}">
-                <a16:creationId xmlns:a16="http://schemas.microsoft.com/office/drawing/2014/main" id="{5BA9824C-7BDB-4890-BCDD-FCA3A3758552}"/>
+                <a16:creationId xmlns:a16="http://schemas.microsoft.com/office/drawing/2014/main" id="{DE3B3C29-A89D-8791-B384-74CD58C9C199}"/>
               </a:ext>
             </a:extLst>
           </p:cNvPr>
@@ -14439,7 +14275,7 @@
         </p:nvSpPr>
         <p:spPr bwMode="auto">
           <a:xfrm>
-            <a:off x="6684499" y="4894358"/>
+            <a:off x="7021530" y="5911727"/>
             <a:ext cx="142748" cy="279684"/>
           </a:xfrm>
           <a:prstGeom prst="roundRect">
@@ -14509,7 +14345,7 @@
           <p:cNvPr id="43" name="TextBox 42">
             <a:extLst>
               <a:ext uri="{FF2B5EF4-FFF2-40B4-BE49-F238E27FC236}">
-                <a16:creationId xmlns:a16="http://schemas.microsoft.com/office/drawing/2014/main" id="{A3AAECF9-2CBF-A9DD-C5E9-15D50462E6A7}"/>
+                <a16:creationId xmlns:a16="http://schemas.microsoft.com/office/drawing/2014/main" id="{6A794388-756C-BC6A-1121-01434E3DDA7A}"/>
               </a:ext>
             </a:extLst>
           </p:cNvPr>
@@ -14518,7 +14354,7 @@
         </p:nvSpPr>
         <p:spPr>
           <a:xfrm>
-            <a:off x="4442590" y="4653526"/>
+            <a:off x="4066850" y="5670895"/>
             <a:ext cx="432778" cy="158197"/>
           </a:xfrm>
           <a:prstGeom prst="rect">
@@ -14556,7 +14392,7 @@
           <p:cNvPr id="44" name="Straight Connector 43">
             <a:extLst>
               <a:ext uri="{FF2B5EF4-FFF2-40B4-BE49-F238E27FC236}">
-                <a16:creationId xmlns:a16="http://schemas.microsoft.com/office/drawing/2014/main" id="{880CF76C-BF66-E382-8B68-4B5B3CF285AD}"/>
+                <a16:creationId xmlns:a16="http://schemas.microsoft.com/office/drawing/2014/main" id="{1FDBDBBE-C53C-D64B-1B8C-6897D99F4728}"/>
               </a:ext>
             </a:extLst>
           </p:cNvPr>
@@ -14567,7 +14403,7 @@
         </p:nvCxnSpPr>
         <p:spPr>
           <a:xfrm flipH="1">
-            <a:off x="4233288" y="4822562"/>
+            <a:off x="3857548" y="5839931"/>
             <a:ext cx="288180" cy="164042"/>
           </a:xfrm>
           <a:prstGeom prst="line">
@@ -14585,10 +14421,800 @@
       </p:cxnSp>
       <p:sp>
         <p:nvSpPr>
+          <p:cNvPr id="50" name="Text Box 54">
+            <a:extLst>
+              <a:ext uri="{FF2B5EF4-FFF2-40B4-BE49-F238E27FC236}">
+                <a16:creationId xmlns:a16="http://schemas.microsoft.com/office/drawing/2014/main" id="{7F65D8F5-B551-E16E-6749-2A5AB53DE376}"/>
+              </a:ext>
+            </a:extLst>
+          </p:cNvPr>
+          <p:cNvSpPr txBox="1">
+            <a:spLocks noChangeArrowheads="1"/>
+          </p:cNvSpPr>
+          <p:nvPr/>
+        </p:nvSpPr>
+        <p:spPr bwMode="auto">
+          <a:xfrm>
+            <a:off x="2743200" y="4658498"/>
+            <a:ext cx="533712" cy="257071"/>
+          </a:xfrm>
+          <a:prstGeom prst="rect">
+            <a:avLst/>
+          </a:prstGeom>
+          <a:noFill/>
+          <a:ln w="9525">
+            <a:noFill/>
+            <a:miter lim="800000"/>
+            <a:headEnd/>
+            <a:tailEnd/>
+          </a:ln>
+        </p:spPr>
+        <p:txBody>
+          <a:bodyPr wrap="none">
+            <a:spAutoFit/>
+          </a:bodyPr>
+          <a:lstStyle/>
+          <a:p>
+            <a:pPr algn="ctr" fontAlgn="base">
+              <a:spcBef>
+                <a:spcPct val="0"/>
+              </a:spcBef>
+              <a:spcAft>
+                <a:spcPct val="0"/>
+              </a:spcAft>
+            </a:pPr>
+            <a:r>
+              <a:rPr lang="en-US" sz="1000">
+                <a:solidFill>
+                  <a:srgbClr val="000000"/>
+                </a:solidFill>
+                <a:latin typeface="Arial" charset="0"/>
+              </a:rPr>
+              <a:t>Message</a:t>
+            </a:r>
+          </a:p>
+          <a:p>
+            <a:pPr algn="ctr" fontAlgn="base">
+              <a:spcBef>
+                <a:spcPct val="0"/>
+              </a:spcBef>
+              <a:spcAft>
+                <a:spcPct val="0"/>
+              </a:spcAft>
+            </a:pPr>
+            <a:r>
+              <a:rPr lang="en-US" sz="1000">
+                <a:solidFill>
+                  <a:srgbClr val="000000"/>
+                </a:solidFill>
+                <a:latin typeface="Arial" charset="0"/>
+              </a:rPr>
+              <a:t>Developers</a:t>
+            </a:r>
+            <a:endParaRPr lang="en-US" sz="1000" dirty="0">
+              <a:solidFill>
+                <a:srgbClr val="000000"/>
+              </a:solidFill>
+              <a:latin typeface="Arial" charset="0"/>
+            </a:endParaRPr>
+          </a:p>
+        </p:txBody>
+      </p:sp>
+      <p:sp>
+        <p:nvSpPr>
+          <p:cNvPr id="588" name="Arc 587">
+            <a:extLst>
+              <a:ext uri="{FF2B5EF4-FFF2-40B4-BE49-F238E27FC236}">
+                <a16:creationId xmlns:a16="http://schemas.microsoft.com/office/drawing/2014/main" id="{CB1DA2B7-9837-53A9-0FCF-C848C898ADEE}"/>
+              </a:ext>
+            </a:extLst>
+          </p:cNvPr>
+          <p:cNvSpPr/>
+          <p:nvPr/>
+        </p:nvSpPr>
+        <p:spPr>
+          <a:xfrm>
+            <a:off x="7037334" y="5276247"/>
+            <a:ext cx="789869" cy="1081772"/>
+          </a:xfrm>
+          <a:prstGeom prst="arc">
+            <a:avLst>
+              <a:gd name="adj1" fmla="val 10244385"/>
+              <a:gd name="adj2" fmla="val 15214760"/>
+            </a:avLst>
+          </a:prstGeom>
+          <a:ln w="6350">
+            <a:solidFill>
+              <a:schemeClr val="tx1"/>
+            </a:solidFill>
+            <a:prstDash val="dash"/>
+            <a:headEnd type="triangle" w="med" len="sm"/>
+            <a:tailEnd type="none" w="med" len="sm"/>
+          </a:ln>
+        </p:spPr>
+        <p:style>
+          <a:lnRef idx="1">
+            <a:schemeClr val="accent1"/>
+          </a:lnRef>
+          <a:fillRef idx="0">
+            <a:schemeClr val="accent1"/>
+          </a:fillRef>
+          <a:effectRef idx="0">
+            <a:schemeClr val="accent1"/>
+          </a:effectRef>
+          <a:fontRef idx="minor">
+            <a:schemeClr val="tx1"/>
+          </a:fontRef>
+        </p:style>
+        <p:txBody>
+          <a:bodyPr rtlCol="0" anchor="ctr"/>
+          <a:lstStyle/>
+          <a:p>
+            <a:pPr algn="ctr"/>
+            <a:endParaRPr lang="en-US" sz="1000"/>
+          </a:p>
+        </p:txBody>
+      </p:sp>
+      <p:sp>
+        <p:nvSpPr>
+          <p:cNvPr id="589" name="Text Box 48">
+            <a:extLst>
+              <a:ext uri="{FF2B5EF4-FFF2-40B4-BE49-F238E27FC236}">
+                <a16:creationId xmlns:a16="http://schemas.microsoft.com/office/drawing/2014/main" id="{8A932F81-0F47-1214-6385-0EB57A8A26F7}"/>
+              </a:ext>
+            </a:extLst>
+          </p:cNvPr>
+          <p:cNvSpPr txBox="1">
+            <a:spLocks noChangeArrowheads="1"/>
+          </p:cNvSpPr>
+          <p:nvPr/>
+        </p:nvSpPr>
+        <p:spPr bwMode="auto">
+          <a:xfrm>
+            <a:off x="6387763" y="5381904"/>
+            <a:ext cx="497664" cy="158197"/>
+          </a:xfrm>
+          <a:prstGeom prst="rect">
+            <a:avLst/>
+          </a:prstGeom>
+          <a:noFill/>
+          <a:ln w="9525">
+            <a:noFill/>
+            <a:miter lim="800000"/>
+            <a:headEnd/>
+            <a:tailEnd/>
+          </a:ln>
+        </p:spPr>
+        <p:txBody>
+          <a:bodyPr wrap="none">
+            <a:spAutoFit/>
+          </a:bodyPr>
+          <a:lstStyle/>
+          <a:p>
+            <a:pPr fontAlgn="base">
+              <a:spcBef>
+                <a:spcPct val="0"/>
+              </a:spcBef>
+              <a:spcAft>
+                <a:spcPct val="0"/>
+              </a:spcAft>
+            </a:pPr>
+            <a:r>
+              <a:rPr lang="en-US" sz="1000" i="1">
+                <a:solidFill>
+                  <a:srgbClr val="000000"/>
+                </a:solidFill>
+                <a:latin typeface="Arial" charset="0"/>
+              </a:rPr>
+              <a:t>implement</a:t>
+            </a:r>
+            <a:endParaRPr lang="en-US" sz="1000" i="1" dirty="0">
+              <a:solidFill>
+                <a:srgbClr val="000000"/>
+              </a:solidFill>
+              <a:latin typeface="Arial" charset="0"/>
+            </a:endParaRPr>
+          </a:p>
+        </p:txBody>
+      </p:sp>
+      <p:sp>
+        <p:nvSpPr>
+          <p:cNvPr id="594" name="Text Box 54">
+            <a:extLst>
+              <a:ext uri="{FF2B5EF4-FFF2-40B4-BE49-F238E27FC236}">
+                <a16:creationId xmlns:a16="http://schemas.microsoft.com/office/drawing/2014/main" id="{820DDEB9-A2E1-1B1D-3E15-84E0950993AB}"/>
+              </a:ext>
+            </a:extLst>
+          </p:cNvPr>
+          <p:cNvSpPr txBox="1">
+            <a:spLocks noChangeArrowheads="1"/>
+          </p:cNvSpPr>
+          <p:nvPr/>
+        </p:nvSpPr>
+        <p:spPr bwMode="auto">
+          <a:xfrm>
+            <a:off x="3159061" y="6318803"/>
+            <a:ext cx="492513" cy="158197"/>
+          </a:xfrm>
+          <a:prstGeom prst="rect">
+            <a:avLst/>
+          </a:prstGeom>
+          <a:noFill/>
+          <a:ln w="9525">
+            <a:noFill/>
+            <a:miter lim="800000"/>
+            <a:headEnd/>
+            <a:tailEnd/>
+          </a:ln>
+        </p:spPr>
+        <p:txBody>
+          <a:bodyPr wrap="none">
+            <a:spAutoFit/>
+          </a:bodyPr>
+          <a:lstStyle/>
+          <a:p>
+            <a:pPr algn="ctr" fontAlgn="base">
+              <a:spcBef>
+                <a:spcPct val="0"/>
+              </a:spcBef>
+              <a:spcAft>
+                <a:spcPct val="0"/>
+              </a:spcAft>
+            </a:pPr>
+            <a:r>
+              <a:rPr lang="en-US" sz="1000">
+                <a:solidFill>
+                  <a:srgbClr val="000000"/>
+                </a:solidFill>
+                <a:latin typeface="Arial" charset="0"/>
+              </a:rPr>
+              <a:t>Producers</a:t>
+            </a:r>
+            <a:endParaRPr lang="en-US" sz="1000" dirty="0">
+              <a:solidFill>
+                <a:srgbClr val="000000"/>
+              </a:solidFill>
+              <a:latin typeface="Arial" charset="0"/>
+            </a:endParaRPr>
+          </a:p>
+        </p:txBody>
+      </p:sp>
+      <p:sp>
+        <p:nvSpPr>
+          <p:cNvPr id="595" name="Text Box 54">
+            <a:extLst>
+              <a:ext uri="{FF2B5EF4-FFF2-40B4-BE49-F238E27FC236}">
+                <a16:creationId xmlns:a16="http://schemas.microsoft.com/office/drawing/2014/main" id="{B2B38C76-845B-FF87-05D7-210505F9C8C6}"/>
+              </a:ext>
+            </a:extLst>
+          </p:cNvPr>
+          <p:cNvSpPr txBox="1">
+            <a:spLocks noChangeArrowheads="1"/>
+          </p:cNvSpPr>
+          <p:nvPr/>
+        </p:nvSpPr>
+        <p:spPr bwMode="auto">
+          <a:xfrm>
+            <a:off x="7282465" y="6295410"/>
+            <a:ext cx="538861" cy="158197"/>
+          </a:xfrm>
+          <a:prstGeom prst="rect">
+            <a:avLst/>
+          </a:prstGeom>
+          <a:noFill/>
+          <a:ln w="9525">
+            <a:noFill/>
+            <a:miter lim="800000"/>
+            <a:headEnd/>
+            <a:tailEnd/>
+          </a:ln>
+        </p:spPr>
+        <p:txBody>
+          <a:bodyPr wrap="none">
+            <a:spAutoFit/>
+          </a:bodyPr>
+          <a:lstStyle/>
+          <a:p>
+            <a:pPr algn="ctr" fontAlgn="base">
+              <a:spcBef>
+                <a:spcPct val="0"/>
+              </a:spcBef>
+              <a:spcAft>
+                <a:spcPct val="0"/>
+              </a:spcAft>
+            </a:pPr>
+            <a:r>
+              <a:rPr lang="en-US" sz="1000">
+                <a:solidFill>
+                  <a:srgbClr val="000000"/>
+                </a:solidFill>
+                <a:latin typeface="Arial" charset="0"/>
+              </a:rPr>
+              <a:t>Consumers</a:t>
+            </a:r>
+            <a:endParaRPr lang="en-US" sz="1000" dirty="0">
+              <a:solidFill>
+                <a:srgbClr val="000000"/>
+              </a:solidFill>
+              <a:latin typeface="Arial" charset="0"/>
+            </a:endParaRPr>
+          </a:p>
+        </p:txBody>
+      </p:sp>
+      <p:sp>
+        <p:nvSpPr>
+          <p:cNvPr id="2" name="Arc 1">
+            <a:extLst>
+              <a:ext uri="{FF2B5EF4-FFF2-40B4-BE49-F238E27FC236}">
+                <a16:creationId xmlns:a16="http://schemas.microsoft.com/office/drawing/2014/main" id="{7B316098-A06E-9B89-EBBA-71A20AFA8375}"/>
+              </a:ext>
+            </a:extLst>
+          </p:cNvPr>
+          <p:cNvSpPr/>
+          <p:nvPr/>
+        </p:nvSpPr>
+        <p:spPr>
+          <a:xfrm flipH="1">
+            <a:off x="3077103" y="5276247"/>
+            <a:ext cx="789869" cy="1081772"/>
+          </a:xfrm>
+          <a:prstGeom prst="arc">
+            <a:avLst>
+              <a:gd name="adj1" fmla="val 10244385"/>
+              <a:gd name="adj2" fmla="val 15214760"/>
+            </a:avLst>
+          </a:prstGeom>
+          <a:ln w="6350">
+            <a:solidFill>
+              <a:schemeClr val="tx1"/>
+            </a:solidFill>
+            <a:prstDash val="dash"/>
+            <a:headEnd type="triangle" w="med" len="sm"/>
+            <a:tailEnd type="none" w="med" len="sm"/>
+          </a:ln>
+        </p:spPr>
+        <p:style>
+          <a:lnRef idx="1">
+            <a:schemeClr val="accent1"/>
+          </a:lnRef>
+          <a:fillRef idx="0">
+            <a:schemeClr val="accent1"/>
+          </a:fillRef>
+          <a:effectRef idx="0">
+            <a:schemeClr val="accent1"/>
+          </a:effectRef>
+          <a:fontRef idx="minor">
+            <a:schemeClr val="tx1"/>
+          </a:fontRef>
+        </p:style>
+        <p:txBody>
+          <a:bodyPr rtlCol="0" anchor="ctr"/>
+          <a:lstStyle/>
+          <a:p>
+            <a:pPr algn="ctr"/>
+            <a:endParaRPr lang="en-US" sz="1000"/>
+          </a:p>
+        </p:txBody>
+      </p:sp>
+      <p:sp>
+        <p:nvSpPr>
+          <p:cNvPr id="62" name="AutoShape 46">
+            <a:extLst>
+              <a:ext uri="{FF2B5EF4-FFF2-40B4-BE49-F238E27FC236}">
+                <a16:creationId xmlns:a16="http://schemas.microsoft.com/office/drawing/2014/main" id="{E99AB4A1-D3BE-40C8-950E-BD2AD10507B5}"/>
+              </a:ext>
+            </a:extLst>
+          </p:cNvPr>
+          <p:cNvSpPr>
+            <a:spLocks noChangeArrowheads="1"/>
+          </p:cNvSpPr>
+          <p:nvPr/>
+        </p:nvSpPr>
+        <p:spPr bwMode="auto">
+          <a:xfrm>
+            <a:off x="4768639" y="3900356"/>
+            <a:ext cx="1415035" cy="1152695"/>
+          </a:xfrm>
+          <a:prstGeom prst="roundRect">
+            <a:avLst>
+              <a:gd name="adj" fmla="val 16667"/>
+            </a:avLst>
+          </a:prstGeom>
+          <a:solidFill>
+            <a:srgbClr val="D8C5FF"/>
+          </a:solidFill>
+          <a:ln w="9525">
+            <a:solidFill>
+              <a:sysClr val="windowText" lastClr="000000"/>
+            </a:solidFill>
+            <a:round/>
+            <a:headEnd/>
+            <a:tailEnd/>
+          </a:ln>
+        </p:spPr>
+        <p:txBody>
+          <a:bodyPr wrap="none" anchor="t" anchorCtr="0"/>
+          <a:lstStyle/>
+          <a:p>
+            <a:pPr marL="0" marR="0" lvl="0" indent="0" defTabSz="914400" eaLnBrk="1" fontAlgn="base" latinLnBrk="0" hangingPunct="1">
+              <a:lnSpc>
+                <a:spcPct val="100000"/>
+              </a:lnSpc>
+              <a:spcBef>
+                <a:spcPct val="0"/>
+              </a:spcBef>
+              <a:spcAft>
+                <a:spcPct val="0"/>
+              </a:spcAft>
+              <a:buClrTx/>
+              <a:buSzTx/>
+              <a:buFontTx/>
+              <a:buNone/>
+              <a:tabLst/>
+              <a:defRPr/>
+            </a:pPr>
+            <a:r>
+              <a:rPr kumimoji="0" lang="en-US" sz="1000" b="0" i="0" u="none" strike="noStrike" kern="0" cap="none" spc="0" normalizeH="0" baseline="0" noProof="0">
+                <a:ln>
+                  <a:noFill/>
+                </a:ln>
+                <a:solidFill>
+                  <a:srgbClr val="000000"/>
+                </a:solidFill>
+                <a:effectLst/>
+                <a:uLnTx/>
+                <a:uFillTx/>
+                <a:latin typeface="Arial" charset="0"/>
+              </a:rPr>
+              <a:t>Message type</a:t>
+            </a:r>
+            <a:endParaRPr kumimoji="0" lang="en-US" sz="1000" b="0" i="0" u="none" strike="noStrike" kern="0" cap="none" spc="0" normalizeH="0" baseline="0" noProof="0" dirty="0">
+              <a:ln>
+                <a:noFill/>
+              </a:ln>
+              <a:solidFill>
+                <a:srgbClr val="000000"/>
+              </a:solidFill>
+              <a:effectLst/>
+              <a:uLnTx/>
+              <a:uFillTx/>
+              <a:latin typeface="Arial" charset="0"/>
+            </a:endParaRPr>
+          </a:p>
+        </p:txBody>
+      </p:sp>
+      <p:grpSp>
+        <p:nvGrpSpPr>
+          <p:cNvPr id="525" name="Group 524">
+            <a:extLst>
+              <a:ext uri="{FF2B5EF4-FFF2-40B4-BE49-F238E27FC236}">
+                <a16:creationId xmlns:a16="http://schemas.microsoft.com/office/drawing/2014/main" id="{C11AAAE0-2F2D-6852-551F-9618BAA1B84B}"/>
+              </a:ext>
+            </a:extLst>
+          </p:cNvPr>
+          <p:cNvGrpSpPr/>
+          <p:nvPr/>
+        </p:nvGrpSpPr>
+        <p:grpSpPr>
+          <a:xfrm>
+            <a:off x="5145666" y="4212025"/>
+            <a:ext cx="779234" cy="713531"/>
+            <a:chOff x="8667193" y="3738894"/>
+            <a:chExt cx="779234" cy="713531"/>
+          </a:xfrm>
+        </p:grpSpPr>
+        <p:sp>
+          <p:nvSpPr>
+            <p:cNvPr id="63" name="AutoShape 46">
+              <a:extLst>
+                <a:ext uri="{FF2B5EF4-FFF2-40B4-BE49-F238E27FC236}">
+                  <a16:creationId xmlns:a16="http://schemas.microsoft.com/office/drawing/2014/main" id="{9247AEE3-CF68-0377-63D0-306705FB7F84}"/>
+                </a:ext>
+              </a:extLst>
+            </p:cNvPr>
+            <p:cNvSpPr>
+              <a:spLocks noChangeArrowheads="1"/>
+            </p:cNvSpPr>
+            <p:nvPr/>
+          </p:nvSpPr>
+          <p:spPr bwMode="auto">
+            <a:xfrm>
+              <a:off x="8798139" y="3882169"/>
+              <a:ext cx="648288" cy="570256"/>
+            </a:xfrm>
+            <a:prstGeom prst="roundRect">
+              <a:avLst>
+                <a:gd name="adj" fmla="val 16667"/>
+              </a:avLst>
+            </a:prstGeom>
+            <a:solidFill>
+              <a:srgbClr val="C2A3FF"/>
+            </a:solidFill>
+            <a:ln w="9525">
+              <a:solidFill>
+                <a:sysClr val="windowText" lastClr="000000"/>
+              </a:solidFill>
+              <a:round/>
+              <a:headEnd/>
+              <a:tailEnd/>
+            </a:ln>
+          </p:spPr>
+          <p:txBody>
+            <a:bodyPr wrap="none" anchor="ctr"/>
+            <a:lstStyle/>
+            <a:p>
+              <a:pPr marL="0" marR="0" lvl="0" indent="0" algn="ctr" defTabSz="914400" eaLnBrk="1" fontAlgn="base" latinLnBrk="0" hangingPunct="1">
+                <a:lnSpc>
+                  <a:spcPct val="100000"/>
+                </a:lnSpc>
+                <a:spcBef>
+                  <a:spcPct val="0"/>
+                </a:spcBef>
+                <a:spcAft>
+                  <a:spcPct val="0"/>
+                </a:spcAft>
+                <a:buClrTx/>
+                <a:buSzTx/>
+                <a:buFontTx/>
+                <a:buNone/>
+                <a:tabLst/>
+                <a:defRPr/>
+              </a:pPr>
+              <a:endParaRPr kumimoji="0" lang="en-US" sz="1000" b="0" i="0" u="none" strike="noStrike" kern="0" cap="none" spc="0" normalizeH="0" baseline="0" noProof="0" dirty="0">
+                <a:ln>
+                  <a:noFill/>
+                </a:ln>
+                <a:solidFill>
+                  <a:srgbClr val="000000"/>
+                </a:solidFill>
+                <a:effectLst/>
+                <a:uLnTx/>
+                <a:uFillTx/>
+                <a:latin typeface="Arial" charset="0"/>
+              </a:endParaRPr>
+            </a:p>
+          </p:txBody>
+        </p:sp>
+        <p:sp>
+          <p:nvSpPr>
+            <p:cNvPr id="512" name="AutoShape 46">
+              <a:extLst>
+                <a:ext uri="{FF2B5EF4-FFF2-40B4-BE49-F238E27FC236}">
+                  <a16:creationId xmlns:a16="http://schemas.microsoft.com/office/drawing/2014/main" id="{B71BF3A6-6C53-ED7F-DBA6-F114C5E0FA55}"/>
+                </a:ext>
+              </a:extLst>
+            </p:cNvPr>
+            <p:cNvSpPr>
+              <a:spLocks noChangeArrowheads="1"/>
+            </p:cNvSpPr>
+            <p:nvPr/>
+          </p:nvSpPr>
+          <p:spPr bwMode="auto">
+            <a:xfrm>
+              <a:off x="8734249" y="3812406"/>
+              <a:ext cx="648288" cy="570256"/>
+            </a:xfrm>
+            <a:prstGeom prst="roundRect">
+              <a:avLst>
+                <a:gd name="adj" fmla="val 16667"/>
+              </a:avLst>
+            </a:prstGeom>
+            <a:solidFill>
+              <a:srgbClr val="C2A3FF"/>
+            </a:solidFill>
+            <a:ln w="9525">
+              <a:solidFill>
+                <a:sysClr val="windowText" lastClr="000000"/>
+              </a:solidFill>
+              <a:round/>
+              <a:headEnd/>
+              <a:tailEnd/>
+            </a:ln>
+          </p:spPr>
+          <p:txBody>
+            <a:bodyPr wrap="none" anchor="ctr"/>
+            <a:lstStyle/>
+            <a:p>
+              <a:pPr marL="0" marR="0" lvl="0" indent="0" algn="ctr" defTabSz="914400" eaLnBrk="1" fontAlgn="base" latinLnBrk="0" hangingPunct="1">
+                <a:lnSpc>
+                  <a:spcPct val="100000"/>
+                </a:lnSpc>
+                <a:spcBef>
+                  <a:spcPct val="0"/>
+                </a:spcBef>
+                <a:spcAft>
+                  <a:spcPct val="0"/>
+                </a:spcAft>
+                <a:buClrTx/>
+                <a:buSzTx/>
+                <a:buFontTx/>
+                <a:buNone/>
+                <a:tabLst/>
+                <a:defRPr/>
+              </a:pPr>
+              <a:endParaRPr kumimoji="0" lang="en-US" sz="1000" b="0" i="0" u="none" strike="noStrike" kern="0" cap="none" spc="0" normalizeH="0" baseline="0" noProof="0" dirty="0">
+                <a:ln>
+                  <a:noFill/>
+                </a:ln>
+                <a:solidFill>
+                  <a:srgbClr val="000000"/>
+                </a:solidFill>
+                <a:effectLst/>
+                <a:uLnTx/>
+                <a:uFillTx/>
+                <a:latin typeface="Arial" charset="0"/>
+              </a:endParaRPr>
+            </a:p>
+          </p:txBody>
+        </p:sp>
+        <p:sp>
+          <p:nvSpPr>
+            <p:cNvPr id="513" name="AutoShape 46">
+              <a:extLst>
+                <a:ext uri="{FF2B5EF4-FFF2-40B4-BE49-F238E27FC236}">
+                  <a16:creationId xmlns:a16="http://schemas.microsoft.com/office/drawing/2014/main" id="{85A87CC8-6F60-9C6A-A6EA-C619D2BBE98E}"/>
+                </a:ext>
+              </a:extLst>
+            </p:cNvPr>
+            <p:cNvSpPr>
+              <a:spLocks noChangeArrowheads="1"/>
+            </p:cNvSpPr>
+            <p:nvPr/>
+          </p:nvSpPr>
+          <p:spPr bwMode="auto">
+            <a:xfrm>
+              <a:off x="8667193" y="3738894"/>
+              <a:ext cx="648288" cy="570256"/>
+            </a:xfrm>
+            <a:prstGeom prst="roundRect">
+              <a:avLst>
+                <a:gd name="adj" fmla="val 16667"/>
+              </a:avLst>
+            </a:prstGeom>
+            <a:solidFill>
+              <a:srgbClr val="C2A3FF"/>
+            </a:solidFill>
+            <a:ln w="9525">
+              <a:solidFill>
+                <a:sysClr val="windowText" lastClr="000000"/>
+              </a:solidFill>
+              <a:round/>
+              <a:headEnd/>
+              <a:tailEnd/>
+            </a:ln>
+          </p:spPr>
+          <p:txBody>
+            <a:bodyPr wrap="none" anchor="ctr"/>
+            <a:lstStyle/>
+            <a:p>
+              <a:pPr marL="0" marR="0" lvl="0" indent="0" algn="ctr" defTabSz="914400" eaLnBrk="1" fontAlgn="base" latinLnBrk="0" hangingPunct="1">
+                <a:lnSpc>
+                  <a:spcPct val="100000"/>
+                </a:lnSpc>
+                <a:spcBef>
+                  <a:spcPct val="0"/>
+                </a:spcBef>
+                <a:spcAft>
+                  <a:spcPct val="0"/>
+                </a:spcAft>
+                <a:buClrTx/>
+                <a:buSzTx/>
+                <a:buFontTx/>
+                <a:buNone/>
+                <a:tabLst/>
+                <a:defRPr/>
+              </a:pPr>
+              <a:r>
+                <a:rPr kumimoji="0" lang="en-US" sz="1000" b="0" i="0" u="none" strike="noStrike" kern="0" cap="none" spc="0" normalizeH="0" baseline="0" noProof="0">
+                  <a:ln>
+                    <a:noFill/>
+                  </a:ln>
+                  <a:solidFill>
+                    <a:srgbClr val="000000"/>
+                  </a:solidFill>
+                  <a:effectLst/>
+                  <a:uLnTx/>
+                  <a:uFillTx/>
+                  <a:latin typeface="Arial" charset="0"/>
+                </a:rPr>
+                <a:t>Message</a:t>
+              </a:r>
+              <a:br>
+                <a:rPr kumimoji="0" lang="en-US" sz="1000" b="0" i="0" u="none" strike="noStrike" kern="0" cap="none" spc="0" normalizeH="0" baseline="0" noProof="0">
+                  <a:ln>
+                    <a:noFill/>
+                  </a:ln>
+                  <a:solidFill>
+                    <a:srgbClr val="000000"/>
+                  </a:solidFill>
+                  <a:effectLst/>
+                  <a:uLnTx/>
+                  <a:uFillTx/>
+                  <a:latin typeface="Arial" charset="0"/>
+                </a:rPr>
+              </a:br>
+              <a:r>
+                <a:rPr kumimoji="0" lang="en-US" sz="1000" b="0" i="0" u="none" strike="noStrike" kern="0" cap="none" spc="0" normalizeH="0" baseline="0" noProof="0">
+                  <a:ln>
+                    <a:noFill/>
+                  </a:ln>
+                  <a:solidFill>
+                    <a:srgbClr val="000000"/>
+                  </a:solidFill>
+                  <a:effectLst/>
+                  <a:uLnTx/>
+                  <a:uFillTx/>
+                  <a:latin typeface="Arial" charset="0"/>
+                </a:rPr>
+                <a:t>format</a:t>
+              </a:r>
+              <a:endParaRPr kumimoji="0" lang="en-US" sz="1000" b="0" i="0" u="none" strike="noStrike" kern="0" cap="none" spc="0" normalizeH="0" baseline="0" noProof="0" dirty="0">
+                <a:ln>
+                  <a:noFill/>
+                </a:ln>
+                <a:solidFill>
+                  <a:srgbClr val="000000"/>
+                </a:solidFill>
+                <a:effectLst/>
+                <a:uLnTx/>
+                <a:uFillTx/>
+                <a:latin typeface="Arial" charset="0"/>
+              </a:endParaRPr>
+            </a:p>
+          </p:txBody>
+        </p:sp>
+      </p:grpSp>
+      <p:cxnSp>
+        <p:nvCxnSpPr>
+          <p:cNvPr id="52" name="Straight Arrow Connector 51">
+            <a:extLst>
+              <a:ext uri="{FF2B5EF4-FFF2-40B4-BE49-F238E27FC236}">
+                <a16:creationId xmlns:a16="http://schemas.microsoft.com/office/drawing/2014/main" id="{FE08DEAB-9FA6-E258-6D84-27C1CDFCB87F}"/>
+              </a:ext>
+            </a:extLst>
+          </p:cNvPr>
+          <p:cNvCxnSpPr>
+            <a:cxnSpLocks/>
+          </p:cNvCxnSpPr>
+          <p:nvPr/>
+        </p:nvCxnSpPr>
+        <p:spPr>
+          <a:xfrm>
+            <a:off x="5486400" y="4782281"/>
+            <a:ext cx="5511" cy="848429"/>
+          </a:xfrm>
+          <a:prstGeom prst="straightConnector1">
+            <a:avLst/>
+          </a:prstGeom>
+          <a:ln w="6350">
+            <a:solidFill>
+              <a:schemeClr val="tx1"/>
+            </a:solidFill>
+            <a:prstDash val="dash"/>
+            <a:tailEnd type="triangle"/>
+          </a:ln>
+        </p:spPr>
+        <p:style>
+          <a:lnRef idx="1">
+            <a:schemeClr val="accent1"/>
+          </a:lnRef>
+          <a:fillRef idx="0">
+            <a:schemeClr val="accent1"/>
+          </a:fillRef>
+          <a:effectRef idx="0">
+            <a:schemeClr val="accent1"/>
+          </a:effectRef>
+          <a:fontRef idx="minor">
+            <a:schemeClr val="tx1"/>
+          </a:fontRef>
+        </p:style>
+      </p:cxnSp>
+      <p:sp>
+        <p:nvSpPr>
           <p:cNvPr id="48" name="Arc 47">
             <a:extLst>
               <a:ext uri="{FF2B5EF4-FFF2-40B4-BE49-F238E27FC236}">
-                <a16:creationId xmlns:a16="http://schemas.microsoft.com/office/drawing/2014/main" id="{ADB482AE-033F-D6BD-E2D1-A3A2E439AE29}"/>
+                <a16:creationId xmlns:a16="http://schemas.microsoft.com/office/drawing/2014/main" id="{0DDA54EB-D6C5-C254-0283-455250001570}"/>
               </a:ext>
             </a:extLst>
           </p:cNvPr>
@@ -14597,13 +15223,13 @@
         </p:nvSpPr>
         <p:spPr bwMode="auto">
           <a:xfrm flipH="1">
-            <a:off x="3111748" y="3885904"/>
-            <a:ext cx="4262074" cy="2358035"/>
+            <a:off x="3451565" y="4470494"/>
+            <a:ext cx="3949340" cy="2486494"/>
           </a:xfrm>
           <a:prstGeom prst="arc">
             <a:avLst>
-              <a:gd name="adj1" fmla="val 16432070"/>
-              <a:gd name="adj2" fmla="val 19330906"/>
+              <a:gd name="adj1" fmla="val 18012335"/>
+              <a:gd name="adj2" fmla="val 20537326"/>
             </a:avLst>
           </a:prstGeom>
           <a:noFill/>
@@ -14634,10 +15260,10 @@
       </p:sp>
       <p:sp>
         <p:nvSpPr>
-          <p:cNvPr id="49" name="Arc 48">
+          <p:cNvPr id="543" name="Arc 542">
             <a:extLst>
               <a:ext uri="{FF2B5EF4-FFF2-40B4-BE49-F238E27FC236}">
-                <a16:creationId xmlns:a16="http://schemas.microsoft.com/office/drawing/2014/main" id="{A4085B2A-61B4-229D-2834-14366213881A}"/>
+                <a16:creationId xmlns:a16="http://schemas.microsoft.com/office/drawing/2014/main" id="{B2FCA969-C780-316D-BB97-81B34996D3D0}"/>
               </a:ext>
             </a:extLst>
           </p:cNvPr>
@@ -14646,13 +15272,13 @@
         </p:nvSpPr>
         <p:spPr bwMode="auto">
           <a:xfrm>
-            <a:off x="3781058" y="3903156"/>
-            <a:ext cx="4262074" cy="2358035"/>
+            <a:off x="3603965" y="4446254"/>
+            <a:ext cx="3949340" cy="2486494"/>
           </a:xfrm>
           <a:prstGeom prst="arc">
             <a:avLst>
-              <a:gd name="adj1" fmla="val 15868985"/>
-              <a:gd name="adj2" fmla="val 18983182"/>
+              <a:gd name="adj1" fmla="val 18012335"/>
+              <a:gd name="adj2" fmla="val 20537326"/>
             </a:avLst>
           </a:prstGeom>
           <a:noFill/>
@@ -14683,10 +15309,50 @@
       </p:sp>
       <p:sp>
         <p:nvSpPr>
-          <p:cNvPr id="50" name="Text Box 54">
+          <p:cNvPr id="544" name="TextBox 543">
             <a:extLst>
               <a:ext uri="{FF2B5EF4-FFF2-40B4-BE49-F238E27FC236}">
-                <a16:creationId xmlns:a16="http://schemas.microsoft.com/office/drawing/2014/main" id="{9AD99063-08DF-7554-6885-EDA013018728}"/>
+                <a16:creationId xmlns:a16="http://schemas.microsoft.com/office/drawing/2014/main" id="{D5A04E90-275E-60AE-9177-05807B08B2C4}"/>
+              </a:ext>
+            </a:extLst>
+          </p:cNvPr>
+          <p:cNvSpPr txBox="1"/>
+          <p:nvPr/>
+        </p:nvSpPr>
+        <p:spPr>
+          <a:xfrm rot="1697095" flipH="1">
+            <a:off x="6689857" y="4649826"/>
+            <a:ext cx="636393" cy="153888"/>
+          </a:xfrm>
+          <a:prstGeom prst="rect">
+            <a:avLst/>
+          </a:prstGeom>
+          <a:noFill/>
+        </p:spPr>
+        <p:txBody>
+          <a:bodyPr wrap="none" lIns="0" tIns="0" rIns="0" bIns="0" rtlCol="0" anchor="ctr" anchorCtr="0">
+            <a:spAutoFit/>
+          </a:bodyPr>
+          <a:lstStyle/>
+          <a:p>
+            <a:r>
+              <a:rPr lang="en-US" sz="1000" i="1" dirty="0">
+                <a:solidFill>
+                  <a:prstClr val="black"/>
+                </a:solidFill>
+                <a:latin typeface="Arial"/>
+              </a:rPr>
+              <a:t>understand</a:t>
+            </a:r>
+          </a:p>
+        </p:txBody>
+      </p:sp>
+      <p:sp>
+        <p:nvSpPr>
+          <p:cNvPr id="4" name="Text Box 54">
+            <a:extLst>
+              <a:ext uri="{FF2B5EF4-FFF2-40B4-BE49-F238E27FC236}">
+                <a16:creationId xmlns:a16="http://schemas.microsoft.com/office/drawing/2014/main" id="{74677E68-B1A5-98B7-8131-727335FF122B}"/>
               </a:ext>
             </a:extLst>
           </p:cNvPr>
@@ -14697,133 +15363,7 @@
         </p:nvSpPr>
         <p:spPr bwMode="auto">
           <a:xfrm>
-            <a:off x="3118940" y="3641129"/>
-            <a:ext cx="533712" cy="257071"/>
-          </a:xfrm>
-          <a:prstGeom prst="rect">
-            <a:avLst/>
-          </a:prstGeom>
-          <a:noFill/>
-          <a:ln w="9525">
-            <a:noFill/>
-            <a:miter lim="800000"/>
-            <a:headEnd/>
-            <a:tailEnd/>
-          </a:ln>
-        </p:spPr>
-        <p:txBody>
-          <a:bodyPr wrap="none">
-            <a:spAutoFit/>
-          </a:bodyPr>
-          <a:lstStyle/>
-          <a:p>
-            <a:pPr algn="ctr" fontAlgn="base">
-              <a:spcBef>
-                <a:spcPct val="0"/>
-              </a:spcBef>
-              <a:spcAft>
-                <a:spcPct val="0"/>
-              </a:spcAft>
-            </a:pPr>
-            <a:r>
-              <a:rPr lang="en-US" sz="1000">
-                <a:solidFill>
-                  <a:srgbClr val="000000"/>
-                </a:solidFill>
-                <a:latin typeface="Arial" charset="0"/>
-              </a:rPr>
-              <a:t>Message</a:t>
-            </a:r>
-          </a:p>
-          <a:p>
-            <a:pPr algn="ctr" fontAlgn="base">
-              <a:spcBef>
-                <a:spcPct val="0"/>
-              </a:spcBef>
-              <a:spcAft>
-                <a:spcPct val="0"/>
-              </a:spcAft>
-            </a:pPr>
-            <a:r>
-              <a:rPr lang="en-US" sz="1000">
-                <a:solidFill>
-                  <a:srgbClr val="000000"/>
-                </a:solidFill>
-                <a:latin typeface="Arial" charset="0"/>
-              </a:rPr>
-              <a:t>Developers</a:t>
-            </a:r>
-            <a:endParaRPr lang="en-US" sz="1000" dirty="0">
-              <a:solidFill>
-                <a:srgbClr val="000000"/>
-              </a:solidFill>
-              <a:latin typeface="Arial" charset="0"/>
-            </a:endParaRPr>
-          </a:p>
-        </p:txBody>
-      </p:sp>
-      <p:cxnSp>
-        <p:nvCxnSpPr>
-          <p:cNvPr id="52" name="Straight Arrow Connector 51">
-            <a:extLst>
-              <a:ext uri="{FF2B5EF4-FFF2-40B4-BE49-F238E27FC236}">
-                <a16:creationId xmlns:a16="http://schemas.microsoft.com/office/drawing/2014/main" id="{68604123-D466-C140-40BA-81C9FA850642}"/>
-              </a:ext>
-            </a:extLst>
-          </p:cNvPr>
-          <p:cNvCxnSpPr>
-            <a:stCxn id="29" idx="2"/>
-          </p:cNvCxnSpPr>
-          <p:nvPr/>
-        </p:nvCxnSpPr>
-        <p:spPr>
-          <a:xfrm flipH="1">
-            <a:off x="5467518" y="4143670"/>
-            <a:ext cx="1" cy="475214"/>
-          </a:xfrm>
-          <a:prstGeom prst="straightConnector1">
-            <a:avLst/>
-          </a:prstGeom>
-          <a:ln w="6350">
-            <a:solidFill>
-              <a:schemeClr val="tx1"/>
-            </a:solidFill>
-            <a:prstDash val="dash"/>
-            <a:tailEnd type="triangle"/>
-          </a:ln>
-        </p:spPr>
-        <p:style>
-          <a:lnRef idx="1">
-            <a:schemeClr val="accent1"/>
-          </a:lnRef>
-          <a:fillRef idx="0">
-            <a:schemeClr val="accent1"/>
-          </a:fillRef>
-          <a:effectRef idx="0">
-            <a:schemeClr val="accent1"/>
-          </a:effectRef>
-          <a:fontRef idx="minor">
-            <a:schemeClr val="tx1"/>
-          </a:fontRef>
-        </p:style>
-      </p:cxnSp>
-      <p:sp>
-        <p:nvSpPr>
-          <p:cNvPr id="54" name="Text Box 54">
-            <a:extLst>
-              <a:ext uri="{FF2B5EF4-FFF2-40B4-BE49-F238E27FC236}">
-                <a16:creationId xmlns:a16="http://schemas.microsoft.com/office/drawing/2014/main" id="{03121BF0-5EA3-1704-B8D1-18757DDFC83C}"/>
-              </a:ext>
-            </a:extLst>
-          </p:cNvPr>
-          <p:cNvSpPr txBox="1">
-            <a:spLocks noChangeArrowheads="1"/>
-          </p:cNvSpPr>
-          <p:nvPr/>
-        </p:nvSpPr>
-        <p:spPr bwMode="auto">
-          <a:xfrm>
-            <a:off x="5796453" y="2830027"/>
+            <a:off x="5796453" y="3038748"/>
             <a:ext cx="451316" cy="257071"/>
           </a:xfrm>
           <a:prstGeom prst="rect">
@@ -14890,10 +15430,10 @@
       </p:sp>
       <p:sp>
         <p:nvSpPr>
-          <p:cNvPr id="57" name="Text Box 48">
+          <p:cNvPr id="5" name="Text Box 48">
             <a:extLst>
               <a:ext uri="{FF2B5EF4-FFF2-40B4-BE49-F238E27FC236}">
-                <a16:creationId xmlns:a16="http://schemas.microsoft.com/office/drawing/2014/main" id="{5DDAB3ED-F70E-BCC8-B3DF-EE4EE124F396}"/>
+                <a16:creationId xmlns:a16="http://schemas.microsoft.com/office/drawing/2014/main" id="{F82130BC-B214-BCAB-9877-65949CDC6687}"/>
               </a:ext>
             </a:extLst>
           </p:cNvPr>
@@ -14904,7 +15444,7 @@
         </p:nvSpPr>
         <p:spPr bwMode="auto">
           <a:xfrm>
-            <a:off x="4867764" y="3262366"/>
+            <a:off x="4867764" y="3530721"/>
             <a:ext cx="387461" cy="158197"/>
           </a:xfrm>
           <a:prstGeom prst="rect">
@@ -14952,23 +15492,22 @@
       </p:sp>
       <p:cxnSp>
         <p:nvCxnSpPr>
-          <p:cNvPr id="584" name="Straight Arrow Connector 583">
+          <p:cNvPr id="6" name="Straight Arrow Connector 5">
             <a:extLst>
               <a:ext uri="{FF2B5EF4-FFF2-40B4-BE49-F238E27FC236}">
-                <a16:creationId xmlns:a16="http://schemas.microsoft.com/office/drawing/2014/main" id="{53AFDB76-4DEB-C9C3-FE14-6C067EEF5010}"/>
+                <a16:creationId xmlns:a16="http://schemas.microsoft.com/office/drawing/2014/main" id="{41562BE7-A5A9-04B7-F9C7-A6A002C832DE}"/>
               </a:ext>
             </a:extLst>
           </p:cNvPr>
           <p:cNvCxnSpPr>
             <a:cxnSpLocks/>
-            <a:endCxn id="29" idx="0"/>
           </p:cNvCxnSpPr>
           <p:nvPr/>
         </p:nvCxnSpPr>
         <p:spPr>
           <a:xfrm flipH="1">
-            <a:off x="5467519" y="2161169"/>
-            <a:ext cx="791" cy="1412245"/>
+            <a:off x="5467519" y="2528914"/>
+            <a:ext cx="791" cy="1336544"/>
           </a:xfrm>
           <a:prstGeom prst="straightConnector1">
             <a:avLst/>
@@ -14998,10 +15537,10 @@
       </p:cxnSp>
       <p:grpSp>
         <p:nvGrpSpPr>
-          <p:cNvPr id="6" name="Group 5">
+          <p:cNvPr id="7" name="Group 6">
             <a:extLst>
               <a:ext uri="{FF2B5EF4-FFF2-40B4-BE49-F238E27FC236}">
-                <a16:creationId xmlns:a16="http://schemas.microsoft.com/office/drawing/2014/main" id="{1C420DAD-A791-9D9A-1DBD-436C28B55DBB}"/>
+                <a16:creationId xmlns:a16="http://schemas.microsoft.com/office/drawing/2014/main" id="{431E99D5-D8D7-484F-B3A4-866892A241D0}"/>
               </a:ext>
             </a:extLst>
           </p:cNvPr>
@@ -15010,7 +15549,7 @@
         </p:nvGrpSpPr>
         <p:grpSpPr>
           <a:xfrm>
-            <a:off x="4098860" y="1866716"/>
+            <a:off x="4098860" y="2234461"/>
             <a:ext cx="2811654" cy="502746"/>
             <a:chOff x="3911012" y="859479"/>
             <a:chExt cx="4376097" cy="782481"/>
@@ -15018,10 +15557,10 @@
         </p:grpSpPr>
         <p:sp>
           <p:nvSpPr>
-            <p:cNvPr id="554" name="Oval 5">
+            <p:cNvPr id="8" name="Oval 5">
               <a:extLst>
                 <a:ext uri="{FF2B5EF4-FFF2-40B4-BE49-F238E27FC236}">
-                  <a16:creationId xmlns:a16="http://schemas.microsoft.com/office/drawing/2014/main" id="{08818DEE-9AF3-8F5F-94AF-153112F1490A}"/>
+                  <a16:creationId xmlns:a16="http://schemas.microsoft.com/office/drawing/2014/main" id="{82754104-4215-5BDB-23B1-E8A5EEEBE736}"/>
                 </a:ext>
               </a:extLst>
             </p:cNvPr>
@@ -15187,10 +15726,10 @@
         </p:sp>
         <p:sp>
           <p:nvSpPr>
-            <p:cNvPr id="555" name="Oval 6">
+            <p:cNvPr id="9" name="Oval 6">
               <a:extLst>
                 <a:ext uri="{FF2B5EF4-FFF2-40B4-BE49-F238E27FC236}">
-                  <a16:creationId xmlns:a16="http://schemas.microsoft.com/office/drawing/2014/main" id="{14DF6376-B221-835F-DC4C-05966CFC4135}"/>
+                  <a16:creationId xmlns:a16="http://schemas.microsoft.com/office/drawing/2014/main" id="{FB80D24D-BA39-D7DA-E8DF-D11BA329CA61}"/>
                 </a:ext>
               </a:extLst>
             </p:cNvPr>
@@ -15356,10 +15895,10 @@
         </p:sp>
         <p:sp>
           <p:nvSpPr>
-            <p:cNvPr id="556" name="Oval 7">
+            <p:cNvPr id="11" name="Oval 7">
               <a:extLst>
                 <a:ext uri="{FF2B5EF4-FFF2-40B4-BE49-F238E27FC236}">
-                  <a16:creationId xmlns:a16="http://schemas.microsoft.com/office/drawing/2014/main" id="{46E752ED-7D88-5B04-A2E5-527DCF950EF4}"/>
+                  <a16:creationId xmlns:a16="http://schemas.microsoft.com/office/drawing/2014/main" id="{AF7E7295-D135-A6F2-47F4-0B375472F204}"/>
                 </a:ext>
               </a:extLst>
             </p:cNvPr>
@@ -15525,10 +16064,10 @@
         </p:sp>
         <p:sp>
           <p:nvSpPr>
-            <p:cNvPr id="557" name="Oval 8">
+            <p:cNvPr id="12" name="Oval 8">
               <a:extLst>
                 <a:ext uri="{FF2B5EF4-FFF2-40B4-BE49-F238E27FC236}">
-                  <a16:creationId xmlns:a16="http://schemas.microsoft.com/office/drawing/2014/main" id="{3BB03354-BD2E-C300-9AA6-08F9F37EC55F}"/>
+                  <a16:creationId xmlns:a16="http://schemas.microsoft.com/office/drawing/2014/main" id="{541F632A-2239-9700-374A-5650919906A5}"/>
                 </a:ext>
               </a:extLst>
             </p:cNvPr>
@@ -15694,10 +16233,10 @@
         </p:sp>
         <p:sp>
           <p:nvSpPr>
-            <p:cNvPr id="558" name="Oval 9">
+            <p:cNvPr id="13" name="Oval 9">
               <a:extLst>
                 <a:ext uri="{FF2B5EF4-FFF2-40B4-BE49-F238E27FC236}">
-                  <a16:creationId xmlns:a16="http://schemas.microsoft.com/office/drawing/2014/main" id="{6F392685-54E3-47F8-C920-E0A8393CC08C}"/>
+                  <a16:creationId xmlns:a16="http://schemas.microsoft.com/office/drawing/2014/main" id="{D45D079E-2A68-7CA2-17D3-6C8095960E4E}"/>
                 </a:ext>
               </a:extLst>
             </p:cNvPr>
@@ -15863,10 +16402,10 @@
         </p:sp>
         <p:sp>
           <p:nvSpPr>
-            <p:cNvPr id="559" name="Oval 10">
+            <p:cNvPr id="14" name="Oval 10">
               <a:extLst>
                 <a:ext uri="{FF2B5EF4-FFF2-40B4-BE49-F238E27FC236}">
-                  <a16:creationId xmlns:a16="http://schemas.microsoft.com/office/drawing/2014/main" id="{5F03E95F-281C-EF5A-1C9A-1A959E7BA361}"/>
+                  <a16:creationId xmlns:a16="http://schemas.microsoft.com/office/drawing/2014/main" id="{9040C3E2-6382-31EB-6EC4-A5F6E6006E0C}"/>
                 </a:ext>
               </a:extLst>
             </p:cNvPr>
@@ -16030,10 +16569,10 @@
         </p:sp>
         <p:sp>
           <p:nvSpPr>
-            <p:cNvPr id="560" name="Oval 11">
+            <p:cNvPr id="15" name="Oval 11">
               <a:extLst>
                 <a:ext uri="{FF2B5EF4-FFF2-40B4-BE49-F238E27FC236}">
-                  <a16:creationId xmlns:a16="http://schemas.microsoft.com/office/drawing/2014/main" id="{E748A402-73FB-76DA-FE8E-6087F6A86309}"/>
+                  <a16:creationId xmlns:a16="http://schemas.microsoft.com/office/drawing/2014/main" id="{58281428-35CD-3835-2339-838BF4294CD4}"/>
                 </a:ext>
               </a:extLst>
             </p:cNvPr>
@@ -16197,10 +16736,10 @@
         </p:sp>
         <p:sp>
           <p:nvSpPr>
-            <p:cNvPr id="561" name="Oval 12">
+            <p:cNvPr id="16" name="Oval 12">
               <a:extLst>
                 <a:ext uri="{FF2B5EF4-FFF2-40B4-BE49-F238E27FC236}">
-                  <a16:creationId xmlns:a16="http://schemas.microsoft.com/office/drawing/2014/main" id="{F414A1E2-526F-7DF2-299D-E4EC51C8C408}"/>
+                  <a16:creationId xmlns:a16="http://schemas.microsoft.com/office/drawing/2014/main" id="{0197F24A-F758-18EE-E991-EC383A445ADF}"/>
                 </a:ext>
               </a:extLst>
             </p:cNvPr>
@@ -16364,10 +16903,10 @@
         </p:sp>
         <p:sp>
           <p:nvSpPr>
-            <p:cNvPr id="562" name="Oval 13">
+            <p:cNvPr id="18" name="Oval 13">
               <a:extLst>
                 <a:ext uri="{FF2B5EF4-FFF2-40B4-BE49-F238E27FC236}">
-                  <a16:creationId xmlns:a16="http://schemas.microsoft.com/office/drawing/2014/main" id="{55AF64FC-265C-4E63-8B22-705DFD0565A0}"/>
+                  <a16:creationId xmlns:a16="http://schemas.microsoft.com/office/drawing/2014/main" id="{1EEBB43A-79AA-6BB2-6A9B-ED22534EC4C1}"/>
                 </a:ext>
               </a:extLst>
             </p:cNvPr>
@@ -16533,10 +17072,10 @@
         </p:sp>
         <p:sp>
           <p:nvSpPr>
-            <p:cNvPr id="563" name="Oval 14">
+            <p:cNvPr id="19" name="Oval 14">
               <a:extLst>
                 <a:ext uri="{FF2B5EF4-FFF2-40B4-BE49-F238E27FC236}">
-                  <a16:creationId xmlns:a16="http://schemas.microsoft.com/office/drawing/2014/main" id="{61AE4163-E277-18A9-B913-71D907DB84F6}"/>
+                  <a16:creationId xmlns:a16="http://schemas.microsoft.com/office/drawing/2014/main" id="{4CC09633-C543-A47E-001D-F6BC51773CB1}"/>
                 </a:ext>
               </a:extLst>
             </p:cNvPr>
@@ -16702,10 +17241,10 @@
         </p:sp>
         <p:sp>
           <p:nvSpPr>
-            <p:cNvPr id="564" name="Oval 15">
+            <p:cNvPr id="20" name="Oval 15">
               <a:extLst>
                 <a:ext uri="{FF2B5EF4-FFF2-40B4-BE49-F238E27FC236}">
-                  <a16:creationId xmlns:a16="http://schemas.microsoft.com/office/drawing/2014/main" id="{6BC3FD71-1876-6C2B-8571-D3997ECD8C7F}"/>
+                  <a16:creationId xmlns:a16="http://schemas.microsoft.com/office/drawing/2014/main" id="{EBC76F26-EDF1-2922-8E9F-28DD79E7B945}"/>
                 </a:ext>
               </a:extLst>
             </p:cNvPr>
@@ -16871,10 +17410,10 @@
         </p:sp>
         <p:sp>
           <p:nvSpPr>
-            <p:cNvPr id="565" name="Freeform 16">
+            <p:cNvPr id="21" name="Freeform 16">
               <a:extLst>
                 <a:ext uri="{FF2B5EF4-FFF2-40B4-BE49-F238E27FC236}">
-                  <a16:creationId xmlns:a16="http://schemas.microsoft.com/office/drawing/2014/main" id="{C4A4FF81-7D5F-54F0-2A3C-B8F9B9F073C0}"/>
+                  <a16:creationId xmlns:a16="http://schemas.microsoft.com/office/drawing/2014/main" id="{CBCC14A4-0B2F-88A7-BEAF-2B35F1C2727F}"/>
                 </a:ext>
               </a:extLst>
             </p:cNvPr>
@@ -17230,10 +17769,10 @@
         </p:sp>
         <p:sp>
           <p:nvSpPr>
-            <p:cNvPr id="566" name="Oval 17">
+            <p:cNvPr id="22" name="Oval 17">
               <a:extLst>
                 <a:ext uri="{FF2B5EF4-FFF2-40B4-BE49-F238E27FC236}">
-                  <a16:creationId xmlns:a16="http://schemas.microsoft.com/office/drawing/2014/main" id="{E2B3231C-AC61-9DFC-9E7B-A631AB670F9B}"/>
+                  <a16:creationId xmlns:a16="http://schemas.microsoft.com/office/drawing/2014/main" id="{C8893F7F-4898-D241-DF95-C21F8B8B53E2}"/>
                 </a:ext>
               </a:extLst>
             </p:cNvPr>
@@ -17399,10 +17938,10 @@
         </p:sp>
         <p:sp>
           <p:nvSpPr>
-            <p:cNvPr id="567" name="Oval 18">
+            <p:cNvPr id="29" name="Oval 18">
               <a:extLst>
                 <a:ext uri="{FF2B5EF4-FFF2-40B4-BE49-F238E27FC236}">
-                  <a16:creationId xmlns:a16="http://schemas.microsoft.com/office/drawing/2014/main" id="{D068FF42-D679-CF5E-E004-B89A8AFF4008}"/>
+                  <a16:creationId xmlns:a16="http://schemas.microsoft.com/office/drawing/2014/main" id="{48094D8C-00A0-0953-E6EF-0E20D9B1F3BE}"/>
                 </a:ext>
               </a:extLst>
             </p:cNvPr>
@@ -17568,10 +18107,10 @@
         </p:sp>
         <p:sp>
           <p:nvSpPr>
-            <p:cNvPr id="568" name="Oval 19">
+            <p:cNvPr id="46" name="Oval 19">
               <a:extLst>
                 <a:ext uri="{FF2B5EF4-FFF2-40B4-BE49-F238E27FC236}">
-                  <a16:creationId xmlns:a16="http://schemas.microsoft.com/office/drawing/2014/main" id="{C5D6B19A-D030-7649-643A-AFEA5C9BB4A8}"/>
+                  <a16:creationId xmlns:a16="http://schemas.microsoft.com/office/drawing/2014/main" id="{A29704D1-B6A0-9273-5625-AA570603CE89}"/>
                 </a:ext>
               </a:extLst>
             </p:cNvPr>
@@ -17737,10 +18276,10 @@
         </p:sp>
         <p:sp>
           <p:nvSpPr>
-            <p:cNvPr id="569" name="Oval 20">
+            <p:cNvPr id="47" name="Oval 20">
               <a:extLst>
                 <a:ext uri="{FF2B5EF4-FFF2-40B4-BE49-F238E27FC236}">
-                  <a16:creationId xmlns:a16="http://schemas.microsoft.com/office/drawing/2014/main" id="{E2D02963-1B71-543C-7507-54BB0DDEC2D8}"/>
+                  <a16:creationId xmlns:a16="http://schemas.microsoft.com/office/drawing/2014/main" id="{1C3CFB53-EE2D-0147-DCB6-BBA206FFA67E}"/>
                 </a:ext>
               </a:extLst>
             </p:cNvPr>
@@ -17904,10 +18443,10 @@
         </p:sp>
         <p:sp>
           <p:nvSpPr>
-            <p:cNvPr id="570" name="Oval 21">
+            <p:cNvPr id="49" name="Oval 21">
               <a:extLst>
                 <a:ext uri="{FF2B5EF4-FFF2-40B4-BE49-F238E27FC236}">
-                  <a16:creationId xmlns:a16="http://schemas.microsoft.com/office/drawing/2014/main" id="{F8069E8F-16F3-A822-6050-D81C26FE37B4}"/>
+                  <a16:creationId xmlns:a16="http://schemas.microsoft.com/office/drawing/2014/main" id="{04D9652A-93B7-BD4C-A44A-215F31602A0B}"/>
                 </a:ext>
               </a:extLst>
             </p:cNvPr>
@@ -18071,10 +18610,10 @@
         </p:sp>
         <p:sp>
           <p:nvSpPr>
-            <p:cNvPr id="571" name="Oval 22">
+            <p:cNvPr id="51" name="Oval 22">
               <a:extLst>
                 <a:ext uri="{FF2B5EF4-FFF2-40B4-BE49-F238E27FC236}">
-                  <a16:creationId xmlns:a16="http://schemas.microsoft.com/office/drawing/2014/main" id="{A23AFB08-6559-EA73-0BF8-5D8D541C219D}"/>
+                  <a16:creationId xmlns:a16="http://schemas.microsoft.com/office/drawing/2014/main" id="{6B6C72E2-B365-022D-6758-EB49DA73ED22}"/>
                 </a:ext>
               </a:extLst>
             </p:cNvPr>
@@ -18238,10 +18777,10 @@
         </p:sp>
         <p:sp>
           <p:nvSpPr>
-            <p:cNvPr id="572" name="Oval 23">
+            <p:cNvPr id="53" name="Oval 23">
               <a:extLst>
                 <a:ext uri="{FF2B5EF4-FFF2-40B4-BE49-F238E27FC236}">
-                  <a16:creationId xmlns:a16="http://schemas.microsoft.com/office/drawing/2014/main" id="{8C6315BA-EF44-8D40-5CB6-1F61D9A280DB}"/>
+                  <a16:creationId xmlns:a16="http://schemas.microsoft.com/office/drawing/2014/main" id="{7F3C3003-F375-1230-D4D6-DDDE3EC1C682}"/>
                 </a:ext>
               </a:extLst>
             </p:cNvPr>
@@ -18407,10 +18946,10 @@
         </p:sp>
         <p:sp>
           <p:nvSpPr>
-            <p:cNvPr id="573" name="Oval 24">
+            <p:cNvPr id="54" name="Oval 24">
               <a:extLst>
                 <a:ext uri="{FF2B5EF4-FFF2-40B4-BE49-F238E27FC236}">
-                  <a16:creationId xmlns:a16="http://schemas.microsoft.com/office/drawing/2014/main" id="{B172F1F1-5ADE-9F76-2E74-2EB37E602BBC}"/>
+                  <a16:creationId xmlns:a16="http://schemas.microsoft.com/office/drawing/2014/main" id="{DE3127CB-9D1F-4BA1-6FB2-E0B6B5CF14E4}"/>
                 </a:ext>
               </a:extLst>
             </p:cNvPr>
@@ -18576,10 +19115,10 @@
         </p:sp>
         <p:sp>
           <p:nvSpPr>
-            <p:cNvPr id="575" name="Oval 26">
+            <p:cNvPr id="55" name="Oval 26">
               <a:extLst>
                 <a:ext uri="{FF2B5EF4-FFF2-40B4-BE49-F238E27FC236}">
-                  <a16:creationId xmlns:a16="http://schemas.microsoft.com/office/drawing/2014/main" id="{78BE6665-B66A-FB3C-156C-F3CCAF893165}"/>
+                  <a16:creationId xmlns:a16="http://schemas.microsoft.com/office/drawing/2014/main" id="{9609628B-5AF5-F5FA-7F3C-C1C2F7B1D521}"/>
                 </a:ext>
               </a:extLst>
             </p:cNvPr>
@@ -18745,10 +19284,10 @@
         </p:sp>
         <p:sp>
           <p:nvSpPr>
-            <p:cNvPr id="576" name="Oval 27">
+            <p:cNvPr id="56" name="Oval 27">
               <a:extLst>
                 <a:ext uri="{FF2B5EF4-FFF2-40B4-BE49-F238E27FC236}">
-                  <a16:creationId xmlns:a16="http://schemas.microsoft.com/office/drawing/2014/main" id="{EA71FE2D-21CA-4A17-3E72-73EC988B7B9F}"/>
+                  <a16:creationId xmlns:a16="http://schemas.microsoft.com/office/drawing/2014/main" id="{260086A6-8E28-6133-5F9F-00792679DA33}"/>
                 </a:ext>
               </a:extLst>
             </p:cNvPr>
@@ -18914,10 +19453,10 @@
         </p:sp>
         <p:sp>
           <p:nvSpPr>
-            <p:cNvPr id="577" name="Oval 28">
+            <p:cNvPr id="57" name="Oval 28">
               <a:extLst>
                 <a:ext uri="{FF2B5EF4-FFF2-40B4-BE49-F238E27FC236}">
-                  <a16:creationId xmlns:a16="http://schemas.microsoft.com/office/drawing/2014/main" id="{5B5F8B14-803C-D1B2-3916-485EAF35E2D5}"/>
+                  <a16:creationId xmlns:a16="http://schemas.microsoft.com/office/drawing/2014/main" id="{18EB4E95-973C-65AC-B828-5D86AA85E378}"/>
                 </a:ext>
               </a:extLst>
             </p:cNvPr>
@@ -19083,10 +19622,10 @@
         </p:sp>
         <p:sp>
           <p:nvSpPr>
-            <p:cNvPr id="578" name="Oval 29">
+            <p:cNvPr id="58" name="Oval 29">
               <a:extLst>
                 <a:ext uri="{FF2B5EF4-FFF2-40B4-BE49-F238E27FC236}">
-                  <a16:creationId xmlns:a16="http://schemas.microsoft.com/office/drawing/2014/main" id="{9C903AF9-7731-2442-2BFC-16483F3109A5}"/>
+                  <a16:creationId xmlns:a16="http://schemas.microsoft.com/office/drawing/2014/main" id="{AE030281-BFD6-0B04-6F37-A502C21A2882}"/>
                 </a:ext>
               </a:extLst>
             </p:cNvPr>
@@ -19252,10 +19791,10 @@
         </p:sp>
         <p:sp>
           <p:nvSpPr>
-            <p:cNvPr id="579" name="Oval 30">
+            <p:cNvPr id="59" name="Oval 30">
               <a:extLst>
                 <a:ext uri="{FF2B5EF4-FFF2-40B4-BE49-F238E27FC236}">
-                  <a16:creationId xmlns:a16="http://schemas.microsoft.com/office/drawing/2014/main" id="{112F7F45-B969-2ACD-EB5C-37FB10584835}"/>
+                  <a16:creationId xmlns:a16="http://schemas.microsoft.com/office/drawing/2014/main" id="{C292CAF3-CA68-80F0-903D-874B5C662C9A}"/>
                 </a:ext>
               </a:extLst>
             </p:cNvPr>
@@ -19421,10 +19960,10 @@
         </p:sp>
         <p:sp>
           <p:nvSpPr>
-            <p:cNvPr id="580" name="Oval 31">
+            <p:cNvPr id="61" name="Oval 31">
               <a:extLst>
                 <a:ext uri="{FF2B5EF4-FFF2-40B4-BE49-F238E27FC236}">
-                  <a16:creationId xmlns:a16="http://schemas.microsoft.com/office/drawing/2014/main" id="{384F4A5B-EF00-8DC2-D827-D4FDEA1B810C}"/>
+                  <a16:creationId xmlns:a16="http://schemas.microsoft.com/office/drawing/2014/main" id="{6C1AA374-96CB-28EB-A27A-E9DCCA593817}"/>
                 </a:ext>
               </a:extLst>
             </p:cNvPr>
@@ -19590,10 +20129,10 @@
         </p:sp>
         <p:sp>
           <p:nvSpPr>
-            <p:cNvPr id="581" name="Oval 32">
+            <p:cNvPr id="514" name="Oval 32">
               <a:extLst>
                 <a:ext uri="{FF2B5EF4-FFF2-40B4-BE49-F238E27FC236}">
-                  <a16:creationId xmlns:a16="http://schemas.microsoft.com/office/drawing/2014/main" id="{365D7526-853D-433D-EB91-EEB8C17221D5}"/>
+                  <a16:creationId xmlns:a16="http://schemas.microsoft.com/office/drawing/2014/main" id="{09214919-4FC2-7AAF-B9EB-AE6BD945E402}"/>
                 </a:ext>
               </a:extLst>
             </p:cNvPr>
@@ -19759,10 +20298,10 @@
         </p:sp>
         <p:sp>
           <p:nvSpPr>
-            <p:cNvPr id="582" name="Oval 33">
+            <p:cNvPr id="515" name="Oval 33">
               <a:extLst>
                 <a:ext uri="{FF2B5EF4-FFF2-40B4-BE49-F238E27FC236}">
-                  <a16:creationId xmlns:a16="http://schemas.microsoft.com/office/drawing/2014/main" id="{DF6EA7F4-1514-F7E1-0074-BF40AA9689EC}"/>
+                  <a16:creationId xmlns:a16="http://schemas.microsoft.com/office/drawing/2014/main" id="{E52FEE19-AB5A-E68D-0FFC-1B52E3C6739C}"/>
                 </a:ext>
               </a:extLst>
             </p:cNvPr>
@@ -19928,10 +20467,10 @@
         </p:sp>
         <p:sp>
           <p:nvSpPr>
-            <p:cNvPr id="583" name="Freeform 34">
+            <p:cNvPr id="516" name="Freeform 34">
               <a:extLst>
                 <a:ext uri="{FF2B5EF4-FFF2-40B4-BE49-F238E27FC236}">
-                  <a16:creationId xmlns:a16="http://schemas.microsoft.com/office/drawing/2014/main" id="{3818E90B-724A-53E7-E43E-CF9743BDEFF6}"/>
+                  <a16:creationId xmlns:a16="http://schemas.microsoft.com/office/drawing/2014/main" id="{EFD7E98A-87F4-6BB8-128A-319E6DEABDBA}"/>
                 </a:ext>
               </a:extLst>
             </p:cNvPr>
@@ -20287,10 +20826,10 @@
         </p:sp>
         <p:sp>
           <p:nvSpPr>
-            <p:cNvPr id="574" name="Freeform 25">
+            <p:cNvPr id="517" name="Freeform 25">
               <a:extLst>
                 <a:ext uri="{FF2B5EF4-FFF2-40B4-BE49-F238E27FC236}">
-                  <a16:creationId xmlns:a16="http://schemas.microsoft.com/office/drawing/2014/main" id="{BE826785-0654-D959-70C4-24AF875BF2CC}"/>
+                  <a16:creationId xmlns:a16="http://schemas.microsoft.com/office/drawing/2014/main" id="{59766F29-318B-73D7-80A0-3FF4EC5C31BB}"/>
                 </a:ext>
               </a:extLst>
             </p:cNvPr>
@@ -20647,10 +21186,10 @@
       </p:grpSp>
       <p:sp>
         <p:nvSpPr>
-          <p:cNvPr id="324" name="Rectangle 35">
+          <p:cNvPr id="518" name="Rectangle 35">
             <a:extLst>
               <a:ext uri="{FF2B5EF4-FFF2-40B4-BE49-F238E27FC236}">
-                <a16:creationId xmlns:a16="http://schemas.microsoft.com/office/drawing/2014/main" id="{7678D4BB-83BD-41E7-7FF5-EE8059D866FE}"/>
+                <a16:creationId xmlns:a16="http://schemas.microsoft.com/office/drawing/2014/main" id="{4642EE1B-C623-3DD6-EC59-04999F97EA6B}"/>
               </a:ext>
             </a:extLst>
           </p:cNvPr>
@@ -20661,8 +21200,8 @@
         </p:nvSpPr>
         <p:spPr bwMode="auto">
           <a:xfrm>
-            <a:off x="4867168" y="1929347"/>
-            <a:ext cx="1207288" cy="257071"/>
+            <a:off x="4724454" y="2366665"/>
+            <a:ext cx="1492716" cy="246221"/>
           </a:xfrm>
           <a:prstGeom prst="rect">
             <a:avLst/>
@@ -20810,54 +21349,14 @@
               <a:t>Information requirement</a:t>
             </a:r>
           </a:p>
-          <a:p>
-            <a:pPr marL="0" marR="0" lvl="0" indent="0" algn="ctr" defTabSz="914400" eaLnBrk="0" fontAlgn="base" latinLnBrk="0" hangingPunct="0">
-              <a:lnSpc>
-                <a:spcPct val="100000"/>
-              </a:lnSpc>
-              <a:spcBef>
-                <a:spcPct val="0"/>
-              </a:spcBef>
-              <a:spcAft>
-                <a:spcPct val="0"/>
-              </a:spcAft>
-              <a:buClrTx/>
-              <a:buSzTx/>
-              <a:buFontTx/>
-              <a:buNone/>
-              <a:tabLst/>
-              <a:defRPr/>
-            </a:pPr>
-            <a:r>
-              <a:rPr lang="en-US" altLang="en-US" sz="1000" b="0" i="1" kern="0">
-                <a:solidFill>
-                  <a:srgbClr val="000000"/>
-                </a:solidFill>
-                <a:latin typeface="+mn-lt"/>
-              </a:rPr>
-              <a:t>(the facts that must be conveyed</a:t>
-            </a:r>
-            <a:endParaRPr kumimoji="0" lang="en-US" altLang="en-US" sz="1000" b="0" i="1" u="none" strike="noStrike" kern="0" cap="none" spc="0" normalizeH="0" baseline="0" noProof="0">
-              <a:ln>
-                <a:noFill/>
-              </a:ln>
-              <a:solidFill>
-                <a:srgbClr val="000000"/>
-              </a:solidFill>
-              <a:effectLst/>
-              <a:uLnTx/>
-              <a:uFillTx/>
-              <a:latin typeface="+mn-lt"/>
-            </a:endParaRPr>
-          </a:p>
         </p:txBody>
       </p:sp>
       <p:sp>
         <p:nvSpPr>
-          <p:cNvPr id="588" name="Arc 587">
+          <p:cNvPr id="521" name="Rectangle 520">
             <a:extLst>
               <a:ext uri="{FF2B5EF4-FFF2-40B4-BE49-F238E27FC236}">
-                <a16:creationId xmlns:a16="http://schemas.microsoft.com/office/drawing/2014/main" id="{72A4E245-8DEB-970F-A949-22F49B2DCF84}"/>
+                <a16:creationId xmlns:a16="http://schemas.microsoft.com/office/drawing/2014/main" id="{C85A4FFC-6503-F0BF-1B96-C9E3AC7229DC}"/>
               </a:ext>
             </a:extLst>
           </p:cNvPr>
@@ -20866,561 +21365,7 @@
         </p:nvSpPr>
         <p:spPr>
           <a:xfrm>
-            <a:off x="6700303" y="4258878"/>
-            <a:ext cx="789869" cy="1081772"/>
-          </a:xfrm>
-          <a:prstGeom prst="arc">
-            <a:avLst>
-              <a:gd name="adj1" fmla="val 10244385"/>
-              <a:gd name="adj2" fmla="val 15214760"/>
-            </a:avLst>
-          </a:prstGeom>
-          <a:ln w="6350">
-            <a:solidFill>
-              <a:schemeClr val="tx1"/>
-            </a:solidFill>
-            <a:prstDash val="dash"/>
-            <a:headEnd type="triangle" w="med" len="sm"/>
-            <a:tailEnd type="none" w="med" len="sm"/>
-          </a:ln>
-        </p:spPr>
-        <p:style>
-          <a:lnRef idx="1">
-            <a:schemeClr val="accent1"/>
-          </a:lnRef>
-          <a:fillRef idx="0">
-            <a:schemeClr val="accent1"/>
-          </a:fillRef>
-          <a:effectRef idx="0">
-            <a:schemeClr val="accent1"/>
-          </a:effectRef>
-          <a:fontRef idx="minor">
-            <a:schemeClr val="tx1"/>
-          </a:fontRef>
-        </p:style>
-        <p:txBody>
-          <a:bodyPr rtlCol="0" anchor="ctr"/>
-          <a:lstStyle/>
-          <a:p>
-            <a:pPr algn="ctr"/>
-            <a:endParaRPr lang="en-US" sz="1000"/>
-          </a:p>
-        </p:txBody>
-      </p:sp>
-      <p:sp>
-        <p:nvSpPr>
-          <p:cNvPr id="589" name="Text Box 48">
-            <a:extLst>
-              <a:ext uri="{FF2B5EF4-FFF2-40B4-BE49-F238E27FC236}">
-                <a16:creationId xmlns:a16="http://schemas.microsoft.com/office/drawing/2014/main" id="{EF5798CC-B9CE-1259-5298-11033C5A424D}"/>
-              </a:ext>
-            </a:extLst>
-          </p:cNvPr>
-          <p:cNvSpPr txBox="1">
-            <a:spLocks noChangeArrowheads="1"/>
-          </p:cNvSpPr>
-          <p:nvPr/>
-        </p:nvSpPr>
-        <p:spPr bwMode="auto">
-          <a:xfrm>
-            <a:off x="6050732" y="4364535"/>
-            <a:ext cx="497664" cy="158197"/>
-          </a:xfrm>
-          <a:prstGeom prst="rect">
-            <a:avLst/>
-          </a:prstGeom>
-          <a:noFill/>
-          <a:ln w="9525">
-            <a:noFill/>
-            <a:miter lim="800000"/>
-            <a:headEnd/>
-            <a:tailEnd/>
-          </a:ln>
-        </p:spPr>
-        <p:txBody>
-          <a:bodyPr wrap="none">
-            <a:spAutoFit/>
-          </a:bodyPr>
-          <a:lstStyle/>
-          <a:p>
-            <a:pPr fontAlgn="base">
-              <a:spcBef>
-                <a:spcPct val="0"/>
-              </a:spcBef>
-              <a:spcAft>
-                <a:spcPct val="0"/>
-              </a:spcAft>
-            </a:pPr>
-            <a:r>
-              <a:rPr lang="en-US" sz="1000" i="1">
-                <a:solidFill>
-                  <a:srgbClr val="000000"/>
-                </a:solidFill>
-                <a:latin typeface="Arial" charset="0"/>
-              </a:rPr>
-              <a:t>implement</a:t>
-            </a:r>
-            <a:endParaRPr lang="en-US" sz="1000" i="1" dirty="0">
-              <a:solidFill>
-                <a:srgbClr val="000000"/>
-              </a:solidFill>
-              <a:latin typeface="Arial" charset="0"/>
-            </a:endParaRPr>
-          </a:p>
-        </p:txBody>
-      </p:sp>
-      <p:sp>
-        <p:nvSpPr>
-          <p:cNvPr id="590" name="AutoShape 38">
-            <a:extLst>
-              <a:ext uri="{FF2B5EF4-FFF2-40B4-BE49-F238E27FC236}">
-                <a16:creationId xmlns:a16="http://schemas.microsoft.com/office/drawing/2014/main" id="{279D2EDB-ADD0-6CE8-2056-DAD6D86F0338}"/>
-              </a:ext>
-            </a:extLst>
-          </p:cNvPr>
-          <p:cNvSpPr>
-            <a:spLocks noChangeArrowheads="1"/>
-          </p:cNvSpPr>
-          <p:nvPr/>
-        </p:nvSpPr>
-        <p:spPr bwMode="auto">
-          <a:xfrm>
-            <a:off x="2993803" y="1856721"/>
-            <a:ext cx="855385" cy="522735"/>
-          </a:xfrm>
-          <a:prstGeom prst="roundRect">
-            <a:avLst>
-              <a:gd name="adj" fmla="val 16667"/>
-            </a:avLst>
-          </a:prstGeom>
-          <a:solidFill>
-            <a:schemeClr val="bg1">
-              <a:lumMod val="95000"/>
-            </a:schemeClr>
-          </a:solidFill>
-          <a:ln w="9525">
-            <a:solidFill>
-              <a:sysClr val="windowText" lastClr="000000"/>
-            </a:solidFill>
-            <a:prstDash val="sysDot"/>
-            <a:round/>
-            <a:headEnd/>
-            <a:tailEnd/>
-          </a:ln>
-        </p:spPr>
-        <p:txBody>
-          <a:bodyPr wrap="none" anchor="ctr"/>
-          <a:lstStyle/>
-          <a:p>
-            <a:pPr marL="0" marR="0" lvl="0" indent="0" algn="ctr" defTabSz="914400" eaLnBrk="1" fontAlgn="base" latinLnBrk="0" hangingPunct="1">
-              <a:lnSpc>
-                <a:spcPct val="100000"/>
-              </a:lnSpc>
-              <a:spcBef>
-                <a:spcPct val="0"/>
-              </a:spcBef>
-              <a:spcAft>
-                <a:spcPct val="0"/>
-              </a:spcAft>
-              <a:buClrTx/>
-              <a:buSzTx/>
-              <a:buFontTx/>
-              <a:buNone/>
-              <a:tabLst/>
-              <a:defRPr/>
-            </a:pPr>
-            <a:r>
-              <a:rPr kumimoji="0" lang="en-US" sz="1000" b="0" i="0" u="none" strike="noStrike" kern="0" cap="none" spc="0" normalizeH="0" baseline="0" noProof="0">
-                <a:ln>
-                  <a:noFill/>
-                </a:ln>
-                <a:solidFill>
-                  <a:schemeClr val="tx1">
-                    <a:lumMod val="65000"/>
-                    <a:lumOff val="35000"/>
-                  </a:schemeClr>
-                </a:solidFill>
-                <a:effectLst/>
-                <a:uLnTx/>
-                <a:uFillTx/>
-              </a:rPr>
-              <a:t>abstract</a:t>
-            </a:r>
-          </a:p>
-          <a:p>
-            <a:pPr marL="0" marR="0" lvl="0" indent="0" algn="ctr" defTabSz="914400" eaLnBrk="1" fontAlgn="base" latinLnBrk="0" hangingPunct="1">
-              <a:lnSpc>
-                <a:spcPct val="100000"/>
-              </a:lnSpc>
-              <a:spcBef>
-                <a:spcPct val="0"/>
-              </a:spcBef>
-              <a:spcAft>
-                <a:spcPct val="0"/>
-              </a:spcAft>
-              <a:buClrTx/>
-              <a:buSzTx/>
-              <a:buFontTx/>
-              <a:buNone/>
-              <a:tabLst/>
-              <a:defRPr/>
-            </a:pPr>
-            <a:r>
-              <a:rPr kumimoji="0" lang="en-US" sz="1000" b="0" i="0" u="none" strike="noStrike" kern="0" cap="none" spc="0" normalizeH="0" baseline="0" noProof="0">
-                <a:ln>
-                  <a:noFill/>
-                </a:ln>
-                <a:solidFill>
-                  <a:schemeClr val="tx1">
-                    <a:lumMod val="65000"/>
-                    <a:lumOff val="35000"/>
-                  </a:schemeClr>
-                </a:solidFill>
-                <a:effectLst/>
-                <a:uLnTx/>
-                <a:uFillTx/>
-              </a:rPr>
-              <a:t>producer</a:t>
-            </a:r>
-            <a:endParaRPr kumimoji="0" lang="en-US" sz="1000" b="0" i="0" u="none" strike="noStrike" kern="0" cap="none" spc="0" normalizeH="0" baseline="0" noProof="0" dirty="0">
-              <a:ln>
-                <a:noFill/>
-              </a:ln>
-              <a:solidFill>
-                <a:schemeClr val="tx1">
-                  <a:lumMod val="65000"/>
-                  <a:lumOff val="35000"/>
-                </a:schemeClr>
-              </a:solidFill>
-              <a:effectLst/>
-              <a:uLnTx/>
-              <a:uFillTx/>
-            </a:endParaRPr>
-          </a:p>
-        </p:txBody>
-      </p:sp>
-      <p:sp>
-        <p:nvSpPr>
-          <p:cNvPr id="592" name="AutoShape 38">
-            <a:extLst>
-              <a:ext uri="{FF2B5EF4-FFF2-40B4-BE49-F238E27FC236}">
-                <a16:creationId xmlns:a16="http://schemas.microsoft.com/office/drawing/2014/main" id="{18DC830C-E0EF-9D3E-8DBF-096F958D9F6C}"/>
-              </a:ext>
-            </a:extLst>
-          </p:cNvPr>
-          <p:cNvSpPr>
-            <a:spLocks noChangeArrowheads="1"/>
-          </p:cNvSpPr>
-          <p:nvPr/>
-        </p:nvSpPr>
-        <p:spPr bwMode="auto">
-          <a:xfrm>
-            <a:off x="7178288" y="1856721"/>
-            <a:ext cx="855385" cy="522735"/>
-          </a:xfrm>
-          <a:prstGeom prst="roundRect">
-            <a:avLst>
-              <a:gd name="adj" fmla="val 16667"/>
-            </a:avLst>
-          </a:prstGeom>
-          <a:solidFill>
-            <a:srgbClr val="F2F2F2"/>
-          </a:solidFill>
-          <a:ln w="9525">
-            <a:solidFill>
-              <a:sysClr val="windowText" lastClr="000000"/>
-            </a:solidFill>
-            <a:prstDash val="sysDot"/>
-            <a:round/>
-            <a:headEnd/>
-            <a:tailEnd/>
-          </a:ln>
-        </p:spPr>
-        <p:txBody>
-          <a:bodyPr wrap="none" anchor="ctr"/>
-          <a:lstStyle/>
-          <a:p>
-            <a:pPr marL="0" marR="0" lvl="0" indent="0" algn="ctr" defTabSz="914400" eaLnBrk="1" fontAlgn="base" latinLnBrk="0" hangingPunct="1">
-              <a:lnSpc>
-                <a:spcPct val="100000"/>
-              </a:lnSpc>
-              <a:spcBef>
-                <a:spcPct val="0"/>
-              </a:spcBef>
-              <a:spcAft>
-                <a:spcPct val="0"/>
-              </a:spcAft>
-              <a:buClrTx/>
-              <a:buSzTx/>
-              <a:buFontTx/>
-              <a:buNone/>
-              <a:tabLst/>
-              <a:defRPr/>
-            </a:pPr>
-            <a:r>
-              <a:rPr kumimoji="0" lang="en-US" sz="1000" b="0" i="0" u="none" strike="noStrike" kern="0" cap="none" spc="0" normalizeH="0" baseline="0" noProof="0">
-                <a:ln>
-                  <a:noFill/>
-                </a:ln>
-                <a:solidFill>
-                  <a:schemeClr val="tx1">
-                    <a:lumMod val="65000"/>
-                    <a:lumOff val="35000"/>
-                  </a:schemeClr>
-                </a:solidFill>
-                <a:effectLst/>
-                <a:uLnTx/>
-                <a:uFillTx/>
-              </a:rPr>
-              <a:t>abstract</a:t>
-            </a:r>
-          </a:p>
-          <a:p>
-            <a:pPr marL="0" marR="0" lvl="0" indent="0" algn="ctr" defTabSz="914400" eaLnBrk="1" fontAlgn="base" latinLnBrk="0" hangingPunct="1">
-              <a:lnSpc>
-                <a:spcPct val="100000"/>
-              </a:lnSpc>
-              <a:spcBef>
-                <a:spcPct val="0"/>
-              </a:spcBef>
-              <a:spcAft>
-                <a:spcPct val="0"/>
-              </a:spcAft>
-              <a:buClrTx/>
-              <a:buSzTx/>
-              <a:buFontTx/>
-              <a:buNone/>
-              <a:tabLst/>
-              <a:defRPr/>
-            </a:pPr>
-            <a:r>
-              <a:rPr kumimoji="0" lang="en-US" sz="1000" b="0" i="0" u="none" strike="noStrike" kern="0" cap="none" spc="0" normalizeH="0" baseline="0" noProof="0">
-                <a:ln>
-                  <a:noFill/>
-                </a:ln>
-                <a:solidFill>
-                  <a:schemeClr val="tx1">
-                    <a:lumMod val="65000"/>
-                    <a:lumOff val="35000"/>
-                  </a:schemeClr>
-                </a:solidFill>
-                <a:effectLst/>
-                <a:uLnTx/>
-                <a:uFillTx/>
-              </a:rPr>
-              <a:t>consumer</a:t>
-            </a:r>
-            <a:endParaRPr kumimoji="0" lang="en-US" sz="1000" b="0" i="0" u="none" strike="noStrike" kern="0" cap="none" spc="0" normalizeH="0" baseline="0" noProof="0" dirty="0">
-              <a:ln>
-                <a:noFill/>
-              </a:ln>
-              <a:solidFill>
-                <a:schemeClr val="tx1">
-                  <a:lumMod val="65000"/>
-                  <a:lumOff val="35000"/>
-                </a:schemeClr>
-              </a:solidFill>
-              <a:effectLst/>
-              <a:uLnTx/>
-              <a:uFillTx/>
-            </a:endParaRPr>
-          </a:p>
-        </p:txBody>
-      </p:sp>
-      <p:sp>
-        <p:nvSpPr>
-          <p:cNvPr id="594" name="Text Box 54">
-            <a:extLst>
-              <a:ext uri="{FF2B5EF4-FFF2-40B4-BE49-F238E27FC236}">
-                <a16:creationId xmlns:a16="http://schemas.microsoft.com/office/drawing/2014/main" id="{5C6587B3-E86F-FD72-F0FD-0334F7C9EC9B}"/>
-              </a:ext>
-            </a:extLst>
-          </p:cNvPr>
-          <p:cNvSpPr txBox="1">
-            <a:spLocks noChangeArrowheads="1"/>
-          </p:cNvSpPr>
-          <p:nvPr/>
-        </p:nvSpPr>
-        <p:spPr bwMode="auto">
-          <a:xfrm>
-            <a:off x="3534801" y="5301434"/>
-            <a:ext cx="492513" cy="158197"/>
-          </a:xfrm>
-          <a:prstGeom prst="rect">
-            <a:avLst/>
-          </a:prstGeom>
-          <a:noFill/>
-          <a:ln w="9525">
-            <a:noFill/>
-            <a:miter lim="800000"/>
-            <a:headEnd/>
-            <a:tailEnd/>
-          </a:ln>
-        </p:spPr>
-        <p:txBody>
-          <a:bodyPr wrap="none">
-            <a:spAutoFit/>
-          </a:bodyPr>
-          <a:lstStyle/>
-          <a:p>
-            <a:pPr algn="ctr" fontAlgn="base">
-              <a:spcBef>
-                <a:spcPct val="0"/>
-              </a:spcBef>
-              <a:spcAft>
-                <a:spcPct val="0"/>
-              </a:spcAft>
-            </a:pPr>
-            <a:r>
-              <a:rPr lang="en-US" sz="1000">
-                <a:solidFill>
-                  <a:srgbClr val="000000"/>
-                </a:solidFill>
-                <a:latin typeface="Arial" charset="0"/>
-              </a:rPr>
-              <a:t>Producers</a:t>
-            </a:r>
-            <a:endParaRPr lang="en-US" sz="1000" dirty="0">
-              <a:solidFill>
-                <a:srgbClr val="000000"/>
-              </a:solidFill>
-              <a:latin typeface="Arial" charset="0"/>
-            </a:endParaRPr>
-          </a:p>
-        </p:txBody>
-      </p:sp>
-      <p:sp>
-        <p:nvSpPr>
-          <p:cNvPr id="595" name="Text Box 54">
-            <a:extLst>
-              <a:ext uri="{FF2B5EF4-FFF2-40B4-BE49-F238E27FC236}">
-                <a16:creationId xmlns:a16="http://schemas.microsoft.com/office/drawing/2014/main" id="{81A1AA96-3C62-6895-A897-5A733660E4F6}"/>
-              </a:ext>
-            </a:extLst>
-          </p:cNvPr>
-          <p:cNvSpPr txBox="1">
-            <a:spLocks noChangeArrowheads="1"/>
-          </p:cNvSpPr>
-          <p:nvPr/>
-        </p:nvSpPr>
-        <p:spPr bwMode="auto">
-          <a:xfrm>
-            <a:off x="6945434" y="5278041"/>
-            <a:ext cx="538861" cy="158197"/>
-          </a:xfrm>
-          <a:prstGeom prst="rect">
-            <a:avLst/>
-          </a:prstGeom>
-          <a:noFill/>
-          <a:ln w="9525">
-            <a:noFill/>
-            <a:miter lim="800000"/>
-            <a:headEnd/>
-            <a:tailEnd/>
-          </a:ln>
-        </p:spPr>
-        <p:txBody>
-          <a:bodyPr wrap="none">
-            <a:spAutoFit/>
-          </a:bodyPr>
-          <a:lstStyle/>
-          <a:p>
-            <a:pPr algn="ctr" fontAlgn="base">
-              <a:spcBef>
-                <a:spcPct val="0"/>
-              </a:spcBef>
-              <a:spcAft>
-                <a:spcPct val="0"/>
-              </a:spcAft>
-            </a:pPr>
-            <a:r>
-              <a:rPr lang="en-US" sz="1000">
-                <a:solidFill>
-                  <a:srgbClr val="000000"/>
-                </a:solidFill>
-                <a:latin typeface="Arial" charset="0"/>
-              </a:rPr>
-              <a:t>Consumers</a:t>
-            </a:r>
-            <a:endParaRPr lang="en-US" sz="1000" dirty="0">
-              <a:solidFill>
-                <a:srgbClr val="000000"/>
-              </a:solidFill>
-              <a:latin typeface="Arial" charset="0"/>
-            </a:endParaRPr>
-          </a:p>
-        </p:txBody>
-      </p:sp>
-      <p:sp>
-        <p:nvSpPr>
-          <p:cNvPr id="2" name="Arc 1">
-            <a:extLst>
-              <a:ext uri="{FF2B5EF4-FFF2-40B4-BE49-F238E27FC236}">
-                <a16:creationId xmlns:a16="http://schemas.microsoft.com/office/drawing/2014/main" id="{CEBF7695-0A4F-46A6-3FAE-E102DF9D8504}"/>
-              </a:ext>
-            </a:extLst>
-          </p:cNvPr>
-          <p:cNvSpPr/>
-          <p:nvPr/>
-        </p:nvSpPr>
-        <p:spPr>
-          <a:xfrm flipH="1">
-            <a:off x="3452843" y="4258878"/>
-            <a:ext cx="789869" cy="1081772"/>
-          </a:xfrm>
-          <a:prstGeom prst="arc">
-            <a:avLst>
-              <a:gd name="adj1" fmla="val 10244385"/>
-              <a:gd name="adj2" fmla="val 15214760"/>
-            </a:avLst>
-          </a:prstGeom>
-          <a:ln w="6350">
-            <a:solidFill>
-              <a:schemeClr val="tx1"/>
-            </a:solidFill>
-            <a:prstDash val="dash"/>
-            <a:headEnd type="triangle" w="med" len="sm"/>
-            <a:tailEnd type="none" w="med" len="sm"/>
-          </a:ln>
-        </p:spPr>
-        <p:style>
-          <a:lnRef idx="1">
-            <a:schemeClr val="accent1"/>
-          </a:lnRef>
-          <a:fillRef idx="0">
-            <a:schemeClr val="accent1"/>
-          </a:fillRef>
-          <a:effectRef idx="0">
-            <a:schemeClr val="accent1"/>
-          </a:effectRef>
-          <a:fontRef idx="minor">
-            <a:schemeClr val="tx1"/>
-          </a:fontRef>
-        </p:style>
-        <p:txBody>
-          <a:bodyPr rtlCol="0" anchor="ctr"/>
-          <a:lstStyle/>
-          <a:p>
-            <a:pPr algn="ctr"/>
-            <a:endParaRPr lang="en-US" sz="1000"/>
-          </a:p>
-        </p:txBody>
-      </p:sp>
-      <p:sp>
-        <p:nvSpPr>
-          <p:cNvPr id="4" name="Rectangle 3">
-            <a:extLst>
-              <a:ext uri="{FF2B5EF4-FFF2-40B4-BE49-F238E27FC236}">
-                <a16:creationId xmlns:a16="http://schemas.microsoft.com/office/drawing/2014/main" id="{2E156BB0-3E21-2B18-E27C-CBE51BBCB14F}"/>
-              </a:ext>
-            </a:extLst>
-          </p:cNvPr>
-          <p:cNvSpPr/>
-          <p:nvPr/>
-        </p:nvSpPr>
-        <p:spPr>
-          <a:xfrm>
-            <a:off x="5263738" y="2702922"/>
+            <a:off x="5263738" y="2921582"/>
             <a:ext cx="437592" cy="565325"/>
           </a:xfrm>
           <a:prstGeom prst="rect">
@@ -21460,10 +21405,10 @@
       </p:sp>
       <p:graphicFrame>
         <p:nvGraphicFramePr>
-          <p:cNvPr id="53" name="Object 45">
+          <p:cNvPr id="522" name="Object 45">
             <a:extLst>
               <a:ext uri="{FF2B5EF4-FFF2-40B4-BE49-F238E27FC236}">
-                <a16:creationId xmlns:a16="http://schemas.microsoft.com/office/drawing/2014/main" id="{4845EE93-B957-AC0F-DD4A-ADB84DA13780}"/>
+                <a16:creationId xmlns:a16="http://schemas.microsoft.com/office/drawing/2014/main" id="{3C773129-F230-B4B0-6C8E-1332D00969A4}"/>
               </a:ext>
             </a:extLst>
           </p:cNvPr>
@@ -21473,13 +21418,13 @@
           <p:nvPr>
             <p:extLst>
               <p:ext uri="{D42A27DB-BD31-4B8C-83A1-F6EECF244321}">
-                <p14:modId xmlns:p14="http://schemas.microsoft.com/office/powerpoint/2010/main" val="3380444933"/>
+                <p14:modId xmlns:p14="http://schemas.microsoft.com/office/powerpoint/2010/main" val="1109113113"/>
               </p:ext>
             </p:extLst>
           </p:nvPr>
         </p:nvGraphicFramePr>
         <p:xfrm>
-          <a:off x="5257928" y="2726141"/>
+          <a:off x="5257928" y="2934862"/>
           <a:ext cx="437592" cy="544516"/>
         </p:xfrm>
         <a:graphic>
@@ -21522,7 +21467,7 @@
                     </p:blipFill>
                     <p:spPr bwMode="auto">
                       <a:xfrm>
-                        <a:off x="5257928" y="2726141"/>
+                        <a:off x="5257928" y="2934862"/>
                         <a:ext cx="437592" cy="544516"/>
                       </a:xfrm>
                       <a:prstGeom prst="rect">
@@ -21548,50 +21493,10 @@
       </p:graphicFrame>
       <p:sp>
         <p:nvSpPr>
-          <p:cNvPr id="3" name="TextBox 2">
+          <p:cNvPr id="523" name="Rectangle 522">
             <a:extLst>
               <a:ext uri="{FF2B5EF4-FFF2-40B4-BE49-F238E27FC236}">
-                <a16:creationId xmlns:a16="http://schemas.microsoft.com/office/drawing/2014/main" id="{3CCCDA23-04FE-2142-5778-31DA92173BB2}"/>
-              </a:ext>
-            </a:extLst>
-          </p:cNvPr>
-          <p:cNvSpPr txBox="1"/>
-          <p:nvPr/>
-        </p:nvSpPr>
-        <p:spPr>
-          <a:xfrm rot="478190">
-            <a:off x="6224444" y="3755137"/>
-            <a:ext cx="527533" cy="158197"/>
-          </a:xfrm>
-          <a:prstGeom prst="rect">
-            <a:avLst/>
-          </a:prstGeom>
-          <a:noFill/>
-        </p:spPr>
-        <p:txBody>
-          <a:bodyPr wrap="none" rtlCol="0" anchor="ctr" anchorCtr="0">
-            <a:spAutoFit/>
-          </a:bodyPr>
-          <a:lstStyle/>
-          <a:p>
-            <a:r>
-              <a:rPr lang="en-US" sz="1000" i="1" dirty="0">
-                <a:solidFill>
-                  <a:prstClr val="black"/>
-                </a:solidFill>
-                <a:latin typeface="Arial"/>
-              </a:rPr>
-              <a:t>understand</a:t>
-            </a:r>
-          </a:p>
-        </p:txBody>
-      </p:sp>
-      <p:sp>
-        <p:nvSpPr>
-          <p:cNvPr id="7" name="Rectangle 6">
-            <a:extLst>
-              <a:ext uri="{FF2B5EF4-FFF2-40B4-BE49-F238E27FC236}">
-                <a16:creationId xmlns:a16="http://schemas.microsoft.com/office/drawing/2014/main" id="{9364AEC8-1038-C829-BDD8-0D8E986814E0}"/>
+                <a16:creationId xmlns:a16="http://schemas.microsoft.com/office/drawing/2014/main" id="{9F15B595-5BCD-6203-81B7-8ED1F6E41BEA}"/>
               </a:ext>
             </a:extLst>
           </p:cNvPr>
@@ -21600,7 +21505,7 @@
         </p:nvSpPr>
         <p:spPr>
           <a:xfrm>
-            <a:off x="4093282" y="2052366"/>
+            <a:off x="4093282" y="2420111"/>
             <a:ext cx="109243" cy="130651"/>
           </a:xfrm>
           <a:prstGeom prst="rect">
@@ -21640,10 +21545,10 @@
       </p:sp>
       <p:sp>
         <p:nvSpPr>
-          <p:cNvPr id="8" name="Rectangle 7">
+          <p:cNvPr id="524" name="Rectangle 523">
             <a:extLst>
               <a:ext uri="{FF2B5EF4-FFF2-40B4-BE49-F238E27FC236}">
-                <a16:creationId xmlns:a16="http://schemas.microsoft.com/office/drawing/2014/main" id="{9AABD4DD-5294-FB2B-4480-07988541CD07}"/>
+                <a16:creationId xmlns:a16="http://schemas.microsoft.com/office/drawing/2014/main" id="{A45AD643-DF12-63BF-637F-E0D53753BC9F}"/>
               </a:ext>
             </a:extLst>
           </p:cNvPr>
@@ -21652,7 +21557,7 @@
         </p:nvSpPr>
         <p:spPr>
           <a:xfrm>
-            <a:off x="6712480" y="2052366"/>
+            <a:off x="6712480" y="2420111"/>
             <a:ext cx="224651" cy="130651"/>
           </a:xfrm>
           <a:prstGeom prst="rect">
@@ -21690,469 +21595,10 @@
           </a:p>
         </p:txBody>
       </p:sp>
-      <p:pic>
-        <p:nvPicPr>
-          <p:cNvPr id="5" name="Picture 4" descr="C:\Program Files (x86)\Microsoft Office\MEDIA\CAGCAT10\j0292020.wmf">
-            <a:extLst>
-              <a:ext uri="{FF2B5EF4-FFF2-40B4-BE49-F238E27FC236}">
-                <a16:creationId xmlns:a16="http://schemas.microsoft.com/office/drawing/2014/main" id="{9BB5E98F-870F-7459-0F24-CA513D6FE422}"/>
-              </a:ext>
-            </a:extLst>
-          </p:cNvPr>
-          <p:cNvPicPr>
-            <a:picLocks noChangeAspect="1" noChangeArrowheads="1"/>
-          </p:cNvPicPr>
-          <p:nvPr/>
-        </p:nvPicPr>
-        <p:blipFill>
-          <a:blip r:embed="rId5" cstate="print"/>
-          <a:srcRect/>
-          <a:stretch>
-            <a:fillRect/>
-          </a:stretch>
-        </p:blipFill>
-        <p:spPr bwMode="auto">
-          <a:xfrm>
-            <a:off x="3788151" y="2713572"/>
-            <a:ext cx="564718" cy="535984"/>
-          </a:xfrm>
-          <a:prstGeom prst="rect">
-            <a:avLst/>
-          </a:prstGeom>
-          <a:noFill/>
-        </p:spPr>
-      </p:pic>
-      <p:sp>
-        <p:nvSpPr>
-          <p:cNvPr id="9" name="Text Box 54">
-            <a:extLst>
-              <a:ext uri="{FF2B5EF4-FFF2-40B4-BE49-F238E27FC236}">
-                <a16:creationId xmlns:a16="http://schemas.microsoft.com/office/drawing/2014/main" id="{F98F927C-E49D-7039-9D82-4A465EE5AD8A}"/>
-              </a:ext>
-            </a:extLst>
-          </p:cNvPr>
-          <p:cNvSpPr txBox="1">
-            <a:spLocks noChangeArrowheads="1"/>
-          </p:cNvSpPr>
-          <p:nvPr/>
-        </p:nvSpPr>
-        <p:spPr bwMode="auto">
-          <a:xfrm>
-            <a:off x="3189750" y="2805057"/>
-            <a:ext cx="451317" cy="257071"/>
-          </a:xfrm>
-          <a:prstGeom prst="rect">
-            <a:avLst/>
-          </a:prstGeom>
-          <a:noFill/>
-          <a:ln w="9525">
-            <a:noFill/>
-            <a:miter lim="800000"/>
-            <a:headEnd/>
-            <a:tailEnd/>
-          </a:ln>
-        </p:spPr>
-        <p:txBody>
-          <a:bodyPr wrap="none">
-            <a:spAutoFit/>
-          </a:bodyPr>
-          <a:lstStyle/>
-          <a:p>
-            <a:pPr algn="ctr" fontAlgn="base">
-              <a:spcBef>
-                <a:spcPct val="0"/>
-              </a:spcBef>
-              <a:spcAft>
-                <a:spcPct val="0"/>
-              </a:spcAft>
-            </a:pPr>
-            <a:r>
-              <a:rPr lang="en-US" sz="1000">
-                <a:solidFill>
-                  <a:srgbClr val="000000"/>
-                </a:solidFill>
-                <a:latin typeface="Arial" charset="0"/>
-              </a:rPr>
-              <a:t>Business</a:t>
-            </a:r>
-          </a:p>
-          <a:p>
-            <a:pPr algn="ctr" fontAlgn="base">
-              <a:spcBef>
-                <a:spcPct val="0"/>
-              </a:spcBef>
-              <a:spcAft>
-                <a:spcPct val="0"/>
-              </a:spcAft>
-            </a:pPr>
-            <a:r>
-              <a:rPr lang="en-US" sz="1000">
-                <a:solidFill>
-                  <a:srgbClr val="000000"/>
-                </a:solidFill>
-                <a:latin typeface="Arial" charset="0"/>
-              </a:rPr>
-              <a:t>Analyst</a:t>
-            </a:r>
-            <a:endParaRPr lang="en-US" sz="1000" dirty="0">
-              <a:solidFill>
-                <a:srgbClr val="000000"/>
-              </a:solidFill>
-              <a:latin typeface="Arial" charset="0"/>
-            </a:endParaRPr>
-          </a:p>
-        </p:txBody>
-      </p:sp>
-      <p:pic>
-        <p:nvPicPr>
-          <p:cNvPr id="12" name="Picture 11" descr="C:\Program Files (x86)\Microsoft Office\MEDIA\CAGCAT10\j0292020.wmf">
-            <a:extLst>
-              <a:ext uri="{FF2B5EF4-FFF2-40B4-BE49-F238E27FC236}">
-                <a16:creationId xmlns:a16="http://schemas.microsoft.com/office/drawing/2014/main" id="{ABF6372D-0BB6-323E-143B-677104BED96A}"/>
-              </a:ext>
-            </a:extLst>
-          </p:cNvPr>
-          <p:cNvPicPr>
-            <a:picLocks noChangeAspect="1" noChangeArrowheads="1"/>
-          </p:cNvPicPr>
-          <p:nvPr/>
-        </p:nvPicPr>
-        <p:blipFill>
-          <a:blip r:embed="rId5" cstate="print"/>
-          <a:srcRect/>
-          <a:stretch>
-            <a:fillRect/>
-          </a:stretch>
-        </p:blipFill>
-        <p:spPr bwMode="auto">
-          <a:xfrm flipH="1">
-            <a:off x="6684499" y="2713894"/>
-            <a:ext cx="564718" cy="535984"/>
-          </a:xfrm>
-          <a:prstGeom prst="rect">
-            <a:avLst/>
-          </a:prstGeom>
-          <a:noFill/>
-        </p:spPr>
-      </p:pic>
-      <p:sp>
-        <p:nvSpPr>
-          <p:cNvPr id="13" name="Text Box 54">
-            <a:extLst>
-              <a:ext uri="{FF2B5EF4-FFF2-40B4-BE49-F238E27FC236}">
-                <a16:creationId xmlns:a16="http://schemas.microsoft.com/office/drawing/2014/main" id="{EF0EC8F8-61A3-F789-E6B0-1639728B1531}"/>
-              </a:ext>
-            </a:extLst>
-          </p:cNvPr>
-          <p:cNvSpPr txBox="1">
-            <a:spLocks noChangeArrowheads="1"/>
-          </p:cNvSpPr>
-          <p:nvPr/>
-        </p:nvSpPr>
-        <p:spPr bwMode="auto">
-          <a:xfrm flipH="1">
-            <a:off x="7410190" y="2723460"/>
-            <a:ext cx="391580" cy="355945"/>
-          </a:xfrm>
-          <a:prstGeom prst="rect">
-            <a:avLst/>
-          </a:prstGeom>
-          <a:noFill/>
-          <a:ln w="9525">
-            <a:noFill/>
-            <a:miter lim="800000"/>
-            <a:headEnd/>
-            <a:tailEnd/>
-          </a:ln>
-        </p:spPr>
-        <p:txBody>
-          <a:bodyPr wrap="none">
-            <a:spAutoFit/>
-          </a:bodyPr>
-          <a:lstStyle/>
-          <a:p>
-            <a:pPr algn="ctr" fontAlgn="base">
-              <a:spcBef>
-                <a:spcPct val="0"/>
-              </a:spcBef>
-              <a:spcAft>
-                <a:spcPct val="0"/>
-              </a:spcAft>
-            </a:pPr>
-            <a:r>
-              <a:rPr lang="en-US" sz="1000">
-                <a:solidFill>
-                  <a:srgbClr val="000000"/>
-                </a:solidFill>
-                <a:latin typeface="Arial" charset="0"/>
-              </a:rPr>
-              <a:t>Subject</a:t>
-            </a:r>
-          </a:p>
-          <a:p>
-            <a:pPr algn="ctr" fontAlgn="base">
-              <a:spcBef>
-                <a:spcPct val="0"/>
-              </a:spcBef>
-              <a:spcAft>
-                <a:spcPct val="0"/>
-              </a:spcAft>
-            </a:pPr>
-            <a:r>
-              <a:rPr lang="en-US" sz="1000">
-                <a:solidFill>
-                  <a:srgbClr val="000000"/>
-                </a:solidFill>
-                <a:latin typeface="Arial" charset="0"/>
-              </a:rPr>
-              <a:t>Matter</a:t>
-            </a:r>
-          </a:p>
-          <a:p>
-            <a:pPr algn="ctr" fontAlgn="base">
-              <a:spcBef>
-                <a:spcPct val="0"/>
-              </a:spcBef>
-              <a:spcAft>
-                <a:spcPct val="0"/>
-              </a:spcAft>
-            </a:pPr>
-            <a:r>
-              <a:rPr lang="en-US" sz="1000">
-                <a:solidFill>
-                  <a:srgbClr val="000000"/>
-                </a:solidFill>
-                <a:latin typeface="Arial" charset="0"/>
-              </a:rPr>
-              <a:t>Expert</a:t>
-            </a:r>
-            <a:endParaRPr lang="en-US" sz="1000" dirty="0">
-              <a:solidFill>
-                <a:srgbClr val="000000"/>
-              </a:solidFill>
-              <a:latin typeface="Arial" charset="0"/>
-            </a:endParaRPr>
-          </a:p>
-        </p:txBody>
-      </p:sp>
-      <p:cxnSp>
-        <p:nvCxnSpPr>
-          <p:cNvPr id="14" name="Straight Arrow Connector 13">
-            <a:extLst>
-              <a:ext uri="{FF2B5EF4-FFF2-40B4-BE49-F238E27FC236}">
-                <a16:creationId xmlns:a16="http://schemas.microsoft.com/office/drawing/2014/main" id="{E577A25B-C483-F080-7F16-04A8E659B35E}"/>
-              </a:ext>
-            </a:extLst>
-          </p:cNvPr>
-          <p:cNvCxnSpPr>
-            <a:cxnSpLocks/>
-          </p:cNvCxnSpPr>
-          <p:nvPr/>
-        </p:nvCxnSpPr>
-        <p:spPr>
-          <a:xfrm flipV="1">
-            <a:off x="4228265" y="2376536"/>
-            <a:ext cx="666171" cy="359076"/>
-          </a:xfrm>
-          <a:prstGeom prst="straightConnector1">
-            <a:avLst/>
-          </a:prstGeom>
-          <a:ln w="6350">
-            <a:solidFill>
-              <a:schemeClr val="tx1"/>
-            </a:solidFill>
-            <a:prstDash val="dash"/>
-            <a:tailEnd type="triangle" w="med" len="sm"/>
-          </a:ln>
-        </p:spPr>
-        <p:style>
-          <a:lnRef idx="1">
-            <a:schemeClr val="accent1"/>
-          </a:lnRef>
-          <a:fillRef idx="0">
-            <a:schemeClr val="accent1"/>
-          </a:fillRef>
-          <a:effectRef idx="0">
-            <a:schemeClr val="accent1"/>
-          </a:effectRef>
-          <a:fontRef idx="minor">
-            <a:schemeClr val="tx1"/>
-          </a:fontRef>
-        </p:style>
-      </p:cxnSp>
-      <p:cxnSp>
-        <p:nvCxnSpPr>
-          <p:cNvPr id="16" name="Straight Arrow Connector 15">
-            <a:extLst>
-              <a:ext uri="{FF2B5EF4-FFF2-40B4-BE49-F238E27FC236}">
-                <a16:creationId xmlns:a16="http://schemas.microsoft.com/office/drawing/2014/main" id="{1EE58CD8-6906-637E-53FE-39E5F2374CB6}"/>
-              </a:ext>
-            </a:extLst>
-          </p:cNvPr>
-          <p:cNvCxnSpPr>
-            <a:cxnSpLocks/>
-          </p:cNvCxnSpPr>
-          <p:nvPr/>
-        </p:nvCxnSpPr>
-        <p:spPr>
-          <a:xfrm flipH="1" flipV="1">
-            <a:off x="6155524" y="2357579"/>
-            <a:ext cx="678198" cy="419913"/>
-          </a:xfrm>
-          <a:prstGeom prst="straightConnector1">
-            <a:avLst/>
-          </a:prstGeom>
-          <a:ln w="6350">
-            <a:solidFill>
-              <a:schemeClr val="tx1"/>
-            </a:solidFill>
-            <a:prstDash val="dash"/>
-            <a:tailEnd type="triangle" w="med" len="sm"/>
-          </a:ln>
-        </p:spPr>
-        <p:style>
-          <a:lnRef idx="1">
-            <a:schemeClr val="accent1"/>
-          </a:lnRef>
-          <a:fillRef idx="0">
-            <a:schemeClr val="accent1"/>
-          </a:fillRef>
-          <a:effectRef idx="0">
-            <a:schemeClr val="accent1"/>
-          </a:effectRef>
-          <a:fontRef idx="minor">
-            <a:schemeClr val="tx1"/>
-          </a:fontRef>
-        </p:style>
-      </p:cxnSp>
-      <p:sp>
-        <p:nvSpPr>
-          <p:cNvPr id="18" name="Text Box 48">
-            <a:extLst>
-              <a:ext uri="{FF2B5EF4-FFF2-40B4-BE49-F238E27FC236}">
-                <a16:creationId xmlns:a16="http://schemas.microsoft.com/office/drawing/2014/main" id="{D7BDE4CE-776E-B2C0-F5F0-DBC4FDF230E3}"/>
-              </a:ext>
-            </a:extLst>
-          </p:cNvPr>
-          <p:cNvSpPr txBox="1">
-            <a:spLocks noChangeArrowheads="1"/>
-          </p:cNvSpPr>
-          <p:nvPr/>
-        </p:nvSpPr>
-        <p:spPr bwMode="auto">
-          <a:xfrm>
-            <a:off x="4441558" y="2506812"/>
-            <a:ext cx="382312" cy="158197"/>
-          </a:xfrm>
-          <a:prstGeom prst="rect">
-            <a:avLst/>
-          </a:prstGeom>
-          <a:noFill/>
-          <a:ln w="9525">
-            <a:noFill/>
-            <a:miter lim="800000"/>
-            <a:headEnd/>
-            <a:tailEnd/>
-          </a:ln>
-        </p:spPr>
-        <p:txBody>
-          <a:bodyPr wrap="none">
-            <a:spAutoFit/>
-          </a:bodyPr>
-          <a:lstStyle/>
-          <a:p>
-            <a:pPr fontAlgn="base">
-              <a:spcBef>
-                <a:spcPct val="0"/>
-              </a:spcBef>
-              <a:spcAft>
-                <a:spcPct val="0"/>
-              </a:spcAft>
-            </a:pPr>
-            <a:r>
-              <a:rPr lang="en-US" sz="1000" i="1">
-                <a:solidFill>
-                  <a:srgbClr val="000000"/>
-                </a:solidFill>
-                <a:latin typeface="Arial" charset="0"/>
-              </a:rPr>
-              <a:t>defines</a:t>
-            </a:r>
-            <a:endParaRPr lang="en-US" sz="1000" i="1" dirty="0">
-              <a:solidFill>
-                <a:srgbClr val="000000"/>
-              </a:solidFill>
-              <a:latin typeface="Arial" charset="0"/>
-            </a:endParaRPr>
-          </a:p>
-        </p:txBody>
-      </p:sp>
-      <p:sp>
-        <p:nvSpPr>
-          <p:cNvPr id="11" name="Text Box 48">
-            <a:extLst>
-              <a:ext uri="{FF2B5EF4-FFF2-40B4-BE49-F238E27FC236}">
-                <a16:creationId xmlns:a16="http://schemas.microsoft.com/office/drawing/2014/main" id="{9D43D704-B2D7-32D0-5F3C-FA228092731C}"/>
-              </a:ext>
-            </a:extLst>
-          </p:cNvPr>
-          <p:cNvSpPr txBox="1">
-            <a:spLocks noChangeArrowheads="1"/>
-          </p:cNvSpPr>
-          <p:nvPr/>
-        </p:nvSpPr>
-        <p:spPr bwMode="auto">
-          <a:xfrm>
-            <a:off x="6025163" y="2506812"/>
-            <a:ext cx="382312" cy="158197"/>
-          </a:xfrm>
-          <a:prstGeom prst="rect">
-            <a:avLst/>
-          </a:prstGeom>
-          <a:noFill/>
-          <a:ln w="9525">
-            <a:noFill/>
-            <a:miter lim="800000"/>
-            <a:headEnd/>
-            <a:tailEnd/>
-          </a:ln>
-        </p:spPr>
-        <p:txBody>
-          <a:bodyPr wrap="none">
-            <a:spAutoFit/>
-          </a:bodyPr>
-          <a:lstStyle/>
-          <a:p>
-            <a:pPr fontAlgn="base">
-              <a:spcBef>
-                <a:spcPct val="0"/>
-              </a:spcBef>
-              <a:spcAft>
-                <a:spcPct val="0"/>
-              </a:spcAft>
-            </a:pPr>
-            <a:r>
-              <a:rPr lang="en-US" sz="1000" i="1">
-                <a:solidFill>
-                  <a:srgbClr val="000000"/>
-                </a:solidFill>
-                <a:latin typeface="Arial" charset="0"/>
-              </a:rPr>
-              <a:t>defines</a:t>
-            </a:r>
-            <a:endParaRPr lang="en-US" sz="1000" i="1" dirty="0">
-              <a:solidFill>
-                <a:srgbClr val="000000"/>
-              </a:solidFill>
-              <a:latin typeface="Arial" charset="0"/>
-            </a:endParaRPr>
-          </a:p>
-        </p:txBody>
-      </p:sp>
     </p:spTree>
     <p:extLst>
       <p:ext uri="{BB962C8B-B14F-4D97-AF65-F5344CB8AC3E}">
-        <p14:creationId xmlns:p14="http://schemas.microsoft.com/office/powerpoint/2010/main" val="3681240054"/>
+        <p14:creationId xmlns:p14="http://schemas.microsoft.com/office/powerpoint/2010/main" val="282700711"/>
       </p:ext>
     </p:extLst>
   </p:cSld>
@@ -22163,1809 +21609,6 @@
 </file>
 
 <file path=ppt/slides/slide3.xml><?xml version="1.0" encoding="utf-8"?>
-<p:sld xmlns:a="http://schemas.openxmlformats.org/drawingml/2006/main" xmlns:r="http://schemas.openxmlformats.org/officeDocument/2006/relationships" xmlns:p="http://schemas.openxmlformats.org/presentationml/2006/main">
-  <p:cSld>
-    <p:spTree>
-      <p:nvGrpSpPr>
-        <p:cNvPr id="1" name=""/>
-        <p:cNvGrpSpPr/>
-        <p:nvPr/>
-      </p:nvGrpSpPr>
-      <p:grpSpPr>
-        <a:xfrm>
-          <a:off x="0" y="0"/>
-          <a:ext cx="0" cy="0"/>
-          <a:chOff x="0" y="0"/>
-          <a:chExt cx="0" cy="0"/>
-        </a:xfrm>
-      </p:grpSpPr>
-      <p:sp>
-        <p:nvSpPr>
-          <p:cNvPr id="11" name="Freeform: Shape 10">
-            <a:extLst>
-              <a:ext uri="{FF2B5EF4-FFF2-40B4-BE49-F238E27FC236}">
-                <a16:creationId xmlns:a16="http://schemas.microsoft.com/office/drawing/2014/main" id="{2140DDC0-F992-739C-7668-6116B9DB8E07}"/>
-              </a:ext>
-            </a:extLst>
-          </p:cNvPr>
-          <p:cNvSpPr/>
-          <p:nvPr/>
-        </p:nvSpPr>
-        <p:spPr>
-          <a:xfrm rot="20368241">
-            <a:off x="2590248" y="3598986"/>
-            <a:ext cx="3021687" cy="1340581"/>
-          </a:xfrm>
-          <a:custGeom>
-            <a:avLst/>
-            <a:gdLst>
-              <a:gd name="connsiteX0" fmla="*/ 3029447 w 3029447"/>
-              <a:gd name="connsiteY0" fmla="*/ 731520 h 1335819"/>
-              <a:gd name="connsiteX1" fmla="*/ 0 w 3029447"/>
-              <a:gd name="connsiteY1" fmla="*/ 1335819 h 1335819"/>
-              <a:gd name="connsiteX2" fmla="*/ 7951 w 3029447"/>
-              <a:gd name="connsiteY2" fmla="*/ 0 h 1335819"/>
-              <a:gd name="connsiteX3" fmla="*/ 2997642 w 3029447"/>
-              <a:gd name="connsiteY3" fmla="*/ 532738 h 1335819"/>
-              <a:gd name="connsiteX4" fmla="*/ 3029447 w 3029447"/>
-              <a:gd name="connsiteY4" fmla="*/ 731520 h 1335819"/>
-              <a:gd name="connsiteX0" fmla="*/ 3029447 w 3029447"/>
-              <a:gd name="connsiteY0" fmla="*/ 731520 h 1335819"/>
-              <a:gd name="connsiteX1" fmla="*/ 0 w 3029447"/>
-              <a:gd name="connsiteY1" fmla="*/ 1335819 h 1335819"/>
-              <a:gd name="connsiteX2" fmla="*/ 7951 w 3029447"/>
-              <a:gd name="connsiteY2" fmla="*/ 0 h 1335819"/>
-              <a:gd name="connsiteX3" fmla="*/ 3026217 w 3029447"/>
-              <a:gd name="connsiteY3" fmla="*/ 513688 h 1335819"/>
-              <a:gd name="connsiteX4" fmla="*/ 3029447 w 3029447"/>
-              <a:gd name="connsiteY4" fmla="*/ 731520 h 1335819"/>
-              <a:gd name="connsiteX0" fmla="*/ 3021687 w 3021687"/>
-              <a:gd name="connsiteY0" fmla="*/ 731520 h 1340581"/>
-              <a:gd name="connsiteX1" fmla="*/ 20815 w 3021687"/>
-              <a:gd name="connsiteY1" fmla="*/ 1340581 h 1340581"/>
-              <a:gd name="connsiteX2" fmla="*/ 191 w 3021687"/>
-              <a:gd name="connsiteY2" fmla="*/ 0 h 1340581"/>
-              <a:gd name="connsiteX3" fmla="*/ 3018457 w 3021687"/>
-              <a:gd name="connsiteY3" fmla="*/ 513688 h 1340581"/>
-              <a:gd name="connsiteX4" fmla="*/ 3021687 w 3021687"/>
-              <a:gd name="connsiteY4" fmla="*/ 731520 h 1340581"/>
-            </a:gdLst>
-            <a:ahLst/>
-            <a:cxnLst>
-              <a:cxn ang="0">
-                <a:pos x="connsiteX0" y="connsiteY0"/>
-              </a:cxn>
-              <a:cxn ang="0">
-                <a:pos x="connsiteX1" y="connsiteY1"/>
-              </a:cxn>
-              <a:cxn ang="0">
-                <a:pos x="connsiteX2" y="connsiteY2"/>
-              </a:cxn>
-              <a:cxn ang="0">
-                <a:pos x="connsiteX3" y="connsiteY3"/>
-              </a:cxn>
-              <a:cxn ang="0">
-                <a:pos x="connsiteX4" y="connsiteY4"/>
-              </a:cxn>
-            </a:cxnLst>
-            <a:rect l="l" t="t" r="r" b="b"/>
-            <a:pathLst>
-              <a:path w="3021687" h="1340581">
-                <a:moveTo>
-                  <a:pt x="3021687" y="731520"/>
-                </a:moveTo>
-                <a:lnTo>
-                  <a:pt x="20815" y="1340581"/>
-                </a:lnTo>
-                <a:cubicBezTo>
-                  <a:pt x="23465" y="895308"/>
-                  <a:pt x="-2459" y="445273"/>
-                  <a:pt x="191" y="0"/>
-                </a:cubicBezTo>
-                <a:lnTo>
-                  <a:pt x="3018457" y="513688"/>
-                </a:lnTo>
-                <a:cubicBezTo>
-                  <a:pt x="3019534" y="586299"/>
-                  <a:pt x="3020610" y="658909"/>
-                  <a:pt x="3021687" y="731520"/>
-                </a:cubicBezTo>
-                <a:close/>
-              </a:path>
-            </a:pathLst>
-          </a:custGeom>
-          <a:solidFill>
-            <a:schemeClr val="bg1"/>
-          </a:solidFill>
-          <a:ln>
-            <a:solidFill>
-              <a:schemeClr val="tx1"/>
-            </a:solidFill>
-            <a:prstDash val="sysDot"/>
-          </a:ln>
-        </p:spPr>
-        <p:style>
-          <a:lnRef idx="2">
-            <a:schemeClr val="accent1">
-              <a:shade val="15000"/>
-            </a:schemeClr>
-          </a:lnRef>
-          <a:fillRef idx="1">
-            <a:schemeClr val="accent1"/>
-          </a:fillRef>
-          <a:effectRef idx="0">
-            <a:schemeClr val="accent1"/>
-          </a:effectRef>
-          <a:fontRef idx="minor">
-            <a:schemeClr val="lt1"/>
-          </a:fontRef>
-        </p:style>
-        <p:txBody>
-          <a:bodyPr rtlCol="0" anchor="ctr"/>
-          <a:lstStyle/>
-          <a:p>
-            <a:pPr algn="ctr"/>
-            <a:endParaRPr lang="en-US"/>
-          </a:p>
-        </p:txBody>
-      </p:sp>
-      <p:sp>
-        <p:nvSpPr>
-          <p:cNvPr id="10" name="Freeform: Shape 9">
-            <a:extLst>
-              <a:ext uri="{FF2B5EF4-FFF2-40B4-BE49-F238E27FC236}">
-                <a16:creationId xmlns:a16="http://schemas.microsoft.com/office/drawing/2014/main" id="{9F45B6EC-B350-38E7-4E31-15038B09B710}"/>
-              </a:ext>
-            </a:extLst>
-          </p:cNvPr>
-          <p:cNvSpPr/>
-          <p:nvPr/>
-        </p:nvSpPr>
-        <p:spPr>
-          <a:xfrm rot="1287726">
-            <a:off x="2558433" y="2107254"/>
-            <a:ext cx="3021687" cy="1340581"/>
-          </a:xfrm>
-          <a:custGeom>
-            <a:avLst/>
-            <a:gdLst>
-              <a:gd name="connsiteX0" fmla="*/ 3029447 w 3029447"/>
-              <a:gd name="connsiteY0" fmla="*/ 731520 h 1335819"/>
-              <a:gd name="connsiteX1" fmla="*/ 0 w 3029447"/>
-              <a:gd name="connsiteY1" fmla="*/ 1335819 h 1335819"/>
-              <a:gd name="connsiteX2" fmla="*/ 7951 w 3029447"/>
-              <a:gd name="connsiteY2" fmla="*/ 0 h 1335819"/>
-              <a:gd name="connsiteX3" fmla="*/ 2997642 w 3029447"/>
-              <a:gd name="connsiteY3" fmla="*/ 532738 h 1335819"/>
-              <a:gd name="connsiteX4" fmla="*/ 3029447 w 3029447"/>
-              <a:gd name="connsiteY4" fmla="*/ 731520 h 1335819"/>
-              <a:gd name="connsiteX0" fmla="*/ 3029447 w 3029447"/>
-              <a:gd name="connsiteY0" fmla="*/ 731520 h 1335819"/>
-              <a:gd name="connsiteX1" fmla="*/ 0 w 3029447"/>
-              <a:gd name="connsiteY1" fmla="*/ 1335819 h 1335819"/>
-              <a:gd name="connsiteX2" fmla="*/ 7951 w 3029447"/>
-              <a:gd name="connsiteY2" fmla="*/ 0 h 1335819"/>
-              <a:gd name="connsiteX3" fmla="*/ 3026217 w 3029447"/>
-              <a:gd name="connsiteY3" fmla="*/ 513688 h 1335819"/>
-              <a:gd name="connsiteX4" fmla="*/ 3029447 w 3029447"/>
-              <a:gd name="connsiteY4" fmla="*/ 731520 h 1335819"/>
-              <a:gd name="connsiteX0" fmla="*/ 3021687 w 3021687"/>
-              <a:gd name="connsiteY0" fmla="*/ 731520 h 1340581"/>
-              <a:gd name="connsiteX1" fmla="*/ 20815 w 3021687"/>
-              <a:gd name="connsiteY1" fmla="*/ 1340581 h 1340581"/>
-              <a:gd name="connsiteX2" fmla="*/ 191 w 3021687"/>
-              <a:gd name="connsiteY2" fmla="*/ 0 h 1340581"/>
-              <a:gd name="connsiteX3" fmla="*/ 3018457 w 3021687"/>
-              <a:gd name="connsiteY3" fmla="*/ 513688 h 1340581"/>
-              <a:gd name="connsiteX4" fmla="*/ 3021687 w 3021687"/>
-              <a:gd name="connsiteY4" fmla="*/ 731520 h 1340581"/>
-            </a:gdLst>
-            <a:ahLst/>
-            <a:cxnLst>
-              <a:cxn ang="0">
-                <a:pos x="connsiteX0" y="connsiteY0"/>
-              </a:cxn>
-              <a:cxn ang="0">
-                <a:pos x="connsiteX1" y="connsiteY1"/>
-              </a:cxn>
-              <a:cxn ang="0">
-                <a:pos x="connsiteX2" y="connsiteY2"/>
-              </a:cxn>
-              <a:cxn ang="0">
-                <a:pos x="connsiteX3" y="connsiteY3"/>
-              </a:cxn>
-              <a:cxn ang="0">
-                <a:pos x="connsiteX4" y="connsiteY4"/>
-              </a:cxn>
-            </a:cxnLst>
-            <a:rect l="l" t="t" r="r" b="b"/>
-            <a:pathLst>
-              <a:path w="3021687" h="1340581">
-                <a:moveTo>
-                  <a:pt x="3021687" y="731520"/>
-                </a:moveTo>
-                <a:lnTo>
-                  <a:pt x="20815" y="1340581"/>
-                </a:lnTo>
-                <a:cubicBezTo>
-                  <a:pt x="23465" y="895308"/>
-                  <a:pt x="-2459" y="445273"/>
-                  <a:pt x="191" y="0"/>
-                </a:cubicBezTo>
-                <a:lnTo>
-                  <a:pt x="3018457" y="513688"/>
-                </a:lnTo>
-                <a:cubicBezTo>
-                  <a:pt x="3019534" y="586299"/>
-                  <a:pt x="3020610" y="658909"/>
-                  <a:pt x="3021687" y="731520"/>
-                </a:cubicBezTo>
-                <a:close/>
-              </a:path>
-            </a:pathLst>
-          </a:custGeom>
-          <a:solidFill>
-            <a:schemeClr val="bg1"/>
-          </a:solidFill>
-          <a:ln>
-            <a:solidFill>
-              <a:schemeClr val="tx1"/>
-            </a:solidFill>
-            <a:prstDash val="sysDot"/>
-          </a:ln>
-        </p:spPr>
-        <p:style>
-          <a:lnRef idx="2">
-            <a:schemeClr val="accent1">
-              <a:shade val="15000"/>
-            </a:schemeClr>
-          </a:lnRef>
-          <a:fillRef idx="1">
-            <a:schemeClr val="accent1"/>
-          </a:fillRef>
-          <a:effectRef idx="0">
-            <a:schemeClr val="accent1"/>
-          </a:effectRef>
-          <a:fontRef idx="minor">
-            <a:schemeClr val="lt1"/>
-          </a:fontRef>
-        </p:style>
-        <p:txBody>
-          <a:bodyPr rtlCol="0" anchor="ctr"/>
-          <a:lstStyle/>
-          <a:p>
-            <a:pPr algn="ctr"/>
-            <a:endParaRPr lang="en-US"/>
-          </a:p>
-        </p:txBody>
-      </p:sp>
-      <p:sp>
-        <p:nvSpPr>
-          <p:cNvPr id="4" name="Freeform: Shape 3">
-            <a:extLst>
-              <a:ext uri="{FF2B5EF4-FFF2-40B4-BE49-F238E27FC236}">
-                <a16:creationId xmlns:a16="http://schemas.microsoft.com/office/drawing/2014/main" id="{F3568BD6-2887-FD9E-216B-D34A6C5DADC5}"/>
-              </a:ext>
-            </a:extLst>
-          </p:cNvPr>
-          <p:cNvSpPr/>
-          <p:nvPr/>
-        </p:nvSpPr>
-        <p:spPr>
-          <a:xfrm>
-            <a:off x="2432908" y="2854518"/>
-            <a:ext cx="3021687" cy="1340581"/>
-          </a:xfrm>
-          <a:custGeom>
-            <a:avLst/>
-            <a:gdLst>
-              <a:gd name="connsiteX0" fmla="*/ 3029447 w 3029447"/>
-              <a:gd name="connsiteY0" fmla="*/ 731520 h 1335819"/>
-              <a:gd name="connsiteX1" fmla="*/ 0 w 3029447"/>
-              <a:gd name="connsiteY1" fmla="*/ 1335819 h 1335819"/>
-              <a:gd name="connsiteX2" fmla="*/ 7951 w 3029447"/>
-              <a:gd name="connsiteY2" fmla="*/ 0 h 1335819"/>
-              <a:gd name="connsiteX3" fmla="*/ 2997642 w 3029447"/>
-              <a:gd name="connsiteY3" fmla="*/ 532738 h 1335819"/>
-              <a:gd name="connsiteX4" fmla="*/ 3029447 w 3029447"/>
-              <a:gd name="connsiteY4" fmla="*/ 731520 h 1335819"/>
-              <a:gd name="connsiteX0" fmla="*/ 3029447 w 3029447"/>
-              <a:gd name="connsiteY0" fmla="*/ 731520 h 1335819"/>
-              <a:gd name="connsiteX1" fmla="*/ 0 w 3029447"/>
-              <a:gd name="connsiteY1" fmla="*/ 1335819 h 1335819"/>
-              <a:gd name="connsiteX2" fmla="*/ 7951 w 3029447"/>
-              <a:gd name="connsiteY2" fmla="*/ 0 h 1335819"/>
-              <a:gd name="connsiteX3" fmla="*/ 3026217 w 3029447"/>
-              <a:gd name="connsiteY3" fmla="*/ 513688 h 1335819"/>
-              <a:gd name="connsiteX4" fmla="*/ 3029447 w 3029447"/>
-              <a:gd name="connsiteY4" fmla="*/ 731520 h 1335819"/>
-              <a:gd name="connsiteX0" fmla="*/ 3021687 w 3021687"/>
-              <a:gd name="connsiteY0" fmla="*/ 731520 h 1340581"/>
-              <a:gd name="connsiteX1" fmla="*/ 20815 w 3021687"/>
-              <a:gd name="connsiteY1" fmla="*/ 1340581 h 1340581"/>
-              <a:gd name="connsiteX2" fmla="*/ 191 w 3021687"/>
-              <a:gd name="connsiteY2" fmla="*/ 0 h 1340581"/>
-              <a:gd name="connsiteX3" fmla="*/ 3018457 w 3021687"/>
-              <a:gd name="connsiteY3" fmla="*/ 513688 h 1340581"/>
-              <a:gd name="connsiteX4" fmla="*/ 3021687 w 3021687"/>
-              <a:gd name="connsiteY4" fmla="*/ 731520 h 1340581"/>
-            </a:gdLst>
-            <a:ahLst/>
-            <a:cxnLst>
-              <a:cxn ang="0">
-                <a:pos x="connsiteX0" y="connsiteY0"/>
-              </a:cxn>
-              <a:cxn ang="0">
-                <a:pos x="connsiteX1" y="connsiteY1"/>
-              </a:cxn>
-              <a:cxn ang="0">
-                <a:pos x="connsiteX2" y="connsiteY2"/>
-              </a:cxn>
-              <a:cxn ang="0">
-                <a:pos x="connsiteX3" y="connsiteY3"/>
-              </a:cxn>
-              <a:cxn ang="0">
-                <a:pos x="connsiteX4" y="connsiteY4"/>
-              </a:cxn>
-            </a:cxnLst>
-            <a:rect l="l" t="t" r="r" b="b"/>
-            <a:pathLst>
-              <a:path w="3021687" h="1340581">
-                <a:moveTo>
-                  <a:pt x="3021687" y="731520"/>
-                </a:moveTo>
-                <a:lnTo>
-                  <a:pt x="20815" y="1340581"/>
-                </a:lnTo>
-                <a:cubicBezTo>
-                  <a:pt x="23465" y="895308"/>
-                  <a:pt x="-2459" y="445273"/>
-                  <a:pt x="191" y="0"/>
-                </a:cubicBezTo>
-                <a:lnTo>
-                  <a:pt x="3018457" y="513688"/>
-                </a:lnTo>
-                <a:cubicBezTo>
-                  <a:pt x="3019534" y="586299"/>
-                  <a:pt x="3020610" y="658909"/>
-                  <a:pt x="3021687" y="731520"/>
-                </a:cubicBezTo>
-                <a:close/>
-              </a:path>
-            </a:pathLst>
-          </a:custGeom>
-          <a:solidFill>
-            <a:schemeClr val="bg1"/>
-          </a:solidFill>
-          <a:ln>
-            <a:solidFill>
-              <a:schemeClr val="tx1"/>
-            </a:solidFill>
-            <a:prstDash val="sysDot"/>
-          </a:ln>
-        </p:spPr>
-        <p:style>
-          <a:lnRef idx="2">
-            <a:schemeClr val="accent1">
-              <a:shade val="15000"/>
-            </a:schemeClr>
-          </a:lnRef>
-          <a:fillRef idx="1">
-            <a:schemeClr val="accent1"/>
-          </a:fillRef>
-          <a:effectRef idx="0">
-            <a:schemeClr val="accent1"/>
-          </a:effectRef>
-          <a:fontRef idx="minor">
-            <a:schemeClr val="lt1"/>
-          </a:fontRef>
-        </p:style>
-        <p:txBody>
-          <a:bodyPr rtlCol="0" anchor="ctr"/>
-          <a:lstStyle/>
-          <a:p>
-            <a:pPr algn="ctr"/>
-            <a:endParaRPr lang="en-US"/>
-          </a:p>
-        </p:txBody>
-      </p:sp>
-      <p:pic>
-        <p:nvPicPr>
-          <p:cNvPr id="2" name="Picture 1" descr="A picture containing diagram&#10;&#10;Description automatically generated">
-            <a:extLst>
-              <a:ext uri="{FF2B5EF4-FFF2-40B4-BE49-F238E27FC236}">
-                <a16:creationId xmlns:a16="http://schemas.microsoft.com/office/drawing/2014/main" id="{D1695C65-0BA0-546C-FF71-5B0E6D0F731C}"/>
-              </a:ext>
-            </a:extLst>
-          </p:cNvPr>
-          <p:cNvPicPr>
-            <a:picLocks noChangeAspect="1"/>
-          </p:cNvPicPr>
-          <p:nvPr/>
-        </p:nvPicPr>
-        <p:blipFill rotWithShape="1">
-          <a:blip r:embed="rId2"/>
-          <a:srcRect t="8415" b="17172"/>
-          <a:stretch/>
-        </p:blipFill>
-        <p:spPr>
-          <a:xfrm>
-            <a:off x="3627257" y="1051560"/>
-            <a:ext cx="4937486" cy="4754880"/>
-          </a:xfrm>
-          <a:prstGeom prst="rect">
-            <a:avLst/>
-          </a:prstGeom>
-        </p:spPr>
-      </p:pic>
-      <p:graphicFrame>
-        <p:nvGraphicFramePr>
-          <p:cNvPr id="12" name="Object 43">
-            <a:extLst>
-              <a:ext uri="{FF2B5EF4-FFF2-40B4-BE49-F238E27FC236}">
-                <a16:creationId xmlns:a16="http://schemas.microsoft.com/office/drawing/2014/main" id="{FF353249-9A24-E9CC-0DD0-6F0FAB189A6F}"/>
-              </a:ext>
-            </a:extLst>
-          </p:cNvPr>
-          <p:cNvGraphicFramePr>
-            <a:graphicFrameLocks noChangeAspect="1"/>
-          </p:cNvGraphicFramePr>
-          <p:nvPr>
-            <p:extLst>
-              <p:ext uri="{D42A27DB-BD31-4B8C-83A1-F6EECF244321}">
-                <p14:modId xmlns:p14="http://schemas.microsoft.com/office/powerpoint/2010/main" val="3065559412"/>
-              </p:ext>
-            </p:extLst>
-          </p:nvPr>
-        </p:nvGraphicFramePr>
-        <p:xfrm>
-          <a:off x="2873989" y="4211356"/>
-          <a:ext cx="366764" cy="456381"/>
-        </p:xfrm>
-        <a:graphic>
-          <a:graphicData uri="http://schemas.openxmlformats.org/presentationml/2006/ole">
-            <mc:AlternateContent xmlns:mc="http://schemas.openxmlformats.org/markup-compatibility/2006">
-              <mc:Choice xmlns:v="urn:schemas-microsoft-com:vml" Requires="v">
-                <p:oleObj name="Clip" r:id="rId3" imgW="944280" imgH="1180440" progId="MS_ClipArt_Gallery.2">
-                  <p:embed/>
-                </p:oleObj>
-              </mc:Choice>
-              <mc:Fallback>
-                <p:oleObj name="Clip" r:id="rId3" imgW="944280" imgH="1180440" progId="MS_ClipArt_Gallery.2">
-                  <p:embed/>
-                  <p:pic>
-                    <p:nvPicPr>
-                      <p:cNvPr id="33" name="Object 43">
-                        <a:extLst>
-                          <a:ext uri="{FF2B5EF4-FFF2-40B4-BE49-F238E27FC236}">
-                            <a16:creationId xmlns:a16="http://schemas.microsoft.com/office/drawing/2014/main" id="{5350836A-7752-1A1C-29A9-A5F7E150D374}"/>
-                          </a:ext>
-                        </a:extLst>
-                      </p:cNvPr>
-                      <p:cNvPicPr>
-                        <a:picLocks noChangeAspect="1" noChangeArrowheads="1"/>
-                      </p:cNvPicPr>
-                      <p:nvPr/>
-                    </p:nvPicPr>
-                    <p:blipFill>
-                      <a:blip r:embed="rId4">
-                        <a:extLst>
-                          <a:ext uri="{28A0092B-C50C-407E-A947-70E740481C1C}">
-                            <a14:useLocalDpi xmlns:a14="http://schemas.microsoft.com/office/drawing/2010/main" val="0"/>
-                          </a:ext>
-                        </a:extLst>
-                      </a:blip>
-                      <a:srcRect/>
-                      <a:stretch>
-                        <a:fillRect/>
-                      </a:stretch>
-                    </p:blipFill>
-                    <p:spPr bwMode="auto">
-                      <a:xfrm>
-                        <a:off x="2873989" y="4211356"/>
-                        <a:ext cx="366764" cy="456381"/>
-                      </a:xfrm>
-                      <a:prstGeom prst="rect">
-                        <a:avLst/>
-                      </a:prstGeom>
-                      <a:noFill/>
-                    </p:spPr>
-                  </p:pic>
-                </p:oleObj>
-              </mc:Fallback>
-            </mc:AlternateContent>
-          </a:graphicData>
-        </a:graphic>
-      </p:graphicFrame>
-      <p:pic>
-        <p:nvPicPr>
-          <p:cNvPr id="13" name="Picture 12" descr="C:\Program Files (x86)\Microsoft Office\MEDIA\CAGCAT10\j0292020.wmf">
-            <a:extLst>
-              <a:ext uri="{FF2B5EF4-FFF2-40B4-BE49-F238E27FC236}">
-                <a16:creationId xmlns:a16="http://schemas.microsoft.com/office/drawing/2014/main" id="{F7266051-F5E1-4BB7-B271-9A3072AA1412}"/>
-              </a:ext>
-            </a:extLst>
-          </p:cNvPr>
-          <p:cNvPicPr>
-            <a:picLocks noChangeAspect="1" noChangeArrowheads="1"/>
-          </p:cNvPicPr>
-          <p:nvPr/>
-        </p:nvPicPr>
-        <p:blipFill>
-          <a:blip r:embed="rId5" cstate="print"/>
-          <a:srcRect/>
-          <a:stretch>
-            <a:fillRect/>
-          </a:stretch>
-        </p:blipFill>
-        <p:spPr bwMode="auto">
-          <a:xfrm>
-            <a:off x="3361406" y="4393674"/>
-            <a:ext cx="474811" cy="450652"/>
-          </a:xfrm>
-          <a:prstGeom prst="rect">
-            <a:avLst/>
-          </a:prstGeom>
-          <a:noFill/>
-        </p:spPr>
-      </p:pic>
-      <p:grpSp>
-        <p:nvGrpSpPr>
-          <p:cNvPr id="16" name="Group 15">
-            <a:extLst>
-              <a:ext uri="{FF2B5EF4-FFF2-40B4-BE49-F238E27FC236}">
-                <a16:creationId xmlns:a16="http://schemas.microsoft.com/office/drawing/2014/main" id="{C4B397D1-D6BD-86B8-68F0-9AD2CBF2B3A9}"/>
-              </a:ext>
-            </a:extLst>
-          </p:cNvPr>
-          <p:cNvGrpSpPr/>
-          <p:nvPr/>
-        </p:nvGrpSpPr>
-        <p:grpSpPr>
-          <a:xfrm>
-            <a:off x="3031793" y="2141800"/>
-            <a:ext cx="856538" cy="847633"/>
-            <a:chOff x="2879393" y="1989400"/>
-            <a:chExt cx="856538" cy="847633"/>
-          </a:xfrm>
-        </p:grpSpPr>
-        <p:graphicFrame>
-          <p:nvGraphicFramePr>
-            <p:cNvPr id="17" name="Object 43">
-              <a:extLst>
-                <a:ext uri="{FF2B5EF4-FFF2-40B4-BE49-F238E27FC236}">
-                  <a16:creationId xmlns:a16="http://schemas.microsoft.com/office/drawing/2014/main" id="{B6335436-26B1-A817-F751-FA547618D344}"/>
-                </a:ext>
-              </a:extLst>
-            </p:cNvPr>
-            <p:cNvGraphicFramePr>
-              <a:graphicFrameLocks noChangeAspect="1"/>
-            </p:cNvGraphicFramePr>
-            <p:nvPr>
-              <p:extLst>
-                <p:ext uri="{D42A27DB-BD31-4B8C-83A1-F6EECF244321}">
-                  <p14:modId xmlns:p14="http://schemas.microsoft.com/office/powerpoint/2010/main" val="596639583"/>
-                </p:ext>
-              </p:extLst>
-            </p:nvPr>
-          </p:nvGraphicFramePr>
-          <p:xfrm>
-            <a:off x="3369167" y="2380652"/>
-            <a:ext cx="366764" cy="456381"/>
-          </p:xfrm>
-          <a:graphic>
-            <a:graphicData uri="http://schemas.openxmlformats.org/presentationml/2006/ole">
-              <mc:AlternateContent xmlns:mc="http://schemas.openxmlformats.org/markup-compatibility/2006">
-                <mc:Choice xmlns:v="urn:schemas-microsoft-com:vml" Requires="v">
-                  <p:oleObj name="Clip" r:id="rId3" imgW="944280" imgH="1180440" progId="MS_ClipArt_Gallery.2">
-                    <p:embed/>
-                  </p:oleObj>
-                </mc:Choice>
-                <mc:Fallback>
-                  <p:oleObj name="Clip" r:id="rId3" imgW="944280" imgH="1180440" progId="MS_ClipArt_Gallery.2">
-                    <p:embed/>
-                    <p:pic>
-                      <p:nvPicPr>
-                        <p:cNvPr id="12" name="Object 43">
-                          <a:extLst>
-                            <a:ext uri="{FF2B5EF4-FFF2-40B4-BE49-F238E27FC236}">
-                              <a16:creationId xmlns:a16="http://schemas.microsoft.com/office/drawing/2014/main" id="{FF353249-9A24-E9CC-0DD0-6F0FAB189A6F}"/>
-                            </a:ext>
-                          </a:extLst>
-                        </p:cNvPr>
-                        <p:cNvPicPr>
-                          <a:picLocks noChangeAspect="1" noChangeArrowheads="1"/>
-                        </p:cNvPicPr>
-                        <p:nvPr/>
-                      </p:nvPicPr>
-                      <p:blipFill>
-                        <a:blip r:embed="rId4">
-                          <a:extLst>
-                            <a:ext uri="{28A0092B-C50C-407E-A947-70E740481C1C}">
-                              <a14:useLocalDpi xmlns:a14="http://schemas.microsoft.com/office/drawing/2010/main" val="0"/>
-                            </a:ext>
-                          </a:extLst>
-                        </a:blip>
-                        <a:srcRect/>
-                        <a:stretch>
-                          <a:fillRect/>
-                        </a:stretch>
-                      </p:blipFill>
-                      <p:spPr bwMode="auto">
-                        <a:xfrm>
-                          <a:off x="3369167" y="2380652"/>
-                          <a:ext cx="366764" cy="456381"/>
-                        </a:xfrm>
-                        <a:prstGeom prst="rect">
-                          <a:avLst/>
-                        </a:prstGeom>
-                        <a:noFill/>
-                      </p:spPr>
-                    </p:pic>
-                  </p:oleObj>
-                </mc:Fallback>
-              </mc:AlternateContent>
-            </a:graphicData>
-          </a:graphic>
-        </p:graphicFrame>
-        <p:pic>
-          <p:nvPicPr>
-            <p:cNvPr id="18" name="Picture 17" descr="C:\Program Files (x86)\Microsoft Office\MEDIA\CAGCAT10\j0292020.wmf">
-              <a:extLst>
-                <a:ext uri="{FF2B5EF4-FFF2-40B4-BE49-F238E27FC236}">
-                  <a16:creationId xmlns:a16="http://schemas.microsoft.com/office/drawing/2014/main" id="{110A93AD-3FC9-1BAC-EA79-97FCC1E19601}"/>
-                </a:ext>
-              </a:extLst>
-            </p:cNvPr>
-            <p:cNvPicPr>
-              <a:picLocks noChangeAspect="1" noChangeArrowheads="1"/>
-            </p:cNvPicPr>
-            <p:nvPr/>
-          </p:nvPicPr>
-          <p:blipFill>
-            <a:blip r:embed="rId5" cstate="print"/>
-            <a:srcRect/>
-            <a:stretch>
-              <a:fillRect/>
-            </a:stretch>
-          </p:blipFill>
-          <p:spPr bwMode="auto">
-            <a:xfrm>
-              <a:off x="2879393" y="1989400"/>
-              <a:ext cx="474811" cy="450652"/>
-            </a:xfrm>
-            <a:prstGeom prst="rect">
-              <a:avLst/>
-            </a:prstGeom>
-            <a:noFill/>
-          </p:spPr>
-        </p:pic>
-      </p:grpSp>
-      <p:pic>
-        <p:nvPicPr>
-          <p:cNvPr id="19" name="Picture 18" descr="C:\Program Files (x86)\Microsoft Office\MEDIA\CAGCAT10\j0292020.wmf">
-            <a:extLst>
-              <a:ext uri="{FF2B5EF4-FFF2-40B4-BE49-F238E27FC236}">
-                <a16:creationId xmlns:a16="http://schemas.microsoft.com/office/drawing/2014/main" id="{555E2135-425E-BA98-D3E3-365AD6E60D1C}"/>
-              </a:ext>
-            </a:extLst>
-          </p:cNvPr>
-          <p:cNvPicPr>
-            <a:picLocks noChangeAspect="1" noChangeArrowheads="1"/>
-          </p:cNvPicPr>
-          <p:nvPr/>
-        </p:nvPicPr>
-        <p:blipFill>
-          <a:blip r:embed="rId5" cstate="print"/>
-          <a:srcRect/>
-          <a:stretch>
-            <a:fillRect/>
-          </a:stretch>
-        </p:blipFill>
-        <p:spPr bwMode="auto">
-          <a:xfrm>
-            <a:off x="2651025" y="3299482"/>
-            <a:ext cx="474811" cy="450652"/>
-          </a:xfrm>
-          <a:prstGeom prst="rect">
-            <a:avLst/>
-          </a:prstGeom>
-          <a:noFill/>
-        </p:spPr>
-      </p:pic>
-      <p:graphicFrame>
-        <p:nvGraphicFramePr>
-          <p:cNvPr id="20" name="Object 43">
-            <a:extLst>
-              <a:ext uri="{FF2B5EF4-FFF2-40B4-BE49-F238E27FC236}">
-                <a16:creationId xmlns:a16="http://schemas.microsoft.com/office/drawing/2014/main" id="{59F7674A-2B8E-407F-53ED-2C7333369599}"/>
-              </a:ext>
-            </a:extLst>
-          </p:cNvPr>
-          <p:cNvGraphicFramePr>
-            <a:graphicFrameLocks noChangeAspect="1"/>
-          </p:cNvGraphicFramePr>
-          <p:nvPr>
-            <p:extLst>
-              <p:ext uri="{D42A27DB-BD31-4B8C-83A1-F6EECF244321}">
-                <p14:modId xmlns:p14="http://schemas.microsoft.com/office/powerpoint/2010/main" val="941360113"/>
-              </p:ext>
-            </p:extLst>
-          </p:nvPr>
-        </p:nvGraphicFramePr>
-        <p:xfrm>
-          <a:off x="3321136" y="3290705"/>
-          <a:ext cx="366764" cy="456381"/>
-        </p:xfrm>
-        <a:graphic>
-          <a:graphicData uri="http://schemas.openxmlformats.org/presentationml/2006/ole">
-            <mc:AlternateContent xmlns:mc="http://schemas.openxmlformats.org/markup-compatibility/2006">
-              <mc:Choice xmlns:v="urn:schemas-microsoft-com:vml" Requires="v">
-                <p:oleObj name="Clip" r:id="rId3" imgW="944280" imgH="1180440" progId="MS_ClipArt_Gallery.2">
-                  <p:embed/>
-                </p:oleObj>
-              </mc:Choice>
-              <mc:Fallback>
-                <p:oleObj name="Clip" r:id="rId3" imgW="944280" imgH="1180440" progId="MS_ClipArt_Gallery.2">
-                  <p:embed/>
-                  <p:pic>
-                    <p:nvPicPr>
-                      <p:cNvPr id="12" name="Object 43">
-                        <a:extLst>
-                          <a:ext uri="{FF2B5EF4-FFF2-40B4-BE49-F238E27FC236}">
-                            <a16:creationId xmlns:a16="http://schemas.microsoft.com/office/drawing/2014/main" id="{FF353249-9A24-E9CC-0DD0-6F0FAB189A6F}"/>
-                          </a:ext>
-                        </a:extLst>
-                      </p:cNvPr>
-                      <p:cNvPicPr>
-                        <a:picLocks noChangeAspect="1" noChangeArrowheads="1"/>
-                      </p:cNvPicPr>
-                      <p:nvPr/>
-                    </p:nvPicPr>
-                    <p:blipFill>
-                      <a:blip r:embed="rId4">
-                        <a:extLst>
-                          <a:ext uri="{28A0092B-C50C-407E-A947-70E740481C1C}">
-                            <a14:useLocalDpi xmlns:a14="http://schemas.microsoft.com/office/drawing/2010/main" val="0"/>
-                          </a:ext>
-                        </a:extLst>
-                      </a:blip>
-                      <a:srcRect/>
-                      <a:stretch>
-                        <a:fillRect/>
-                      </a:stretch>
-                    </p:blipFill>
-                    <p:spPr bwMode="auto">
-                      <a:xfrm>
-                        <a:off x="3321136" y="3290705"/>
-                        <a:ext cx="366764" cy="456381"/>
-                      </a:xfrm>
-                      <a:prstGeom prst="rect">
-                        <a:avLst/>
-                      </a:prstGeom>
-                      <a:noFill/>
-                    </p:spPr>
-                  </p:pic>
-                </p:oleObj>
-              </mc:Fallback>
-            </mc:AlternateContent>
-          </a:graphicData>
-        </a:graphic>
-      </p:graphicFrame>
-      <p:sp>
-        <p:nvSpPr>
-          <p:cNvPr id="21" name="TextBox 20">
-            <a:extLst>
-              <a:ext uri="{FF2B5EF4-FFF2-40B4-BE49-F238E27FC236}">
-                <a16:creationId xmlns:a16="http://schemas.microsoft.com/office/drawing/2014/main" id="{625BF172-E2A7-CE1B-CC10-722CBC8D768F}"/>
-              </a:ext>
-            </a:extLst>
-          </p:cNvPr>
-          <p:cNvSpPr txBox="1"/>
-          <p:nvPr/>
-        </p:nvSpPr>
-        <p:spPr>
-          <a:xfrm>
-            <a:off x="4896139" y="5715416"/>
-            <a:ext cx="2399722" cy="338554"/>
-          </a:xfrm>
-          <a:prstGeom prst="rect">
-            <a:avLst/>
-          </a:prstGeom>
-          <a:noFill/>
-        </p:spPr>
-        <p:txBody>
-          <a:bodyPr wrap="square" rtlCol="0">
-            <a:spAutoFit/>
-          </a:bodyPr>
-          <a:lstStyle/>
-          <a:p>
-            <a:pPr algn="ctr"/>
-            <a:r>
-              <a:rPr lang="en-US" sz="1600"/>
-              <a:t>NIEM data model</a:t>
-            </a:r>
-          </a:p>
-        </p:txBody>
-      </p:sp>
-      <p:sp>
-        <p:nvSpPr>
-          <p:cNvPr id="22" name="TextBox 21">
-            <a:extLst>
-              <a:ext uri="{FF2B5EF4-FFF2-40B4-BE49-F238E27FC236}">
-                <a16:creationId xmlns:a16="http://schemas.microsoft.com/office/drawing/2014/main" id="{F2661C05-388F-2267-1A2D-34C4A57E8D78}"/>
-              </a:ext>
-            </a:extLst>
-          </p:cNvPr>
-          <p:cNvSpPr txBox="1"/>
-          <p:nvPr/>
-        </p:nvSpPr>
-        <p:spPr>
-          <a:xfrm>
-            <a:off x="2929429" y="1290823"/>
-            <a:ext cx="1730707" cy="338554"/>
-          </a:xfrm>
-          <a:prstGeom prst="rect">
-            <a:avLst/>
-          </a:prstGeom>
-          <a:noFill/>
-        </p:spPr>
-        <p:txBody>
-          <a:bodyPr wrap="square" rtlCol="0">
-            <a:spAutoFit/>
-          </a:bodyPr>
-          <a:lstStyle/>
-          <a:p>
-            <a:r>
-              <a:rPr lang="en-US" sz="1600"/>
-              <a:t>Domain models</a:t>
-            </a:r>
-          </a:p>
-        </p:txBody>
-      </p:sp>
-      <p:cxnSp>
-        <p:nvCxnSpPr>
-          <p:cNvPr id="24" name="Straight Arrow Connector 23">
-            <a:extLst>
-              <a:ext uri="{FF2B5EF4-FFF2-40B4-BE49-F238E27FC236}">
-                <a16:creationId xmlns:a16="http://schemas.microsoft.com/office/drawing/2014/main" id="{74413334-0D1C-99A5-FCB4-546E1A94F7CE}"/>
-              </a:ext>
-            </a:extLst>
-          </p:cNvPr>
-          <p:cNvCxnSpPr>
-            <a:cxnSpLocks/>
-            <a:stCxn id="22" idx="2"/>
-          </p:cNvCxnSpPr>
-          <p:nvPr/>
-        </p:nvCxnSpPr>
-        <p:spPr>
-          <a:xfrm>
-            <a:off x="3794783" y="1629377"/>
-            <a:ext cx="548076" cy="1026566"/>
-          </a:xfrm>
-          <a:prstGeom prst="straightConnector1">
-            <a:avLst/>
-          </a:prstGeom>
-          <a:ln w="25400">
-            <a:solidFill>
-              <a:schemeClr val="accent2"/>
-            </a:solidFill>
-            <a:tailEnd type="triangle"/>
-          </a:ln>
-        </p:spPr>
-        <p:style>
-          <a:lnRef idx="1">
-            <a:schemeClr val="accent1"/>
-          </a:lnRef>
-          <a:fillRef idx="0">
-            <a:schemeClr val="accent1"/>
-          </a:fillRef>
-          <a:effectRef idx="0">
-            <a:schemeClr val="accent1"/>
-          </a:effectRef>
-          <a:fontRef idx="minor">
-            <a:schemeClr val="tx1"/>
-          </a:fontRef>
-        </p:style>
-      </p:cxnSp>
-      <p:sp>
-        <p:nvSpPr>
-          <p:cNvPr id="5" name="Arc 4">
-            <a:extLst>
-              <a:ext uri="{FF2B5EF4-FFF2-40B4-BE49-F238E27FC236}">
-                <a16:creationId xmlns:a16="http://schemas.microsoft.com/office/drawing/2014/main" id="{79CCF18C-0B75-242D-39F8-B53FDCCC4603}"/>
-              </a:ext>
-            </a:extLst>
-          </p:cNvPr>
-          <p:cNvSpPr/>
-          <p:nvPr/>
-        </p:nvSpPr>
-        <p:spPr bwMode="auto">
-          <a:xfrm flipH="1" flipV="1">
-            <a:off x="1581690" y="3709659"/>
-            <a:ext cx="5285273" cy="2748257"/>
-          </a:xfrm>
-          <a:prstGeom prst="arc">
-            <a:avLst>
-              <a:gd name="adj1" fmla="val 12741877"/>
-              <a:gd name="adj2" fmla="val 19718863"/>
-            </a:avLst>
-          </a:prstGeom>
-          <a:noFill/>
-          <a:ln w="12700" cap="flat" cmpd="sng" algn="ctr">
-            <a:solidFill>
-              <a:srgbClr val="000000"/>
-            </a:solidFill>
-            <a:prstDash val="dash"/>
-            <a:round/>
-            <a:headEnd type="triangle" w="med" len="med"/>
-            <a:tailEnd type="none" w="med" len="med"/>
-          </a:ln>
-          <a:effectLst/>
-        </p:spPr>
-        <p:txBody>
-          <a:bodyPr rtlCol="0" anchor="ctr"/>
-          <a:lstStyle/>
-          <a:p>
-            <a:pPr algn="ctr"/>
-            <a:endParaRPr lang="en-US" dirty="0">
-              <a:solidFill>
-                <a:prstClr val="black"/>
-              </a:solidFill>
-              <a:latin typeface="Arial"/>
-            </a:endParaRPr>
-          </a:p>
-        </p:txBody>
-      </p:sp>
-      <p:sp>
-        <p:nvSpPr>
-          <p:cNvPr id="14" name="TextBox 13">
-            <a:extLst>
-              <a:ext uri="{FF2B5EF4-FFF2-40B4-BE49-F238E27FC236}">
-                <a16:creationId xmlns:a16="http://schemas.microsoft.com/office/drawing/2014/main" id="{B0A8695A-F306-74FF-C326-9D4CC9D98A14}"/>
-              </a:ext>
-            </a:extLst>
-          </p:cNvPr>
-          <p:cNvSpPr txBox="1"/>
-          <p:nvPr/>
-        </p:nvSpPr>
-        <p:spPr>
-          <a:xfrm>
-            <a:off x="1930318" y="5420240"/>
-            <a:ext cx="2620870" cy="830997"/>
-          </a:xfrm>
-          <a:prstGeom prst="rect">
-            <a:avLst/>
-          </a:prstGeom>
-          <a:solidFill>
-            <a:schemeClr val="bg1"/>
-          </a:solidFill>
-        </p:spPr>
-        <p:txBody>
-          <a:bodyPr wrap="square" rtlCol="0">
-            <a:spAutoFit/>
-          </a:bodyPr>
-          <a:lstStyle/>
-          <a:p>
-            <a:pPr algn="ctr"/>
-            <a:r>
-              <a:rPr lang="en-US" sz="1600"/>
-              <a:t>Domain communities: analysts, SMEs, developers with shared subject interests</a:t>
-            </a:r>
-          </a:p>
-        </p:txBody>
-      </p:sp>
-      <p:sp>
-        <p:nvSpPr>
-          <p:cNvPr id="7" name="Arc 6">
-            <a:extLst>
-              <a:ext uri="{FF2B5EF4-FFF2-40B4-BE49-F238E27FC236}">
-                <a16:creationId xmlns:a16="http://schemas.microsoft.com/office/drawing/2014/main" id="{043B9276-5905-FD27-AB16-95AC9ADB18E6}"/>
-              </a:ext>
-            </a:extLst>
-          </p:cNvPr>
-          <p:cNvSpPr/>
-          <p:nvPr/>
-        </p:nvSpPr>
-        <p:spPr bwMode="auto">
-          <a:xfrm flipV="1">
-            <a:off x="5364801" y="3709660"/>
-            <a:ext cx="5285273" cy="2748257"/>
-          </a:xfrm>
-          <a:prstGeom prst="arc">
-            <a:avLst>
-              <a:gd name="adj1" fmla="val 12741877"/>
-              <a:gd name="adj2" fmla="val 19718863"/>
-            </a:avLst>
-          </a:prstGeom>
-          <a:noFill/>
-          <a:ln w="12700" cap="flat" cmpd="sng" algn="ctr">
-            <a:solidFill>
-              <a:srgbClr val="000000"/>
-            </a:solidFill>
-            <a:prstDash val="dash"/>
-            <a:round/>
-            <a:headEnd type="triangle" w="med" len="med"/>
-            <a:tailEnd type="none" w="med" len="med"/>
-          </a:ln>
-          <a:effectLst/>
-        </p:spPr>
-        <p:txBody>
-          <a:bodyPr rtlCol="0" anchor="ctr"/>
-          <a:lstStyle/>
-          <a:p>
-            <a:pPr algn="ctr"/>
-            <a:endParaRPr lang="en-US" dirty="0">
-              <a:solidFill>
-                <a:prstClr val="black"/>
-              </a:solidFill>
-              <a:latin typeface="Arial"/>
-            </a:endParaRPr>
-          </a:p>
-        </p:txBody>
-      </p:sp>
-      <p:sp>
-        <p:nvSpPr>
-          <p:cNvPr id="33" name="TextBox 32">
-            <a:extLst>
-              <a:ext uri="{FF2B5EF4-FFF2-40B4-BE49-F238E27FC236}">
-                <a16:creationId xmlns:a16="http://schemas.microsoft.com/office/drawing/2014/main" id="{B56B86B4-5461-47DC-E9BE-546CCEAA320C}"/>
-              </a:ext>
-            </a:extLst>
-          </p:cNvPr>
-          <p:cNvSpPr txBox="1"/>
-          <p:nvPr/>
-        </p:nvSpPr>
-        <p:spPr>
-          <a:xfrm>
-            <a:off x="7836628" y="5390941"/>
-            <a:ext cx="3607010" cy="830997"/>
-          </a:xfrm>
-          <a:prstGeom prst="rect">
-            <a:avLst/>
-          </a:prstGeom>
-          <a:solidFill>
-            <a:schemeClr val="bg1"/>
-          </a:solidFill>
-        </p:spPr>
-        <p:txBody>
-          <a:bodyPr wrap="square" rtlCol="0">
-            <a:spAutoFit/>
-          </a:bodyPr>
-          <a:lstStyle/>
-          <a:p>
-            <a:pPr algn="ctr"/>
-            <a:r>
-              <a:rPr lang="en-US" sz="1600"/>
-              <a:t>Business architecture committee (NBAC): representatives from all communities, creating a common core</a:t>
-            </a:r>
-          </a:p>
-        </p:txBody>
-      </p:sp>
-      <p:sp>
-        <p:nvSpPr>
-          <p:cNvPr id="8" name="Text Box 48">
-            <a:extLst>
-              <a:ext uri="{FF2B5EF4-FFF2-40B4-BE49-F238E27FC236}">
-                <a16:creationId xmlns:a16="http://schemas.microsoft.com/office/drawing/2014/main" id="{064E6E4C-5BA9-79DF-7C65-C73CFDB5C84C}"/>
-              </a:ext>
-            </a:extLst>
-          </p:cNvPr>
-          <p:cNvSpPr txBox="1">
-            <a:spLocks noChangeArrowheads="1"/>
-          </p:cNvSpPr>
-          <p:nvPr/>
-        </p:nvSpPr>
-        <p:spPr bwMode="auto">
-          <a:xfrm>
-            <a:off x="3794783" y="6448876"/>
-            <a:ext cx="787395" cy="338554"/>
-          </a:xfrm>
-          <a:prstGeom prst="rect">
-            <a:avLst/>
-          </a:prstGeom>
-          <a:noFill/>
-          <a:ln w="9525">
-            <a:noFill/>
-            <a:miter lim="800000"/>
-            <a:headEnd/>
-            <a:tailEnd/>
-          </a:ln>
-        </p:spPr>
-        <p:txBody>
-          <a:bodyPr wrap="none">
-            <a:spAutoFit/>
-          </a:bodyPr>
-          <a:lstStyle/>
-          <a:p>
-            <a:pPr fontAlgn="base">
-              <a:spcBef>
-                <a:spcPct val="0"/>
-              </a:spcBef>
-              <a:spcAft>
-                <a:spcPct val="0"/>
-              </a:spcAft>
-            </a:pPr>
-            <a:r>
-              <a:rPr lang="en-US" sz="1600" i="1">
-                <a:solidFill>
-                  <a:srgbClr val="000000"/>
-                </a:solidFill>
-                <a:latin typeface="Arial" charset="0"/>
-              </a:rPr>
-              <a:t>design</a:t>
-            </a:r>
-            <a:endParaRPr lang="en-US" sz="1600" i="1" dirty="0">
-              <a:solidFill>
-                <a:srgbClr val="000000"/>
-              </a:solidFill>
-              <a:latin typeface="Arial" charset="0"/>
-            </a:endParaRPr>
-          </a:p>
-        </p:txBody>
-      </p:sp>
-      <p:sp>
-        <p:nvSpPr>
-          <p:cNvPr id="9" name="Text Box 48">
-            <a:extLst>
-              <a:ext uri="{FF2B5EF4-FFF2-40B4-BE49-F238E27FC236}">
-                <a16:creationId xmlns:a16="http://schemas.microsoft.com/office/drawing/2014/main" id="{83B15E9C-DF3B-F580-F515-831154A518FD}"/>
-              </a:ext>
-            </a:extLst>
-          </p:cNvPr>
-          <p:cNvSpPr txBox="1">
-            <a:spLocks noChangeArrowheads="1"/>
-          </p:cNvSpPr>
-          <p:nvPr/>
-        </p:nvSpPr>
-        <p:spPr bwMode="auto">
-          <a:xfrm>
-            <a:off x="7609824" y="6448876"/>
-            <a:ext cx="787395" cy="338554"/>
-          </a:xfrm>
-          <a:prstGeom prst="rect">
-            <a:avLst/>
-          </a:prstGeom>
-          <a:noFill/>
-          <a:ln w="9525">
-            <a:noFill/>
-            <a:miter lim="800000"/>
-            <a:headEnd/>
-            <a:tailEnd/>
-          </a:ln>
-        </p:spPr>
-        <p:txBody>
-          <a:bodyPr wrap="none">
-            <a:spAutoFit/>
-          </a:bodyPr>
-          <a:lstStyle/>
-          <a:p>
-            <a:pPr fontAlgn="base">
-              <a:spcBef>
-                <a:spcPct val="0"/>
-              </a:spcBef>
-              <a:spcAft>
-                <a:spcPct val="0"/>
-              </a:spcAft>
-            </a:pPr>
-            <a:r>
-              <a:rPr lang="en-US" sz="1600" i="1">
-                <a:solidFill>
-                  <a:srgbClr val="000000"/>
-                </a:solidFill>
-                <a:latin typeface="Arial" charset="0"/>
-              </a:rPr>
-              <a:t>design</a:t>
-            </a:r>
-            <a:endParaRPr lang="en-US" sz="1600" i="1" dirty="0">
-              <a:solidFill>
-                <a:srgbClr val="000000"/>
-              </a:solidFill>
-              <a:latin typeface="Arial" charset="0"/>
-            </a:endParaRPr>
-          </a:p>
-        </p:txBody>
-      </p:sp>
-      <p:sp>
-        <p:nvSpPr>
-          <p:cNvPr id="6" name="Rectangle 5">
-            <a:extLst>
-              <a:ext uri="{FF2B5EF4-FFF2-40B4-BE49-F238E27FC236}">
-                <a16:creationId xmlns:a16="http://schemas.microsoft.com/office/drawing/2014/main" id="{23E740FC-5524-5BD4-298F-D7CEF36E8D54}"/>
-              </a:ext>
-            </a:extLst>
-          </p:cNvPr>
-          <p:cNvSpPr/>
-          <p:nvPr/>
-        </p:nvSpPr>
-        <p:spPr>
-          <a:xfrm>
-            <a:off x="215164" y="267580"/>
-            <a:ext cx="1366525" cy="484094"/>
-          </a:xfrm>
-          <a:prstGeom prst="rect">
-            <a:avLst/>
-          </a:prstGeom>
-          <a:solidFill>
-            <a:srgbClr val="FFFF00"/>
-          </a:solidFill>
-          <a:ln>
-            <a:solidFill>
-              <a:schemeClr val="tx1"/>
-            </a:solidFill>
-          </a:ln>
-        </p:spPr>
-        <p:style>
-          <a:lnRef idx="2">
-            <a:schemeClr val="accent1">
-              <a:shade val="15000"/>
-            </a:schemeClr>
-          </a:lnRef>
-          <a:fillRef idx="1">
-            <a:schemeClr val="accent1"/>
-          </a:fillRef>
-          <a:effectRef idx="0">
-            <a:schemeClr val="accent1"/>
-          </a:effectRef>
-          <a:fontRef idx="minor">
-            <a:schemeClr val="lt1"/>
-          </a:fontRef>
-        </p:style>
-        <p:txBody>
-          <a:bodyPr rtlCol="0" anchor="ctr"/>
-          <a:lstStyle/>
-          <a:p>
-            <a:pPr algn="ctr"/>
-            <a:r>
-              <a:rPr lang="en-US">
-                <a:solidFill>
-                  <a:schemeClr val="tx1"/>
-                </a:solidFill>
-              </a:rPr>
-              <a:t>community</a:t>
-            </a:r>
-          </a:p>
-        </p:txBody>
-      </p:sp>
-      <p:sp>
-        <p:nvSpPr>
-          <p:cNvPr id="28" name="Freeform: Shape 27">
-            <a:extLst>
-              <a:ext uri="{FF2B5EF4-FFF2-40B4-BE49-F238E27FC236}">
-                <a16:creationId xmlns:a16="http://schemas.microsoft.com/office/drawing/2014/main" id="{BDEBE891-E809-92AD-2882-10232649C0D0}"/>
-              </a:ext>
-            </a:extLst>
-          </p:cNvPr>
-          <p:cNvSpPr/>
-          <p:nvPr/>
-        </p:nvSpPr>
-        <p:spPr>
-          <a:xfrm>
-            <a:off x="6078682" y="2092673"/>
-            <a:ext cx="3510148" cy="2691316"/>
-          </a:xfrm>
-          <a:custGeom>
-            <a:avLst/>
-            <a:gdLst>
-              <a:gd name="connsiteX0" fmla="*/ 3501736 w 3553691"/>
-              <a:gd name="connsiteY0" fmla="*/ 0 h 2722418"/>
-              <a:gd name="connsiteX1" fmla="*/ 0 w 3553691"/>
-              <a:gd name="connsiteY1" fmla="*/ 727364 h 2722418"/>
-              <a:gd name="connsiteX2" fmla="*/ 10391 w 3553691"/>
-              <a:gd name="connsiteY2" fmla="*/ 2067791 h 2722418"/>
-              <a:gd name="connsiteX3" fmla="*/ 3553691 w 3553691"/>
-              <a:gd name="connsiteY3" fmla="*/ 2722418 h 2722418"/>
-              <a:gd name="connsiteX4" fmla="*/ 3501736 w 3553691"/>
-              <a:gd name="connsiteY4" fmla="*/ 0 h 2722418"/>
-              <a:gd name="connsiteX0" fmla="*/ 3501736 w 3553691"/>
-              <a:gd name="connsiteY0" fmla="*/ 0 h 2722418"/>
-              <a:gd name="connsiteX1" fmla="*/ 0 w 3553691"/>
-              <a:gd name="connsiteY1" fmla="*/ 733585 h 2722418"/>
-              <a:gd name="connsiteX2" fmla="*/ 10391 w 3553691"/>
-              <a:gd name="connsiteY2" fmla="*/ 2067791 h 2722418"/>
-              <a:gd name="connsiteX3" fmla="*/ 3553691 w 3553691"/>
-              <a:gd name="connsiteY3" fmla="*/ 2722418 h 2722418"/>
-              <a:gd name="connsiteX4" fmla="*/ 3501736 w 3553691"/>
-              <a:gd name="connsiteY4" fmla="*/ 0 h 2722418"/>
-              <a:gd name="connsiteX0" fmla="*/ 3501736 w 3510148"/>
-              <a:gd name="connsiteY0" fmla="*/ 0 h 2734859"/>
-              <a:gd name="connsiteX1" fmla="*/ 0 w 3510148"/>
-              <a:gd name="connsiteY1" fmla="*/ 733585 h 2734859"/>
-              <a:gd name="connsiteX2" fmla="*/ 10391 w 3510148"/>
-              <a:gd name="connsiteY2" fmla="*/ 2067791 h 2734859"/>
-              <a:gd name="connsiteX3" fmla="*/ 3510148 w 3510148"/>
-              <a:gd name="connsiteY3" fmla="*/ 2734859 h 2734859"/>
-              <a:gd name="connsiteX4" fmla="*/ 3501736 w 3510148"/>
-              <a:gd name="connsiteY4" fmla="*/ 0 h 2734859"/>
-              <a:gd name="connsiteX0" fmla="*/ 3501736 w 3510148"/>
-              <a:gd name="connsiteY0" fmla="*/ 0 h 2716198"/>
-              <a:gd name="connsiteX1" fmla="*/ 0 w 3510148"/>
-              <a:gd name="connsiteY1" fmla="*/ 733585 h 2716198"/>
-              <a:gd name="connsiteX2" fmla="*/ 10391 w 3510148"/>
-              <a:gd name="connsiteY2" fmla="*/ 2067791 h 2716198"/>
-              <a:gd name="connsiteX3" fmla="*/ 3510148 w 3510148"/>
-              <a:gd name="connsiteY3" fmla="*/ 2716198 h 2716198"/>
-              <a:gd name="connsiteX4" fmla="*/ 3501736 w 3510148"/>
-              <a:gd name="connsiteY4" fmla="*/ 0 h 2716198"/>
-              <a:gd name="connsiteX0" fmla="*/ 3501736 w 3510148"/>
-              <a:gd name="connsiteY0" fmla="*/ 0 h 2691316"/>
-              <a:gd name="connsiteX1" fmla="*/ 0 w 3510148"/>
-              <a:gd name="connsiteY1" fmla="*/ 708703 h 2691316"/>
-              <a:gd name="connsiteX2" fmla="*/ 10391 w 3510148"/>
-              <a:gd name="connsiteY2" fmla="*/ 2042909 h 2691316"/>
-              <a:gd name="connsiteX3" fmla="*/ 3510148 w 3510148"/>
-              <a:gd name="connsiteY3" fmla="*/ 2691316 h 2691316"/>
-              <a:gd name="connsiteX4" fmla="*/ 3501736 w 3510148"/>
-              <a:gd name="connsiteY4" fmla="*/ 0 h 2691316"/>
-            </a:gdLst>
-            <a:ahLst/>
-            <a:cxnLst>
-              <a:cxn ang="0">
-                <a:pos x="connsiteX0" y="connsiteY0"/>
-              </a:cxn>
-              <a:cxn ang="0">
-                <a:pos x="connsiteX1" y="connsiteY1"/>
-              </a:cxn>
-              <a:cxn ang="0">
-                <a:pos x="connsiteX2" y="connsiteY2"/>
-              </a:cxn>
-              <a:cxn ang="0">
-                <a:pos x="connsiteX3" y="connsiteY3"/>
-              </a:cxn>
-              <a:cxn ang="0">
-                <a:pos x="connsiteX4" y="connsiteY4"/>
-              </a:cxn>
-            </a:cxnLst>
-            <a:rect l="l" t="t" r="r" b="b"/>
-            <a:pathLst>
-              <a:path w="3510148" h="2691316">
-                <a:moveTo>
-                  <a:pt x="3501736" y="0"/>
-                </a:moveTo>
-                <a:lnTo>
-                  <a:pt x="0" y="708703"/>
-                </a:lnTo>
-                <a:cubicBezTo>
-                  <a:pt x="3464" y="1155512"/>
-                  <a:pt x="6927" y="1596100"/>
-                  <a:pt x="10391" y="2042909"/>
-                </a:cubicBezTo>
-                <a:lnTo>
-                  <a:pt x="3510148" y="2691316"/>
-                </a:lnTo>
-                <a:lnTo>
-                  <a:pt x="3501736" y="0"/>
-                </a:lnTo>
-                <a:close/>
-              </a:path>
-            </a:pathLst>
-          </a:custGeom>
-          <a:solidFill>
-            <a:srgbClr val="B4C7E7">
-              <a:alpha val="50196"/>
-            </a:srgbClr>
-          </a:solidFill>
-          <a:ln>
-            <a:solidFill>
-              <a:schemeClr val="tx1"/>
-            </a:solidFill>
-            <a:prstDash val="sysDot"/>
-          </a:ln>
-        </p:spPr>
-        <p:style>
-          <a:lnRef idx="2">
-            <a:schemeClr val="accent1">
-              <a:shade val="15000"/>
-            </a:schemeClr>
-          </a:lnRef>
-          <a:fillRef idx="1">
-            <a:schemeClr val="accent1"/>
-          </a:fillRef>
-          <a:effectRef idx="0">
-            <a:schemeClr val="accent1"/>
-          </a:effectRef>
-          <a:fontRef idx="minor">
-            <a:schemeClr val="lt1"/>
-          </a:fontRef>
-        </p:style>
-        <p:txBody>
-          <a:bodyPr rtlCol="0" anchor="ctr"/>
-          <a:lstStyle/>
-          <a:p>
-            <a:pPr algn="ctr"/>
-            <a:endParaRPr lang="en-US"/>
-          </a:p>
-        </p:txBody>
-      </p:sp>
-      <p:sp>
-        <p:nvSpPr>
-          <p:cNvPr id="3" name="Oval 2">
-            <a:extLst>
-              <a:ext uri="{FF2B5EF4-FFF2-40B4-BE49-F238E27FC236}">
-                <a16:creationId xmlns:a16="http://schemas.microsoft.com/office/drawing/2014/main" id="{A1AFDB87-54A4-6955-4737-33572FD74BFB}"/>
-              </a:ext>
-            </a:extLst>
-          </p:cNvPr>
-          <p:cNvSpPr/>
-          <p:nvPr/>
-        </p:nvSpPr>
-        <p:spPr>
-          <a:xfrm>
-            <a:off x="5408589" y="2800274"/>
-            <a:ext cx="1374822" cy="1340581"/>
-          </a:xfrm>
-          <a:prstGeom prst="ellipse">
-            <a:avLst/>
-          </a:prstGeom>
-          <a:solidFill>
-            <a:schemeClr val="accent1">
-              <a:lumMod val="40000"/>
-              <a:lumOff val="60000"/>
-            </a:schemeClr>
-          </a:solidFill>
-          <a:ln>
-            <a:noFill/>
-          </a:ln>
-        </p:spPr>
-        <p:style>
-          <a:lnRef idx="2">
-            <a:schemeClr val="accent1">
-              <a:shade val="15000"/>
-            </a:schemeClr>
-          </a:lnRef>
-          <a:fillRef idx="1">
-            <a:schemeClr val="accent1"/>
-          </a:fillRef>
-          <a:effectRef idx="0">
-            <a:schemeClr val="accent1"/>
-          </a:effectRef>
-          <a:fontRef idx="minor">
-            <a:schemeClr val="lt1"/>
-          </a:fontRef>
-        </p:style>
-        <p:txBody>
-          <a:bodyPr rtlCol="0" anchor="ctr"/>
-          <a:lstStyle/>
-          <a:p>
-            <a:pPr algn="ctr"/>
-            <a:r>
-              <a:rPr lang="en-US" b="1">
-                <a:solidFill>
-                  <a:schemeClr val="tx1"/>
-                </a:solidFill>
-              </a:rPr>
-              <a:t>NIEM</a:t>
-            </a:r>
-          </a:p>
-          <a:p>
-            <a:pPr algn="ctr"/>
-            <a:r>
-              <a:rPr lang="en-US" b="1">
-                <a:solidFill>
-                  <a:schemeClr val="tx1"/>
-                </a:solidFill>
-              </a:rPr>
-              <a:t>Core</a:t>
-            </a:r>
-          </a:p>
-        </p:txBody>
-      </p:sp>
-      <p:grpSp>
-        <p:nvGrpSpPr>
-          <p:cNvPr id="30" name="Group 29">
-            <a:extLst>
-              <a:ext uri="{FF2B5EF4-FFF2-40B4-BE49-F238E27FC236}">
-                <a16:creationId xmlns:a16="http://schemas.microsoft.com/office/drawing/2014/main" id="{F22D482E-3BA5-90BD-D4A4-E252CFCB7839}"/>
-              </a:ext>
-            </a:extLst>
-          </p:cNvPr>
-          <p:cNvGrpSpPr/>
-          <p:nvPr/>
-        </p:nvGrpSpPr>
-        <p:grpSpPr>
-          <a:xfrm>
-            <a:off x="8596548" y="2082019"/>
-            <a:ext cx="2087171" cy="2693962"/>
-            <a:chOff x="8596548" y="2082019"/>
-            <a:chExt cx="2087171" cy="2693962"/>
-          </a:xfrm>
-        </p:grpSpPr>
-        <p:sp>
-          <p:nvSpPr>
-            <p:cNvPr id="25" name="Oval 24">
-              <a:extLst>
-                <a:ext uri="{FF2B5EF4-FFF2-40B4-BE49-F238E27FC236}">
-                  <a16:creationId xmlns:a16="http://schemas.microsoft.com/office/drawing/2014/main" id="{789F6CE7-4B27-9509-2424-AD9CB87DCA0E}"/>
-                </a:ext>
-              </a:extLst>
-            </p:cNvPr>
-            <p:cNvSpPr/>
-            <p:nvPr/>
-          </p:nvSpPr>
-          <p:spPr>
-            <a:xfrm>
-              <a:off x="8596548" y="2082019"/>
-              <a:ext cx="2087171" cy="2693962"/>
-            </a:xfrm>
-            <a:prstGeom prst="ellipse">
-              <a:avLst/>
-            </a:prstGeom>
-            <a:solidFill>
-              <a:schemeClr val="bg1"/>
-            </a:solidFill>
-            <a:ln>
-              <a:solidFill>
-                <a:schemeClr val="tx1"/>
-              </a:solidFill>
-              <a:prstDash val="sysDot"/>
-            </a:ln>
-          </p:spPr>
-          <p:style>
-            <a:lnRef idx="2">
-              <a:schemeClr val="accent1">
-                <a:shade val="15000"/>
-              </a:schemeClr>
-            </a:lnRef>
-            <a:fillRef idx="1">
-              <a:schemeClr val="accent1"/>
-            </a:fillRef>
-            <a:effectRef idx="0">
-              <a:schemeClr val="accent1"/>
-            </a:effectRef>
-            <a:fontRef idx="minor">
-              <a:schemeClr val="lt1"/>
-            </a:fontRef>
-          </p:style>
-          <p:txBody>
-            <a:bodyPr rtlCol="0" anchor="ctr"/>
-            <a:lstStyle/>
-            <a:p>
-              <a:pPr algn="ctr"/>
-              <a:endParaRPr lang="en-US" b="1">
-                <a:solidFill>
-                  <a:schemeClr val="tx1"/>
-                </a:solidFill>
-              </a:endParaRPr>
-            </a:p>
-          </p:txBody>
-        </p:sp>
-        <p:pic>
-          <p:nvPicPr>
-            <p:cNvPr id="35" name="Picture 34" descr="C:\Program Files (x86)\Microsoft Office\MEDIA\CAGCAT10\j0292020.wmf">
-              <a:extLst>
-                <a:ext uri="{FF2B5EF4-FFF2-40B4-BE49-F238E27FC236}">
-                  <a16:creationId xmlns:a16="http://schemas.microsoft.com/office/drawing/2014/main" id="{A23DC8CC-2EA4-B8FF-6FA7-ACE2FA106236}"/>
-                </a:ext>
-              </a:extLst>
-            </p:cNvPr>
-            <p:cNvPicPr>
-              <a:picLocks noChangeAspect="1" noChangeArrowheads="1"/>
-            </p:cNvPicPr>
-            <p:nvPr/>
-          </p:nvPicPr>
-          <p:blipFill>
-            <a:blip r:embed="rId5" cstate="print"/>
-            <a:srcRect/>
-            <a:stretch>
-              <a:fillRect/>
-            </a:stretch>
-          </p:blipFill>
-          <p:spPr bwMode="auto">
-            <a:xfrm>
-              <a:off x="9842143" y="3818624"/>
-              <a:ext cx="474811" cy="450652"/>
-            </a:xfrm>
-            <a:prstGeom prst="rect">
-              <a:avLst/>
-            </a:prstGeom>
-            <a:noFill/>
-          </p:spPr>
-        </p:pic>
-        <p:graphicFrame>
-          <p:nvGraphicFramePr>
-            <p:cNvPr id="37" name="Object 43">
-              <a:extLst>
-                <a:ext uri="{FF2B5EF4-FFF2-40B4-BE49-F238E27FC236}">
-                  <a16:creationId xmlns:a16="http://schemas.microsoft.com/office/drawing/2014/main" id="{19B6FB3B-9E07-B706-F334-87EE48109B3C}"/>
-                </a:ext>
-              </a:extLst>
-            </p:cNvPr>
-            <p:cNvGraphicFramePr>
-              <a:graphicFrameLocks noChangeAspect="1"/>
-            </p:cNvGraphicFramePr>
-            <p:nvPr>
-              <p:extLst>
-                <p:ext uri="{D42A27DB-BD31-4B8C-83A1-F6EECF244321}">
-                  <p14:modId xmlns:p14="http://schemas.microsoft.com/office/powerpoint/2010/main" val="1672183099"/>
-                </p:ext>
-              </p:extLst>
-            </p:nvPr>
-          </p:nvGraphicFramePr>
-          <p:xfrm>
-            <a:off x="9764418" y="2630338"/>
-            <a:ext cx="366764" cy="456381"/>
-          </p:xfrm>
-          <a:graphic>
-            <a:graphicData uri="http://schemas.openxmlformats.org/presentationml/2006/ole">
-              <mc:AlternateContent xmlns:mc="http://schemas.openxmlformats.org/markup-compatibility/2006">
-                <mc:Choice xmlns:v="urn:schemas-microsoft-com:vml" Requires="v">
-                  <p:oleObj name="Clip" r:id="rId3" imgW="944280" imgH="1180440" progId="MS_ClipArt_Gallery.2">
-                    <p:embed/>
-                  </p:oleObj>
-                </mc:Choice>
-                <mc:Fallback>
-                  <p:oleObj name="Clip" r:id="rId3" imgW="944280" imgH="1180440" progId="MS_ClipArt_Gallery.2">
-                    <p:embed/>
-                    <p:pic>
-                      <p:nvPicPr>
-                        <p:cNvPr id="20" name="Object 43">
-                          <a:extLst>
-                            <a:ext uri="{FF2B5EF4-FFF2-40B4-BE49-F238E27FC236}">
-                              <a16:creationId xmlns:a16="http://schemas.microsoft.com/office/drawing/2014/main" id="{59F7674A-2B8E-407F-53ED-2C7333369599}"/>
-                            </a:ext>
-                          </a:extLst>
-                        </p:cNvPr>
-                        <p:cNvPicPr>
-                          <a:picLocks noChangeAspect="1" noChangeArrowheads="1"/>
-                        </p:cNvPicPr>
-                        <p:nvPr/>
-                      </p:nvPicPr>
-                      <p:blipFill>
-                        <a:blip r:embed="rId4">
-                          <a:extLst>
-                            <a:ext uri="{28A0092B-C50C-407E-A947-70E740481C1C}">
-                              <a14:useLocalDpi xmlns:a14="http://schemas.microsoft.com/office/drawing/2010/main" val="0"/>
-                            </a:ext>
-                          </a:extLst>
-                        </a:blip>
-                        <a:srcRect/>
-                        <a:stretch>
-                          <a:fillRect/>
-                        </a:stretch>
-                      </p:blipFill>
-                      <p:spPr bwMode="auto">
-                        <a:xfrm>
-                          <a:off x="9764418" y="2630338"/>
-                          <a:ext cx="366764" cy="456381"/>
-                        </a:xfrm>
-                        <a:prstGeom prst="rect">
-                          <a:avLst/>
-                        </a:prstGeom>
-                        <a:noFill/>
-                      </p:spPr>
-                    </p:pic>
-                  </p:oleObj>
-                </mc:Fallback>
-              </mc:AlternateContent>
-            </a:graphicData>
-          </a:graphic>
-        </p:graphicFrame>
-        <p:pic>
-          <p:nvPicPr>
-            <p:cNvPr id="36" name="Picture 35" descr="C:\Program Files (x86)\Microsoft Office\MEDIA\CAGCAT10\j0292020.wmf">
-              <a:extLst>
-                <a:ext uri="{FF2B5EF4-FFF2-40B4-BE49-F238E27FC236}">
-                  <a16:creationId xmlns:a16="http://schemas.microsoft.com/office/drawing/2014/main" id="{30544E43-D915-B278-C7AF-06D7F274DF9F}"/>
-                </a:ext>
-              </a:extLst>
-            </p:cNvPr>
-            <p:cNvPicPr>
-              <a:picLocks noChangeAspect="1" noChangeArrowheads="1"/>
-            </p:cNvPicPr>
-            <p:nvPr/>
-          </p:nvPicPr>
-          <p:blipFill>
-            <a:blip r:embed="rId5" cstate="print"/>
-            <a:srcRect/>
-            <a:stretch>
-              <a:fillRect/>
-            </a:stretch>
-          </p:blipFill>
-          <p:spPr bwMode="auto">
-            <a:xfrm>
-              <a:off x="8902346" y="2870200"/>
-              <a:ext cx="474811" cy="450652"/>
-            </a:xfrm>
-            <a:prstGeom prst="rect">
-              <a:avLst/>
-            </a:prstGeom>
-            <a:noFill/>
-          </p:spPr>
-        </p:pic>
-        <p:graphicFrame>
-          <p:nvGraphicFramePr>
-            <p:cNvPr id="34" name="Object 43">
-              <a:extLst>
-                <a:ext uri="{FF2B5EF4-FFF2-40B4-BE49-F238E27FC236}">
-                  <a16:creationId xmlns:a16="http://schemas.microsoft.com/office/drawing/2014/main" id="{77AEB8F7-0808-32CC-0380-351059E043D0}"/>
-                </a:ext>
-              </a:extLst>
-            </p:cNvPr>
-            <p:cNvGraphicFramePr>
-              <a:graphicFrameLocks noChangeAspect="1"/>
-            </p:cNvGraphicFramePr>
-            <p:nvPr>
-              <p:extLst>
-                <p:ext uri="{D42A27DB-BD31-4B8C-83A1-F6EECF244321}">
-                  <p14:modId xmlns:p14="http://schemas.microsoft.com/office/powerpoint/2010/main" val="1320776745"/>
-                </p:ext>
-              </p:extLst>
-            </p:nvPr>
-          </p:nvGraphicFramePr>
-          <p:xfrm>
-            <a:off x="9273369" y="3687935"/>
-            <a:ext cx="366764" cy="456381"/>
-          </p:xfrm>
-          <a:graphic>
-            <a:graphicData uri="http://schemas.openxmlformats.org/presentationml/2006/ole">
-              <mc:AlternateContent xmlns:mc="http://schemas.openxmlformats.org/markup-compatibility/2006">
-                <mc:Choice xmlns:v="urn:schemas-microsoft-com:vml" Requires="v">
-                  <p:oleObj name="Clip" r:id="rId3" imgW="944280" imgH="1180440" progId="MS_ClipArt_Gallery.2">
-                    <p:embed/>
-                  </p:oleObj>
-                </mc:Choice>
-                <mc:Fallback>
-                  <p:oleObj name="Clip" r:id="rId3" imgW="944280" imgH="1180440" progId="MS_ClipArt_Gallery.2">
-                    <p:embed/>
-                    <p:pic>
-                      <p:nvPicPr>
-                        <p:cNvPr id="12" name="Object 43">
-                          <a:extLst>
-                            <a:ext uri="{FF2B5EF4-FFF2-40B4-BE49-F238E27FC236}">
-                              <a16:creationId xmlns:a16="http://schemas.microsoft.com/office/drawing/2014/main" id="{FF353249-9A24-E9CC-0DD0-6F0FAB189A6F}"/>
-                            </a:ext>
-                          </a:extLst>
-                        </p:cNvPr>
-                        <p:cNvPicPr>
-                          <a:picLocks noChangeAspect="1" noChangeArrowheads="1"/>
-                        </p:cNvPicPr>
-                        <p:nvPr/>
-                      </p:nvPicPr>
-                      <p:blipFill>
-                        <a:blip r:embed="rId4">
-                          <a:extLst>
-                            <a:ext uri="{28A0092B-C50C-407E-A947-70E740481C1C}">
-                              <a14:useLocalDpi xmlns:a14="http://schemas.microsoft.com/office/drawing/2010/main" val="0"/>
-                            </a:ext>
-                          </a:extLst>
-                        </a:blip>
-                        <a:srcRect/>
-                        <a:stretch>
-                          <a:fillRect/>
-                        </a:stretch>
-                      </p:blipFill>
-                      <p:spPr bwMode="auto">
-                        <a:xfrm>
-                          <a:off x="9273369" y="3687935"/>
-                          <a:ext cx="366764" cy="456381"/>
-                        </a:xfrm>
-                        <a:prstGeom prst="rect">
-                          <a:avLst/>
-                        </a:prstGeom>
-                        <a:noFill/>
-                      </p:spPr>
-                    </p:pic>
-                  </p:oleObj>
-                </mc:Fallback>
-              </mc:AlternateContent>
-            </a:graphicData>
-          </a:graphic>
-        </p:graphicFrame>
-      </p:grpSp>
-    </p:spTree>
-    <p:extLst>
-      <p:ext uri="{BB962C8B-B14F-4D97-AF65-F5344CB8AC3E}">
-        <p14:creationId xmlns:p14="http://schemas.microsoft.com/office/powerpoint/2010/main" val="4028917113"/>
-      </p:ext>
-    </p:extLst>
-  </p:cSld>
-  <p:clrMapOvr>
-    <a:masterClrMapping/>
-  </p:clrMapOvr>
-</p:sld>
-</file>
-
-<file path=ppt/slides/slide4.xml><?xml version="1.0" encoding="utf-8"?>
 <p:sld xmlns:a="http://schemas.openxmlformats.org/drawingml/2006/main" xmlns:r="http://schemas.openxmlformats.org/officeDocument/2006/relationships" xmlns:p="http://schemas.openxmlformats.org/presentationml/2006/main">
   <p:cSld>
     <p:spTree>
@@ -25723,7 +23366,7 @@
 </p:sld>
 </file>
 
-<file path=ppt/slides/slide5.xml><?xml version="1.0" encoding="utf-8"?>
+<file path=ppt/slides/slide4.xml><?xml version="1.0" encoding="utf-8"?>
 <p:sld xmlns:a="http://schemas.openxmlformats.org/drawingml/2006/main" xmlns:r="http://schemas.openxmlformats.org/officeDocument/2006/relationships" xmlns:p="http://schemas.openxmlformats.org/presentationml/2006/main">
   <p:cSld>
     <p:spTree>
@@ -26481,7 +24124,7 @@
                   <a:latin typeface="Courier New" panose="02070309020205020404" pitchFamily="49" charset="0"/>
                   <a:cs typeface="Courier New" panose="02070309020205020404" pitchFamily="49" charset="0"/>
                 </a:rPr>
-                <a:t> xmlns:my="http://example.com/M</a:t>
+                <a:t> xmlns:msg="http://example.com/M</a:t>
               </a:r>
             </a:p>
             <a:p>
@@ -26499,7 +24142,7 @@
                   <a:latin typeface="Courier New" panose="02070309020205020404" pitchFamily="49" charset="0"/>
                   <a:cs typeface="Courier New" panose="02070309020205020404" pitchFamily="49" charset="0"/>
                 </a:rPr>
-                <a:t> &lt;my:Parameter&gt;</a:t>
+                <a:t>  &lt;msg:RequestID&gt;RQ001&lt;/msg:Requ</a:t>
               </a:r>
             </a:p>
             <a:p>
@@ -26508,7 +24151,7 @@
                   <a:latin typeface="Courier New" panose="02070309020205020404" pitchFamily="49" charset="0"/>
                   <a:cs typeface="Courier New" panose="02070309020205020404" pitchFamily="49" charset="0"/>
                 </a:rPr>
-                <a:t>  &lt;my:SomethingOrOther&gt;</a:t>
+                <a:t>  &lt;msg:RequestedItem&gt;</a:t>
               </a:r>
             </a:p>
           </p:txBody>
@@ -27483,7 +25126,7 @@
                   <a:latin typeface="Courier New" panose="02070309020205020404" pitchFamily="49" charset="0"/>
                   <a:cs typeface="Courier New" panose="02070309020205020404" pitchFamily="49" charset="0"/>
                 </a:rPr>
-                <a:t> "my:Request": {</a:t>
+                <a:t> "msg:Request": {</a:t>
               </a:r>
             </a:p>
             <a:p>
@@ -27492,7 +25135,7 @@
                   <a:latin typeface="Courier New" panose="02070309020205020404" pitchFamily="49" charset="0"/>
                   <a:cs typeface="Courier New" panose="02070309020205020404" pitchFamily="49" charset="0"/>
                 </a:rPr>
-                <a:t>  "my:Parameter": {</a:t>
+                <a:t>   "msg:RequestID": "RQ001",</a:t>
               </a:r>
             </a:p>
             <a:p>
@@ -27501,7 +25144,7 @@
                   <a:latin typeface="Courier New" panose="02070309020205020404" pitchFamily="49" charset="0"/>
                   <a:cs typeface="Courier New" panose="02070309020205020404" pitchFamily="49" charset="0"/>
                 </a:rPr>
-                <a:t>   "my:SomethingOrOther": {</a:t>
+                <a:t>   "msg:RequestedItem": {</a:t>
               </a:r>
             </a:p>
           </p:txBody>
@@ -27634,9 +25277,9 @@
         <p:grpSpPr>
           <a:xfrm>
             <a:off x="7356057" y="3886200"/>
-            <a:ext cx="2402092" cy="790414"/>
+            <a:ext cx="2459328" cy="790414"/>
             <a:chOff x="7356057" y="3886200"/>
-            <a:chExt cx="2402092" cy="790414"/>
+            <a:chExt cx="2459328" cy="790414"/>
           </a:xfrm>
         </p:grpSpPr>
         <p:sp>
@@ -27712,7 +25355,7 @@
           <p:spPr>
             <a:xfrm>
               <a:off x="7356057" y="3891784"/>
-              <a:ext cx="2390398" cy="784830"/>
+              <a:ext cx="2459328" cy="784830"/>
             </a:xfrm>
             <a:prstGeom prst="rect">
               <a:avLst/>
@@ -27730,7 +25373,7 @@
                   <a:latin typeface="Courier New" panose="02070309020205020404" pitchFamily="49" charset="0"/>
                   <a:cs typeface="Courier New" panose="02070309020205020404" pitchFamily="49" charset="0"/>
                 </a:rPr>
-                <a:t>&lt;my:Response</a:t>
+                <a:t>&lt;msg:Response</a:t>
               </a:r>
             </a:p>
             <a:p>
@@ -27739,7 +25382,7 @@
                   <a:latin typeface="Courier New" panose="02070309020205020404" pitchFamily="49" charset="0"/>
                   <a:cs typeface="Courier New" panose="02070309020205020404" pitchFamily="49" charset="0"/>
                 </a:rPr>
-                <a:t> xmlns:my="http://example.com/M</a:t>
+                <a:t> xmlns:msg="http://example.com/M</a:t>
               </a:r>
             </a:p>
             <a:p>
@@ -27757,7 +25400,7 @@
                   <a:latin typeface="Courier New" panose="02070309020205020404" pitchFamily="49" charset="0"/>
                   <a:cs typeface="Courier New" panose="02070309020205020404" pitchFamily="49" charset="0"/>
                 </a:rPr>
-                <a:t> &lt;my:Result&gt;</a:t>
+                <a:t>  &lt;msg:RequestID&gt;RQ001&lt;/msg:Reque</a:t>
               </a:r>
             </a:p>
             <a:p>
@@ -27766,7 +25409,7 @@
                   <a:latin typeface="Courier New" panose="02070309020205020404" pitchFamily="49" charset="0"/>
                   <a:cs typeface="Courier New" panose="02070309020205020404" pitchFamily="49" charset="0"/>
                 </a:rPr>
-                <a:t>  &lt;my:SomethingOrOther&gt;</a:t>
+                <a:t>  &lt;msg:RequestedItem&gt;</a:t>
               </a:r>
             </a:p>
           </p:txBody>
@@ -28013,7 +25656,7 @@
                   <a:latin typeface="Courier New" panose="02070309020205020404" pitchFamily="49" charset="0"/>
                   <a:cs typeface="Courier New" panose="02070309020205020404" pitchFamily="49" charset="0"/>
                 </a:rPr>
-                <a:t> "my:Response": {</a:t>
+                <a:t> "msg:Response": {</a:t>
               </a:r>
             </a:p>
             <a:p>
@@ -28022,7 +25665,7 @@
                   <a:latin typeface="Courier New" panose="02070309020205020404" pitchFamily="49" charset="0"/>
                   <a:cs typeface="Courier New" panose="02070309020205020404" pitchFamily="49" charset="0"/>
                 </a:rPr>
-                <a:t>  "my:Result": {</a:t>
+                <a:t>   "msg:RequestID": "RQ001",</a:t>
               </a:r>
             </a:p>
             <a:p>
@@ -28031,7 +25674,7 @@
                   <a:latin typeface="Courier New" panose="02070309020205020404" pitchFamily="49" charset="0"/>
                   <a:cs typeface="Courier New" panose="02070309020205020404" pitchFamily="49" charset="0"/>
                 </a:rPr>
-                <a:t>   "my:SomethingOrOther": {</a:t>
+                <a:t>   "msg:RequestedItem": {</a:t>
               </a:r>
             </a:p>
           </p:txBody>
@@ -28566,7 +26209,7 @@
 </p:sld>
 </file>
 
-<file path=ppt/slides/slide6.xml><?xml version="1.0" encoding="utf-8"?>
+<file path=ppt/slides/slide5.xml><?xml version="1.0" encoding="utf-8"?>
 <p:sld xmlns:a="http://schemas.openxmlformats.org/drawingml/2006/main" xmlns:r="http://schemas.openxmlformats.org/officeDocument/2006/relationships" xmlns:p="http://schemas.openxmlformats.org/presentationml/2006/main">
   <p:cSld>
     <p:spTree>
@@ -28606,7 +26249,7 @@
           <a:p>
             <a:fld id="{BECF63ED-5365-0347-943C-46237B9951C9}" type="slidenum">
               <a:rPr lang="en-US" sz="1000" smtClean="0"/>
-              <a:t>6</a:t>
+              <a:t>5</a:t>
             </a:fld>
             <a:endParaRPr lang="en-US" sz="1000"/>
           </a:p>
@@ -32229,7 +29872,7 @@
 </p:sld>
 </file>
 
-<file path=ppt/slides/slide7.xml><?xml version="1.0" encoding="utf-8"?>
+<file path=ppt/slides/slide6.xml><?xml version="1.0" encoding="utf-8"?>
 <p:sld xmlns:a="http://schemas.openxmlformats.org/drawingml/2006/main" xmlns:r="http://schemas.openxmlformats.org/officeDocument/2006/relationships" xmlns:p="http://schemas.openxmlformats.org/presentationml/2006/main">
   <p:cSld>
     <p:spTree>
@@ -32269,7 +29912,7 @@
           <a:p>
             <a:fld id="{BECF63ED-5365-0347-943C-46237B9951C9}" type="slidenum">
               <a:rPr lang="en-US" sz="1000" smtClean="0"/>
-              <a:t>7</a:t>
+              <a:t>6</a:t>
             </a:fld>
             <a:endParaRPr lang="en-US" sz="1000"/>
           </a:p>

--- a/pptx/figures.pptx
+++ b/pptx/figures.pptx
@@ -275,7 +275,7 @@
           <a:p>
             <a:fld id="{8B6844D7-9723-4963-9A7A-AA67393D1570}" type="datetimeFigureOut">
               <a:rPr lang="en-US" smtClean="0"/>
-              <a:t>10/13/2024</a:t>
+              <a:t>10/14/2024</a:t>
             </a:fld>
             <a:endParaRPr lang="en-US"/>
           </a:p>
@@ -473,7 +473,7 @@
           <a:p>
             <a:fld id="{8B6844D7-9723-4963-9A7A-AA67393D1570}" type="datetimeFigureOut">
               <a:rPr lang="en-US" smtClean="0"/>
-              <a:t>10/13/2024</a:t>
+              <a:t>10/14/2024</a:t>
             </a:fld>
             <a:endParaRPr lang="en-US"/>
           </a:p>
@@ -681,7 +681,7 @@
           <a:p>
             <a:fld id="{8B6844D7-9723-4963-9A7A-AA67393D1570}" type="datetimeFigureOut">
               <a:rPr lang="en-US" smtClean="0"/>
-              <a:t>10/13/2024</a:t>
+              <a:t>10/14/2024</a:t>
             </a:fld>
             <a:endParaRPr lang="en-US"/>
           </a:p>
@@ -879,7 +879,7 @@
           <a:p>
             <a:fld id="{8B6844D7-9723-4963-9A7A-AA67393D1570}" type="datetimeFigureOut">
               <a:rPr lang="en-US" smtClean="0"/>
-              <a:t>10/13/2024</a:t>
+              <a:t>10/14/2024</a:t>
             </a:fld>
             <a:endParaRPr lang="en-US"/>
           </a:p>
@@ -1154,7 +1154,7 @@
           <a:p>
             <a:fld id="{8B6844D7-9723-4963-9A7A-AA67393D1570}" type="datetimeFigureOut">
               <a:rPr lang="en-US" smtClean="0"/>
-              <a:t>10/13/2024</a:t>
+              <a:t>10/14/2024</a:t>
             </a:fld>
             <a:endParaRPr lang="en-US"/>
           </a:p>
@@ -1419,7 +1419,7 @@
           <a:p>
             <a:fld id="{8B6844D7-9723-4963-9A7A-AA67393D1570}" type="datetimeFigureOut">
               <a:rPr lang="en-US" smtClean="0"/>
-              <a:t>10/13/2024</a:t>
+              <a:t>10/14/2024</a:t>
             </a:fld>
             <a:endParaRPr lang="en-US"/>
           </a:p>
@@ -1831,7 +1831,7 @@
           <a:p>
             <a:fld id="{8B6844D7-9723-4963-9A7A-AA67393D1570}" type="datetimeFigureOut">
               <a:rPr lang="en-US" smtClean="0"/>
-              <a:t>10/13/2024</a:t>
+              <a:t>10/14/2024</a:t>
             </a:fld>
             <a:endParaRPr lang="en-US"/>
           </a:p>
@@ -1972,7 +1972,7 @@
           <a:p>
             <a:fld id="{8B6844D7-9723-4963-9A7A-AA67393D1570}" type="datetimeFigureOut">
               <a:rPr lang="en-US" smtClean="0"/>
-              <a:t>10/13/2024</a:t>
+              <a:t>10/14/2024</a:t>
             </a:fld>
             <a:endParaRPr lang="en-US"/>
           </a:p>
@@ -2085,7 +2085,7 @@
           <a:p>
             <a:fld id="{8B6844D7-9723-4963-9A7A-AA67393D1570}" type="datetimeFigureOut">
               <a:rPr lang="en-US" smtClean="0"/>
-              <a:t>10/13/2024</a:t>
+              <a:t>10/14/2024</a:t>
             </a:fld>
             <a:endParaRPr lang="en-US"/>
           </a:p>
@@ -2396,7 +2396,7 @@
           <a:p>
             <a:fld id="{8B6844D7-9723-4963-9A7A-AA67393D1570}" type="datetimeFigureOut">
               <a:rPr lang="en-US" smtClean="0"/>
-              <a:t>10/13/2024</a:t>
+              <a:t>10/14/2024</a:t>
             </a:fld>
             <a:endParaRPr lang="en-US"/>
           </a:p>
@@ -2684,7 +2684,7 @@
           <a:p>
             <a:fld id="{8B6844D7-9723-4963-9A7A-AA67393D1570}" type="datetimeFigureOut">
               <a:rPr lang="en-US" smtClean="0"/>
-              <a:t>10/13/2024</a:t>
+              <a:t>10/14/2024</a:t>
             </a:fld>
             <a:endParaRPr lang="en-US"/>
           </a:p>
@@ -2925,7 +2925,7 @@
           <a:p>
             <a:fld id="{8B6844D7-9723-4963-9A7A-AA67393D1570}" type="datetimeFigureOut">
               <a:rPr lang="en-US" smtClean="0"/>
-              <a:t>10/13/2024</a:t>
+              <a:t>10/14/2024</a:t>
             </a:fld>
             <a:endParaRPr lang="en-US"/>
           </a:p>
@@ -26405,7 +26405,7 @@
                   <a:schemeClr val="tx1"/>
                 </a:solidFill>
               </a:rPr>
-              <a:t>nc:PersonType</a:t>
+              <a:t>msg:RequestType</a:t>
             </a:r>
           </a:p>
         </p:txBody>
@@ -26621,7 +26621,7 @@
                   <a:schemeClr val="tx1"/>
                 </a:solidFill>
               </a:rPr>
-              <a:t>nc:PersonName</a:t>
+              <a:t>nc:requestedItem</a:t>
             </a:r>
           </a:p>
         </p:txBody>
@@ -26776,7 +26776,7 @@
                   <a:schemeClr val="tx1"/>
                 </a:solidFill>
               </a:rPr>
-              <a:t>nc:PersonNameType</a:t>
+              <a:t>nc:ItemType</a:t>
             </a:r>
           </a:p>
         </p:txBody>
@@ -26931,7 +26931,7 @@
                   <a:schemeClr val="tx1"/>
                 </a:solidFill>
               </a:rPr>
-              <a:t>nc:PersonFullName</a:t>
+              <a:t>nc:ItemName</a:t>
             </a:r>
           </a:p>
         </p:txBody>
@@ -27216,7 +27216,22 @@
                   <a:srgbClr val="1C0054"/>
                 </a:solidFill>
               </a:rPr>
-              <a:t>NIEM data model </a:t>
+              <a:t>Message</a:t>
+            </a:r>
+            <a:br>
+              <a:rPr lang="en-US" sz="1200" b="1">
+                <a:solidFill>
+                  <a:srgbClr val="1C0054"/>
+                </a:solidFill>
+              </a:rPr>
+            </a:br>
+            <a:r>
+              <a:rPr lang="en-US" sz="1200" b="1">
+                <a:solidFill>
+                  <a:srgbClr val="1C0054"/>
+                </a:solidFill>
+              </a:rPr>
+              <a:t>model </a:t>
             </a:r>
           </a:p>
         </p:txBody>
@@ -27421,7 +27436,7 @@
                   <a:schemeClr val="tx1"/>
                 </a:solidFill>
               </a:rPr>
-              <a:t>person object</a:t>
+              <a:t>request object</a:t>
             </a:r>
           </a:p>
         </p:txBody>
@@ -27668,7 +27683,7 @@
                   <a:schemeClr val="tx1"/>
                 </a:solidFill>
               </a:rPr>
-              <a:t>name object</a:t>
+              <a:t>item object</a:t>
             </a:r>
           </a:p>
         </p:txBody>
@@ -27687,46 +27702,7 @@
         </p:nvSpPr>
         <p:spPr>
           <a:xfrm>
-            <a:off x="3022079" y="2471682"/>
-            <a:ext cx="916918" cy="153888"/>
-          </a:xfrm>
-          <a:prstGeom prst="rect">
-            <a:avLst/>
-          </a:prstGeom>
-          <a:solidFill>
-            <a:schemeClr val="bg1"/>
-          </a:solidFill>
-        </p:spPr>
-        <p:txBody>
-          <a:bodyPr wrap="none" lIns="0" tIns="0" rIns="0" bIns="0" rtlCol="0">
-            <a:spAutoFit/>
-          </a:bodyPr>
-          <a:lstStyle/>
-          <a:p>
-            <a:r>
-              <a:rPr lang="en-US" sz="1000">
-                <a:latin typeface="Consolas" panose="020B0609020204030204" pitchFamily="49" charset="0"/>
-              </a:rPr>
-              <a:t>nc:PersonName</a:t>
-            </a:r>
-          </a:p>
-        </p:txBody>
-      </p:sp>
-      <p:sp>
-        <p:nvSpPr>
-          <p:cNvPr id="50" name="TextBox 49">
-            <a:extLst>
-              <a:ext uri="{FF2B5EF4-FFF2-40B4-BE49-F238E27FC236}">
-                <a16:creationId xmlns:a16="http://schemas.microsoft.com/office/drawing/2014/main" id="{DE74425D-4536-1C01-9D54-1E306BA9D8D5}"/>
-              </a:ext>
-            </a:extLst>
-          </p:cNvPr>
-          <p:cNvSpPr txBox="1"/>
-          <p:nvPr/>
-        </p:nvSpPr>
-        <p:spPr>
-          <a:xfrm>
-            <a:off x="2897785" y="3750666"/>
+            <a:off x="2902811" y="2471682"/>
             <a:ext cx="1199046" cy="153888"/>
           </a:xfrm>
           <a:prstGeom prst="rect">
@@ -27746,7 +27722,46 @@
               <a:rPr lang="en-US" sz="1000">
                 <a:latin typeface="Consolas" panose="020B0609020204030204" pitchFamily="49" charset="0"/>
               </a:rPr>
-              <a:t>nc:PersonFullName</a:t>
+              <a:t>msg:requestedItem</a:t>
+            </a:r>
+          </a:p>
+        </p:txBody>
+      </p:sp>
+      <p:sp>
+        <p:nvSpPr>
+          <p:cNvPr id="50" name="TextBox 49">
+            <a:extLst>
+              <a:ext uri="{FF2B5EF4-FFF2-40B4-BE49-F238E27FC236}">
+                <a16:creationId xmlns:a16="http://schemas.microsoft.com/office/drawing/2014/main" id="{DE74425D-4536-1C01-9D54-1E306BA9D8D5}"/>
+              </a:ext>
+            </a:extLst>
+          </p:cNvPr>
+          <p:cNvSpPr txBox="1"/>
+          <p:nvPr/>
+        </p:nvSpPr>
+        <p:spPr>
+          <a:xfrm>
+            <a:off x="3116443" y="3750666"/>
+            <a:ext cx="775853" cy="153888"/>
+          </a:xfrm>
+          <a:prstGeom prst="rect">
+            <a:avLst/>
+          </a:prstGeom>
+          <a:solidFill>
+            <a:schemeClr val="bg1"/>
+          </a:solidFill>
+        </p:spPr>
+        <p:txBody>
+          <a:bodyPr wrap="none" lIns="0" tIns="0" rIns="0" bIns="0" rtlCol="0">
+            <a:spAutoFit/>
+          </a:bodyPr>
+          <a:lstStyle/>
+          <a:p>
+            <a:r>
+              <a:rPr lang="en-US" sz="1000">
+                <a:latin typeface="Consolas" panose="020B0609020204030204" pitchFamily="49" charset="0"/>
+              </a:rPr>
+              <a:t>nc:ItemName</a:t>
             </a:r>
           </a:p>
         </p:txBody>
@@ -27865,7 +27880,7 @@
                 </a:solidFill>
                 <a:latin typeface="Consolas" panose="020B0609020204030204" pitchFamily="49" charset="0"/>
               </a:rPr>
-              <a:t>Clark Kent</a:t>
+              <a:t>Wrench</a:t>
             </a:r>
           </a:p>
         </p:txBody>

--- a/pptx/figures.pptx
+++ b/pptx/figures.pptx
@@ -10,7 +10,8 @@
     <p:sldId id="274" r:id="rId4"/>
     <p:sldId id="276" r:id="rId5"/>
     <p:sldId id="277" r:id="rId6"/>
-    <p:sldId id="278" r:id="rId7"/>
+    <p:sldId id="280" r:id="rId7"/>
+    <p:sldId id="278" r:id="rId8"/>
   </p:sldIdLst>
   <p:sldSz cx="12192000" cy="6858000"/>
   <p:notesSz cx="6858000" cy="9144000"/>
@@ -112,7 +113,7 @@
   <p:extLst>
     <p:ext uri="{EFAFB233-063F-42B5-8137-9DF3F51BA10A}">
       <p15:sldGuideLst xmlns:p15="http://schemas.microsoft.com/office/powerpoint/2012/main">
-        <p15:guide id="1" orient="horz" pos="2856" userDrawn="1">
+        <p15:guide id="1" orient="horz" pos="2208" userDrawn="1">
           <p15:clr>
             <a:srgbClr val="A4A3A4"/>
           </p15:clr>
@@ -275,7 +276,7 @@
           <a:p>
             <a:fld id="{8B6844D7-9723-4963-9A7A-AA67393D1570}" type="datetimeFigureOut">
               <a:rPr lang="en-US" smtClean="0"/>
-              <a:t>10/14/2024</a:t>
+              <a:t>11/13/2024</a:t>
             </a:fld>
             <a:endParaRPr lang="en-US"/>
           </a:p>
@@ -473,7 +474,7 @@
           <a:p>
             <a:fld id="{8B6844D7-9723-4963-9A7A-AA67393D1570}" type="datetimeFigureOut">
               <a:rPr lang="en-US" smtClean="0"/>
-              <a:t>10/14/2024</a:t>
+              <a:t>11/13/2024</a:t>
             </a:fld>
             <a:endParaRPr lang="en-US"/>
           </a:p>
@@ -681,7 +682,7 @@
           <a:p>
             <a:fld id="{8B6844D7-9723-4963-9A7A-AA67393D1570}" type="datetimeFigureOut">
               <a:rPr lang="en-US" smtClean="0"/>
-              <a:t>10/14/2024</a:t>
+              <a:t>11/13/2024</a:t>
             </a:fld>
             <a:endParaRPr lang="en-US"/>
           </a:p>
@@ -879,7 +880,7 @@
           <a:p>
             <a:fld id="{8B6844D7-9723-4963-9A7A-AA67393D1570}" type="datetimeFigureOut">
               <a:rPr lang="en-US" smtClean="0"/>
-              <a:t>10/14/2024</a:t>
+              <a:t>11/13/2024</a:t>
             </a:fld>
             <a:endParaRPr lang="en-US"/>
           </a:p>
@@ -1154,7 +1155,7 @@
           <a:p>
             <a:fld id="{8B6844D7-9723-4963-9A7A-AA67393D1570}" type="datetimeFigureOut">
               <a:rPr lang="en-US" smtClean="0"/>
-              <a:t>10/14/2024</a:t>
+              <a:t>11/13/2024</a:t>
             </a:fld>
             <a:endParaRPr lang="en-US"/>
           </a:p>
@@ -1419,7 +1420,7 @@
           <a:p>
             <a:fld id="{8B6844D7-9723-4963-9A7A-AA67393D1570}" type="datetimeFigureOut">
               <a:rPr lang="en-US" smtClean="0"/>
-              <a:t>10/14/2024</a:t>
+              <a:t>11/13/2024</a:t>
             </a:fld>
             <a:endParaRPr lang="en-US"/>
           </a:p>
@@ -1831,7 +1832,7 @@
           <a:p>
             <a:fld id="{8B6844D7-9723-4963-9A7A-AA67393D1570}" type="datetimeFigureOut">
               <a:rPr lang="en-US" smtClean="0"/>
-              <a:t>10/14/2024</a:t>
+              <a:t>11/13/2024</a:t>
             </a:fld>
             <a:endParaRPr lang="en-US"/>
           </a:p>
@@ -1972,7 +1973,7 @@
           <a:p>
             <a:fld id="{8B6844D7-9723-4963-9A7A-AA67393D1570}" type="datetimeFigureOut">
               <a:rPr lang="en-US" smtClean="0"/>
-              <a:t>10/14/2024</a:t>
+              <a:t>11/13/2024</a:t>
             </a:fld>
             <a:endParaRPr lang="en-US"/>
           </a:p>
@@ -2085,7 +2086,7 @@
           <a:p>
             <a:fld id="{8B6844D7-9723-4963-9A7A-AA67393D1570}" type="datetimeFigureOut">
               <a:rPr lang="en-US" smtClean="0"/>
-              <a:t>10/14/2024</a:t>
+              <a:t>11/13/2024</a:t>
             </a:fld>
             <a:endParaRPr lang="en-US"/>
           </a:p>
@@ -2396,7 +2397,7 @@
           <a:p>
             <a:fld id="{8B6844D7-9723-4963-9A7A-AA67393D1570}" type="datetimeFigureOut">
               <a:rPr lang="en-US" smtClean="0"/>
-              <a:t>10/14/2024</a:t>
+              <a:t>11/13/2024</a:t>
             </a:fld>
             <a:endParaRPr lang="en-US"/>
           </a:p>
@@ -2684,7 +2685,7 @@
           <a:p>
             <a:fld id="{8B6844D7-9723-4963-9A7A-AA67393D1570}" type="datetimeFigureOut">
               <a:rPr lang="en-US" smtClean="0"/>
-              <a:t>10/14/2024</a:t>
+              <a:t>11/13/2024</a:t>
             </a:fld>
             <a:endParaRPr lang="en-US"/>
           </a:p>
@@ -2925,7 +2926,7 @@
           <a:p>
             <a:fld id="{8B6844D7-9723-4963-9A7A-AA67393D1570}" type="datetimeFigureOut">
               <a:rPr lang="en-US" smtClean="0"/>
-              <a:t>10/14/2024</a:t>
+              <a:t>11/13/2024</a:t>
             </a:fld>
             <a:endParaRPr lang="en-US"/>
           </a:p>
@@ -27702,7 +27703,7 @@
         </p:nvSpPr>
         <p:spPr>
           <a:xfrm>
-            <a:off x="2902811" y="2471682"/>
+            <a:off x="2902811" y="2471143"/>
             <a:ext cx="1199046" cy="153888"/>
           </a:xfrm>
           <a:prstGeom prst="rect">
@@ -27741,7 +27742,7 @@
         </p:nvSpPr>
         <p:spPr>
           <a:xfrm>
-            <a:off x="3116443" y="3750666"/>
+            <a:off x="3116443" y="3727800"/>
             <a:ext cx="775853" cy="153888"/>
           </a:xfrm>
           <a:prstGeom prst="rect">
@@ -29874,6 +29875,168 @@
           </a:p>
         </p:txBody>
       </p:sp>
+      <p:cxnSp>
+        <p:nvCxnSpPr>
+          <p:cNvPr id="28" name="Straight Arrow Connector 27">
+            <a:extLst>
+              <a:ext uri="{FF2B5EF4-FFF2-40B4-BE49-F238E27FC236}">
+                <a16:creationId xmlns:a16="http://schemas.microsoft.com/office/drawing/2014/main" id="{D1FE64F1-4CD9-7925-946F-EF8B8BC05608}"/>
+              </a:ext>
+            </a:extLst>
+          </p:cNvPr>
+          <p:cNvCxnSpPr>
+            <a:cxnSpLocks/>
+          </p:cNvCxnSpPr>
+          <p:nvPr/>
+        </p:nvCxnSpPr>
+        <p:spPr>
+          <a:xfrm>
+            <a:off x="4102059" y="2548087"/>
+            <a:ext cx="900524" cy="0"/>
+          </a:xfrm>
+          <a:prstGeom prst="straightConnector1">
+            <a:avLst/>
+          </a:prstGeom>
+          <a:ln>
+            <a:solidFill>
+              <a:schemeClr val="tx1"/>
+            </a:solidFill>
+            <a:tailEnd type="triangle"/>
+          </a:ln>
+        </p:spPr>
+        <p:style>
+          <a:lnRef idx="1">
+            <a:schemeClr val="accent1"/>
+          </a:lnRef>
+          <a:fillRef idx="0">
+            <a:schemeClr val="accent1"/>
+          </a:fillRef>
+          <a:effectRef idx="0">
+            <a:schemeClr val="accent1"/>
+          </a:effectRef>
+          <a:fontRef idx="minor">
+            <a:schemeClr val="tx1"/>
+          </a:fontRef>
+        </p:style>
+      </p:cxnSp>
+      <p:sp>
+        <p:nvSpPr>
+          <p:cNvPr id="38" name="TextBox 37">
+            <a:extLst>
+              <a:ext uri="{FF2B5EF4-FFF2-40B4-BE49-F238E27FC236}">
+                <a16:creationId xmlns:a16="http://schemas.microsoft.com/office/drawing/2014/main" id="{B0F1641E-8B95-C4E1-DBB4-536BF412C37F}"/>
+              </a:ext>
+            </a:extLst>
+          </p:cNvPr>
+          <p:cNvSpPr txBox="1"/>
+          <p:nvPr/>
+        </p:nvSpPr>
+        <p:spPr>
+          <a:xfrm>
+            <a:off x="4179130" y="2389731"/>
+            <a:ext cx="660654" cy="153888"/>
+          </a:xfrm>
+          <a:prstGeom prst="rect">
+            <a:avLst/>
+          </a:prstGeom>
+          <a:solidFill>
+            <a:schemeClr val="bg1"/>
+          </a:solidFill>
+        </p:spPr>
+        <p:txBody>
+          <a:bodyPr wrap="square" lIns="45720" tIns="0" rIns="45720" bIns="0" rtlCol="0">
+            <a:spAutoFit/>
+          </a:bodyPr>
+          <a:lstStyle/>
+          <a:p>
+            <a:r>
+              <a:rPr lang="en-US" sz="1000" i="1"/>
+              <a:t>defined-by</a:t>
+            </a:r>
+          </a:p>
+        </p:txBody>
+      </p:sp>
+      <p:cxnSp>
+        <p:nvCxnSpPr>
+          <p:cNvPr id="40" name="Straight Arrow Connector 39">
+            <a:extLst>
+              <a:ext uri="{FF2B5EF4-FFF2-40B4-BE49-F238E27FC236}">
+                <a16:creationId xmlns:a16="http://schemas.microsoft.com/office/drawing/2014/main" id="{081B2E2B-6B84-8956-852D-6A2FE9600CF4}"/>
+              </a:ext>
+            </a:extLst>
+          </p:cNvPr>
+          <p:cNvCxnSpPr>
+            <a:cxnSpLocks/>
+          </p:cNvCxnSpPr>
+          <p:nvPr/>
+        </p:nvCxnSpPr>
+        <p:spPr>
+          <a:xfrm>
+            <a:off x="3974556" y="3828927"/>
+            <a:ext cx="1033672" cy="0"/>
+          </a:xfrm>
+          <a:prstGeom prst="straightConnector1">
+            <a:avLst/>
+          </a:prstGeom>
+          <a:ln>
+            <a:solidFill>
+              <a:schemeClr val="tx1"/>
+            </a:solidFill>
+            <a:tailEnd type="triangle"/>
+          </a:ln>
+        </p:spPr>
+        <p:style>
+          <a:lnRef idx="1">
+            <a:schemeClr val="accent1"/>
+          </a:lnRef>
+          <a:fillRef idx="0">
+            <a:schemeClr val="accent1"/>
+          </a:fillRef>
+          <a:effectRef idx="0">
+            <a:schemeClr val="accent1"/>
+          </a:effectRef>
+          <a:fontRef idx="minor">
+            <a:schemeClr val="tx1"/>
+          </a:fontRef>
+        </p:style>
+      </p:cxnSp>
+      <p:sp>
+        <p:nvSpPr>
+          <p:cNvPr id="41" name="TextBox 40">
+            <a:extLst>
+              <a:ext uri="{FF2B5EF4-FFF2-40B4-BE49-F238E27FC236}">
+                <a16:creationId xmlns:a16="http://schemas.microsoft.com/office/drawing/2014/main" id="{7E0A62E5-23A6-EC4D-9C55-A3AC3715CB57}"/>
+              </a:ext>
+            </a:extLst>
+          </p:cNvPr>
+          <p:cNvSpPr txBox="1"/>
+          <p:nvPr/>
+        </p:nvSpPr>
+        <p:spPr>
+          <a:xfrm>
+            <a:off x="4159375" y="3670571"/>
+            <a:ext cx="660654" cy="153888"/>
+          </a:xfrm>
+          <a:prstGeom prst="rect">
+            <a:avLst/>
+          </a:prstGeom>
+          <a:solidFill>
+            <a:schemeClr val="bg1"/>
+          </a:solidFill>
+        </p:spPr>
+        <p:txBody>
+          <a:bodyPr wrap="square" lIns="45720" tIns="0" rIns="45720" bIns="0" rtlCol="0">
+            <a:spAutoFit/>
+          </a:bodyPr>
+          <a:lstStyle/>
+          <a:p>
+            <a:r>
+              <a:rPr lang="en-US" sz="1000" i="1"/>
+              <a:t>defined-by</a:t>
+            </a:r>
+          </a:p>
+        </p:txBody>
+      </p:sp>
     </p:spTree>
     <p:extLst>
       <p:ext uri="{BB962C8B-B14F-4D97-AF65-F5344CB8AC3E}">
@@ -29888,6 +30051,1416 @@
 </file>
 
 <file path=ppt/slides/slide6.xml><?xml version="1.0" encoding="utf-8"?>
+<p:sld xmlns:a="http://schemas.openxmlformats.org/drawingml/2006/main" xmlns:r="http://schemas.openxmlformats.org/officeDocument/2006/relationships" xmlns:p="http://schemas.openxmlformats.org/presentationml/2006/main">
+  <p:cSld>
+    <p:spTree>
+      <p:nvGrpSpPr>
+        <p:cNvPr id="1" name=""/>
+        <p:cNvGrpSpPr/>
+        <p:nvPr/>
+      </p:nvGrpSpPr>
+      <p:grpSpPr>
+        <a:xfrm>
+          <a:off x="0" y="0"/>
+          <a:ext cx="0" cy="0"/>
+          <a:chOff x="0" y="0"/>
+          <a:chExt cx="0" cy="0"/>
+        </a:xfrm>
+      </p:grpSpPr>
+      <p:sp>
+        <p:nvSpPr>
+          <p:cNvPr id="2" name="Rectangle 1">
+            <a:extLst>
+              <a:ext uri="{FF2B5EF4-FFF2-40B4-BE49-F238E27FC236}">
+                <a16:creationId xmlns:a16="http://schemas.microsoft.com/office/drawing/2014/main" id="{45326BE1-47DB-BBFB-377C-FCCAD4B443A7}"/>
+              </a:ext>
+            </a:extLst>
+          </p:cNvPr>
+          <p:cNvSpPr/>
+          <p:nvPr/>
+        </p:nvSpPr>
+        <p:spPr>
+          <a:xfrm>
+            <a:off x="196655" y="209706"/>
+            <a:ext cx="1555945" cy="484094"/>
+          </a:xfrm>
+          <a:prstGeom prst="rect">
+            <a:avLst/>
+          </a:prstGeom>
+          <a:solidFill>
+            <a:srgbClr val="FFFF00"/>
+          </a:solidFill>
+          <a:ln>
+            <a:solidFill>
+              <a:schemeClr val="tx1"/>
+            </a:solidFill>
+          </a:ln>
+        </p:spPr>
+        <p:style>
+          <a:lnRef idx="2">
+            <a:schemeClr val="accent1">
+              <a:shade val="15000"/>
+            </a:schemeClr>
+          </a:lnRef>
+          <a:fillRef idx="1">
+            <a:schemeClr val="accent1"/>
+          </a:fillRef>
+          <a:effectRef idx="0">
+            <a:schemeClr val="accent1"/>
+          </a:effectRef>
+          <a:fontRef idx="minor">
+            <a:schemeClr val="lt1"/>
+          </a:fontRef>
+        </p:style>
+        <p:txBody>
+          <a:bodyPr rtlCol="0" anchor="ctr"/>
+          <a:lstStyle/>
+          <a:p>
+            <a:pPr algn="ctr"/>
+            <a:r>
+              <a:rPr lang="en-US">
+                <a:solidFill>
+                  <a:schemeClr val="tx1"/>
+                </a:solidFill>
+              </a:rPr>
+              <a:t>meaning</a:t>
+            </a:r>
+          </a:p>
+        </p:txBody>
+      </p:sp>
+      <p:sp>
+        <p:nvSpPr>
+          <p:cNvPr id="5" name="Rectangle: Rounded Corners 4">
+            <a:extLst>
+              <a:ext uri="{FF2B5EF4-FFF2-40B4-BE49-F238E27FC236}">
+                <a16:creationId xmlns:a16="http://schemas.microsoft.com/office/drawing/2014/main" id="{BC129093-ACDF-563E-728C-602103BB2B09}"/>
+              </a:ext>
+            </a:extLst>
+          </p:cNvPr>
+          <p:cNvSpPr/>
+          <p:nvPr/>
+        </p:nvSpPr>
+        <p:spPr>
+          <a:xfrm>
+            <a:off x="2074419" y="3086998"/>
+            <a:ext cx="615456" cy="404603"/>
+          </a:xfrm>
+          <a:prstGeom prst="roundRect">
+            <a:avLst/>
+          </a:prstGeom>
+          <a:solidFill>
+            <a:srgbClr val="F6F256"/>
+          </a:solidFill>
+          <a:ln>
+            <a:solidFill>
+              <a:schemeClr val="tx1"/>
+            </a:solidFill>
+          </a:ln>
+        </p:spPr>
+        <p:style>
+          <a:lnRef idx="2">
+            <a:schemeClr val="accent1">
+              <a:shade val="50000"/>
+            </a:schemeClr>
+          </a:lnRef>
+          <a:fillRef idx="1">
+            <a:schemeClr val="accent1"/>
+          </a:fillRef>
+          <a:effectRef idx="0">
+            <a:schemeClr val="accent1"/>
+          </a:effectRef>
+          <a:fontRef idx="minor">
+            <a:schemeClr val="lt1"/>
+          </a:fontRef>
+        </p:style>
+        <p:txBody>
+          <a:bodyPr rtlCol="0" anchor="ctr"/>
+          <a:lstStyle>
+            <a:defPPr>
+              <a:defRPr lang="en-US"/>
+            </a:defPPr>
+            <a:lvl1pPr marL="0" algn="l" defTabSz="914400" rtl="0" eaLnBrk="1" latinLnBrk="0" hangingPunct="1">
+              <a:defRPr sz="1800" kern="1200">
+                <a:solidFill>
+                  <a:schemeClr val="lt1"/>
+                </a:solidFill>
+                <a:latin typeface="+mn-lt"/>
+                <a:ea typeface="+mn-ea"/>
+                <a:cs typeface="+mn-cs"/>
+              </a:defRPr>
+            </a:lvl1pPr>
+            <a:lvl2pPr marL="457200" algn="l" defTabSz="914400" rtl="0" eaLnBrk="1" latinLnBrk="0" hangingPunct="1">
+              <a:defRPr sz="1800" kern="1200">
+                <a:solidFill>
+                  <a:schemeClr val="lt1"/>
+                </a:solidFill>
+                <a:latin typeface="+mn-lt"/>
+                <a:ea typeface="+mn-ea"/>
+                <a:cs typeface="+mn-cs"/>
+              </a:defRPr>
+            </a:lvl2pPr>
+            <a:lvl3pPr marL="914400" algn="l" defTabSz="914400" rtl="0" eaLnBrk="1" latinLnBrk="0" hangingPunct="1">
+              <a:defRPr sz="1800" kern="1200">
+                <a:solidFill>
+                  <a:schemeClr val="lt1"/>
+                </a:solidFill>
+                <a:latin typeface="+mn-lt"/>
+                <a:ea typeface="+mn-ea"/>
+                <a:cs typeface="+mn-cs"/>
+              </a:defRPr>
+            </a:lvl3pPr>
+            <a:lvl4pPr marL="1371600" algn="l" defTabSz="914400" rtl="0" eaLnBrk="1" latinLnBrk="0" hangingPunct="1">
+              <a:defRPr sz="1800" kern="1200">
+                <a:solidFill>
+                  <a:schemeClr val="lt1"/>
+                </a:solidFill>
+                <a:latin typeface="+mn-lt"/>
+                <a:ea typeface="+mn-ea"/>
+                <a:cs typeface="+mn-cs"/>
+              </a:defRPr>
+            </a:lvl4pPr>
+            <a:lvl5pPr marL="1828800" algn="l" defTabSz="914400" rtl="0" eaLnBrk="1" latinLnBrk="0" hangingPunct="1">
+              <a:defRPr sz="1800" kern="1200">
+                <a:solidFill>
+                  <a:schemeClr val="lt1"/>
+                </a:solidFill>
+                <a:latin typeface="+mn-lt"/>
+                <a:ea typeface="+mn-ea"/>
+                <a:cs typeface="+mn-cs"/>
+              </a:defRPr>
+            </a:lvl5pPr>
+            <a:lvl6pPr marL="2286000" algn="l" defTabSz="914400" rtl="0" eaLnBrk="1" latinLnBrk="0" hangingPunct="1">
+              <a:defRPr sz="1800" kern="1200">
+                <a:solidFill>
+                  <a:schemeClr val="lt1"/>
+                </a:solidFill>
+                <a:latin typeface="+mn-lt"/>
+                <a:ea typeface="+mn-ea"/>
+                <a:cs typeface="+mn-cs"/>
+              </a:defRPr>
+            </a:lvl6pPr>
+            <a:lvl7pPr marL="2743200" algn="l" defTabSz="914400" rtl="0" eaLnBrk="1" latinLnBrk="0" hangingPunct="1">
+              <a:defRPr sz="1800" kern="1200">
+                <a:solidFill>
+                  <a:schemeClr val="lt1"/>
+                </a:solidFill>
+                <a:latin typeface="+mn-lt"/>
+                <a:ea typeface="+mn-ea"/>
+                <a:cs typeface="+mn-cs"/>
+              </a:defRPr>
+            </a:lvl7pPr>
+            <a:lvl8pPr marL="3200400" algn="l" defTabSz="914400" rtl="0" eaLnBrk="1" latinLnBrk="0" hangingPunct="1">
+              <a:defRPr sz="1800" kern="1200">
+                <a:solidFill>
+                  <a:schemeClr val="lt1"/>
+                </a:solidFill>
+                <a:latin typeface="+mn-lt"/>
+                <a:ea typeface="+mn-ea"/>
+                <a:cs typeface="+mn-cs"/>
+              </a:defRPr>
+            </a:lvl8pPr>
+            <a:lvl9pPr marL="3657600" algn="l" defTabSz="914400" rtl="0" eaLnBrk="1" latinLnBrk="0" hangingPunct="1">
+              <a:defRPr sz="1800" kern="1200">
+                <a:solidFill>
+                  <a:schemeClr val="lt1"/>
+                </a:solidFill>
+                <a:latin typeface="+mn-lt"/>
+                <a:ea typeface="+mn-ea"/>
+                <a:cs typeface="+mn-cs"/>
+              </a:defRPr>
+            </a:lvl9pPr>
+          </a:lstStyle>
+          <a:p>
+            <a:pPr algn="ctr">
+              <a:lnSpc>
+                <a:spcPts val="1000"/>
+              </a:lnSpc>
+            </a:pPr>
+            <a:r>
+              <a:rPr lang="en-US" sz="1000" i="1">
+                <a:solidFill>
+                  <a:schemeClr val="tx1"/>
+                </a:solidFill>
+              </a:rPr>
+              <a:t>_:n1</a:t>
+            </a:r>
+          </a:p>
+        </p:txBody>
+      </p:sp>
+      <p:sp>
+        <p:nvSpPr>
+          <p:cNvPr id="6" name="Rectangle: Rounded Corners 5">
+            <a:extLst>
+              <a:ext uri="{FF2B5EF4-FFF2-40B4-BE49-F238E27FC236}">
+                <a16:creationId xmlns:a16="http://schemas.microsoft.com/office/drawing/2014/main" id="{52635571-186F-02D2-4149-01AF1D2C0A45}"/>
+              </a:ext>
+            </a:extLst>
+          </p:cNvPr>
+          <p:cNvSpPr/>
+          <p:nvPr/>
+        </p:nvSpPr>
+        <p:spPr>
+          <a:xfrm>
+            <a:off x="1811095" y="1888673"/>
+            <a:ext cx="1141655" cy="405676"/>
+          </a:xfrm>
+          <a:prstGeom prst="roundRect">
+            <a:avLst/>
+          </a:prstGeom>
+          <a:solidFill>
+            <a:srgbClr val="D0B9FF"/>
+          </a:solidFill>
+          <a:ln>
+            <a:solidFill>
+              <a:schemeClr val="tx1"/>
+            </a:solidFill>
+          </a:ln>
+        </p:spPr>
+        <p:style>
+          <a:lnRef idx="2">
+            <a:schemeClr val="accent1">
+              <a:shade val="50000"/>
+            </a:schemeClr>
+          </a:lnRef>
+          <a:fillRef idx="1">
+            <a:schemeClr val="accent1"/>
+          </a:fillRef>
+          <a:effectRef idx="0">
+            <a:schemeClr val="accent1"/>
+          </a:effectRef>
+          <a:fontRef idx="minor">
+            <a:schemeClr val="lt1"/>
+          </a:fontRef>
+        </p:style>
+        <p:txBody>
+          <a:bodyPr rtlCol="0" anchor="ctr"/>
+          <a:lstStyle>
+            <a:defPPr>
+              <a:defRPr lang="en-US"/>
+            </a:defPPr>
+            <a:lvl1pPr marL="0" algn="l" defTabSz="914400" rtl="0" eaLnBrk="1" latinLnBrk="0" hangingPunct="1">
+              <a:defRPr sz="1800" kern="1200">
+                <a:solidFill>
+                  <a:schemeClr val="lt1"/>
+                </a:solidFill>
+                <a:latin typeface="+mn-lt"/>
+                <a:ea typeface="+mn-ea"/>
+                <a:cs typeface="+mn-cs"/>
+              </a:defRPr>
+            </a:lvl1pPr>
+            <a:lvl2pPr marL="457200" algn="l" defTabSz="914400" rtl="0" eaLnBrk="1" latinLnBrk="0" hangingPunct="1">
+              <a:defRPr sz="1800" kern="1200">
+                <a:solidFill>
+                  <a:schemeClr val="lt1"/>
+                </a:solidFill>
+                <a:latin typeface="+mn-lt"/>
+                <a:ea typeface="+mn-ea"/>
+                <a:cs typeface="+mn-cs"/>
+              </a:defRPr>
+            </a:lvl2pPr>
+            <a:lvl3pPr marL="914400" algn="l" defTabSz="914400" rtl="0" eaLnBrk="1" latinLnBrk="0" hangingPunct="1">
+              <a:defRPr sz="1800" kern="1200">
+                <a:solidFill>
+                  <a:schemeClr val="lt1"/>
+                </a:solidFill>
+                <a:latin typeface="+mn-lt"/>
+                <a:ea typeface="+mn-ea"/>
+                <a:cs typeface="+mn-cs"/>
+              </a:defRPr>
+            </a:lvl3pPr>
+            <a:lvl4pPr marL="1371600" algn="l" defTabSz="914400" rtl="0" eaLnBrk="1" latinLnBrk="0" hangingPunct="1">
+              <a:defRPr sz="1800" kern="1200">
+                <a:solidFill>
+                  <a:schemeClr val="lt1"/>
+                </a:solidFill>
+                <a:latin typeface="+mn-lt"/>
+                <a:ea typeface="+mn-ea"/>
+                <a:cs typeface="+mn-cs"/>
+              </a:defRPr>
+            </a:lvl4pPr>
+            <a:lvl5pPr marL="1828800" algn="l" defTabSz="914400" rtl="0" eaLnBrk="1" latinLnBrk="0" hangingPunct="1">
+              <a:defRPr sz="1800" kern="1200">
+                <a:solidFill>
+                  <a:schemeClr val="lt1"/>
+                </a:solidFill>
+                <a:latin typeface="+mn-lt"/>
+                <a:ea typeface="+mn-ea"/>
+                <a:cs typeface="+mn-cs"/>
+              </a:defRPr>
+            </a:lvl5pPr>
+            <a:lvl6pPr marL="2286000" algn="l" defTabSz="914400" rtl="0" eaLnBrk="1" latinLnBrk="0" hangingPunct="1">
+              <a:defRPr sz="1800" kern="1200">
+                <a:solidFill>
+                  <a:schemeClr val="lt1"/>
+                </a:solidFill>
+                <a:latin typeface="+mn-lt"/>
+                <a:ea typeface="+mn-ea"/>
+                <a:cs typeface="+mn-cs"/>
+              </a:defRPr>
+            </a:lvl6pPr>
+            <a:lvl7pPr marL="2743200" algn="l" defTabSz="914400" rtl="0" eaLnBrk="1" latinLnBrk="0" hangingPunct="1">
+              <a:defRPr sz="1800" kern="1200">
+                <a:solidFill>
+                  <a:schemeClr val="lt1"/>
+                </a:solidFill>
+                <a:latin typeface="+mn-lt"/>
+                <a:ea typeface="+mn-ea"/>
+                <a:cs typeface="+mn-cs"/>
+              </a:defRPr>
+            </a:lvl7pPr>
+            <a:lvl8pPr marL="3200400" algn="l" defTabSz="914400" rtl="0" eaLnBrk="1" latinLnBrk="0" hangingPunct="1">
+              <a:defRPr sz="1800" kern="1200">
+                <a:solidFill>
+                  <a:schemeClr val="lt1"/>
+                </a:solidFill>
+                <a:latin typeface="+mn-lt"/>
+                <a:ea typeface="+mn-ea"/>
+                <a:cs typeface="+mn-cs"/>
+              </a:defRPr>
+            </a:lvl8pPr>
+            <a:lvl9pPr marL="3657600" algn="l" defTabSz="914400" rtl="0" eaLnBrk="1" latinLnBrk="0" hangingPunct="1">
+              <a:defRPr sz="1800" kern="1200">
+                <a:solidFill>
+                  <a:schemeClr val="lt1"/>
+                </a:solidFill>
+                <a:latin typeface="+mn-lt"/>
+                <a:ea typeface="+mn-ea"/>
+                <a:cs typeface="+mn-cs"/>
+              </a:defRPr>
+            </a:lvl9pPr>
+          </a:lstStyle>
+          <a:p>
+            <a:pPr algn="ctr"/>
+            <a:r>
+              <a:rPr lang="en-US" sz="1000">
+                <a:solidFill>
+                  <a:schemeClr val="tx1"/>
+                </a:solidFill>
+              </a:rPr>
+              <a:t>msg:RequestType</a:t>
+            </a:r>
+          </a:p>
+        </p:txBody>
+      </p:sp>
+      <p:sp>
+        <p:nvSpPr>
+          <p:cNvPr id="7" name="Rectangle: Rounded Corners 6">
+            <a:extLst>
+              <a:ext uri="{FF2B5EF4-FFF2-40B4-BE49-F238E27FC236}">
+                <a16:creationId xmlns:a16="http://schemas.microsoft.com/office/drawing/2014/main" id="{BCED2203-DE0D-1846-0CE9-F4656ED976EC}"/>
+              </a:ext>
+            </a:extLst>
+          </p:cNvPr>
+          <p:cNvSpPr/>
+          <p:nvPr/>
+        </p:nvSpPr>
+        <p:spPr>
+          <a:xfrm>
+            <a:off x="3603103" y="1888673"/>
+            <a:ext cx="1141655" cy="405676"/>
+          </a:xfrm>
+          <a:prstGeom prst="roundRect">
+            <a:avLst/>
+          </a:prstGeom>
+          <a:solidFill>
+            <a:srgbClr val="D0B9FF"/>
+          </a:solidFill>
+          <a:ln>
+            <a:solidFill>
+              <a:schemeClr val="tx1"/>
+            </a:solidFill>
+          </a:ln>
+        </p:spPr>
+        <p:style>
+          <a:lnRef idx="2">
+            <a:schemeClr val="accent1">
+              <a:shade val="50000"/>
+            </a:schemeClr>
+          </a:lnRef>
+          <a:fillRef idx="1">
+            <a:schemeClr val="accent1"/>
+          </a:fillRef>
+          <a:effectRef idx="0">
+            <a:schemeClr val="accent1"/>
+          </a:effectRef>
+          <a:fontRef idx="minor">
+            <a:schemeClr val="lt1"/>
+          </a:fontRef>
+        </p:style>
+        <p:txBody>
+          <a:bodyPr rtlCol="0" anchor="ctr"/>
+          <a:lstStyle>
+            <a:defPPr>
+              <a:defRPr lang="en-US"/>
+            </a:defPPr>
+            <a:lvl1pPr marL="0" algn="l" defTabSz="914400" rtl="0" eaLnBrk="1" latinLnBrk="0" hangingPunct="1">
+              <a:defRPr sz="1800" kern="1200">
+                <a:solidFill>
+                  <a:schemeClr val="lt1"/>
+                </a:solidFill>
+                <a:latin typeface="+mn-lt"/>
+                <a:ea typeface="+mn-ea"/>
+                <a:cs typeface="+mn-cs"/>
+              </a:defRPr>
+            </a:lvl1pPr>
+            <a:lvl2pPr marL="457200" algn="l" defTabSz="914400" rtl="0" eaLnBrk="1" latinLnBrk="0" hangingPunct="1">
+              <a:defRPr sz="1800" kern="1200">
+                <a:solidFill>
+                  <a:schemeClr val="lt1"/>
+                </a:solidFill>
+                <a:latin typeface="+mn-lt"/>
+                <a:ea typeface="+mn-ea"/>
+                <a:cs typeface="+mn-cs"/>
+              </a:defRPr>
+            </a:lvl2pPr>
+            <a:lvl3pPr marL="914400" algn="l" defTabSz="914400" rtl="0" eaLnBrk="1" latinLnBrk="0" hangingPunct="1">
+              <a:defRPr sz="1800" kern="1200">
+                <a:solidFill>
+                  <a:schemeClr val="lt1"/>
+                </a:solidFill>
+                <a:latin typeface="+mn-lt"/>
+                <a:ea typeface="+mn-ea"/>
+                <a:cs typeface="+mn-cs"/>
+              </a:defRPr>
+            </a:lvl3pPr>
+            <a:lvl4pPr marL="1371600" algn="l" defTabSz="914400" rtl="0" eaLnBrk="1" latinLnBrk="0" hangingPunct="1">
+              <a:defRPr sz="1800" kern="1200">
+                <a:solidFill>
+                  <a:schemeClr val="lt1"/>
+                </a:solidFill>
+                <a:latin typeface="+mn-lt"/>
+                <a:ea typeface="+mn-ea"/>
+                <a:cs typeface="+mn-cs"/>
+              </a:defRPr>
+            </a:lvl4pPr>
+            <a:lvl5pPr marL="1828800" algn="l" defTabSz="914400" rtl="0" eaLnBrk="1" latinLnBrk="0" hangingPunct="1">
+              <a:defRPr sz="1800" kern="1200">
+                <a:solidFill>
+                  <a:schemeClr val="lt1"/>
+                </a:solidFill>
+                <a:latin typeface="+mn-lt"/>
+                <a:ea typeface="+mn-ea"/>
+                <a:cs typeface="+mn-cs"/>
+              </a:defRPr>
+            </a:lvl5pPr>
+            <a:lvl6pPr marL="2286000" algn="l" defTabSz="914400" rtl="0" eaLnBrk="1" latinLnBrk="0" hangingPunct="1">
+              <a:defRPr sz="1800" kern="1200">
+                <a:solidFill>
+                  <a:schemeClr val="lt1"/>
+                </a:solidFill>
+                <a:latin typeface="+mn-lt"/>
+                <a:ea typeface="+mn-ea"/>
+                <a:cs typeface="+mn-cs"/>
+              </a:defRPr>
+            </a:lvl6pPr>
+            <a:lvl7pPr marL="2743200" algn="l" defTabSz="914400" rtl="0" eaLnBrk="1" latinLnBrk="0" hangingPunct="1">
+              <a:defRPr sz="1800" kern="1200">
+                <a:solidFill>
+                  <a:schemeClr val="lt1"/>
+                </a:solidFill>
+                <a:latin typeface="+mn-lt"/>
+                <a:ea typeface="+mn-ea"/>
+                <a:cs typeface="+mn-cs"/>
+              </a:defRPr>
+            </a:lvl7pPr>
+            <a:lvl8pPr marL="3200400" algn="l" defTabSz="914400" rtl="0" eaLnBrk="1" latinLnBrk="0" hangingPunct="1">
+              <a:defRPr sz="1800" kern="1200">
+                <a:solidFill>
+                  <a:schemeClr val="lt1"/>
+                </a:solidFill>
+                <a:latin typeface="+mn-lt"/>
+                <a:ea typeface="+mn-ea"/>
+                <a:cs typeface="+mn-cs"/>
+              </a:defRPr>
+            </a:lvl8pPr>
+            <a:lvl9pPr marL="3657600" algn="l" defTabSz="914400" rtl="0" eaLnBrk="1" latinLnBrk="0" hangingPunct="1">
+              <a:defRPr sz="1800" kern="1200">
+                <a:solidFill>
+                  <a:schemeClr val="lt1"/>
+                </a:solidFill>
+                <a:latin typeface="+mn-lt"/>
+                <a:ea typeface="+mn-ea"/>
+                <a:cs typeface="+mn-cs"/>
+              </a:defRPr>
+            </a:lvl9pPr>
+          </a:lstStyle>
+          <a:p>
+            <a:pPr algn="ctr"/>
+            <a:r>
+              <a:rPr lang="en-US" sz="1000">
+                <a:solidFill>
+                  <a:schemeClr val="tx1"/>
+                </a:solidFill>
+              </a:rPr>
+              <a:t>nc:ItemType</a:t>
+            </a:r>
+          </a:p>
+        </p:txBody>
+      </p:sp>
+      <p:sp>
+        <p:nvSpPr>
+          <p:cNvPr id="8" name="Rectangle: Rounded Corners 7">
+            <a:extLst>
+              <a:ext uri="{FF2B5EF4-FFF2-40B4-BE49-F238E27FC236}">
+                <a16:creationId xmlns:a16="http://schemas.microsoft.com/office/drawing/2014/main" id="{5869883C-17DD-B042-572D-9DF483F87661}"/>
+              </a:ext>
+            </a:extLst>
+          </p:cNvPr>
+          <p:cNvSpPr/>
+          <p:nvPr/>
+        </p:nvSpPr>
+        <p:spPr>
+          <a:xfrm>
+            <a:off x="3865119" y="3086998"/>
+            <a:ext cx="615456" cy="404603"/>
+          </a:xfrm>
+          <a:prstGeom prst="roundRect">
+            <a:avLst/>
+          </a:prstGeom>
+          <a:solidFill>
+            <a:srgbClr val="F6F256"/>
+          </a:solidFill>
+          <a:ln>
+            <a:solidFill>
+              <a:schemeClr val="tx1"/>
+            </a:solidFill>
+          </a:ln>
+        </p:spPr>
+        <p:style>
+          <a:lnRef idx="2">
+            <a:schemeClr val="accent1">
+              <a:shade val="50000"/>
+            </a:schemeClr>
+          </a:lnRef>
+          <a:fillRef idx="1">
+            <a:schemeClr val="accent1"/>
+          </a:fillRef>
+          <a:effectRef idx="0">
+            <a:schemeClr val="accent1"/>
+          </a:effectRef>
+          <a:fontRef idx="minor">
+            <a:schemeClr val="lt1"/>
+          </a:fontRef>
+        </p:style>
+        <p:txBody>
+          <a:bodyPr rtlCol="0" anchor="ctr"/>
+          <a:lstStyle>
+            <a:defPPr>
+              <a:defRPr lang="en-US"/>
+            </a:defPPr>
+            <a:lvl1pPr marL="0" algn="l" defTabSz="914400" rtl="0" eaLnBrk="1" latinLnBrk="0" hangingPunct="1">
+              <a:defRPr sz="1800" kern="1200">
+                <a:solidFill>
+                  <a:schemeClr val="lt1"/>
+                </a:solidFill>
+                <a:latin typeface="+mn-lt"/>
+                <a:ea typeface="+mn-ea"/>
+                <a:cs typeface="+mn-cs"/>
+              </a:defRPr>
+            </a:lvl1pPr>
+            <a:lvl2pPr marL="457200" algn="l" defTabSz="914400" rtl="0" eaLnBrk="1" latinLnBrk="0" hangingPunct="1">
+              <a:defRPr sz="1800" kern="1200">
+                <a:solidFill>
+                  <a:schemeClr val="lt1"/>
+                </a:solidFill>
+                <a:latin typeface="+mn-lt"/>
+                <a:ea typeface="+mn-ea"/>
+                <a:cs typeface="+mn-cs"/>
+              </a:defRPr>
+            </a:lvl2pPr>
+            <a:lvl3pPr marL="914400" algn="l" defTabSz="914400" rtl="0" eaLnBrk="1" latinLnBrk="0" hangingPunct="1">
+              <a:defRPr sz="1800" kern="1200">
+                <a:solidFill>
+                  <a:schemeClr val="lt1"/>
+                </a:solidFill>
+                <a:latin typeface="+mn-lt"/>
+                <a:ea typeface="+mn-ea"/>
+                <a:cs typeface="+mn-cs"/>
+              </a:defRPr>
+            </a:lvl3pPr>
+            <a:lvl4pPr marL="1371600" algn="l" defTabSz="914400" rtl="0" eaLnBrk="1" latinLnBrk="0" hangingPunct="1">
+              <a:defRPr sz="1800" kern="1200">
+                <a:solidFill>
+                  <a:schemeClr val="lt1"/>
+                </a:solidFill>
+                <a:latin typeface="+mn-lt"/>
+                <a:ea typeface="+mn-ea"/>
+                <a:cs typeface="+mn-cs"/>
+              </a:defRPr>
+            </a:lvl4pPr>
+            <a:lvl5pPr marL="1828800" algn="l" defTabSz="914400" rtl="0" eaLnBrk="1" latinLnBrk="0" hangingPunct="1">
+              <a:defRPr sz="1800" kern="1200">
+                <a:solidFill>
+                  <a:schemeClr val="lt1"/>
+                </a:solidFill>
+                <a:latin typeface="+mn-lt"/>
+                <a:ea typeface="+mn-ea"/>
+                <a:cs typeface="+mn-cs"/>
+              </a:defRPr>
+            </a:lvl5pPr>
+            <a:lvl6pPr marL="2286000" algn="l" defTabSz="914400" rtl="0" eaLnBrk="1" latinLnBrk="0" hangingPunct="1">
+              <a:defRPr sz="1800" kern="1200">
+                <a:solidFill>
+                  <a:schemeClr val="lt1"/>
+                </a:solidFill>
+                <a:latin typeface="+mn-lt"/>
+                <a:ea typeface="+mn-ea"/>
+                <a:cs typeface="+mn-cs"/>
+              </a:defRPr>
+            </a:lvl6pPr>
+            <a:lvl7pPr marL="2743200" algn="l" defTabSz="914400" rtl="0" eaLnBrk="1" latinLnBrk="0" hangingPunct="1">
+              <a:defRPr sz="1800" kern="1200">
+                <a:solidFill>
+                  <a:schemeClr val="lt1"/>
+                </a:solidFill>
+                <a:latin typeface="+mn-lt"/>
+                <a:ea typeface="+mn-ea"/>
+                <a:cs typeface="+mn-cs"/>
+              </a:defRPr>
+            </a:lvl7pPr>
+            <a:lvl8pPr marL="3200400" algn="l" defTabSz="914400" rtl="0" eaLnBrk="1" latinLnBrk="0" hangingPunct="1">
+              <a:defRPr sz="1800" kern="1200">
+                <a:solidFill>
+                  <a:schemeClr val="lt1"/>
+                </a:solidFill>
+                <a:latin typeface="+mn-lt"/>
+                <a:ea typeface="+mn-ea"/>
+                <a:cs typeface="+mn-cs"/>
+              </a:defRPr>
+            </a:lvl8pPr>
+            <a:lvl9pPr marL="3657600" algn="l" defTabSz="914400" rtl="0" eaLnBrk="1" latinLnBrk="0" hangingPunct="1">
+              <a:defRPr sz="1800" kern="1200">
+                <a:solidFill>
+                  <a:schemeClr val="lt1"/>
+                </a:solidFill>
+                <a:latin typeface="+mn-lt"/>
+                <a:ea typeface="+mn-ea"/>
+                <a:cs typeface="+mn-cs"/>
+              </a:defRPr>
+            </a:lvl9pPr>
+          </a:lstStyle>
+          <a:p>
+            <a:pPr algn="ctr">
+              <a:lnSpc>
+                <a:spcPts val="1000"/>
+              </a:lnSpc>
+            </a:pPr>
+            <a:r>
+              <a:rPr lang="en-US" sz="1000" i="1">
+                <a:solidFill>
+                  <a:schemeClr val="tx1"/>
+                </a:solidFill>
+              </a:rPr>
+              <a:t>_:n2</a:t>
+            </a:r>
+          </a:p>
+        </p:txBody>
+      </p:sp>
+      <p:sp>
+        <p:nvSpPr>
+          <p:cNvPr id="9" name="TextBox 8">
+            <a:extLst>
+              <a:ext uri="{FF2B5EF4-FFF2-40B4-BE49-F238E27FC236}">
+                <a16:creationId xmlns:a16="http://schemas.microsoft.com/office/drawing/2014/main" id="{82D83FE2-CBED-2914-79D0-0D4BBCFCCA57}"/>
+              </a:ext>
+            </a:extLst>
+          </p:cNvPr>
+          <p:cNvSpPr txBox="1"/>
+          <p:nvPr/>
+        </p:nvSpPr>
+        <p:spPr>
+          <a:xfrm>
+            <a:off x="2722252" y="3075052"/>
+            <a:ext cx="1121461" cy="246221"/>
+          </a:xfrm>
+          <a:prstGeom prst="rect">
+            <a:avLst/>
+          </a:prstGeom>
+          <a:noFill/>
+        </p:spPr>
+        <p:txBody>
+          <a:bodyPr wrap="none" lIns="45720" rIns="45720" rtlCol="0">
+            <a:spAutoFit/>
+          </a:bodyPr>
+          <a:lstStyle/>
+          <a:p>
+            <a:r>
+              <a:rPr lang="en-US" sz="1000" i="1"/>
+              <a:t>msg:RequestedItem</a:t>
+            </a:r>
+          </a:p>
+        </p:txBody>
+      </p:sp>
+      <p:cxnSp>
+        <p:nvCxnSpPr>
+          <p:cNvPr id="11" name="Straight Arrow Connector 10">
+            <a:extLst>
+              <a:ext uri="{FF2B5EF4-FFF2-40B4-BE49-F238E27FC236}">
+                <a16:creationId xmlns:a16="http://schemas.microsoft.com/office/drawing/2014/main" id="{1E291DC5-24C4-5728-2510-BAF5B1A6F81B}"/>
+              </a:ext>
+            </a:extLst>
+          </p:cNvPr>
+          <p:cNvCxnSpPr>
+            <a:cxnSpLocks/>
+            <a:endCxn id="8" idx="1"/>
+          </p:cNvCxnSpPr>
+          <p:nvPr/>
+        </p:nvCxnSpPr>
+        <p:spPr>
+          <a:xfrm>
+            <a:off x="2708271" y="3289300"/>
+            <a:ext cx="1156848" cy="0"/>
+          </a:xfrm>
+          <a:prstGeom prst="straightConnector1">
+            <a:avLst/>
+          </a:prstGeom>
+          <a:ln>
+            <a:solidFill>
+              <a:schemeClr val="tx1"/>
+            </a:solidFill>
+            <a:tailEnd type="triangle"/>
+          </a:ln>
+        </p:spPr>
+        <p:style>
+          <a:lnRef idx="1">
+            <a:schemeClr val="accent1"/>
+          </a:lnRef>
+          <a:fillRef idx="0">
+            <a:schemeClr val="accent1"/>
+          </a:fillRef>
+          <a:effectRef idx="0">
+            <a:schemeClr val="accent1"/>
+          </a:effectRef>
+          <a:fontRef idx="minor">
+            <a:schemeClr val="tx1"/>
+          </a:fontRef>
+        </p:style>
+      </p:cxnSp>
+      <p:sp>
+        <p:nvSpPr>
+          <p:cNvPr id="13" name="Rectangle 12">
+            <a:extLst>
+              <a:ext uri="{FF2B5EF4-FFF2-40B4-BE49-F238E27FC236}">
+                <a16:creationId xmlns:a16="http://schemas.microsoft.com/office/drawing/2014/main" id="{56783E9F-D615-27A8-EE21-037F448C6358}"/>
+              </a:ext>
+            </a:extLst>
+          </p:cNvPr>
+          <p:cNvSpPr/>
+          <p:nvPr/>
+        </p:nvSpPr>
+        <p:spPr>
+          <a:xfrm>
+            <a:off x="5665684" y="3102969"/>
+            <a:ext cx="615456" cy="389109"/>
+          </a:xfrm>
+          <a:prstGeom prst="rect">
+            <a:avLst/>
+          </a:prstGeom>
+          <a:solidFill>
+            <a:srgbClr val="F6F256"/>
+          </a:solidFill>
+          <a:ln>
+            <a:solidFill>
+              <a:schemeClr val="tx1"/>
+            </a:solidFill>
+          </a:ln>
+        </p:spPr>
+        <p:style>
+          <a:lnRef idx="2">
+            <a:schemeClr val="accent1">
+              <a:shade val="50000"/>
+            </a:schemeClr>
+          </a:lnRef>
+          <a:fillRef idx="1">
+            <a:schemeClr val="accent1"/>
+          </a:fillRef>
+          <a:effectRef idx="0">
+            <a:schemeClr val="accent1"/>
+          </a:effectRef>
+          <a:fontRef idx="minor">
+            <a:schemeClr val="lt1"/>
+          </a:fontRef>
+        </p:style>
+        <p:txBody>
+          <a:bodyPr rtlCol="0" anchor="ctr"/>
+          <a:lstStyle/>
+          <a:p>
+            <a:pPr algn="ctr"/>
+            <a:r>
+              <a:rPr lang="en-US" sz="1000">
+                <a:solidFill>
+                  <a:schemeClr val="tx1"/>
+                </a:solidFill>
+                <a:latin typeface="Consolas" panose="020B0609020204030204" pitchFamily="49" charset="0"/>
+              </a:rPr>
+              <a:t>Wrench</a:t>
+            </a:r>
+          </a:p>
+        </p:txBody>
+      </p:sp>
+      <p:sp>
+        <p:nvSpPr>
+          <p:cNvPr id="14" name="Rectangle 13">
+            <a:extLst>
+              <a:ext uri="{FF2B5EF4-FFF2-40B4-BE49-F238E27FC236}">
+                <a16:creationId xmlns:a16="http://schemas.microsoft.com/office/drawing/2014/main" id="{DA43E6B1-8A8E-19C2-4C35-C605ADDD6632}"/>
+              </a:ext>
+            </a:extLst>
+          </p:cNvPr>
+          <p:cNvSpPr/>
+          <p:nvPr/>
+        </p:nvSpPr>
+        <p:spPr>
+          <a:xfrm>
+            <a:off x="3847153" y="3810898"/>
+            <a:ext cx="615456" cy="389109"/>
+          </a:xfrm>
+          <a:prstGeom prst="rect">
+            <a:avLst/>
+          </a:prstGeom>
+          <a:solidFill>
+            <a:srgbClr val="F6F256"/>
+          </a:solidFill>
+          <a:ln>
+            <a:solidFill>
+              <a:schemeClr val="tx1"/>
+            </a:solidFill>
+          </a:ln>
+        </p:spPr>
+        <p:style>
+          <a:lnRef idx="2">
+            <a:schemeClr val="accent1">
+              <a:shade val="50000"/>
+            </a:schemeClr>
+          </a:lnRef>
+          <a:fillRef idx="1">
+            <a:schemeClr val="accent1"/>
+          </a:fillRef>
+          <a:effectRef idx="0">
+            <a:schemeClr val="accent1"/>
+          </a:effectRef>
+          <a:fontRef idx="minor">
+            <a:schemeClr val="lt1"/>
+          </a:fontRef>
+        </p:style>
+        <p:txBody>
+          <a:bodyPr rtlCol="0" anchor="ctr"/>
+          <a:lstStyle/>
+          <a:p>
+            <a:pPr algn="ctr"/>
+            <a:r>
+              <a:rPr lang="en-US" sz="1000">
+                <a:solidFill>
+                  <a:schemeClr val="tx1"/>
+                </a:solidFill>
+                <a:latin typeface="Consolas" panose="020B0609020204030204" pitchFamily="49" charset="0"/>
+              </a:rPr>
+              <a:t>RQ001</a:t>
+            </a:r>
+          </a:p>
+        </p:txBody>
+      </p:sp>
+      <p:sp>
+        <p:nvSpPr>
+          <p:cNvPr id="15" name="Rectangle 14">
+            <a:extLst>
+              <a:ext uri="{FF2B5EF4-FFF2-40B4-BE49-F238E27FC236}">
+                <a16:creationId xmlns:a16="http://schemas.microsoft.com/office/drawing/2014/main" id="{3665BC90-44C5-2C71-8E3C-6018C5CF1C8E}"/>
+              </a:ext>
+            </a:extLst>
+          </p:cNvPr>
+          <p:cNvSpPr/>
+          <p:nvPr/>
+        </p:nvSpPr>
+        <p:spPr>
+          <a:xfrm>
+            <a:off x="5665684" y="3799595"/>
+            <a:ext cx="615456" cy="389109"/>
+          </a:xfrm>
+          <a:prstGeom prst="rect">
+            <a:avLst/>
+          </a:prstGeom>
+          <a:solidFill>
+            <a:srgbClr val="F6F256"/>
+          </a:solidFill>
+          <a:ln>
+            <a:solidFill>
+              <a:schemeClr val="tx1"/>
+            </a:solidFill>
+          </a:ln>
+        </p:spPr>
+        <p:style>
+          <a:lnRef idx="2">
+            <a:schemeClr val="accent1">
+              <a:shade val="50000"/>
+            </a:schemeClr>
+          </a:lnRef>
+          <a:fillRef idx="1">
+            <a:schemeClr val="accent1"/>
+          </a:fillRef>
+          <a:effectRef idx="0">
+            <a:schemeClr val="accent1"/>
+          </a:effectRef>
+          <a:fontRef idx="minor">
+            <a:schemeClr val="lt1"/>
+          </a:fontRef>
+        </p:style>
+        <p:txBody>
+          <a:bodyPr rtlCol="0" anchor="ctr"/>
+          <a:lstStyle/>
+          <a:p>
+            <a:pPr algn="ctr"/>
+            <a:r>
+              <a:rPr lang="en-US" sz="1000">
+                <a:solidFill>
+                  <a:schemeClr val="tx1"/>
+                </a:solidFill>
+                <a:latin typeface="Consolas" panose="020B0609020204030204" pitchFamily="49" charset="0"/>
+              </a:rPr>
+              <a:t>10</a:t>
+            </a:r>
+          </a:p>
+        </p:txBody>
+      </p:sp>
+      <p:cxnSp>
+        <p:nvCxnSpPr>
+          <p:cNvPr id="17" name="Straight Arrow Connector 16">
+            <a:extLst>
+              <a:ext uri="{FF2B5EF4-FFF2-40B4-BE49-F238E27FC236}">
+                <a16:creationId xmlns:a16="http://schemas.microsoft.com/office/drawing/2014/main" id="{0D2FEBFF-A2C8-C76F-B589-F6F29D6037D1}"/>
+              </a:ext>
+            </a:extLst>
+          </p:cNvPr>
+          <p:cNvCxnSpPr>
+            <a:cxnSpLocks/>
+          </p:cNvCxnSpPr>
+          <p:nvPr/>
+        </p:nvCxnSpPr>
+        <p:spPr>
+          <a:xfrm>
+            <a:off x="4461300" y="3287902"/>
+            <a:ext cx="1204384" cy="9622"/>
+          </a:xfrm>
+          <a:prstGeom prst="straightConnector1">
+            <a:avLst/>
+          </a:prstGeom>
+          <a:ln>
+            <a:solidFill>
+              <a:schemeClr val="tx1"/>
+            </a:solidFill>
+            <a:tailEnd type="triangle"/>
+          </a:ln>
+        </p:spPr>
+        <p:style>
+          <a:lnRef idx="1">
+            <a:schemeClr val="accent1"/>
+          </a:lnRef>
+          <a:fillRef idx="0">
+            <a:schemeClr val="accent1"/>
+          </a:fillRef>
+          <a:effectRef idx="0">
+            <a:schemeClr val="accent1"/>
+          </a:effectRef>
+          <a:fontRef idx="minor">
+            <a:schemeClr val="tx1"/>
+          </a:fontRef>
+        </p:style>
+      </p:cxnSp>
+      <p:sp>
+        <p:nvSpPr>
+          <p:cNvPr id="18" name="TextBox 17">
+            <a:extLst>
+              <a:ext uri="{FF2B5EF4-FFF2-40B4-BE49-F238E27FC236}">
+                <a16:creationId xmlns:a16="http://schemas.microsoft.com/office/drawing/2014/main" id="{1F3B606A-A727-B4A0-F34F-98EC0470782A}"/>
+              </a:ext>
+            </a:extLst>
+          </p:cNvPr>
+          <p:cNvSpPr txBox="1"/>
+          <p:nvPr/>
+        </p:nvSpPr>
+        <p:spPr>
+          <a:xfrm>
+            <a:off x="4625608" y="3075052"/>
+            <a:ext cx="885179" cy="246221"/>
+          </a:xfrm>
+          <a:prstGeom prst="rect">
+            <a:avLst/>
+          </a:prstGeom>
+          <a:noFill/>
+        </p:spPr>
+        <p:txBody>
+          <a:bodyPr wrap="none" rtlCol="0">
+            <a:spAutoFit/>
+          </a:bodyPr>
+          <a:lstStyle/>
+          <a:p>
+            <a:r>
+              <a:rPr lang="en-US" sz="1000" i="1"/>
+              <a:t>nc:ItemName</a:t>
+            </a:r>
+          </a:p>
+        </p:txBody>
+      </p:sp>
+      <p:sp>
+        <p:nvSpPr>
+          <p:cNvPr id="25" name="Arc 24">
+            <a:extLst>
+              <a:ext uri="{FF2B5EF4-FFF2-40B4-BE49-F238E27FC236}">
+                <a16:creationId xmlns:a16="http://schemas.microsoft.com/office/drawing/2014/main" id="{B0321AAD-94F7-D86C-39C8-040B82BDF3F3}"/>
+              </a:ext>
+            </a:extLst>
+          </p:cNvPr>
+          <p:cNvSpPr/>
+          <p:nvPr/>
+        </p:nvSpPr>
+        <p:spPr>
+          <a:xfrm flipH="1">
+            <a:off x="2354902" y="2832100"/>
+            <a:ext cx="2794947" cy="1136650"/>
+          </a:xfrm>
+          <a:prstGeom prst="arc">
+            <a:avLst>
+              <a:gd name="adj1" fmla="val 326439"/>
+              <a:gd name="adj2" fmla="val 5890037"/>
+            </a:avLst>
+          </a:prstGeom>
+          <a:ln>
+            <a:solidFill>
+              <a:schemeClr val="tx1"/>
+            </a:solidFill>
+            <a:tailEnd type="triangle"/>
+          </a:ln>
+        </p:spPr>
+        <p:style>
+          <a:lnRef idx="1">
+            <a:schemeClr val="accent1"/>
+          </a:lnRef>
+          <a:fillRef idx="0">
+            <a:schemeClr val="accent1"/>
+          </a:fillRef>
+          <a:effectRef idx="0">
+            <a:schemeClr val="accent1"/>
+          </a:effectRef>
+          <a:fontRef idx="minor">
+            <a:schemeClr val="tx1"/>
+          </a:fontRef>
+        </p:style>
+        <p:txBody>
+          <a:bodyPr rtlCol="0" anchor="ctr"/>
+          <a:lstStyle/>
+          <a:p>
+            <a:pPr algn="ctr"/>
+            <a:endParaRPr lang="en-US"/>
+          </a:p>
+        </p:txBody>
+      </p:sp>
+      <p:sp>
+        <p:nvSpPr>
+          <p:cNvPr id="27" name="Arc 26">
+            <a:extLst>
+              <a:ext uri="{FF2B5EF4-FFF2-40B4-BE49-F238E27FC236}">
+                <a16:creationId xmlns:a16="http://schemas.microsoft.com/office/drawing/2014/main" id="{5829B7D9-7DCC-CD83-64E9-6B359DAF3CFC}"/>
+              </a:ext>
+            </a:extLst>
+          </p:cNvPr>
+          <p:cNvSpPr/>
+          <p:nvPr/>
+        </p:nvSpPr>
+        <p:spPr>
+          <a:xfrm flipH="1">
+            <a:off x="4183481" y="2851150"/>
+            <a:ext cx="2794947" cy="1136650"/>
+          </a:xfrm>
+          <a:prstGeom prst="arc">
+            <a:avLst>
+              <a:gd name="adj1" fmla="val 326439"/>
+              <a:gd name="adj2" fmla="val 5890037"/>
+            </a:avLst>
+          </a:prstGeom>
+          <a:ln>
+            <a:solidFill>
+              <a:schemeClr val="tx1"/>
+            </a:solidFill>
+            <a:tailEnd type="triangle"/>
+          </a:ln>
+        </p:spPr>
+        <p:style>
+          <a:lnRef idx="1">
+            <a:schemeClr val="accent1"/>
+          </a:lnRef>
+          <a:fillRef idx="0">
+            <a:schemeClr val="accent1"/>
+          </a:fillRef>
+          <a:effectRef idx="0">
+            <a:schemeClr val="accent1"/>
+          </a:effectRef>
+          <a:fontRef idx="minor">
+            <a:schemeClr val="tx1"/>
+          </a:fontRef>
+        </p:style>
+        <p:txBody>
+          <a:bodyPr rtlCol="0" anchor="ctr"/>
+          <a:lstStyle/>
+          <a:p>
+            <a:pPr algn="ctr"/>
+            <a:endParaRPr lang="en-US"/>
+          </a:p>
+        </p:txBody>
+      </p:sp>
+      <p:sp>
+        <p:nvSpPr>
+          <p:cNvPr id="28" name="TextBox 27">
+            <a:extLst>
+              <a:ext uri="{FF2B5EF4-FFF2-40B4-BE49-F238E27FC236}">
+                <a16:creationId xmlns:a16="http://schemas.microsoft.com/office/drawing/2014/main" id="{758A03CB-F9B9-D488-0972-4C34F6DC77C2}"/>
+              </a:ext>
+            </a:extLst>
+          </p:cNvPr>
+          <p:cNvSpPr txBox="1"/>
+          <p:nvPr/>
+        </p:nvSpPr>
+        <p:spPr>
+          <a:xfrm>
+            <a:off x="4645806" y="3738077"/>
+            <a:ext cx="844783" cy="153888"/>
+          </a:xfrm>
+          <a:prstGeom prst="rect">
+            <a:avLst/>
+          </a:prstGeom>
+          <a:solidFill>
+            <a:schemeClr val="bg1"/>
+          </a:solidFill>
+        </p:spPr>
+        <p:txBody>
+          <a:bodyPr wrap="none" lIns="0" tIns="0" rIns="0" bIns="0" rtlCol="0">
+            <a:spAutoFit/>
+          </a:bodyPr>
+          <a:lstStyle/>
+          <a:p>
+            <a:r>
+              <a:rPr lang="en-US" sz="1000" i="1"/>
+              <a:t>nc:ItemQuantity</a:t>
+            </a:r>
+          </a:p>
+        </p:txBody>
+      </p:sp>
+      <p:sp>
+        <p:nvSpPr>
+          <p:cNvPr id="29" name="TextBox 28">
+            <a:extLst>
+              <a:ext uri="{FF2B5EF4-FFF2-40B4-BE49-F238E27FC236}">
+                <a16:creationId xmlns:a16="http://schemas.microsoft.com/office/drawing/2014/main" id="{FB0D4BAA-FC56-CF69-1004-BCD24A01AC45}"/>
+              </a:ext>
+            </a:extLst>
+          </p:cNvPr>
+          <p:cNvSpPr txBox="1"/>
+          <p:nvPr/>
+        </p:nvSpPr>
+        <p:spPr>
+          <a:xfrm>
+            <a:off x="2895056" y="3733954"/>
+            <a:ext cx="775853" cy="153888"/>
+          </a:xfrm>
+          <a:prstGeom prst="rect">
+            <a:avLst/>
+          </a:prstGeom>
+          <a:solidFill>
+            <a:schemeClr val="bg1"/>
+          </a:solidFill>
+        </p:spPr>
+        <p:txBody>
+          <a:bodyPr wrap="none" lIns="0" tIns="0" rIns="0" bIns="0" rtlCol="0">
+            <a:spAutoFit/>
+          </a:bodyPr>
+          <a:lstStyle/>
+          <a:p>
+            <a:r>
+              <a:rPr lang="en-US" sz="1000" i="1"/>
+              <a:t>msg:RequestID</a:t>
+            </a:r>
+          </a:p>
+        </p:txBody>
+      </p:sp>
+      <p:cxnSp>
+        <p:nvCxnSpPr>
+          <p:cNvPr id="32" name="Straight Arrow Connector 31">
+            <a:extLst>
+              <a:ext uri="{FF2B5EF4-FFF2-40B4-BE49-F238E27FC236}">
+                <a16:creationId xmlns:a16="http://schemas.microsoft.com/office/drawing/2014/main" id="{35272B3B-894C-F8E6-84A4-30F0B5967D0B}"/>
+              </a:ext>
+            </a:extLst>
+          </p:cNvPr>
+          <p:cNvCxnSpPr>
+            <a:cxnSpLocks/>
+            <a:stCxn id="5" idx="0"/>
+            <a:endCxn id="6" idx="2"/>
+          </p:cNvCxnSpPr>
+          <p:nvPr/>
+        </p:nvCxnSpPr>
+        <p:spPr>
+          <a:xfrm flipH="1" flipV="1">
+            <a:off x="2381923" y="2294349"/>
+            <a:ext cx="224" cy="792649"/>
+          </a:xfrm>
+          <a:prstGeom prst="straightConnector1">
+            <a:avLst/>
+          </a:prstGeom>
+          <a:ln>
+            <a:solidFill>
+              <a:schemeClr val="tx1"/>
+            </a:solidFill>
+            <a:tailEnd type="triangle"/>
+          </a:ln>
+        </p:spPr>
+        <p:style>
+          <a:lnRef idx="1">
+            <a:schemeClr val="accent1"/>
+          </a:lnRef>
+          <a:fillRef idx="0">
+            <a:schemeClr val="accent1"/>
+          </a:fillRef>
+          <a:effectRef idx="0">
+            <a:schemeClr val="accent1"/>
+          </a:effectRef>
+          <a:fontRef idx="minor">
+            <a:schemeClr val="tx1"/>
+          </a:fontRef>
+        </p:style>
+      </p:cxnSp>
+      <p:cxnSp>
+        <p:nvCxnSpPr>
+          <p:cNvPr id="34" name="Straight Arrow Connector 33">
+            <a:extLst>
+              <a:ext uri="{FF2B5EF4-FFF2-40B4-BE49-F238E27FC236}">
+                <a16:creationId xmlns:a16="http://schemas.microsoft.com/office/drawing/2014/main" id="{F993EB14-00A7-B7EF-A0CE-1342FE506A83}"/>
+              </a:ext>
+            </a:extLst>
+          </p:cNvPr>
+          <p:cNvCxnSpPr>
+            <a:cxnSpLocks/>
+            <a:stCxn id="8" idx="0"/>
+            <a:endCxn id="7" idx="2"/>
+          </p:cNvCxnSpPr>
+          <p:nvPr/>
+        </p:nvCxnSpPr>
+        <p:spPr>
+          <a:xfrm flipV="1">
+            <a:off x="4172847" y="2294349"/>
+            <a:ext cx="1084" cy="792649"/>
+          </a:xfrm>
+          <a:prstGeom prst="straightConnector1">
+            <a:avLst/>
+          </a:prstGeom>
+          <a:ln>
+            <a:solidFill>
+              <a:schemeClr val="tx1"/>
+            </a:solidFill>
+            <a:tailEnd type="triangle"/>
+          </a:ln>
+        </p:spPr>
+        <p:style>
+          <a:lnRef idx="1">
+            <a:schemeClr val="accent1"/>
+          </a:lnRef>
+          <a:fillRef idx="0">
+            <a:schemeClr val="accent1"/>
+          </a:fillRef>
+          <a:effectRef idx="0">
+            <a:schemeClr val="accent1"/>
+          </a:effectRef>
+          <a:fontRef idx="minor">
+            <a:schemeClr val="tx1"/>
+          </a:fontRef>
+        </p:style>
+      </p:cxnSp>
+      <p:sp>
+        <p:nvSpPr>
+          <p:cNvPr id="38" name="TextBox 37">
+            <a:extLst>
+              <a:ext uri="{FF2B5EF4-FFF2-40B4-BE49-F238E27FC236}">
+                <a16:creationId xmlns:a16="http://schemas.microsoft.com/office/drawing/2014/main" id="{21D97E23-81C9-8985-EC1D-57C1E125FE3E}"/>
+              </a:ext>
+            </a:extLst>
+          </p:cNvPr>
+          <p:cNvSpPr txBox="1"/>
+          <p:nvPr/>
+        </p:nvSpPr>
+        <p:spPr>
+          <a:xfrm>
+            <a:off x="3969547" y="2611325"/>
+            <a:ext cx="408766" cy="153888"/>
+          </a:xfrm>
+          <a:prstGeom prst="rect">
+            <a:avLst/>
+          </a:prstGeom>
+          <a:solidFill>
+            <a:schemeClr val="bg1"/>
+          </a:solidFill>
+        </p:spPr>
+        <p:txBody>
+          <a:bodyPr wrap="none" lIns="0" tIns="0" rIns="0" bIns="0" rtlCol="0">
+            <a:spAutoFit/>
+          </a:bodyPr>
+          <a:lstStyle/>
+          <a:p>
+            <a:r>
+              <a:rPr lang="en-US" sz="1000" i="1"/>
+              <a:t>rdf:type</a:t>
+            </a:r>
+          </a:p>
+        </p:txBody>
+      </p:sp>
+      <p:sp>
+        <p:nvSpPr>
+          <p:cNvPr id="39" name="TextBox 38">
+            <a:extLst>
+              <a:ext uri="{FF2B5EF4-FFF2-40B4-BE49-F238E27FC236}">
+                <a16:creationId xmlns:a16="http://schemas.microsoft.com/office/drawing/2014/main" id="{90B3A32A-E05F-ACF4-8DD1-F7B90205429F}"/>
+              </a:ext>
+            </a:extLst>
+          </p:cNvPr>
+          <p:cNvSpPr txBox="1"/>
+          <p:nvPr/>
+        </p:nvSpPr>
+        <p:spPr>
+          <a:xfrm>
+            <a:off x="2177539" y="2611325"/>
+            <a:ext cx="408766" cy="153888"/>
+          </a:xfrm>
+          <a:prstGeom prst="rect">
+            <a:avLst/>
+          </a:prstGeom>
+          <a:solidFill>
+            <a:schemeClr val="bg1"/>
+          </a:solidFill>
+        </p:spPr>
+        <p:txBody>
+          <a:bodyPr wrap="none" lIns="0" tIns="0" rIns="0" bIns="0" rtlCol="0">
+            <a:spAutoFit/>
+          </a:bodyPr>
+          <a:lstStyle/>
+          <a:p>
+            <a:r>
+              <a:rPr lang="en-US" sz="1000" i="1"/>
+              <a:t>rdf:type</a:t>
+            </a:r>
+          </a:p>
+        </p:txBody>
+      </p:sp>
+    </p:spTree>
+    <p:extLst>
+      <p:ext uri="{BB962C8B-B14F-4D97-AF65-F5344CB8AC3E}">
+        <p14:creationId xmlns:p14="http://schemas.microsoft.com/office/powerpoint/2010/main" val="2947545472"/>
+      </p:ext>
+    </p:extLst>
+  </p:cSld>
+  <p:clrMapOvr>
+    <a:masterClrMapping/>
+  </p:clrMapOvr>
+</p:sld>
+</file>
+
+<file path=ppt/slides/slide7.xml><?xml version="1.0" encoding="utf-8"?>
 <p:sld xmlns:a="http://schemas.openxmlformats.org/drawingml/2006/main" xmlns:r="http://schemas.openxmlformats.org/officeDocument/2006/relationships" xmlns:p="http://schemas.openxmlformats.org/presentationml/2006/main">
   <p:cSld>
     <p:spTree>
@@ -29927,7 +31500,7 @@
           <a:p>
             <a:fld id="{BECF63ED-5365-0347-943C-46237B9951C9}" type="slidenum">
               <a:rPr lang="en-US" sz="1000" smtClean="0"/>
-              <a:t>6</a:t>
+              <a:t>7</a:t>
             </a:fld>
             <a:endParaRPr lang="en-US" sz="1000"/>
           </a:p>

--- a/pptx/figures.pptx
+++ b/pptx/figures.pptx
@@ -12,6 +12,7 @@
     <p:sldId id="277" r:id="rId6"/>
     <p:sldId id="280" r:id="rId7"/>
     <p:sldId id="278" r:id="rId8"/>
+    <p:sldId id="281" r:id="rId9"/>
   </p:sldIdLst>
   <p:sldSz cx="12192000" cy="6858000"/>
   <p:notesSz cx="6858000" cy="9144000"/>
@@ -276,7 +277,7 @@
           <a:p>
             <a:fld id="{8B6844D7-9723-4963-9A7A-AA67393D1570}" type="datetimeFigureOut">
               <a:rPr lang="en-US" smtClean="0"/>
-              <a:t>11/13/2024</a:t>
+              <a:t>12/22/2024</a:t>
             </a:fld>
             <a:endParaRPr lang="en-US"/>
           </a:p>
@@ -474,7 +475,7 @@
           <a:p>
             <a:fld id="{8B6844D7-9723-4963-9A7A-AA67393D1570}" type="datetimeFigureOut">
               <a:rPr lang="en-US" smtClean="0"/>
-              <a:t>11/13/2024</a:t>
+              <a:t>12/22/2024</a:t>
             </a:fld>
             <a:endParaRPr lang="en-US"/>
           </a:p>
@@ -682,7 +683,7 @@
           <a:p>
             <a:fld id="{8B6844D7-9723-4963-9A7A-AA67393D1570}" type="datetimeFigureOut">
               <a:rPr lang="en-US" smtClean="0"/>
-              <a:t>11/13/2024</a:t>
+              <a:t>12/22/2024</a:t>
             </a:fld>
             <a:endParaRPr lang="en-US"/>
           </a:p>
@@ -880,7 +881,7 @@
           <a:p>
             <a:fld id="{8B6844D7-9723-4963-9A7A-AA67393D1570}" type="datetimeFigureOut">
               <a:rPr lang="en-US" smtClean="0"/>
-              <a:t>11/13/2024</a:t>
+              <a:t>12/22/2024</a:t>
             </a:fld>
             <a:endParaRPr lang="en-US"/>
           </a:p>
@@ -1155,7 +1156,7 @@
           <a:p>
             <a:fld id="{8B6844D7-9723-4963-9A7A-AA67393D1570}" type="datetimeFigureOut">
               <a:rPr lang="en-US" smtClean="0"/>
-              <a:t>11/13/2024</a:t>
+              <a:t>12/22/2024</a:t>
             </a:fld>
             <a:endParaRPr lang="en-US"/>
           </a:p>
@@ -1420,7 +1421,7 @@
           <a:p>
             <a:fld id="{8B6844D7-9723-4963-9A7A-AA67393D1570}" type="datetimeFigureOut">
               <a:rPr lang="en-US" smtClean="0"/>
-              <a:t>11/13/2024</a:t>
+              <a:t>12/22/2024</a:t>
             </a:fld>
             <a:endParaRPr lang="en-US"/>
           </a:p>
@@ -1832,7 +1833,7 @@
           <a:p>
             <a:fld id="{8B6844D7-9723-4963-9A7A-AA67393D1570}" type="datetimeFigureOut">
               <a:rPr lang="en-US" smtClean="0"/>
-              <a:t>11/13/2024</a:t>
+              <a:t>12/22/2024</a:t>
             </a:fld>
             <a:endParaRPr lang="en-US"/>
           </a:p>
@@ -1973,7 +1974,7 @@
           <a:p>
             <a:fld id="{8B6844D7-9723-4963-9A7A-AA67393D1570}" type="datetimeFigureOut">
               <a:rPr lang="en-US" smtClean="0"/>
-              <a:t>11/13/2024</a:t>
+              <a:t>12/22/2024</a:t>
             </a:fld>
             <a:endParaRPr lang="en-US"/>
           </a:p>
@@ -2086,7 +2087,7 @@
           <a:p>
             <a:fld id="{8B6844D7-9723-4963-9A7A-AA67393D1570}" type="datetimeFigureOut">
               <a:rPr lang="en-US" smtClean="0"/>
-              <a:t>11/13/2024</a:t>
+              <a:t>12/22/2024</a:t>
             </a:fld>
             <a:endParaRPr lang="en-US"/>
           </a:p>
@@ -2397,7 +2398,7 @@
           <a:p>
             <a:fld id="{8B6844D7-9723-4963-9A7A-AA67393D1570}" type="datetimeFigureOut">
               <a:rPr lang="en-US" smtClean="0"/>
-              <a:t>11/13/2024</a:t>
+              <a:t>12/22/2024</a:t>
             </a:fld>
             <a:endParaRPr lang="en-US"/>
           </a:p>
@@ -2685,7 +2686,7 @@
           <a:p>
             <a:fld id="{8B6844D7-9723-4963-9A7A-AA67393D1570}" type="datetimeFigureOut">
               <a:rPr lang="en-US" smtClean="0"/>
-              <a:t>11/13/2024</a:t>
+              <a:t>12/22/2024</a:t>
             </a:fld>
             <a:endParaRPr lang="en-US"/>
           </a:p>
@@ -2926,7 +2927,7 @@
           <a:p>
             <a:fld id="{8B6844D7-9723-4963-9A7A-AA67393D1570}" type="datetimeFigureOut">
               <a:rPr lang="en-US" smtClean="0"/>
-              <a:t>11/13/2024</a:t>
+              <a:t>12/22/2024</a:t>
             </a:fld>
             <a:endParaRPr lang="en-US"/>
           </a:p>
@@ -4188,12 +4189,12 @@
           <a:graphicData uri="http://schemas.openxmlformats.org/presentationml/2006/ole">
             <mc:AlternateContent xmlns:mc="http://schemas.openxmlformats.org/markup-compatibility/2006">
               <mc:Choice xmlns:v="urn:schemas-microsoft-com:vml" Requires="v">
-                <p:oleObj name="Clip" r:id="rId4" imgW="944280" imgH="1180440" progId="MS_ClipArt_Gallery.2">
+                <p:oleObj name="Clip" r:id="rId2" imgW="944280" imgH="1180440" progId="MS_ClipArt_Gallery.2">
                   <p:embed/>
                 </p:oleObj>
               </mc:Choice>
               <mc:Fallback>
-                <p:oleObj name="Clip" r:id="rId4" imgW="944280" imgH="1180440" progId="MS_ClipArt_Gallery.2">
+                <p:oleObj name="Clip" r:id="rId2" imgW="944280" imgH="1180440" progId="MS_ClipArt_Gallery.2">
                   <p:embed/>
                   <p:pic>
                     <p:nvPicPr>
@@ -12282,7 +12283,7 @@
           <p:nvPr/>
         </p:nvPicPr>
         <p:blipFill>
-          <a:blip r:embed="rId5" cstate="print"/>
+          <a:blip r:embed="rId4" cstate="print"/>
           <a:srcRect/>
           <a:stretch>
             <a:fillRect/>
@@ -12395,7 +12396,7 @@
           <p:nvPr/>
         </p:nvPicPr>
         <p:blipFill>
-          <a:blip r:embed="rId5" cstate="print"/>
+          <a:blip r:embed="rId4" cstate="print"/>
           <a:srcRect/>
           <a:stretch>
             <a:fillRect/>
@@ -13449,12 +13450,12 @@
           <a:graphicData uri="http://schemas.openxmlformats.org/presentationml/2006/ole">
             <mc:AlternateContent xmlns:mc="http://schemas.openxmlformats.org/markup-compatibility/2006">
               <mc:Choice xmlns:v="urn:schemas-microsoft-com:vml" Requires="v">
-                <p:oleObj name="Clip" r:id="rId4" imgW="944280" imgH="1180440" progId="MS_ClipArt_Gallery.2">
+                <p:oleObj name="Clip" r:id="rId2" imgW="944280" imgH="1180440" progId="MS_ClipArt_Gallery.2">
                   <p:embed/>
                 </p:oleObj>
               </mc:Choice>
               <mc:Fallback>
-                <p:oleObj name="Clip" r:id="rId4" imgW="944280" imgH="1180440" progId="MS_ClipArt_Gallery.2">
+                <p:oleObj name="Clip" r:id="rId2" imgW="944280" imgH="1180440" progId="MS_ClipArt_Gallery.2">
                   <p:embed/>
                   <p:pic>
                     <p:nvPicPr>
@@ -32835,6 +32836,1235 @@
 </p:sld>
 </file>
 
+<file path=ppt/slides/slide8.xml><?xml version="1.0" encoding="utf-8"?>
+<p:sld xmlns:a="http://schemas.openxmlformats.org/drawingml/2006/main" xmlns:r="http://schemas.openxmlformats.org/officeDocument/2006/relationships" xmlns:p="http://schemas.openxmlformats.org/presentationml/2006/main">
+  <p:cSld>
+    <p:spTree>
+      <p:nvGrpSpPr>
+        <p:cNvPr id="1" name=""/>
+        <p:cNvGrpSpPr/>
+        <p:nvPr/>
+      </p:nvGrpSpPr>
+      <p:grpSpPr>
+        <a:xfrm>
+          <a:off x="0" y="0"/>
+          <a:ext cx="0" cy="0"/>
+          <a:chOff x="0" y="0"/>
+          <a:chExt cx="0" cy="0"/>
+        </a:xfrm>
+      </p:grpSpPr>
+      <p:sp>
+        <p:nvSpPr>
+          <p:cNvPr id="14" name="Rectangle: Rounded Corners 13">
+            <a:extLst>
+              <a:ext uri="{FF2B5EF4-FFF2-40B4-BE49-F238E27FC236}">
+                <a16:creationId xmlns:a16="http://schemas.microsoft.com/office/drawing/2014/main" id="{97E06360-B687-1FE4-5E74-E44519A50AF6}"/>
+              </a:ext>
+            </a:extLst>
+          </p:cNvPr>
+          <p:cNvSpPr/>
+          <p:nvPr/>
+        </p:nvSpPr>
+        <p:spPr>
+          <a:xfrm>
+            <a:off x="1864190" y="2990218"/>
+            <a:ext cx="2612468" cy="591182"/>
+          </a:xfrm>
+          <a:prstGeom prst="roundRect">
+            <a:avLst/>
+          </a:prstGeom>
+          <a:solidFill>
+            <a:schemeClr val="accent4">
+              <a:lumMod val="20000"/>
+              <a:lumOff val="80000"/>
+            </a:schemeClr>
+          </a:solidFill>
+          <a:ln>
+            <a:solidFill>
+              <a:schemeClr val="tx1"/>
+            </a:solidFill>
+          </a:ln>
+        </p:spPr>
+        <p:style>
+          <a:lnRef idx="2">
+            <a:schemeClr val="accent1">
+              <a:shade val="15000"/>
+            </a:schemeClr>
+          </a:lnRef>
+          <a:fillRef idx="1">
+            <a:schemeClr val="accent1"/>
+          </a:fillRef>
+          <a:effectRef idx="0">
+            <a:schemeClr val="accent1"/>
+          </a:effectRef>
+          <a:fontRef idx="minor">
+            <a:schemeClr val="lt1"/>
+          </a:fontRef>
+        </p:style>
+        <p:txBody>
+          <a:bodyPr lIns="91440" tIns="91440" rIns="91440" bIns="91440" rtlCol="0" anchor="ctr"/>
+          <a:lstStyle/>
+          <a:p>
+            <a:pPr algn="ctr"/>
+            <a:endParaRPr lang="en-US" sz="1000">
+              <a:solidFill>
+                <a:schemeClr val="tx1"/>
+              </a:solidFill>
+            </a:endParaRPr>
+          </a:p>
+        </p:txBody>
+      </p:sp>
+      <p:sp>
+        <p:nvSpPr>
+          <p:cNvPr id="2" name="Rectangle: Rounded Corners 1">
+            <a:extLst>
+              <a:ext uri="{FF2B5EF4-FFF2-40B4-BE49-F238E27FC236}">
+                <a16:creationId xmlns:a16="http://schemas.microsoft.com/office/drawing/2014/main" id="{1B40EF4B-2016-8E91-C592-987F6AE4A194}"/>
+              </a:ext>
+            </a:extLst>
+          </p:cNvPr>
+          <p:cNvSpPr/>
+          <p:nvPr/>
+        </p:nvSpPr>
+        <p:spPr>
+          <a:xfrm>
+            <a:off x="1957409" y="3086998"/>
+            <a:ext cx="615456" cy="404603"/>
+          </a:xfrm>
+          <a:prstGeom prst="roundRect">
+            <a:avLst/>
+          </a:prstGeom>
+          <a:solidFill>
+            <a:srgbClr val="F6F256"/>
+          </a:solidFill>
+          <a:ln>
+            <a:solidFill>
+              <a:schemeClr val="tx1"/>
+            </a:solidFill>
+          </a:ln>
+        </p:spPr>
+        <p:style>
+          <a:lnRef idx="2">
+            <a:schemeClr val="accent1">
+              <a:shade val="50000"/>
+            </a:schemeClr>
+          </a:lnRef>
+          <a:fillRef idx="1">
+            <a:schemeClr val="accent1"/>
+          </a:fillRef>
+          <a:effectRef idx="0">
+            <a:schemeClr val="accent1"/>
+          </a:effectRef>
+          <a:fontRef idx="minor">
+            <a:schemeClr val="lt1"/>
+          </a:fontRef>
+        </p:style>
+        <p:txBody>
+          <a:bodyPr rtlCol="0" anchor="ctr"/>
+          <a:lstStyle>
+            <a:defPPr>
+              <a:defRPr lang="en-US"/>
+            </a:defPPr>
+            <a:lvl1pPr marL="0" algn="l" defTabSz="914400" rtl="0" eaLnBrk="1" latinLnBrk="0" hangingPunct="1">
+              <a:defRPr sz="1800" kern="1200">
+                <a:solidFill>
+                  <a:schemeClr val="lt1"/>
+                </a:solidFill>
+                <a:latin typeface="+mn-lt"/>
+                <a:ea typeface="+mn-ea"/>
+                <a:cs typeface="+mn-cs"/>
+              </a:defRPr>
+            </a:lvl1pPr>
+            <a:lvl2pPr marL="457200" algn="l" defTabSz="914400" rtl="0" eaLnBrk="1" latinLnBrk="0" hangingPunct="1">
+              <a:defRPr sz="1800" kern="1200">
+                <a:solidFill>
+                  <a:schemeClr val="lt1"/>
+                </a:solidFill>
+                <a:latin typeface="+mn-lt"/>
+                <a:ea typeface="+mn-ea"/>
+                <a:cs typeface="+mn-cs"/>
+              </a:defRPr>
+            </a:lvl2pPr>
+            <a:lvl3pPr marL="914400" algn="l" defTabSz="914400" rtl="0" eaLnBrk="1" latinLnBrk="0" hangingPunct="1">
+              <a:defRPr sz="1800" kern="1200">
+                <a:solidFill>
+                  <a:schemeClr val="lt1"/>
+                </a:solidFill>
+                <a:latin typeface="+mn-lt"/>
+                <a:ea typeface="+mn-ea"/>
+                <a:cs typeface="+mn-cs"/>
+              </a:defRPr>
+            </a:lvl3pPr>
+            <a:lvl4pPr marL="1371600" algn="l" defTabSz="914400" rtl="0" eaLnBrk="1" latinLnBrk="0" hangingPunct="1">
+              <a:defRPr sz="1800" kern="1200">
+                <a:solidFill>
+                  <a:schemeClr val="lt1"/>
+                </a:solidFill>
+                <a:latin typeface="+mn-lt"/>
+                <a:ea typeface="+mn-ea"/>
+                <a:cs typeface="+mn-cs"/>
+              </a:defRPr>
+            </a:lvl4pPr>
+            <a:lvl5pPr marL="1828800" algn="l" defTabSz="914400" rtl="0" eaLnBrk="1" latinLnBrk="0" hangingPunct="1">
+              <a:defRPr sz="1800" kern="1200">
+                <a:solidFill>
+                  <a:schemeClr val="lt1"/>
+                </a:solidFill>
+                <a:latin typeface="+mn-lt"/>
+                <a:ea typeface="+mn-ea"/>
+                <a:cs typeface="+mn-cs"/>
+              </a:defRPr>
+            </a:lvl5pPr>
+            <a:lvl6pPr marL="2286000" algn="l" defTabSz="914400" rtl="0" eaLnBrk="1" latinLnBrk="0" hangingPunct="1">
+              <a:defRPr sz="1800" kern="1200">
+                <a:solidFill>
+                  <a:schemeClr val="lt1"/>
+                </a:solidFill>
+                <a:latin typeface="+mn-lt"/>
+                <a:ea typeface="+mn-ea"/>
+                <a:cs typeface="+mn-cs"/>
+              </a:defRPr>
+            </a:lvl6pPr>
+            <a:lvl7pPr marL="2743200" algn="l" defTabSz="914400" rtl="0" eaLnBrk="1" latinLnBrk="0" hangingPunct="1">
+              <a:defRPr sz="1800" kern="1200">
+                <a:solidFill>
+                  <a:schemeClr val="lt1"/>
+                </a:solidFill>
+                <a:latin typeface="+mn-lt"/>
+                <a:ea typeface="+mn-ea"/>
+                <a:cs typeface="+mn-cs"/>
+              </a:defRPr>
+            </a:lvl7pPr>
+            <a:lvl8pPr marL="3200400" algn="l" defTabSz="914400" rtl="0" eaLnBrk="1" latinLnBrk="0" hangingPunct="1">
+              <a:defRPr sz="1800" kern="1200">
+                <a:solidFill>
+                  <a:schemeClr val="lt1"/>
+                </a:solidFill>
+                <a:latin typeface="+mn-lt"/>
+                <a:ea typeface="+mn-ea"/>
+                <a:cs typeface="+mn-cs"/>
+              </a:defRPr>
+            </a:lvl8pPr>
+            <a:lvl9pPr marL="3657600" algn="l" defTabSz="914400" rtl="0" eaLnBrk="1" latinLnBrk="0" hangingPunct="1">
+              <a:defRPr sz="1800" kern="1200">
+                <a:solidFill>
+                  <a:schemeClr val="lt1"/>
+                </a:solidFill>
+                <a:latin typeface="+mn-lt"/>
+                <a:ea typeface="+mn-ea"/>
+                <a:cs typeface="+mn-cs"/>
+              </a:defRPr>
+            </a:lvl9pPr>
+          </a:lstStyle>
+          <a:p>
+            <a:pPr algn="ctr">
+              <a:lnSpc>
+                <a:spcPts val="1000"/>
+              </a:lnSpc>
+            </a:pPr>
+            <a:r>
+              <a:rPr lang="en-US" sz="1000" i="1">
+                <a:solidFill>
+                  <a:schemeClr val="tx1"/>
+                </a:solidFill>
+              </a:rPr>
+              <a:t>_:n1</a:t>
+            </a:r>
+          </a:p>
+        </p:txBody>
+      </p:sp>
+      <p:sp>
+        <p:nvSpPr>
+          <p:cNvPr id="3" name="Rectangle: Rounded Corners 2">
+            <a:extLst>
+              <a:ext uri="{FF2B5EF4-FFF2-40B4-BE49-F238E27FC236}">
+                <a16:creationId xmlns:a16="http://schemas.microsoft.com/office/drawing/2014/main" id="{48E4886E-41E7-EEB4-C04E-1855B9D6DAD7}"/>
+              </a:ext>
+            </a:extLst>
+          </p:cNvPr>
+          <p:cNvSpPr/>
+          <p:nvPr/>
+        </p:nvSpPr>
+        <p:spPr>
+          <a:xfrm>
+            <a:off x="3748109" y="3086998"/>
+            <a:ext cx="615456" cy="404603"/>
+          </a:xfrm>
+          <a:prstGeom prst="roundRect">
+            <a:avLst/>
+          </a:prstGeom>
+          <a:solidFill>
+            <a:srgbClr val="F6F256"/>
+          </a:solidFill>
+          <a:ln>
+            <a:solidFill>
+              <a:schemeClr val="tx1"/>
+            </a:solidFill>
+          </a:ln>
+        </p:spPr>
+        <p:style>
+          <a:lnRef idx="2">
+            <a:schemeClr val="accent1">
+              <a:shade val="50000"/>
+            </a:schemeClr>
+          </a:lnRef>
+          <a:fillRef idx="1">
+            <a:schemeClr val="accent1"/>
+          </a:fillRef>
+          <a:effectRef idx="0">
+            <a:schemeClr val="accent1"/>
+          </a:effectRef>
+          <a:fontRef idx="minor">
+            <a:schemeClr val="lt1"/>
+          </a:fontRef>
+        </p:style>
+        <p:txBody>
+          <a:bodyPr rtlCol="0" anchor="ctr"/>
+          <a:lstStyle>
+            <a:defPPr>
+              <a:defRPr lang="en-US"/>
+            </a:defPPr>
+            <a:lvl1pPr marL="0" algn="l" defTabSz="914400" rtl="0" eaLnBrk="1" latinLnBrk="0" hangingPunct="1">
+              <a:defRPr sz="1800" kern="1200">
+                <a:solidFill>
+                  <a:schemeClr val="lt1"/>
+                </a:solidFill>
+                <a:latin typeface="+mn-lt"/>
+                <a:ea typeface="+mn-ea"/>
+                <a:cs typeface="+mn-cs"/>
+              </a:defRPr>
+            </a:lvl1pPr>
+            <a:lvl2pPr marL="457200" algn="l" defTabSz="914400" rtl="0" eaLnBrk="1" latinLnBrk="0" hangingPunct="1">
+              <a:defRPr sz="1800" kern="1200">
+                <a:solidFill>
+                  <a:schemeClr val="lt1"/>
+                </a:solidFill>
+                <a:latin typeface="+mn-lt"/>
+                <a:ea typeface="+mn-ea"/>
+                <a:cs typeface="+mn-cs"/>
+              </a:defRPr>
+            </a:lvl2pPr>
+            <a:lvl3pPr marL="914400" algn="l" defTabSz="914400" rtl="0" eaLnBrk="1" latinLnBrk="0" hangingPunct="1">
+              <a:defRPr sz="1800" kern="1200">
+                <a:solidFill>
+                  <a:schemeClr val="lt1"/>
+                </a:solidFill>
+                <a:latin typeface="+mn-lt"/>
+                <a:ea typeface="+mn-ea"/>
+                <a:cs typeface="+mn-cs"/>
+              </a:defRPr>
+            </a:lvl3pPr>
+            <a:lvl4pPr marL="1371600" algn="l" defTabSz="914400" rtl="0" eaLnBrk="1" latinLnBrk="0" hangingPunct="1">
+              <a:defRPr sz="1800" kern="1200">
+                <a:solidFill>
+                  <a:schemeClr val="lt1"/>
+                </a:solidFill>
+                <a:latin typeface="+mn-lt"/>
+                <a:ea typeface="+mn-ea"/>
+                <a:cs typeface="+mn-cs"/>
+              </a:defRPr>
+            </a:lvl4pPr>
+            <a:lvl5pPr marL="1828800" algn="l" defTabSz="914400" rtl="0" eaLnBrk="1" latinLnBrk="0" hangingPunct="1">
+              <a:defRPr sz="1800" kern="1200">
+                <a:solidFill>
+                  <a:schemeClr val="lt1"/>
+                </a:solidFill>
+                <a:latin typeface="+mn-lt"/>
+                <a:ea typeface="+mn-ea"/>
+                <a:cs typeface="+mn-cs"/>
+              </a:defRPr>
+            </a:lvl5pPr>
+            <a:lvl6pPr marL="2286000" algn="l" defTabSz="914400" rtl="0" eaLnBrk="1" latinLnBrk="0" hangingPunct="1">
+              <a:defRPr sz="1800" kern="1200">
+                <a:solidFill>
+                  <a:schemeClr val="lt1"/>
+                </a:solidFill>
+                <a:latin typeface="+mn-lt"/>
+                <a:ea typeface="+mn-ea"/>
+                <a:cs typeface="+mn-cs"/>
+              </a:defRPr>
+            </a:lvl6pPr>
+            <a:lvl7pPr marL="2743200" algn="l" defTabSz="914400" rtl="0" eaLnBrk="1" latinLnBrk="0" hangingPunct="1">
+              <a:defRPr sz="1800" kern="1200">
+                <a:solidFill>
+                  <a:schemeClr val="lt1"/>
+                </a:solidFill>
+                <a:latin typeface="+mn-lt"/>
+                <a:ea typeface="+mn-ea"/>
+                <a:cs typeface="+mn-cs"/>
+              </a:defRPr>
+            </a:lvl7pPr>
+            <a:lvl8pPr marL="3200400" algn="l" defTabSz="914400" rtl="0" eaLnBrk="1" latinLnBrk="0" hangingPunct="1">
+              <a:defRPr sz="1800" kern="1200">
+                <a:solidFill>
+                  <a:schemeClr val="lt1"/>
+                </a:solidFill>
+                <a:latin typeface="+mn-lt"/>
+                <a:ea typeface="+mn-ea"/>
+                <a:cs typeface="+mn-cs"/>
+              </a:defRPr>
+            </a:lvl8pPr>
+            <a:lvl9pPr marL="3657600" algn="l" defTabSz="914400" rtl="0" eaLnBrk="1" latinLnBrk="0" hangingPunct="1">
+              <a:defRPr sz="1800" kern="1200">
+                <a:solidFill>
+                  <a:schemeClr val="lt1"/>
+                </a:solidFill>
+                <a:latin typeface="+mn-lt"/>
+                <a:ea typeface="+mn-ea"/>
+                <a:cs typeface="+mn-cs"/>
+              </a:defRPr>
+            </a:lvl9pPr>
+          </a:lstStyle>
+          <a:p>
+            <a:pPr algn="ctr">
+              <a:lnSpc>
+                <a:spcPts val="1000"/>
+              </a:lnSpc>
+            </a:pPr>
+            <a:r>
+              <a:rPr lang="en-US" sz="1000" i="1">
+                <a:solidFill>
+                  <a:schemeClr val="tx1"/>
+                </a:solidFill>
+              </a:rPr>
+              <a:t>_:n2</a:t>
+            </a:r>
+          </a:p>
+        </p:txBody>
+      </p:sp>
+      <p:sp>
+        <p:nvSpPr>
+          <p:cNvPr id="4" name="TextBox 3">
+            <a:extLst>
+              <a:ext uri="{FF2B5EF4-FFF2-40B4-BE49-F238E27FC236}">
+                <a16:creationId xmlns:a16="http://schemas.microsoft.com/office/drawing/2014/main" id="{E648A04A-64E0-FC91-6947-C8CE5C5EE532}"/>
+              </a:ext>
+            </a:extLst>
+          </p:cNvPr>
+          <p:cNvSpPr txBox="1"/>
+          <p:nvPr/>
+        </p:nvSpPr>
+        <p:spPr>
+          <a:xfrm>
+            <a:off x="2716356" y="3075052"/>
+            <a:ext cx="906658" cy="246221"/>
+          </a:xfrm>
+          <a:prstGeom prst="rect">
+            <a:avLst/>
+          </a:prstGeom>
+          <a:noFill/>
+        </p:spPr>
+        <p:txBody>
+          <a:bodyPr wrap="none" lIns="45720" rIns="45720" rtlCol="0">
+            <a:spAutoFit/>
+          </a:bodyPr>
+          <a:lstStyle/>
+          <a:p>
+            <a:r>
+              <a:rPr lang="en-US" sz="1000" i="1"/>
+              <a:t>nc:PersonName</a:t>
+            </a:r>
+          </a:p>
+        </p:txBody>
+      </p:sp>
+      <p:cxnSp>
+        <p:nvCxnSpPr>
+          <p:cNvPr id="5" name="Straight Arrow Connector 4">
+            <a:extLst>
+              <a:ext uri="{FF2B5EF4-FFF2-40B4-BE49-F238E27FC236}">
+                <a16:creationId xmlns:a16="http://schemas.microsoft.com/office/drawing/2014/main" id="{961DA302-DEB2-96DA-4146-4D2E359FD445}"/>
+              </a:ext>
+            </a:extLst>
+          </p:cNvPr>
+          <p:cNvCxnSpPr>
+            <a:cxnSpLocks/>
+          </p:cNvCxnSpPr>
+          <p:nvPr/>
+        </p:nvCxnSpPr>
+        <p:spPr>
+          <a:xfrm>
+            <a:off x="2591261" y="3289300"/>
+            <a:ext cx="1156848" cy="0"/>
+          </a:xfrm>
+          <a:prstGeom prst="straightConnector1">
+            <a:avLst/>
+          </a:prstGeom>
+          <a:ln>
+            <a:solidFill>
+              <a:schemeClr val="tx1"/>
+            </a:solidFill>
+            <a:tailEnd type="triangle"/>
+          </a:ln>
+        </p:spPr>
+        <p:style>
+          <a:lnRef idx="1">
+            <a:schemeClr val="accent1"/>
+          </a:lnRef>
+          <a:fillRef idx="0">
+            <a:schemeClr val="accent1"/>
+          </a:fillRef>
+          <a:effectRef idx="0">
+            <a:schemeClr val="accent1"/>
+          </a:effectRef>
+          <a:fontRef idx="minor">
+            <a:schemeClr val="tx1"/>
+          </a:fontRef>
+        </p:style>
+      </p:cxnSp>
+      <p:sp>
+        <p:nvSpPr>
+          <p:cNvPr id="6" name="Rectangle 5">
+            <a:extLst>
+              <a:ext uri="{FF2B5EF4-FFF2-40B4-BE49-F238E27FC236}">
+                <a16:creationId xmlns:a16="http://schemas.microsoft.com/office/drawing/2014/main" id="{FB4EF293-1610-4D07-7FEE-3D68320F50EC}"/>
+              </a:ext>
+            </a:extLst>
+          </p:cNvPr>
+          <p:cNvSpPr/>
+          <p:nvPr/>
+        </p:nvSpPr>
+        <p:spPr>
+          <a:xfrm>
+            <a:off x="5736987" y="3102969"/>
+            <a:ext cx="923123" cy="389109"/>
+          </a:xfrm>
+          <a:prstGeom prst="rect">
+            <a:avLst/>
+          </a:prstGeom>
+          <a:solidFill>
+            <a:srgbClr val="F6F256"/>
+          </a:solidFill>
+          <a:ln>
+            <a:solidFill>
+              <a:schemeClr val="tx1"/>
+            </a:solidFill>
+          </a:ln>
+        </p:spPr>
+        <p:style>
+          <a:lnRef idx="2">
+            <a:schemeClr val="accent1">
+              <a:shade val="50000"/>
+            </a:schemeClr>
+          </a:lnRef>
+          <a:fillRef idx="1">
+            <a:schemeClr val="accent1"/>
+          </a:fillRef>
+          <a:effectRef idx="0">
+            <a:schemeClr val="accent1"/>
+          </a:effectRef>
+          <a:fontRef idx="minor">
+            <a:schemeClr val="lt1"/>
+          </a:fontRef>
+        </p:style>
+        <p:txBody>
+          <a:bodyPr rtlCol="0" anchor="ctr"/>
+          <a:lstStyle/>
+          <a:p>
+            <a:pPr algn="ctr"/>
+            <a:r>
+              <a:rPr lang="en-US" sz="1000">
+                <a:solidFill>
+                  <a:schemeClr val="tx1"/>
+                </a:solidFill>
+                <a:latin typeface="Consolas" panose="020B0609020204030204" pitchFamily="49" charset="0"/>
+              </a:rPr>
+              <a:t>Superman</a:t>
+            </a:r>
+          </a:p>
+        </p:txBody>
+      </p:sp>
+      <p:sp>
+        <p:nvSpPr>
+          <p:cNvPr id="8" name="Rectangle 7">
+            <a:extLst>
+              <a:ext uri="{FF2B5EF4-FFF2-40B4-BE49-F238E27FC236}">
+                <a16:creationId xmlns:a16="http://schemas.microsoft.com/office/drawing/2014/main" id="{0EF6472A-169B-F829-D1D9-57101ABFDC45}"/>
+              </a:ext>
+            </a:extLst>
+          </p:cNvPr>
+          <p:cNvSpPr/>
+          <p:nvPr/>
+        </p:nvSpPr>
+        <p:spPr>
+          <a:xfrm>
+            <a:off x="5736987" y="3799595"/>
+            <a:ext cx="923122" cy="389109"/>
+          </a:xfrm>
+          <a:prstGeom prst="rect">
+            <a:avLst/>
+          </a:prstGeom>
+          <a:solidFill>
+            <a:srgbClr val="F6F256"/>
+          </a:solidFill>
+          <a:ln>
+            <a:solidFill>
+              <a:schemeClr val="tx1"/>
+            </a:solidFill>
+          </a:ln>
+        </p:spPr>
+        <p:style>
+          <a:lnRef idx="2">
+            <a:schemeClr val="accent1">
+              <a:shade val="50000"/>
+            </a:schemeClr>
+          </a:lnRef>
+          <a:fillRef idx="1">
+            <a:schemeClr val="accent1"/>
+          </a:fillRef>
+          <a:effectRef idx="0">
+            <a:schemeClr val="accent1"/>
+          </a:effectRef>
+          <a:fontRef idx="minor">
+            <a:schemeClr val="lt1"/>
+          </a:fontRef>
+        </p:style>
+        <p:txBody>
+          <a:bodyPr rtlCol="0" anchor="ctr"/>
+          <a:lstStyle/>
+          <a:p>
+            <a:pPr algn="ctr"/>
+            <a:r>
+              <a:rPr lang="en-US" sz="1000">
+                <a:solidFill>
+                  <a:schemeClr val="tx1"/>
+                </a:solidFill>
+                <a:latin typeface="Consolas" panose="020B0609020204030204" pitchFamily="49" charset="0"/>
+              </a:rPr>
+              <a:t>Clark Kent</a:t>
+            </a:r>
+          </a:p>
+        </p:txBody>
+      </p:sp>
+      <p:cxnSp>
+        <p:nvCxnSpPr>
+          <p:cNvPr id="9" name="Straight Arrow Connector 8">
+            <a:extLst>
+              <a:ext uri="{FF2B5EF4-FFF2-40B4-BE49-F238E27FC236}">
+                <a16:creationId xmlns:a16="http://schemas.microsoft.com/office/drawing/2014/main" id="{68B1C714-9269-2210-EA54-907EA02E7A25}"/>
+              </a:ext>
+            </a:extLst>
+          </p:cNvPr>
+          <p:cNvCxnSpPr>
+            <a:cxnSpLocks/>
+            <a:endCxn id="6" idx="1"/>
+          </p:cNvCxnSpPr>
+          <p:nvPr/>
+        </p:nvCxnSpPr>
+        <p:spPr>
+          <a:xfrm>
+            <a:off x="4368314" y="3285809"/>
+            <a:ext cx="1368673" cy="11715"/>
+          </a:xfrm>
+          <a:prstGeom prst="straightConnector1">
+            <a:avLst/>
+          </a:prstGeom>
+          <a:ln>
+            <a:solidFill>
+              <a:schemeClr val="tx1"/>
+            </a:solidFill>
+            <a:tailEnd type="triangle"/>
+          </a:ln>
+        </p:spPr>
+        <p:style>
+          <a:lnRef idx="1">
+            <a:schemeClr val="accent1"/>
+          </a:lnRef>
+          <a:fillRef idx="0">
+            <a:schemeClr val="accent1"/>
+          </a:fillRef>
+          <a:effectRef idx="0">
+            <a:schemeClr val="accent1"/>
+          </a:effectRef>
+          <a:fontRef idx="minor">
+            <a:schemeClr val="tx1"/>
+          </a:fontRef>
+        </p:style>
+      </p:cxnSp>
+      <p:sp>
+        <p:nvSpPr>
+          <p:cNvPr id="10" name="TextBox 9">
+            <a:extLst>
+              <a:ext uri="{FF2B5EF4-FFF2-40B4-BE49-F238E27FC236}">
+                <a16:creationId xmlns:a16="http://schemas.microsoft.com/office/drawing/2014/main" id="{A7B97DBA-9FB3-0434-DF6B-EFB3F9F843D3}"/>
+              </a:ext>
+            </a:extLst>
+          </p:cNvPr>
+          <p:cNvSpPr txBox="1"/>
+          <p:nvPr/>
+        </p:nvSpPr>
+        <p:spPr>
+          <a:xfrm>
+            <a:off x="4518389" y="3075051"/>
+            <a:ext cx="1181734" cy="246221"/>
+          </a:xfrm>
+          <a:prstGeom prst="rect">
+            <a:avLst/>
+          </a:prstGeom>
+          <a:noFill/>
+        </p:spPr>
+        <p:txBody>
+          <a:bodyPr wrap="none" rtlCol="0">
+            <a:spAutoFit/>
+          </a:bodyPr>
+          <a:lstStyle/>
+          <a:p>
+            <a:r>
+              <a:rPr lang="en-US" sz="1000" i="1"/>
+              <a:t>nc:PersonFullName</a:t>
+            </a:r>
+          </a:p>
+        </p:txBody>
+      </p:sp>
+      <p:sp>
+        <p:nvSpPr>
+          <p:cNvPr id="13" name="Rectangle 12">
+            <a:extLst>
+              <a:ext uri="{FF2B5EF4-FFF2-40B4-BE49-F238E27FC236}">
+                <a16:creationId xmlns:a16="http://schemas.microsoft.com/office/drawing/2014/main" id="{64E65EA6-82C2-CFCA-08BA-EEEA3B5C2CD0}"/>
+              </a:ext>
+            </a:extLst>
+          </p:cNvPr>
+          <p:cNvSpPr/>
+          <p:nvPr/>
+        </p:nvSpPr>
+        <p:spPr>
+          <a:xfrm>
+            <a:off x="196655" y="209706"/>
+            <a:ext cx="1555945" cy="484094"/>
+          </a:xfrm>
+          <a:prstGeom prst="rect">
+            <a:avLst/>
+          </a:prstGeom>
+          <a:solidFill>
+            <a:srgbClr val="FFFF00"/>
+          </a:solidFill>
+          <a:ln>
+            <a:solidFill>
+              <a:schemeClr val="tx1"/>
+            </a:solidFill>
+          </a:ln>
+        </p:spPr>
+        <p:style>
+          <a:lnRef idx="2">
+            <a:schemeClr val="accent1">
+              <a:shade val="15000"/>
+            </a:schemeClr>
+          </a:lnRef>
+          <a:fillRef idx="1">
+            <a:schemeClr val="accent1"/>
+          </a:fillRef>
+          <a:effectRef idx="0">
+            <a:schemeClr val="accent1"/>
+          </a:effectRef>
+          <a:fontRef idx="minor">
+            <a:schemeClr val="lt1"/>
+          </a:fontRef>
+        </p:style>
+        <p:txBody>
+          <a:bodyPr rtlCol="0" anchor="ctr"/>
+          <a:lstStyle/>
+          <a:p>
+            <a:pPr algn="ctr"/>
+            <a:r>
+              <a:rPr lang="en-US">
+                <a:solidFill>
+                  <a:schemeClr val="tx1"/>
+                </a:solidFill>
+              </a:rPr>
+              <a:t>relProp</a:t>
+            </a:r>
+          </a:p>
+        </p:txBody>
+      </p:sp>
+      <p:sp>
+        <p:nvSpPr>
+          <p:cNvPr id="21" name="Arc 20">
+            <a:extLst>
+              <a:ext uri="{FF2B5EF4-FFF2-40B4-BE49-F238E27FC236}">
+                <a16:creationId xmlns:a16="http://schemas.microsoft.com/office/drawing/2014/main" id="{0CB5A27B-B7DC-A6FF-C2AD-DD274DB807CB}"/>
+              </a:ext>
+            </a:extLst>
+          </p:cNvPr>
+          <p:cNvSpPr/>
+          <p:nvPr/>
+        </p:nvSpPr>
+        <p:spPr>
+          <a:xfrm flipH="1">
+            <a:off x="2246557" y="2721532"/>
+            <a:ext cx="2794947" cy="1294892"/>
+          </a:xfrm>
+          <a:prstGeom prst="arc">
+            <a:avLst>
+              <a:gd name="adj1" fmla="val 326439"/>
+              <a:gd name="adj2" fmla="val 5890037"/>
+            </a:avLst>
+          </a:prstGeom>
+          <a:ln>
+            <a:solidFill>
+              <a:schemeClr val="tx1"/>
+            </a:solidFill>
+            <a:tailEnd type="triangle"/>
+          </a:ln>
+        </p:spPr>
+        <p:style>
+          <a:lnRef idx="1">
+            <a:schemeClr val="accent1"/>
+          </a:lnRef>
+          <a:fillRef idx="0">
+            <a:schemeClr val="accent1"/>
+          </a:fillRef>
+          <a:effectRef idx="0">
+            <a:schemeClr val="accent1"/>
+          </a:effectRef>
+          <a:fontRef idx="minor">
+            <a:schemeClr val="tx1"/>
+          </a:fontRef>
+        </p:style>
+        <p:txBody>
+          <a:bodyPr rtlCol="0" anchor="ctr"/>
+          <a:lstStyle/>
+          <a:p>
+            <a:pPr algn="ctr"/>
+            <a:endParaRPr lang="en-US"/>
+          </a:p>
+        </p:txBody>
+      </p:sp>
+      <p:sp>
+        <p:nvSpPr>
+          <p:cNvPr id="22" name="Rectangle: Rounded Corners 21">
+            <a:extLst>
+              <a:ext uri="{FF2B5EF4-FFF2-40B4-BE49-F238E27FC236}">
+                <a16:creationId xmlns:a16="http://schemas.microsoft.com/office/drawing/2014/main" id="{DADE0224-57D9-31A9-43E7-EB5A41031F84}"/>
+              </a:ext>
+            </a:extLst>
+          </p:cNvPr>
+          <p:cNvSpPr/>
+          <p:nvPr/>
+        </p:nvSpPr>
+        <p:spPr>
+          <a:xfrm>
+            <a:off x="3748109" y="3784101"/>
+            <a:ext cx="615456" cy="404603"/>
+          </a:xfrm>
+          <a:prstGeom prst="roundRect">
+            <a:avLst/>
+          </a:prstGeom>
+          <a:solidFill>
+            <a:srgbClr val="F6F256"/>
+          </a:solidFill>
+          <a:ln>
+            <a:solidFill>
+              <a:schemeClr val="tx1"/>
+            </a:solidFill>
+          </a:ln>
+        </p:spPr>
+        <p:style>
+          <a:lnRef idx="2">
+            <a:schemeClr val="accent1">
+              <a:shade val="50000"/>
+            </a:schemeClr>
+          </a:lnRef>
+          <a:fillRef idx="1">
+            <a:schemeClr val="accent1"/>
+          </a:fillRef>
+          <a:effectRef idx="0">
+            <a:schemeClr val="accent1"/>
+          </a:effectRef>
+          <a:fontRef idx="minor">
+            <a:schemeClr val="lt1"/>
+          </a:fontRef>
+        </p:style>
+        <p:txBody>
+          <a:bodyPr rtlCol="0" anchor="ctr"/>
+          <a:lstStyle>
+            <a:defPPr>
+              <a:defRPr lang="en-US"/>
+            </a:defPPr>
+            <a:lvl1pPr marL="0" algn="l" defTabSz="914400" rtl="0" eaLnBrk="1" latinLnBrk="0" hangingPunct="1">
+              <a:defRPr sz="1800" kern="1200">
+                <a:solidFill>
+                  <a:schemeClr val="lt1"/>
+                </a:solidFill>
+                <a:latin typeface="+mn-lt"/>
+                <a:ea typeface="+mn-ea"/>
+                <a:cs typeface="+mn-cs"/>
+              </a:defRPr>
+            </a:lvl1pPr>
+            <a:lvl2pPr marL="457200" algn="l" defTabSz="914400" rtl="0" eaLnBrk="1" latinLnBrk="0" hangingPunct="1">
+              <a:defRPr sz="1800" kern="1200">
+                <a:solidFill>
+                  <a:schemeClr val="lt1"/>
+                </a:solidFill>
+                <a:latin typeface="+mn-lt"/>
+                <a:ea typeface="+mn-ea"/>
+                <a:cs typeface="+mn-cs"/>
+              </a:defRPr>
+            </a:lvl2pPr>
+            <a:lvl3pPr marL="914400" algn="l" defTabSz="914400" rtl="0" eaLnBrk="1" latinLnBrk="0" hangingPunct="1">
+              <a:defRPr sz="1800" kern="1200">
+                <a:solidFill>
+                  <a:schemeClr val="lt1"/>
+                </a:solidFill>
+                <a:latin typeface="+mn-lt"/>
+                <a:ea typeface="+mn-ea"/>
+                <a:cs typeface="+mn-cs"/>
+              </a:defRPr>
+            </a:lvl3pPr>
+            <a:lvl4pPr marL="1371600" algn="l" defTabSz="914400" rtl="0" eaLnBrk="1" latinLnBrk="0" hangingPunct="1">
+              <a:defRPr sz="1800" kern="1200">
+                <a:solidFill>
+                  <a:schemeClr val="lt1"/>
+                </a:solidFill>
+                <a:latin typeface="+mn-lt"/>
+                <a:ea typeface="+mn-ea"/>
+                <a:cs typeface="+mn-cs"/>
+              </a:defRPr>
+            </a:lvl4pPr>
+            <a:lvl5pPr marL="1828800" algn="l" defTabSz="914400" rtl="0" eaLnBrk="1" latinLnBrk="0" hangingPunct="1">
+              <a:defRPr sz="1800" kern="1200">
+                <a:solidFill>
+                  <a:schemeClr val="lt1"/>
+                </a:solidFill>
+                <a:latin typeface="+mn-lt"/>
+                <a:ea typeface="+mn-ea"/>
+                <a:cs typeface="+mn-cs"/>
+              </a:defRPr>
+            </a:lvl5pPr>
+            <a:lvl6pPr marL="2286000" algn="l" defTabSz="914400" rtl="0" eaLnBrk="1" latinLnBrk="0" hangingPunct="1">
+              <a:defRPr sz="1800" kern="1200">
+                <a:solidFill>
+                  <a:schemeClr val="lt1"/>
+                </a:solidFill>
+                <a:latin typeface="+mn-lt"/>
+                <a:ea typeface="+mn-ea"/>
+                <a:cs typeface="+mn-cs"/>
+              </a:defRPr>
+            </a:lvl6pPr>
+            <a:lvl7pPr marL="2743200" algn="l" defTabSz="914400" rtl="0" eaLnBrk="1" latinLnBrk="0" hangingPunct="1">
+              <a:defRPr sz="1800" kern="1200">
+                <a:solidFill>
+                  <a:schemeClr val="lt1"/>
+                </a:solidFill>
+                <a:latin typeface="+mn-lt"/>
+                <a:ea typeface="+mn-ea"/>
+                <a:cs typeface="+mn-cs"/>
+              </a:defRPr>
+            </a:lvl7pPr>
+            <a:lvl8pPr marL="3200400" algn="l" defTabSz="914400" rtl="0" eaLnBrk="1" latinLnBrk="0" hangingPunct="1">
+              <a:defRPr sz="1800" kern="1200">
+                <a:solidFill>
+                  <a:schemeClr val="lt1"/>
+                </a:solidFill>
+                <a:latin typeface="+mn-lt"/>
+                <a:ea typeface="+mn-ea"/>
+                <a:cs typeface="+mn-cs"/>
+              </a:defRPr>
+            </a:lvl8pPr>
+            <a:lvl9pPr marL="3657600" algn="l" defTabSz="914400" rtl="0" eaLnBrk="1" latinLnBrk="0" hangingPunct="1">
+              <a:defRPr sz="1800" kern="1200">
+                <a:solidFill>
+                  <a:schemeClr val="lt1"/>
+                </a:solidFill>
+                <a:latin typeface="+mn-lt"/>
+                <a:ea typeface="+mn-ea"/>
+                <a:cs typeface="+mn-cs"/>
+              </a:defRPr>
+            </a:lvl9pPr>
+          </a:lstStyle>
+          <a:p>
+            <a:pPr algn="ctr">
+              <a:lnSpc>
+                <a:spcPts val="1000"/>
+              </a:lnSpc>
+            </a:pPr>
+            <a:r>
+              <a:rPr lang="en-US" sz="1000" i="1">
+                <a:solidFill>
+                  <a:schemeClr val="tx1"/>
+                </a:solidFill>
+              </a:rPr>
+              <a:t>_:n3</a:t>
+            </a:r>
+          </a:p>
+        </p:txBody>
+      </p:sp>
+      <p:sp>
+        <p:nvSpPr>
+          <p:cNvPr id="23" name="TextBox 22">
+            <a:extLst>
+              <a:ext uri="{FF2B5EF4-FFF2-40B4-BE49-F238E27FC236}">
+                <a16:creationId xmlns:a16="http://schemas.microsoft.com/office/drawing/2014/main" id="{939D8871-6993-F6FA-D43D-C96CBC1EB554}"/>
+              </a:ext>
+            </a:extLst>
+          </p:cNvPr>
+          <p:cNvSpPr txBox="1"/>
+          <p:nvPr/>
+        </p:nvSpPr>
+        <p:spPr>
+          <a:xfrm>
+            <a:off x="2712739" y="3682486"/>
+            <a:ext cx="906658" cy="246221"/>
+          </a:xfrm>
+          <a:prstGeom prst="rect">
+            <a:avLst/>
+          </a:prstGeom>
+          <a:noFill/>
+        </p:spPr>
+        <p:txBody>
+          <a:bodyPr wrap="none" lIns="45720" rIns="45720" rtlCol="0">
+            <a:spAutoFit/>
+          </a:bodyPr>
+          <a:lstStyle/>
+          <a:p>
+            <a:r>
+              <a:rPr lang="en-US" sz="1000" i="1"/>
+              <a:t>nc:PersonName</a:t>
+            </a:r>
+          </a:p>
+        </p:txBody>
+      </p:sp>
+      <p:cxnSp>
+        <p:nvCxnSpPr>
+          <p:cNvPr id="24" name="Straight Arrow Connector 23">
+            <a:extLst>
+              <a:ext uri="{FF2B5EF4-FFF2-40B4-BE49-F238E27FC236}">
+                <a16:creationId xmlns:a16="http://schemas.microsoft.com/office/drawing/2014/main" id="{9BDD0C11-0D0A-5173-8509-2520D02B02B2}"/>
+              </a:ext>
+            </a:extLst>
+          </p:cNvPr>
+          <p:cNvCxnSpPr>
+            <a:cxnSpLocks/>
+          </p:cNvCxnSpPr>
+          <p:nvPr/>
+        </p:nvCxnSpPr>
+        <p:spPr>
+          <a:xfrm>
+            <a:off x="4363565" y="4015556"/>
+            <a:ext cx="1371047" cy="11715"/>
+          </a:xfrm>
+          <a:prstGeom prst="straightConnector1">
+            <a:avLst/>
+          </a:prstGeom>
+          <a:ln>
+            <a:solidFill>
+              <a:schemeClr val="tx1"/>
+            </a:solidFill>
+            <a:tailEnd type="triangle"/>
+          </a:ln>
+        </p:spPr>
+        <p:style>
+          <a:lnRef idx="1">
+            <a:schemeClr val="accent1"/>
+          </a:lnRef>
+          <a:fillRef idx="0">
+            <a:schemeClr val="accent1"/>
+          </a:fillRef>
+          <a:effectRef idx="0">
+            <a:schemeClr val="accent1"/>
+          </a:effectRef>
+          <a:fontRef idx="minor">
+            <a:schemeClr val="tx1"/>
+          </a:fontRef>
+        </p:style>
+      </p:cxnSp>
+      <p:sp>
+        <p:nvSpPr>
+          <p:cNvPr id="25" name="TextBox 24">
+            <a:extLst>
+              <a:ext uri="{FF2B5EF4-FFF2-40B4-BE49-F238E27FC236}">
+                <a16:creationId xmlns:a16="http://schemas.microsoft.com/office/drawing/2014/main" id="{34B6E69B-822F-9B12-868F-4EC7F53DE756}"/>
+              </a:ext>
+            </a:extLst>
+          </p:cNvPr>
+          <p:cNvSpPr txBox="1"/>
+          <p:nvPr/>
+        </p:nvSpPr>
+        <p:spPr>
+          <a:xfrm>
+            <a:off x="4513640" y="3804798"/>
+            <a:ext cx="1181734" cy="246221"/>
+          </a:xfrm>
+          <a:prstGeom prst="rect">
+            <a:avLst/>
+          </a:prstGeom>
+          <a:noFill/>
+        </p:spPr>
+        <p:txBody>
+          <a:bodyPr wrap="none" rtlCol="0">
+            <a:spAutoFit/>
+          </a:bodyPr>
+          <a:lstStyle/>
+          <a:p>
+            <a:r>
+              <a:rPr lang="en-US" sz="1000" i="1"/>
+              <a:t>nc:PersonFullName</a:t>
+            </a:r>
+          </a:p>
+        </p:txBody>
+      </p:sp>
+      <p:sp>
+        <p:nvSpPr>
+          <p:cNvPr id="26" name="Arc 25">
+            <a:extLst>
+              <a:ext uri="{FF2B5EF4-FFF2-40B4-BE49-F238E27FC236}">
+                <a16:creationId xmlns:a16="http://schemas.microsoft.com/office/drawing/2014/main" id="{B7EDB173-FAAE-A896-38B7-1E6E7B925765}"/>
+              </a:ext>
+            </a:extLst>
+          </p:cNvPr>
+          <p:cNvSpPr/>
+          <p:nvPr/>
+        </p:nvSpPr>
+        <p:spPr>
+          <a:xfrm flipH="1" flipV="1">
+            <a:off x="3141730" y="2478362"/>
+            <a:ext cx="4983861" cy="1294892"/>
+          </a:xfrm>
+          <a:prstGeom prst="arc">
+            <a:avLst>
+              <a:gd name="adj1" fmla="val 189453"/>
+              <a:gd name="adj2" fmla="val 5890037"/>
+            </a:avLst>
+          </a:prstGeom>
+          <a:ln>
+            <a:solidFill>
+              <a:schemeClr val="tx1"/>
+            </a:solidFill>
+            <a:tailEnd type="triangle"/>
+          </a:ln>
+        </p:spPr>
+        <p:style>
+          <a:lnRef idx="1">
+            <a:schemeClr val="accent1"/>
+          </a:lnRef>
+          <a:fillRef idx="0">
+            <a:schemeClr val="accent1"/>
+          </a:fillRef>
+          <a:effectRef idx="0">
+            <a:schemeClr val="accent1"/>
+          </a:effectRef>
+          <a:fontRef idx="minor">
+            <a:schemeClr val="tx1"/>
+          </a:fontRef>
+        </p:style>
+        <p:txBody>
+          <a:bodyPr rtlCol="0" anchor="ctr"/>
+          <a:lstStyle/>
+          <a:p>
+            <a:pPr algn="ctr"/>
+            <a:endParaRPr lang="en-US"/>
+          </a:p>
+        </p:txBody>
+      </p:sp>
+      <p:sp>
+        <p:nvSpPr>
+          <p:cNvPr id="27" name="Rectangle 26">
+            <a:extLst>
+              <a:ext uri="{FF2B5EF4-FFF2-40B4-BE49-F238E27FC236}">
+                <a16:creationId xmlns:a16="http://schemas.microsoft.com/office/drawing/2014/main" id="{89CF16AA-9C0B-2206-7D15-5C01D142A168}"/>
+              </a:ext>
+            </a:extLst>
+          </p:cNvPr>
+          <p:cNvSpPr/>
+          <p:nvPr/>
+        </p:nvSpPr>
+        <p:spPr>
+          <a:xfrm>
+            <a:off x="5736987" y="2285404"/>
+            <a:ext cx="923123" cy="389109"/>
+          </a:xfrm>
+          <a:prstGeom prst="rect">
+            <a:avLst/>
+          </a:prstGeom>
+          <a:solidFill>
+            <a:srgbClr val="F6F256"/>
+          </a:solidFill>
+          <a:ln>
+            <a:solidFill>
+              <a:schemeClr val="tx1"/>
+            </a:solidFill>
+          </a:ln>
+        </p:spPr>
+        <p:style>
+          <a:lnRef idx="2">
+            <a:schemeClr val="accent1">
+              <a:shade val="50000"/>
+            </a:schemeClr>
+          </a:lnRef>
+          <a:fillRef idx="1">
+            <a:schemeClr val="accent1"/>
+          </a:fillRef>
+          <a:effectRef idx="0">
+            <a:schemeClr val="accent1"/>
+          </a:effectRef>
+          <a:fontRef idx="minor">
+            <a:schemeClr val="lt1"/>
+          </a:fontRef>
+        </p:style>
+        <p:txBody>
+          <a:bodyPr rtlCol="0" anchor="ctr"/>
+          <a:lstStyle/>
+          <a:p>
+            <a:pPr algn="ctr"/>
+            <a:r>
+              <a:rPr lang="en-US" sz="1000">
+                <a:solidFill>
+                  <a:schemeClr val="tx1"/>
+                </a:solidFill>
+                <a:latin typeface="Consolas" panose="020B0609020204030204" pitchFamily="49" charset="0"/>
+              </a:rPr>
+              <a:t>true</a:t>
+            </a:r>
+          </a:p>
+        </p:txBody>
+      </p:sp>
+      <p:sp>
+        <p:nvSpPr>
+          <p:cNvPr id="28" name="TextBox 27">
+            <a:extLst>
+              <a:ext uri="{FF2B5EF4-FFF2-40B4-BE49-F238E27FC236}">
+                <a16:creationId xmlns:a16="http://schemas.microsoft.com/office/drawing/2014/main" id="{F8BA6EC9-EE7F-E124-C367-D4F1CDF499A6}"/>
+              </a:ext>
+            </a:extLst>
+          </p:cNvPr>
+          <p:cNvSpPr txBox="1"/>
+          <p:nvPr/>
+        </p:nvSpPr>
+        <p:spPr>
+          <a:xfrm>
+            <a:off x="4697499" y="2262585"/>
+            <a:ext cx="774571" cy="246221"/>
+          </a:xfrm>
+          <a:prstGeom prst="rect">
+            <a:avLst/>
+          </a:prstGeom>
+          <a:noFill/>
+        </p:spPr>
+        <p:txBody>
+          <a:bodyPr wrap="none" rtlCol="0">
+            <a:spAutoFit/>
+          </a:bodyPr>
+          <a:lstStyle/>
+          <a:p>
+            <a:r>
+              <a:rPr lang="en-US" sz="1000" i="1"/>
+              <a:t>my:isSecret</a:t>
+            </a:r>
+          </a:p>
+        </p:txBody>
+      </p:sp>
+    </p:spTree>
+    <p:extLst>
+      <p:ext uri="{BB962C8B-B14F-4D97-AF65-F5344CB8AC3E}">
+        <p14:creationId xmlns:p14="http://schemas.microsoft.com/office/powerpoint/2010/main" val="696920132"/>
+      </p:ext>
+    </p:extLst>
+  </p:cSld>
+  <p:clrMapOvr>
+    <a:masterClrMapping/>
+  </p:clrMapOvr>
+</p:sld>
+</file>
+
 <file path=ppt/theme/theme1.xml><?xml version="1.0" encoding="utf-8"?>
 <a:theme xmlns:a="http://schemas.openxmlformats.org/drawingml/2006/main" name="Office Theme">
   <a:themeElements>

--- a/pptx/figures.pptx
+++ b/pptx/figures.pptx
@@ -277,7 +277,7 @@
           <a:p>
             <a:fld id="{8B6844D7-9723-4963-9A7A-AA67393D1570}" type="datetimeFigureOut">
               <a:rPr lang="en-US" smtClean="0"/>
-              <a:t>12/22/2024</a:t>
+              <a:t>7/14/2025</a:t>
             </a:fld>
             <a:endParaRPr lang="en-US"/>
           </a:p>
@@ -475,7 +475,7 @@
           <a:p>
             <a:fld id="{8B6844D7-9723-4963-9A7A-AA67393D1570}" type="datetimeFigureOut">
               <a:rPr lang="en-US" smtClean="0"/>
-              <a:t>12/22/2024</a:t>
+              <a:t>7/14/2025</a:t>
             </a:fld>
             <a:endParaRPr lang="en-US"/>
           </a:p>
@@ -683,7 +683,7 @@
           <a:p>
             <a:fld id="{8B6844D7-9723-4963-9A7A-AA67393D1570}" type="datetimeFigureOut">
               <a:rPr lang="en-US" smtClean="0"/>
-              <a:t>12/22/2024</a:t>
+              <a:t>7/14/2025</a:t>
             </a:fld>
             <a:endParaRPr lang="en-US"/>
           </a:p>
@@ -881,7 +881,7 @@
           <a:p>
             <a:fld id="{8B6844D7-9723-4963-9A7A-AA67393D1570}" type="datetimeFigureOut">
               <a:rPr lang="en-US" smtClean="0"/>
-              <a:t>12/22/2024</a:t>
+              <a:t>7/14/2025</a:t>
             </a:fld>
             <a:endParaRPr lang="en-US"/>
           </a:p>
@@ -1156,7 +1156,7 @@
           <a:p>
             <a:fld id="{8B6844D7-9723-4963-9A7A-AA67393D1570}" type="datetimeFigureOut">
               <a:rPr lang="en-US" smtClean="0"/>
-              <a:t>12/22/2024</a:t>
+              <a:t>7/14/2025</a:t>
             </a:fld>
             <a:endParaRPr lang="en-US"/>
           </a:p>
@@ -1421,7 +1421,7 @@
           <a:p>
             <a:fld id="{8B6844D7-9723-4963-9A7A-AA67393D1570}" type="datetimeFigureOut">
               <a:rPr lang="en-US" smtClean="0"/>
-              <a:t>12/22/2024</a:t>
+              <a:t>7/14/2025</a:t>
             </a:fld>
             <a:endParaRPr lang="en-US"/>
           </a:p>
@@ -1833,7 +1833,7 @@
           <a:p>
             <a:fld id="{8B6844D7-9723-4963-9A7A-AA67393D1570}" type="datetimeFigureOut">
               <a:rPr lang="en-US" smtClean="0"/>
-              <a:t>12/22/2024</a:t>
+              <a:t>7/14/2025</a:t>
             </a:fld>
             <a:endParaRPr lang="en-US"/>
           </a:p>
@@ -1974,7 +1974,7 @@
           <a:p>
             <a:fld id="{8B6844D7-9723-4963-9A7A-AA67393D1570}" type="datetimeFigureOut">
               <a:rPr lang="en-US" smtClean="0"/>
-              <a:t>12/22/2024</a:t>
+              <a:t>7/14/2025</a:t>
             </a:fld>
             <a:endParaRPr lang="en-US"/>
           </a:p>
@@ -2087,7 +2087,7 @@
           <a:p>
             <a:fld id="{8B6844D7-9723-4963-9A7A-AA67393D1570}" type="datetimeFigureOut">
               <a:rPr lang="en-US" smtClean="0"/>
-              <a:t>12/22/2024</a:t>
+              <a:t>7/14/2025</a:t>
             </a:fld>
             <a:endParaRPr lang="en-US"/>
           </a:p>
@@ -2398,7 +2398,7 @@
           <a:p>
             <a:fld id="{8B6844D7-9723-4963-9A7A-AA67393D1570}" type="datetimeFigureOut">
               <a:rPr lang="en-US" smtClean="0"/>
-              <a:t>12/22/2024</a:t>
+              <a:t>7/14/2025</a:t>
             </a:fld>
             <a:endParaRPr lang="en-US"/>
           </a:p>
@@ -2686,7 +2686,7 @@
           <a:p>
             <a:fld id="{8B6844D7-9723-4963-9A7A-AA67393D1570}" type="datetimeFigureOut">
               <a:rPr lang="en-US" smtClean="0"/>
-              <a:t>12/22/2024</a:t>
+              <a:t>7/14/2025</a:t>
             </a:fld>
             <a:endParaRPr lang="en-US"/>
           </a:p>
@@ -2927,7 +2927,7 @@
           <a:p>
             <a:fld id="{8B6844D7-9723-4963-9A7A-AA67393D1570}" type="datetimeFigureOut">
               <a:rPr lang="en-US" smtClean="0"/>
-              <a:t>12/22/2024</a:t>
+              <a:t>7/14/2025</a:t>
             </a:fld>
             <a:endParaRPr lang="en-US"/>
           </a:p>
@@ -30124,7 +30124,7 @@
                   <a:schemeClr val="tx1"/>
                 </a:solidFill>
               </a:rPr>
-              <a:t>meaning</a:t>
+              <a:t>kgraph</a:t>
             </a:r>
           </a:p>
         </p:txBody>
@@ -30283,7 +30283,7 @@
                   <a:schemeClr val="tx1"/>
                 </a:solidFill>
               </a:rPr>
-              <a:t>_:n1</a:t>
+              <a:t>_:b0</a:t>
             </a:r>
           </a:p>
         </p:txBody>
@@ -30752,7 +30752,7 @@
                   <a:schemeClr val="tx1"/>
                 </a:solidFill>
               </a:rPr>
-              <a:t>_:n2</a:t>
+              <a:t>_:b1</a:t>
             </a:r>
           </a:p>
         </p:txBody>
@@ -31448,6 +31448,242 @@
           </a:p>
         </p:txBody>
       </p:sp>
+      <p:sp>
+        <p:nvSpPr>
+          <p:cNvPr id="3" name="Rectangle: Rounded Corners 2">
+            <a:extLst>
+              <a:ext uri="{FF2B5EF4-FFF2-40B4-BE49-F238E27FC236}">
+                <a16:creationId xmlns:a16="http://schemas.microsoft.com/office/drawing/2014/main" id="{43365162-1DCC-07EF-6CBD-114443BE6DE4}"/>
+              </a:ext>
+            </a:extLst>
+          </p:cNvPr>
+          <p:cNvSpPr/>
+          <p:nvPr/>
+        </p:nvSpPr>
+        <p:spPr>
+          <a:xfrm>
+            <a:off x="5411545" y="1892211"/>
+            <a:ext cx="1141655" cy="405676"/>
+          </a:xfrm>
+          <a:prstGeom prst="roundRect">
+            <a:avLst/>
+          </a:prstGeom>
+          <a:solidFill>
+            <a:srgbClr val="D0B9FF"/>
+          </a:solidFill>
+          <a:ln>
+            <a:solidFill>
+              <a:schemeClr val="tx1"/>
+            </a:solidFill>
+          </a:ln>
+        </p:spPr>
+        <p:style>
+          <a:lnRef idx="2">
+            <a:schemeClr val="accent1">
+              <a:shade val="50000"/>
+            </a:schemeClr>
+          </a:lnRef>
+          <a:fillRef idx="1">
+            <a:schemeClr val="accent1"/>
+          </a:fillRef>
+          <a:effectRef idx="0">
+            <a:schemeClr val="accent1"/>
+          </a:effectRef>
+          <a:fontRef idx="minor">
+            <a:schemeClr val="lt1"/>
+          </a:fontRef>
+        </p:style>
+        <p:txBody>
+          <a:bodyPr rtlCol="0" anchor="ctr"/>
+          <a:lstStyle>
+            <a:defPPr>
+              <a:defRPr lang="en-US"/>
+            </a:defPPr>
+            <a:lvl1pPr marL="0" algn="l" defTabSz="914400" rtl="0" eaLnBrk="1" latinLnBrk="0" hangingPunct="1">
+              <a:defRPr sz="1800" kern="1200">
+                <a:solidFill>
+                  <a:schemeClr val="lt1"/>
+                </a:solidFill>
+                <a:latin typeface="+mn-lt"/>
+                <a:ea typeface="+mn-ea"/>
+                <a:cs typeface="+mn-cs"/>
+              </a:defRPr>
+            </a:lvl1pPr>
+            <a:lvl2pPr marL="457200" algn="l" defTabSz="914400" rtl="0" eaLnBrk="1" latinLnBrk="0" hangingPunct="1">
+              <a:defRPr sz="1800" kern="1200">
+                <a:solidFill>
+                  <a:schemeClr val="lt1"/>
+                </a:solidFill>
+                <a:latin typeface="+mn-lt"/>
+                <a:ea typeface="+mn-ea"/>
+                <a:cs typeface="+mn-cs"/>
+              </a:defRPr>
+            </a:lvl2pPr>
+            <a:lvl3pPr marL="914400" algn="l" defTabSz="914400" rtl="0" eaLnBrk="1" latinLnBrk="0" hangingPunct="1">
+              <a:defRPr sz="1800" kern="1200">
+                <a:solidFill>
+                  <a:schemeClr val="lt1"/>
+                </a:solidFill>
+                <a:latin typeface="+mn-lt"/>
+                <a:ea typeface="+mn-ea"/>
+                <a:cs typeface="+mn-cs"/>
+              </a:defRPr>
+            </a:lvl3pPr>
+            <a:lvl4pPr marL="1371600" algn="l" defTabSz="914400" rtl="0" eaLnBrk="1" latinLnBrk="0" hangingPunct="1">
+              <a:defRPr sz="1800" kern="1200">
+                <a:solidFill>
+                  <a:schemeClr val="lt1"/>
+                </a:solidFill>
+                <a:latin typeface="+mn-lt"/>
+                <a:ea typeface="+mn-ea"/>
+                <a:cs typeface="+mn-cs"/>
+              </a:defRPr>
+            </a:lvl4pPr>
+            <a:lvl5pPr marL="1828800" algn="l" defTabSz="914400" rtl="0" eaLnBrk="1" latinLnBrk="0" hangingPunct="1">
+              <a:defRPr sz="1800" kern="1200">
+                <a:solidFill>
+                  <a:schemeClr val="lt1"/>
+                </a:solidFill>
+                <a:latin typeface="+mn-lt"/>
+                <a:ea typeface="+mn-ea"/>
+                <a:cs typeface="+mn-cs"/>
+              </a:defRPr>
+            </a:lvl5pPr>
+            <a:lvl6pPr marL="2286000" algn="l" defTabSz="914400" rtl="0" eaLnBrk="1" latinLnBrk="0" hangingPunct="1">
+              <a:defRPr sz="1800" kern="1200">
+                <a:solidFill>
+                  <a:schemeClr val="lt1"/>
+                </a:solidFill>
+                <a:latin typeface="+mn-lt"/>
+                <a:ea typeface="+mn-ea"/>
+                <a:cs typeface="+mn-cs"/>
+              </a:defRPr>
+            </a:lvl6pPr>
+            <a:lvl7pPr marL="2743200" algn="l" defTabSz="914400" rtl="0" eaLnBrk="1" latinLnBrk="0" hangingPunct="1">
+              <a:defRPr sz="1800" kern="1200">
+                <a:solidFill>
+                  <a:schemeClr val="lt1"/>
+                </a:solidFill>
+                <a:latin typeface="+mn-lt"/>
+                <a:ea typeface="+mn-ea"/>
+                <a:cs typeface="+mn-cs"/>
+              </a:defRPr>
+            </a:lvl7pPr>
+            <a:lvl8pPr marL="3200400" algn="l" defTabSz="914400" rtl="0" eaLnBrk="1" latinLnBrk="0" hangingPunct="1">
+              <a:defRPr sz="1800" kern="1200">
+                <a:solidFill>
+                  <a:schemeClr val="lt1"/>
+                </a:solidFill>
+                <a:latin typeface="+mn-lt"/>
+                <a:ea typeface="+mn-ea"/>
+                <a:cs typeface="+mn-cs"/>
+              </a:defRPr>
+            </a:lvl8pPr>
+            <a:lvl9pPr marL="3657600" algn="l" defTabSz="914400" rtl="0" eaLnBrk="1" latinLnBrk="0" hangingPunct="1">
+              <a:defRPr sz="1800" kern="1200">
+                <a:solidFill>
+                  <a:schemeClr val="lt1"/>
+                </a:solidFill>
+                <a:latin typeface="+mn-lt"/>
+                <a:ea typeface="+mn-ea"/>
+                <a:cs typeface="+mn-cs"/>
+              </a:defRPr>
+            </a:lvl9pPr>
+          </a:lstStyle>
+          <a:p>
+            <a:pPr algn="ctr"/>
+            <a:r>
+              <a:rPr lang="en-US" sz="1000">
+                <a:solidFill>
+                  <a:schemeClr val="tx1"/>
+                </a:solidFill>
+              </a:rPr>
+              <a:t>nc:TextType</a:t>
+            </a:r>
+          </a:p>
+        </p:txBody>
+      </p:sp>
+      <p:cxnSp>
+        <p:nvCxnSpPr>
+          <p:cNvPr id="10" name="Straight Arrow Connector 9">
+            <a:extLst>
+              <a:ext uri="{FF2B5EF4-FFF2-40B4-BE49-F238E27FC236}">
+                <a16:creationId xmlns:a16="http://schemas.microsoft.com/office/drawing/2014/main" id="{9C27A31F-1181-7203-D31A-8CB45877D294}"/>
+              </a:ext>
+            </a:extLst>
+          </p:cNvPr>
+          <p:cNvCxnSpPr>
+            <a:cxnSpLocks/>
+          </p:cNvCxnSpPr>
+          <p:nvPr/>
+        </p:nvCxnSpPr>
+        <p:spPr>
+          <a:xfrm flipV="1">
+            <a:off x="5966734" y="2286000"/>
+            <a:ext cx="1084" cy="792649"/>
+          </a:xfrm>
+          <a:prstGeom prst="straightConnector1">
+            <a:avLst/>
+          </a:prstGeom>
+          <a:ln>
+            <a:solidFill>
+              <a:schemeClr val="tx1"/>
+            </a:solidFill>
+            <a:tailEnd type="triangle"/>
+          </a:ln>
+        </p:spPr>
+        <p:style>
+          <a:lnRef idx="1">
+            <a:schemeClr val="accent1"/>
+          </a:lnRef>
+          <a:fillRef idx="0">
+            <a:schemeClr val="accent1"/>
+          </a:fillRef>
+          <a:effectRef idx="0">
+            <a:schemeClr val="accent1"/>
+          </a:effectRef>
+          <a:fontRef idx="minor">
+            <a:schemeClr val="tx1"/>
+          </a:fontRef>
+        </p:style>
+      </p:cxnSp>
+      <p:sp>
+        <p:nvSpPr>
+          <p:cNvPr id="12" name="TextBox 11">
+            <a:extLst>
+              <a:ext uri="{FF2B5EF4-FFF2-40B4-BE49-F238E27FC236}">
+                <a16:creationId xmlns:a16="http://schemas.microsoft.com/office/drawing/2014/main" id="{C6AD02E3-68CF-7E7C-F8AC-58C4A576AB7A}"/>
+              </a:ext>
+            </a:extLst>
+          </p:cNvPr>
+          <p:cNvSpPr txBox="1"/>
+          <p:nvPr/>
+        </p:nvSpPr>
+        <p:spPr>
+          <a:xfrm>
+            <a:off x="5763434" y="2602976"/>
+            <a:ext cx="408766" cy="153888"/>
+          </a:xfrm>
+          <a:prstGeom prst="rect">
+            <a:avLst/>
+          </a:prstGeom>
+          <a:solidFill>
+            <a:schemeClr val="bg1"/>
+          </a:solidFill>
+        </p:spPr>
+        <p:txBody>
+          <a:bodyPr wrap="none" lIns="0" tIns="0" rIns="0" bIns="0" rtlCol="0">
+            <a:spAutoFit/>
+          </a:bodyPr>
+          <a:lstStyle/>
+          <a:p>
+            <a:r>
+              <a:rPr lang="en-US" sz="1000" i="1"/>
+              <a:t>rdf:type</a:t>
+            </a:r>
+          </a:p>
+        </p:txBody>
+      </p:sp>
     </p:spTree>
     <p:extLst>
       <p:ext uri="{BB962C8B-B14F-4D97-AF65-F5344CB8AC3E}">
